--- a/ppt/ANGULAR.pptx
+++ b/ppt/ANGULAR.pptx
@@ -112,6 +112,10 @@
     <p:sldId id="408" r:id="rId106"/>
     <p:sldId id="409" r:id="rId107"/>
     <p:sldId id="410" r:id="rId108"/>
+    <p:sldId id="411" r:id="rId109"/>
+    <p:sldId id="412" r:id="rId110"/>
+    <p:sldId id="413" r:id="rId111"/>
+    <p:sldId id="414" r:id="rId112"/>
   </p:sldIdLst>
   <p:sldSz cx="12192000" cy="6858000"/>
   <p:notesSz cx="6858000" cy="9144000"/>
@@ -367,7 +371,7 @@
           <a:p>
             <a:fld id="{2C15695D-599C-472C-8EE7-003AF5022E09}" type="datetime1">
               <a:rPr lang="en-IN" smtClean="0"/>
-              <a:t>23-11-2022</a:t>
+              <a:t>24-11-2022</a:t>
             </a:fld>
             <a:endParaRPr lang="en-IN" dirty="0"/>
           </a:p>
@@ -571,7 +575,7 @@
           <a:p>
             <a:fld id="{9C3F001A-8557-4CEB-B2F6-4E07D7C2B5D3}" type="datetime1">
               <a:rPr lang="en-IN" smtClean="0"/>
-              <a:t>23-11-2022</a:t>
+              <a:t>24-11-2022</a:t>
             </a:fld>
             <a:endParaRPr lang="en-IN" dirty="0"/>
           </a:p>
@@ -785,7 +789,7 @@
           <a:p>
             <a:fld id="{7535BF43-EF1F-4785-9918-05DF53D0FE09}" type="datetime1">
               <a:rPr lang="en-IN" smtClean="0"/>
-              <a:t>23-11-2022</a:t>
+              <a:t>24-11-2022</a:t>
             </a:fld>
             <a:endParaRPr lang="en-IN" dirty="0"/>
           </a:p>
@@ -989,7 +993,7 @@
           <a:p>
             <a:fld id="{F7AE5898-FA79-4903-9589-514C2098B63A}" type="datetime1">
               <a:rPr lang="en-IN" smtClean="0"/>
-              <a:t>23-11-2022</a:t>
+              <a:t>24-11-2022</a:t>
             </a:fld>
             <a:endParaRPr lang="en-IN" dirty="0"/>
           </a:p>
@@ -1269,7 +1273,7 @@
           <a:p>
             <a:fld id="{5A7FE031-48DF-4683-B7D2-57205A625662}" type="datetime1">
               <a:rPr lang="en-IN" smtClean="0"/>
-              <a:t>23-11-2022</a:t>
+              <a:t>24-11-2022</a:t>
             </a:fld>
             <a:endParaRPr lang="en-IN" dirty="0"/>
           </a:p>
@@ -1541,7 +1545,7 @@
           <a:p>
             <a:fld id="{A701DD70-0E15-4A96-8D9D-FA973F2A4A80}" type="datetime1">
               <a:rPr lang="en-IN" smtClean="0"/>
-              <a:t>23-11-2022</a:t>
+              <a:t>24-11-2022</a:t>
             </a:fld>
             <a:endParaRPr lang="en-IN" dirty="0"/>
           </a:p>
@@ -1960,7 +1964,7 @@
           <a:p>
             <a:fld id="{EBE8548B-B500-4907-B08D-0DF9CF07A10F}" type="datetime1">
               <a:rPr lang="en-IN" smtClean="0"/>
-              <a:t>23-11-2022</a:t>
+              <a:t>24-11-2022</a:t>
             </a:fld>
             <a:endParaRPr lang="en-IN" dirty="0"/>
           </a:p>
@@ -2106,7 +2110,7 @@
           <a:p>
             <a:fld id="{4A39EDBF-AA7A-40E8-816B-F16F7AE7EB06}" type="datetime1">
               <a:rPr lang="en-IN" smtClean="0"/>
-              <a:t>23-11-2022</a:t>
+              <a:t>24-11-2022</a:t>
             </a:fld>
             <a:endParaRPr lang="en-IN" dirty="0"/>
           </a:p>
@@ -2223,7 +2227,7 @@
           <a:p>
             <a:fld id="{DDE686EA-1272-468C-B919-059622CE55E3}" type="datetime1">
               <a:rPr lang="en-IN" smtClean="0"/>
-              <a:t>23-11-2022</a:t>
+              <a:t>24-11-2022</a:t>
             </a:fld>
             <a:endParaRPr lang="en-IN" dirty="0"/>
           </a:p>
@@ -2540,7 +2544,7 @@
           <a:p>
             <a:fld id="{595AE8F3-C7BB-42D3-9095-2FAB453C778B}" type="datetime1">
               <a:rPr lang="en-IN" smtClean="0"/>
-              <a:t>23-11-2022</a:t>
+              <a:t>24-11-2022</a:t>
             </a:fld>
             <a:endParaRPr lang="en-IN" dirty="0"/>
           </a:p>
@@ -2833,7 +2837,7 @@
           <a:p>
             <a:fld id="{84724D7A-FD32-456F-B816-D106EBA5EF5A}" type="datetime1">
               <a:rPr lang="en-IN" smtClean="0"/>
-              <a:t>23-11-2022</a:t>
+              <a:t>24-11-2022</a:t>
             </a:fld>
             <a:endParaRPr lang="en-IN" dirty="0"/>
           </a:p>
@@ -3080,7 +3084,7 @@
           <a:p>
             <a:fld id="{99268E84-A059-498B-B9D3-7496418580D6}" type="datetime1">
               <a:rPr lang="en-IN" smtClean="0"/>
-              <a:t>23-11-2022</a:t>
+              <a:t>24-11-2022</a:t>
             </a:fld>
             <a:endParaRPr lang="en-IN" dirty="0"/>
           </a:p>
@@ -4287,8 +4291,8 @@
         </p:nvSpPr>
         <p:spPr>
           <a:xfrm>
-            <a:off x="400638" y="2074546"/>
-            <a:ext cx="10732417" cy="2031325"/>
+            <a:off x="434505" y="2120711"/>
+            <a:ext cx="10732417" cy="2308324"/>
           </a:xfrm>
           <a:prstGeom prst="rect">
             <a:avLst/>
@@ -4303,7 +4307,15 @@
           <a:p>
             <a:r>
               <a:rPr lang="en-IN" dirty="0"/>
-              <a:t>{{ 25000 | currency }} will display $25,000.00</a:t>
+              <a:t>{{ 25000 | currency }} will display $25,000.00&lt;</a:t>
+            </a:r>
+            <a:r>
+              <a:rPr lang="en-IN" dirty="0" err="1"/>
+              <a:t>br</a:t>
+            </a:r>
+            <a:r>
+              <a:rPr lang="en-IN" dirty="0"/>
+              <a:t>&gt;</a:t>
             </a:r>
           </a:p>
           <a:p>
@@ -4317,7 +4329,15 @@
             </a:r>
             <a:r>
               <a:rPr lang="en-IN" dirty="0"/>
-              <a:t>' }} will display CA$25,000.00</a:t>
+              <a:t>' }} will display CA$25,000.00&lt;</a:t>
+            </a:r>
+            <a:r>
+              <a:rPr lang="en-IN" dirty="0" err="1"/>
+              <a:t>br</a:t>
+            </a:r>
+            <a:r>
+              <a:rPr lang="en-IN" dirty="0"/>
+              <a:t>&gt;</a:t>
             </a:r>
           </a:p>
           <a:p>
@@ -4331,13 +4351,29 @@
             </a:r>
             <a:r>
               <a:rPr lang="en-IN" dirty="0"/>
-              <a:t>' }} will display CAD25,000.00</a:t>
-            </a:r>
-          </a:p>
-          <a:p>
-            <a:r>
-              <a:rPr lang="en-IN" dirty="0"/>
-              <a:t>{{ 25000 | currency:'CAD':'symbol':'6.2-3'}} will display CA$025,000.00</a:t>
+              <a:t>' }} will display CAD25,000.00&lt;</a:t>
+            </a:r>
+            <a:r>
+              <a:rPr lang="en-IN" dirty="0" err="1"/>
+              <a:t>br</a:t>
+            </a:r>
+            <a:r>
+              <a:rPr lang="en-IN" dirty="0"/>
+              <a:t>&gt;</a:t>
+            </a:r>
+          </a:p>
+          <a:p>
+            <a:r>
+              <a:rPr lang="en-IN" dirty="0"/>
+              <a:t>{{ 25000 | currency:'CAD':'symbol':'6.2-3'}} will display CA$025,000.00&lt;</a:t>
+            </a:r>
+            <a:r>
+              <a:rPr lang="en-IN" dirty="0" err="1"/>
+              <a:t>br</a:t>
+            </a:r>
+            <a:r>
+              <a:rPr lang="en-IN" dirty="0"/>
+              <a:t>&gt;</a:t>
             </a:r>
           </a:p>
           <a:p>
@@ -4351,20 +4387,47 @@
             </a:r>
             <a:r>
               <a:rPr lang="en-IN" dirty="0"/>
-              <a:t>': 'symbol-narrow':'1.3'}} will display $25,000.000</a:t>
-            </a:r>
-          </a:p>
-          <a:p>
-            <a:r>
-              <a:rPr lang="en-IN" dirty="0"/>
-              <a:t>{{ 250000 | currency:'CAD':'symbol':'6.3'}} will display CA$250,000.000</a:t>
-            </a:r>
-          </a:p>
-          <a:p>
-            <a:r>
-              <a:rPr lang="en-IN" dirty="0"/>
-              <a:t>{{ 250000 | currency:'CAD':'symbol':'6.3':'fr'}} will display 250 000,000 CA$</a:t>
-            </a:r>
+              <a:t>': 'symbol-narrow':'1.3'}} will display $25,000.000&lt;</a:t>
+            </a:r>
+            <a:r>
+              <a:rPr lang="en-IN" dirty="0" err="1"/>
+              <a:t>br</a:t>
+            </a:r>
+            <a:r>
+              <a:rPr lang="en-IN" dirty="0"/>
+              <a:t>&gt;</a:t>
+            </a:r>
+          </a:p>
+          <a:p>
+            <a:r>
+              <a:rPr lang="en-IN" dirty="0"/>
+              <a:t>{{ 250000 | currency:'CAD':'symbol':'6.3'}} will display CA$250,000.000&lt;</a:t>
+            </a:r>
+            <a:r>
+              <a:rPr lang="en-IN" dirty="0" err="1"/>
+              <a:t>br</a:t>
+            </a:r>
+            <a:r>
+              <a:rPr lang="en-IN" dirty="0"/>
+              <a:t>&gt;</a:t>
+            </a:r>
+          </a:p>
+          <a:p>
+            <a:r>
+              <a:rPr lang="en-IN" dirty="0"/>
+              <a:t>{{ 250000 | currency:'CAD':'symbol':'6.3':'fr'}} will display 250 000,000 CA$&lt;</a:t>
+            </a:r>
+            <a:r>
+              <a:rPr lang="en-IN" dirty="0" err="1"/>
+              <a:t>br</a:t>
+            </a:r>
+            <a:r>
+              <a:rPr lang="en-IN" dirty="0"/>
+              <a:t>&gt;</a:t>
+            </a:r>
+          </a:p>
+          <a:p>
+            <a:endParaRPr lang="en-IN" dirty="0"/>
           </a:p>
         </p:txBody>
       </p:sp>
@@ -5602,8 +5665,8 @@
         </p:nvSpPr>
         <p:spPr>
           <a:xfrm>
-            <a:off x="136687" y="4067916"/>
-            <a:ext cx="11571404" cy="1477328"/>
+            <a:off x="310298" y="4424773"/>
+            <a:ext cx="11571404" cy="923330"/>
           </a:xfrm>
           <a:prstGeom prst="rect">
             <a:avLst/>
@@ -5614,46 +5677,143 @@
           <a:bodyPr wrap="square">
             <a:spAutoFit/>
           </a:bodyPr>
-          <a:lstStyle/>
-          <a:p>
-            <a:r>
-              <a:rPr lang="en-IN" dirty="0"/>
-              <a:t>{{ "6/2/2017" | date }} will display Jun 2, 2017</a:t>
-            </a:r>
-          </a:p>
-          <a:p>
-            <a:r>
-              <a:rPr lang="en-IN" dirty="0"/>
+          <a:lstStyle>
+            <a:defPPr>
+              <a:defRPr lang="en-US"/>
+            </a:defPPr>
+            <a:lvl1pPr>
+              <a:defRPr b="0">
+                <a:solidFill>
+                  <a:srgbClr val="D4D4D4"/>
+                </a:solidFill>
+                <a:effectLst/>
+                <a:latin typeface="Consolas" panose="020B0609020204030204" pitchFamily="49" charset="0"/>
+              </a:defRPr>
+            </a:lvl1pPr>
+          </a:lstStyle>
+          <a:p>
+            <a:r>
+              <a:rPr lang="en-IN" dirty="0">
+                <a:solidFill>
+                  <a:schemeClr val="tx1"/>
+                </a:solidFill>
+                <a:latin typeface="+mn-lt"/>
+              </a:rPr>
+              <a:t>{{ "6/2/2017" | date }} will display Jun 2, 2017&lt;</a:t>
+            </a:r>
+            <a:r>
+              <a:rPr lang="en-IN" dirty="0" err="1">
+                <a:solidFill>
+                  <a:schemeClr val="tx1"/>
+                </a:solidFill>
+                <a:latin typeface="+mn-lt"/>
+              </a:rPr>
+              <a:t>br</a:t>
+            </a:r>
+            <a:r>
+              <a:rPr lang="en-IN" dirty="0">
+                <a:solidFill>
+                  <a:schemeClr val="tx1"/>
+                </a:solidFill>
+                <a:latin typeface="+mn-lt"/>
+              </a:rPr>
+              <a:t>&gt;</a:t>
+            </a:r>
+          </a:p>
+          <a:p>
+            <a:r>
+              <a:rPr lang="en-IN" dirty="0">
+                <a:solidFill>
+                  <a:schemeClr val="tx1"/>
+                </a:solidFill>
+                <a:latin typeface="+mn-lt"/>
+              </a:rPr>
               <a:t>{{ "6/2/2017, 11:30:45 AM" | </a:t>
             </a:r>
             <a:r>
-              <a:rPr lang="en-IN" dirty="0" err="1"/>
+              <a:rPr lang="en-IN" dirty="0" err="1">
+                <a:solidFill>
+                  <a:schemeClr val="tx1"/>
+                </a:solidFill>
+                <a:latin typeface="+mn-lt"/>
+              </a:rPr>
               <a:t>date:'medium</a:t>
             </a:r>
             <a:r>
-              <a:rPr lang="en-IN" dirty="0"/>
-              <a:t>' }} will display Jun 2, 2017, 11:30:45 AM</a:t>
-            </a:r>
-          </a:p>
-          <a:p>
-            <a:r>
-              <a:rPr lang="en-IN" dirty="0"/>
+              <a:rPr lang="en-IN" dirty="0">
+                <a:solidFill>
+                  <a:schemeClr val="tx1"/>
+                </a:solidFill>
+                <a:latin typeface="+mn-lt"/>
+              </a:rPr>
+              <a:t>' }} will display Jun 2, 2017, 11:30:45 AM&lt;</a:t>
+            </a:r>
+            <a:r>
+              <a:rPr lang="en-IN" dirty="0" err="1">
+                <a:solidFill>
+                  <a:schemeClr val="tx1"/>
+                </a:solidFill>
+                <a:latin typeface="+mn-lt"/>
+              </a:rPr>
+              <a:t>br</a:t>
+            </a:r>
+            <a:r>
+              <a:rPr lang="en-IN" dirty="0">
+                <a:solidFill>
+                  <a:schemeClr val="tx1"/>
+                </a:solidFill>
+                <a:latin typeface="+mn-lt"/>
+              </a:rPr>
+              <a:t>&gt;</a:t>
+            </a:r>
+          </a:p>
+          <a:p>
+            <a:r>
+              <a:rPr lang="en-IN" dirty="0">
+                <a:solidFill>
+                  <a:schemeClr val="tx1"/>
+                </a:solidFill>
+                <a:latin typeface="+mn-lt"/>
+              </a:rPr>
               <a:t>{{ "6/2/2017, 11:30:45 AM" | date:'</a:t>
             </a:r>
             <a:r>
-              <a:rPr lang="en-IN" dirty="0" err="1"/>
+              <a:rPr lang="en-IN" dirty="0" err="1">
+                <a:solidFill>
+                  <a:schemeClr val="tx1"/>
+                </a:solidFill>
+                <a:latin typeface="+mn-lt"/>
+              </a:rPr>
               <a:t>mmss</a:t>
             </a:r>
             <a:r>
-              <a:rPr lang="en-IN" dirty="0"/>
-              <a:t>' }} will display 3045</a:t>
-            </a:r>
-          </a:p>
-          <a:p>
-            <a:r>
-              <a:rPr lang="en-IN" dirty="0"/>
-              <a:t>{{ 90000000 | date }} will display Jan 2, 1970 – date pipe will start from Jan 1, 1970 and based on the given number of milliseconds, it displays the date</a:t>
-            </a:r>
+              <a:rPr lang="en-IN" dirty="0">
+                <a:solidFill>
+                  <a:schemeClr val="tx1"/>
+                </a:solidFill>
+                <a:latin typeface="+mn-lt"/>
+              </a:rPr>
+              <a:t>' }} will display 3045&lt;</a:t>
+            </a:r>
+            <a:r>
+              <a:rPr lang="en-IN" dirty="0" err="1">
+                <a:solidFill>
+                  <a:schemeClr val="tx1"/>
+                </a:solidFill>
+                <a:latin typeface="+mn-lt"/>
+              </a:rPr>
+              <a:t>br</a:t>
+            </a:r>
+            <a:r>
+              <a:rPr lang="en-IN" dirty="0">
+                <a:solidFill>
+                  <a:schemeClr val="tx1"/>
+                </a:solidFill>
+                <a:latin typeface="+mn-lt"/>
+              </a:rPr>
+              <a:t>&gt;</a:t>
+            </a:r>
+            <a:endParaRPr lang="en-IN" dirty="0"/>
           </a:p>
         </p:txBody>
       </p:sp>
@@ -7497,6 +7657,852 @@
 </p:sld>
 </file>
 
+<file path=ppt/slides/slide108.xml><?xml version="1.0" encoding="utf-8"?>
+<p:sld xmlns:a="http://schemas.openxmlformats.org/drawingml/2006/main" xmlns:r="http://schemas.openxmlformats.org/officeDocument/2006/relationships" xmlns:p="http://schemas.openxmlformats.org/presentationml/2006/main">
+  <p:cSld>
+    <p:spTree>
+      <p:nvGrpSpPr>
+        <p:cNvPr id="1" name=""/>
+        <p:cNvGrpSpPr/>
+        <p:nvPr/>
+      </p:nvGrpSpPr>
+      <p:grpSpPr>
+        <a:xfrm>
+          <a:off x="0" y="0"/>
+          <a:ext cx="0" cy="0"/>
+          <a:chOff x="0" y="0"/>
+          <a:chExt cx="0" cy="0"/>
+        </a:xfrm>
+      </p:grpSpPr>
+      <p:sp>
+        <p:nvSpPr>
+          <p:cNvPr id="2" name="Footer Placeholder 1">
+            <a:extLst>
+              <a:ext uri="{FF2B5EF4-FFF2-40B4-BE49-F238E27FC236}">
+                <a16:creationId xmlns:a16="http://schemas.microsoft.com/office/drawing/2014/main" id="{A778DE07-F284-2FF5-4202-89654997323B}"/>
+              </a:ext>
+            </a:extLst>
+          </p:cNvPr>
+          <p:cNvSpPr>
+            <a:spLocks noGrp="1"/>
+          </p:cNvSpPr>
+          <p:nvPr>
+            <p:ph type="ftr" sz="quarter" idx="11"/>
+          </p:nvPr>
+        </p:nvSpPr>
+        <p:spPr/>
+        <p:txBody>
+          <a:bodyPr/>
+          <a:lstStyle/>
+          <a:p>
+            <a:r>
+              <a:rPr lang="en-IN"/>
+              <a:t>H&amp;D IT Solution</a:t>
+            </a:r>
+            <a:endParaRPr lang="en-IN" dirty="0"/>
+          </a:p>
+        </p:txBody>
+      </p:sp>
+      <p:sp>
+        <p:nvSpPr>
+          <p:cNvPr id="3" name="Slide Number Placeholder 2">
+            <a:extLst>
+              <a:ext uri="{FF2B5EF4-FFF2-40B4-BE49-F238E27FC236}">
+                <a16:creationId xmlns:a16="http://schemas.microsoft.com/office/drawing/2014/main" id="{CAD145B9-51A4-10EB-E63C-16AD5457AF46}"/>
+              </a:ext>
+            </a:extLst>
+          </p:cNvPr>
+          <p:cNvSpPr>
+            <a:spLocks noGrp="1"/>
+          </p:cNvSpPr>
+          <p:nvPr>
+            <p:ph type="sldNum" sz="quarter" idx="12"/>
+          </p:nvPr>
+        </p:nvSpPr>
+        <p:spPr/>
+        <p:txBody>
+          <a:bodyPr/>
+          <a:lstStyle/>
+          <a:p>
+            <a:fld id="{4A777409-9C5A-4B07-8E32-19F22F7D558C}" type="slidenum">
+              <a:rPr lang="en-IN" smtClean="0"/>
+              <a:t>108</a:t>
+            </a:fld>
+            <a:endParaRPr lang="en-IN" dirty="0"/>
+          </a:p>
+        </p:txBody>
+      </p:sp>
+      <p:sp>
+        <p:nvSpPr>
+          <p:cNvPr id="5" name="TextBox 4">
+            <a:extLst>
+              <a:ext uri="{FF2B5EF4-FFF2-40B4-BE49-F238E27FC236}">
+                <a16:creationId xmlns:a16="http://schemas.microsoft.com/office/drawing/2014/main" id="{D8599727-5CAC-DF87-1A98-C304D96C5338}"/>
+              </a:ext>
+            </a:extLst>
+          </p:cNvPr>
+          <p:cNvSpPr txBox="1"/>
+          <p:nvPr/>
+        </p:nvSpPr>
+        <p:spPr>
+          <a:xfrm>
+            <a:off x="989029" y="569478"/>
+            <a:ext cx="6099142" cy="461665"/>
+          </a:xfrm>
+          <a:prstGeom prst="rect">
+            <a:avLst/>
+          </a:prstGeom>
+          <a:noFill/>
+        </p:spPr>
+        <p:txBody>
+          <a:bodyPr wrap="square">
+            <a:spAutoFit/>
+          </a:bodyPr>
+          <a:lstStyle/>
+          <a:p>
+            <a:r>
+              <a:rPr lang="en-IN" sz="2400" b="1" dirty="0"/>
+              <a:t>Custom Pipes</a:t>
+            </a:r>
+          </a:p>
+        </p:txBody>
+      </p:sp>
+      <p:sp>
+        <p:nvSpPr>
+          <p:cNvPr id="7" name="TextBox 6">
+            <a:extLst>
+              <a:ext uri="{FF2B5EF4-FFF2-40B4-BE49-F238E27FC236}">
+                <a16:creationId xmlns:a16="http://schemas.microsoft.com/office/drawing/2014/main" id="{AFEFF0D3-6997-C354-213E-0D30E89435D7}"/>
+              </a:ext>
+            </a:extLst>
+          </p:cNvPr>
+          <p:cNvSpPr txBox="1"/>
+          <p:nvPr/>
+        </p:nvSpPr>
+        <p:spPr>
+          <a:xfrm>
+            <a:off x="202675" y="1120676"/>
+            <a:ext cx="11373439" cy="2246769"/>
+          </a:xfrm>
+          <a:prstGeom prst="rect">
+            <a:avLst/>
+          </a:prstGeom>
+          <a:noFill/>
+        </p:spPr>
+        <p:txBody>
+          <a:bodyPr wrap="square">
+            <a:spAutoFit/>
+          </a:bodyPr>
+          <a:lstStyle/>
+          <a:p>
+            <a:r>
+              <a:rPr lang="en-US" sz="2000" dirty="0">
+                <a:solidFill>
+                  <a:schemeClr val="tx1">
+                    <a:lumMod val="65000"/>
+                    <a:lumOff val="35000"/>
+                  </a:schemeClr>
+                </a:solidFill>
+                <a:effectLst/>
+              </a:rPr>
+              <a:t>If you want to implement data transformations which are not offered by built-in pipes, such as displaying sorted data, displaying filtered data, etc., you can create  custom pipes. </a:t>
+            </a:r>
+          </a:p>
+          <a:p>
+            <a:endParaRPr lang="en-US" sz="2000" dirty="0">
+              <a:solidFill>
+                <a:schemeClr val="tx1">
+                  <a:lumMod val="65000"/>
+                  <a:lumOff val="35000"/>
+                </a:schemeClr>
+              </a:solidFill>
+              <a:effectLst/>
+            </a:endParaRPr>
+          </a:p>
+          <a:p>
+            <a:r>
+              <a:rPr lang="en-US" sz="2000" dirty="0">
+                <a:solidFill>
+                  <a:schemeClr val="tx1">
+                    <a:lumMod val="65000"/>
+                    <a:lumOff val="35000"/>
+                  </a:schemeClr>
+                </a:solidFill>
+                <a:effectLst/>
+              </a:rPr>
+              <a:t>To create your own custom pipe, inherit the </a:t>
+            </a:r>
+            <a:r>
+              <a:rPr lang="en-US" sz="2000" dirty="0" err="1">
+                <a:solidFill>
+                  <a:schemeClr val="tx1">
+                    <a:lumMod val="65000"/>
+                    <a:lumOff val="35000"/>
+                  </a:schemeClr>
+                </a:solidFill>
+                <a:effectLst/>
+              </a:rPr>
+              <a:t>PipeTransform</a:t>
+            </a:r>
+            <a:r>
+              <a:rPr lang="en-US" sz="2000" dirty="0">
+                <a:solidFill>
+                  <a:schemeClr val="tx1">
+                    <a:lumMod val="65000"/>
+                    <a:lumOff val="35000"/>
+                  </a:schemeClr>
+                </a:solidFill>
+                <a:effectLst/>
+              </a:rPr>
+              <a:t> interface. </a:t>
+            </a:r>
+            <a:r>
+              <a:rPr lang="en-US" sz="2000" dirty="0" err="1">
+                <a:solidFill>
+                  <a:schemeClr val="tx1">
+                    <a:lumMod val="65000"/>
+                    <a:lumOff val="35000"/>
+                  </a:schemeClr>
+                </a:solidFill>
+                <a:effectLst/>
+              </a:rPr>
+              <a:t>PipeTransform</a:t>
+            </a:r>
+            <a:r>
+              <a:rPr lang="en-US" sz="2000" dirty="0">
+                <a:solidFill>
+                  <a:schemeClr val="tx1">
+                    <a:lumMod val="65000"/>
+                    <a:lumOff val="35000"/>
+                  </a:schemeClr>
+                </a:solidFill>
+                <a:effectLst/>
+              </a:rPr>
+              <a:t> interface has a transform method where custom pipe functionality needs to be written.</a:t>
+            </a:r>
+          </a:p>
+          <a:p>
+            <a:r>
+              <a:rPr lang="en-US" sz="2000" dirty="0">
+                <a:solidFill>
+                  <a:schemeClr val="tx1">
+                    <a:lumMod val="65000"/>
+                    <a:lumOff val="35000"/>
+                  </a:schemeClr>
+                </a:solidFill>
+              </a:rPr>
+              <a:t> </a:t>
+            </a:r>
+          </a:p>
+          <a:p>
+            <a:r>
+              <a:rPr lang="en-US" sz="2000" b="1" dirty="0">
+                <a:solidFill>
+                  <a:schemeClr val="tx1">
+                    <a:lumMod val="65000"/>
+                    <a:lumOff val="35000"/>
+                  </a:schemeClr>
+                </a:solidFill>
+                <a:effectLst/>
+              </a:rPr>
+              <a:t>Syntax</a:t>
+            </a:r>
+            <a:r>
+              <a:rPr lang="en-US" sz="2000" dirty="0">
+                <a:solidFill>
+                  <a:schemeClr val="tx1">
+                    <a:lumMod val="65000"/>
+                    <a:lumOff val="35000"/>
+                  </a:schemeClr>
+                </a:solidFill>
+                <a:effectLst/>
+              </a:rPr>
+              <a:t>:</a:t>
+            </a:r>
+          </a:p>
+        </p:txBody>
+      </p:sp>
+      <p:sp>
+        <p:nvSpPr>
+          <p:cNvPr id="9" name="TextBox 8">
+            <a:extLst>
+              <a:ext uri="{FF2B5EF4-FFF2-40B4-BE49-F238E27FC236}">
+                <a16:creationId xmlns:a16="http://schemas.microsoft.com/office/drawing/2014/main" id="{F5CFB14B-F292-7F33-525D-3F6B998B9EA2}"/>
+              </a:ext>
+            </a:extLst>
+          </p:cNvPr>
+          <p:cNvSpPr txBox="1"/>
+          <p:nvPr/>
+        </p:nvSpPr>
+        <p:spPr>
+          <a:xfrm>
+            <a:off x="202675" y="3430774"/>
+            <a:ext cx="10119676" cy="4555093"/>
+          </a:xfrm>
+          <a:prstGeom prst="rect">
+            <a:avLst/>
+          </a:prstGeom>
+          <a:noFill/>
+        </p:spPr>
+        <p:txBody>
+          <a:bodyPr wrap="square">
+            <a:spAutoFit/>
+          </a:bodyPr>
+          <a:lstStyle/>
+          <a:p>
+            <a:r>
+              <a:rPr lang="en-IN" sz="2000" dirty="0">
+                <a:solidFill>
+                  <a:schemeClr val="tx1">
+                    <a:lumMod val="65000"/>
+                    <a:lumOff val="35000"/>
+                  </a:schemeClr>
+                </a:solidFill>
+              </a:rPr>
+              <a:t>import { Pipe, </a:t>
+            </a:r>
+            <a:r>
+              <a:rPr lang="en-IN" sz="2000" dirty="0" err="1">
+                <a:solidFill>
+                  <a:schemeClr val="tx1">
+                    <a:lumMod val="65000"/>
+                    <a:lumOff val="35000"/>
+                  </a:schemeClr>
+                </a:solidFill>
+              </a:rPr>
+              <a:t>PipeTransform</a:t>
+            </a:r>
+            <a:r>
+              <a:rPr lang="en-IN" sz="2000" dirty="0">
+                <a:solidFill>
+                  <a:schemeClr val="tx1">
+                    <a:lumMod val="65000"/>
+                    <a:lumOff val="35000"/>
+                  </a:schemeClr>
+                </a:solidFill>
+              </a:rPr>
+              <a:t> } from '@angular/core';</a:t>
+            </a:r>
+          </a:p>
+          <a:p>
+            <a:br>
+              <a:rPr lang="en-IN" sz="2000" dirty="0">
+                <a:solidFill>
+                  <a:schemeClr val="tx1">
+                    <a:lumMod val="65000"/>
+                    <a:lumOff val="35000"/>
+                  </a:schemeClr>
+                </a:solidFill>
+              </a:rPr>
+            </a:br>
+            <a:r>
+              <a:rPr lang="en-IN" sz="2000" dirty="0">
+                <a:solidFill>
+                  <a:schemeClr val="tx1">
+                    <a:lumMod val="65000"/>
+                    <a:lumOff val="35000"/>
+                  </a:schemeClr>
+                </a:solidFill>
+              </a:rPr>
+              <a:t>@Pipe({</a:t>
+            </a:r>
+          </a:p>
+          <a:p>
+            <a:r>
+              <a:rPr lang="en-IN" sz="2000" dirty="0">
+                <a:solidFill>
+                  <a:schemeClr val="tx1">
+                    <a:lumMod val="65000"/>
+                    <a:lumOff val="35000"/>
+                  </a:schemeClr>
+                </a:solidFill>
+              </a:rPr>
+              <a:t>  name: '</a:t>
+            </a:r>
+            <a:r>
+              <a:rPr lang="en-IN" sz="2000" dirty="0" err="1">
+                <a:solidFill>
+                  <a:schemeClr val="tx1">
+                    <a:lumMod val="65000"/>
+                    <a:lumOff val="35000"/>
+                  </a:schemeClr>
+                </a:solidFill>
+              </a:rPr>
+              <a:t>usdInr</a:t>
+            </a:r>
+            <a:r>
+              <a:rPr lang="en-IN" sz="2000" dirty="0">
+                <a:solidFill>
+                  <a:schemeClr val="tx1">
+                    <a:lumMod val="65000"/>
+                    <a:lumOff val="35000"/>
+                  </a:schemeClr>
+                </a:solidFill>
+              </a:rPr>
+              <a:t>'</a:t>
+            </a:r>
+          </a:p>
+          <a:p>
+            <a:r>
+              <a:rPr lang="en-IN" sz="2000" dirty="0">
+                <a:solidFill>
+                  <a:schemeClr val="tx1">
+                    <a:lumMod val="65000"/>
+                    <a:lumOff val="35000"/>
+                  </a:schemeClr>
+                </a:solidFill>
+              </a:rPr>
+              <a:t>})</a:t>
+            </a:r>
+          </a:p>
+          <a:p>
+            <a:r>
+              <a:rPr lang="en-IN" sz="2000" dirty="0">
+                <a:solidFill>
+                  <a:schemeClr val="tx1">
+                    <a:lumMod val="65000"/>
+                    <a:lumOff val="35000"/>
+                  </a:schemeClr>
+                </a:solidFill>
+              </a:rPr>
+              <a:t>export class </a:t>
+            </a:r>
+            <a:r>
+              <a:rPr lang="en-IN" sz="2000" dirty="0" err="1">
+                <a:solidFill>
+                  <a:schemeClr val="tx1">
+                    <a:lumMod val="65000"/>
+                    <a:lumOff val="35000"/>
+                  </a:schemeClr>
+                </a:solidFill>
+              </a:rPr>
+              <a:t>UsdInrPipe</a:t>
+            </a:r>
+            <a:r>
+              <a:rPr lang="en-IN" sz="2000" dirty="0">
+                <a:solidFill>
+                  <a:schemeClr val="tx1">
+                    <a:lumMod val="65000"/>
+                    <a:lumOff val="35000"/>
+                  </a:schemeClr>
+                </a:solidFill>
+              </a:rPr>
+              <a:t> implements </a:t>
+            </a:r>
+            <a:r>
+              <a:rPr lang="en-IN" sz="2000" dirty="0" err="1">
+                <a:solidFill>
+                  <a:schemeClr val="tx1">
+                    <a:lumMod val="65000"/>
+                    <a:lumOff val="35000"/>
+                  </a:schemeClr>
+                </a:solidFill>
+              </a:rPr>
+              <a:t>PipeTransform</a:t>
+            </a:r>
+            <a:r>
+              <a:rPr lang="en-IN" sz="2000" dirty="0">
+                <a:solidFill>
+                  <a:schemeClr val="tx1">
+                    <a:lumMod val="65000"/>
+                    <a:lumOff val="35000"/>
+                  </a:schemeClr>
+                </a:solidFill>
+              </a:rPr>
+              <a:t> {</a:t>
+            </a:r>
+          </a:p>
+          <a:p>
+            <a:br>
+              <a:rPr lang="en-IN" sz="2000" dirty="0">
+                <a:solidFill>
+                  <a:schemeClr val="tx1">
+                    <a:lumMod val="65000"/>
+                    <a:lumOff val="35000"/>
+                  </a:schemeClr>
+                </a:solidFill>
+              </a:rPr>
+            </a:br>
+            <a:r>
+              <a:rPr lang="en-IN" sz="2000" dirty="0">
+                <a:solidFill>
+                  <a:schemeClr val="tx1">
+                    <a:lumMod val="65000"/>
+                    <a:lumOff val="35000"/>
+                  </a:schemeClr>
+                </a:solidFill>
+              </a:rPr>
+              <a:t>  transform(value: unknown, ...</a:t>
+            </a:r>
+            <a:r>
+              <a:rPr lang="en-IN" sz="2000" dirty="0" err="1">
+                <a:solidFill>
+                  <a:schemeClr val="tx1">
+                    <a:lumMod val="65000"/>
+                    <a:lumOff val="35000"/>
+                  </a:schemeClr>
+                </a:solidFill>
+              </a:rPr>
+              <a:t>args</a:t>
+            </a:r>
+            <a:r>
+              <a:rPr lang="en-IN" sz="2000" dirty="0">
+                <a:solidFill>
+                  <a:schemeClr val="tx1">
+                    <a:lumMod val="65000"/>
+                    <a:lumOff val="35000"/>
+                  </a:schemeClr>
+                </a:solidFill>
+              </a:rPr>
+              <a:t>: unknown[]): unknown {</a:t>
+            </a:r>
+          </a:p>
+          <a:p>
+            <a:r>
+              <a:rPr lang="en-IN" sz="2000" dirty="0">
+                <a:solidFill>
+                  <a:schemeClr val="tx1">
+                    <a:lumMod val="65000"/>
+                    <a:lumOff val="35000"/>
+                  </a:schemeClr>
+                </a:solidFill>
+              </a:rPr>
+              <a:t>    return null;</a:t>
+            </a:r>
+          </a:p>
+          <a:p>
+            <a:r>
+              <a:rPr lang="en-IN" sz="2000" dirty="0">
+                <a:solidFill>
+                  <a:schemeClr val="tx1">
+                    <a:lumMod val="65000"/>
+                    <a:lumOff val="35000"/>
+                  </a:schemeClr>
+                </a:solidFill>
+              </a:rPr>
+              <a:t>  }</a:t>
+            </a:r>
+          </a:p>
+          <a:p>
+            <a:br>
+              <a:rPr lang="en-IN" b="0" dirty="0">
+                <a:solidFill>
+                  <a:srgbClr val="D4D4D4"/>
+                </a:solidFill>
+                <a:effectLst/>
+                <a:latin typeface="Consolas" panose="020B0609020204030204" pitchFamily="49" charset="0"/>
+              </a:rPr>
+            </a:br>
+            <a:r>
+              <a:rPr lang="en-IN" b="0" dirty="0">
+                <a:solidFill>
+                  <a:srgbClr val="D4D4D4"/>
+                </a:solidFill>
+                <a:effectLst/>
+                <a:latin typeface="Consolas" panose="020B0609020204030204" pitchFamily="49" charset="0"/>
+              </a:rPr>
+              <a:t>}</a:t>
+            </a:r>
+          </a:p>
+          <a:p>
+            <a:br>
+              <a:rPr lang="en-IN" b="0" dirty="0">
+                <a:solidFill>
+                  <a:srgbClr val="D4D4D4"/>
+                </a:solidFill>
+                <a:effectLst/>
+                <a:latin typeface="Consolas" panose="020B0609020204030204" pitchFamily="49" charset="0"/>
+              </a:rPr>
+            </a:br>
+            <a:endParaRPr lang="en-IN" b="0" dirty="0">
+              <a:solidFill>
+                <a:srgbClr val="D4D4D4"/>
+              </a:solidFill>
+              <a:effectLst/>
+              <a:latin typeface="Consolas" panose="020B0609020204030204" pitchFamily="49" charset="0"/>
+            </a:endParaRPr>
+          </a:p>
+          <a:p>
+            <a:endParaRPr lang="en-IN" dirty="0"/>
+          </a:p>
+        </p:txBody>
+      </p:sp>
+    </p:spTree>
+    <p:extLst>
+      <p:ext uri="{BB962C8B-B14F-4D97-AF65-F5344CB8AC3E}">
+        <p14:creationId xmlns:p14="http://schemas.microsoft.com/office/powerpoint/2010/main" val="3869186792"/>
+      </p:ext>
+    </p:extLst>
+  </p:cSld>
+  <p:clrMapOvr>
+    <a:masterClrMapping/>
+  </p:clrMapOvr>
+</p:sld>
+</file>
+
+<file path=ppt/slides/slide109.xml><?xml version="1.0" encoding="utf-8"?>
+<p:sld xmlns:a="http://schemas.openxmlformats.org/drawingml/2006/main" xmlns:r="http://schemas.openxmlformats.org/officeDocument/2006/relationships" xmlns:p="http://schemas.openxmlformats.org/presentationml/2006/main">
+  <p:cSld>
+    <p:spTree>
+      <p:nvGrpSpPr>
+        <p:cNvPr id="1" name=""/>
+        <p:cNvGrpSpPr/>
+        <p:nvPr/>
+      </p:nvGrpSpPr>
+      <p:grpSpPr>
+        <a:xfrm>
+          <a:off x="0" y="0"/>
+          <a:ext cx="0" cy="0"/>
+          <a:chOff x="0" y="0"/>
+          <a:chExt cx="0" cy="0"/>
+        </a:xfrm>
+      </p:grpSpPr>
+      <p:sp>
+        <p:nvSpPr>
+          <p:cNvPr id="2" name="Footer Placeholder 1">
+            <a:extLst>
+              <a:ext uri="{FF2B5EF4-FFF2-40B4-BE49-F238E27FC236}">
+                <a16:creationId xmlns:a16="http://schemas.microsoft.com/office/drawing/2014/main" id="{8F997A50-086D-3E9C-D97F-6BD9CDB75B38}"/>
+              </a:ext>
+            </a:extLst>
+          </p:cNvPr>
+          <p:cNvSpPr>
+            <a:spLocks noGrp="1"/>
+          </p:cNvSpPr>
+          <p:nvPr>
+            <p:ph type="ftr" sz="quarter" idx="11"/>
+          </p:nvPr>
+        </p:nvSpPr>
+        <p:spPr/>
+        <p:txBody>
+          <a:bodyPr/>
+          <a:lstStyle/>
+          <a:p>
+            <a:r>
+              <a:rPr lang="en-IN"/>
+              <a:t>H&amp;D IT Solution</a:t>
+            </a:r>
+            <a:endParaRPr lang="en-IN" dirty="0"/>
+          </a:p>
+        </p:txBody>
+      </p:sp>
+      <p:sp>
+        <p:nvSpPr>
+          <p:cNvPr id="3" name="Slide Number Placeholder 2">
+            <a:extLst>
+              <a:ext uri="{FF2B5EF4-FFF2-40B4-BE49-F238E27FC236}">
+                <a16:creationId xmlns:a16="http://schemas.microsoft.com/office/drawing/2014/main" id="{7095B698-2DCB-1BAB-B01A-1015C5271D96}"/>
+              </a:ext>
+            </a:extLst>
+          </p:cNvPr>
+          <p:cNvSpPr>
+            <a:spLocks noGrp="1"/>
+          </p:cNvSpPr>
+          <p:nvPr>
+            <p:ph type="sldNum" sz="quarter" idx="12"/>
+          </p:nvPr>
+        </p:nvSpPr>
+        <p:spPr/>
+        <p:txBody>
+          <a:bodyPr/>
+          <a:lstStyle/>
+          <a:p>
+            <a:fld id="{4A777409-9C5A-4B07-8E32-19F22F7D558C}" type="slidenum">
+              <a:rPr lang="en-IN" smtClean="0"/>
+              <a:t>109</a:t>
+            </a:fld>
+            <a:endParaRPr lang="en-IN" dirty="0"/>
+          </a:p>
+        </p:txBody>
+      </p:sp>
+      <p:sp>
+        <p:nvSpPr>
+          <p:cNvPr id="5" name="TextBox 4">
+            <a:extLst>
+              <a:ext uri="{FF2B5EF4-FFF2-40B4-BE49-F238E27FC236}">
+                <a16:creationId xmlns:a16="http://schemas.microsoft.com/office/drawing/2014/main" id="{2AC805FF-8B7C-922E-DE5C-73CED2D0A58F}"/>
+              </a:ext>
+            </a:extLst>
+          </p:cNvPr>
+          <p:cNvSpPr txBox="1"/>
+          <p:nvPr/>
+        </p:nvSpPr>
+        <p:spPr>
+          <a:xfrm>
+            <a:off x="146115" y="1003857"/>
+            <a:ext cx="11609110" cy="2246769"/>
+          </a:xfrm>
+          <a:prstGeom prst="rect">
+            <a:avLst/>
+          </a:prstGeom>
+          <a:noFill/>
+        </p:spPr>
+        <p:txBody>
+          <a:bodyPr wrap="square">
+            <a:spAutoFit/>
+          </a:bodyPr>
+          <a:lstStyle/>
+          <a:p>
+            <a:r>
+              <a:rPr lang="en-US" sz="2000" dirty="0">
+                <a:solidFill>
+                  <a:schemeClr val="tx1">
+                    <a:lumMod val="65000"/>
+                    <a:lumOff val="35000"/>
+                  </a:schemeClr>
+                </a:solidFill>
+                <a:effectLst/>
+              </a:rPr>
+              <a:t>transform method has two arguments, the first one is the value of the expression passed to the pipe which needs to be </a:t>
+            </a:r>
+            <a:r>
+              <a:rPr lang="en-US" sz="2000" dirty="0" err="1">
+                <a:solidFill>
+                  <a:schemeClr val="tx1">
+                    <a:lumMod val="65000"/>
+                    <a:lumOff val="35000"/>
+                  </a:schemeClr>
+                </a:solidFill>
+                <a:effectLst/>
+              </a:rPr>
+              <a:t>tranformed</a:t>
+            </a:r>
+            <a:r>
+              <a:rPr lang="en-US" sz="2000" dirty="0">
+                <a:solidFill>
+                  <a:schemeClr val="tx1">
+                    <a:lumMod val="65000"/>
+                    <a:lumOff val="35000"/>
+                  </a:schemeClr>
+                </a:solidFill>
+                <a:effectLst/>
+              </a:rPr>
+              <a:t> and the second is the variable arguments. The pipe can have multiple arguments based on the number of parameters passed to the pipe. The transform method should return the final value.</a:t>
+            </a:r>
+          </a:p>
+          <a:p>
+            <a:r>
+              <a:rPr lang="en-US" sz="2000" dirty="0">
+                <a:solidFill>
+                  <a:schemeClr val="tx1">
+                    <a:lumMod val="65000"/>
+                    <a:lumOff val="35000"/>
+                  </a:schemeClr>
+                </a:solidFill>
+                <a:effectLst/>
+              </a:rPr>
+              <a:t> </a:t>
+            </a:r>
+          </a:p>
+          <a:p>
+            <a:r>
+              <a:rPr lang="en-US" sz="2000" b="1" dirty="0">
+                <a:solidFill>
+                  <a:schemeClr val="tx1">
+                    <a:lumMod val="65000"/>
+                    <a:lumOff val="35000"/>
+                  </a:schemeClr>
+                </a:solidFill>
+                <a:effectLst/>
+              </a:rPr>
+              <a:t>Example</a:t>
+            </a:r>
+            <a:r>
+              <a:rPr lang="en-US" sz="2000" dirty="0">
+                <a:solidFill>
+                  <a:schemeClr val="tx1">
+                    <a:lumMod val="65000"/>
+                    <a:lumOff val="35000"/>
+                  </a:schemeClr>
+                </a:solidFill>
+                <a:effectLst/>
+              </a:rPr>
+              <a:t>:</a:t>
+            </a:r>
+          </a:p>
+          <a:p>
+            <a:r>
+              <a:rPr lang="en-US" sz="2000" dirty="0">
+                <a:solidFill>
+                  <a:schemeClr val="tx1">
+                    <a:lumMod val="65000"/>
+                    <a:lumOff val="35000"/>
+                  </a:schemeClr>
+                </a:solidFill>
+                <a:effectLst/>
+              </a:rPr>
+              <a:t>Create a custom pipe called sort which can sort the product details based on name or price.</a:t>
+            </a:r>
+          </a:p>
+          <a:p>
+            <a:r>
+              <a:rPr lang="en-US" sz="2000" dirty="0">
+                <a:solidFill>
+                  <a:schemeClr val="tx1">
+                    <a:lumMod val="65000"/>
+                    <a:lumOff val="35000"/>
+                  </a:schemeClr>
+                </a:solidFill>
+                <a:effectLst/>
+              </a:rPr>
+              <a:t>Create a pipe using the following CLI command</a:t>
+            </a:r>
+          </a:p>
+        </p:txBody>
+      </p:sp>
+      <p:sp>
+        <p:nvSpPr>
+          <p:cNvPr id="7" name="TextBox 6">
+            <a:extLst>
+              <a:ext uri="{FF2B5EF4-FFF2-40B4-BE49-F238E27FC236}">
+                <a16:creationId xmlns:a16="http://schemas.microsoft.com/office/drawing/2014/main" id="{5724CEBA-B68C-2F10-D58E-A4027D7B655C}"/>
+              </a:ext>
+            </a:extLst>
+          </p:cNvPr>
+          <p:cNvSpPr txBox="1"/>
+          <p:nvPr/>
+        </p:nvSpPr>
+        <p:spPr>
+          <a:xfrm>
+            <a:off x="146115" y="3277285"/>
+            <a:ext cx="6099142" cy="369332"/>
+          </a:xfrm>
+          <a:prstGeom prst="rect">
+            <a:avLst/>
+          </a:prstGeom>
+          <a:noFill/>
+        </p:spPr>
+        <p:txBody>
+          <a:bodyPr wrap="square">
+            <a:spAutoFit/>
+          </a:bodyPr>
+          <a:lstStyle/>
+          <a:p>
+            <a:r>
+              <a:rPr lang="en-IN" dirty="0"/>
+              <a:t>D:\MyApp&gt; ng g pipe pipes/</a:t>
+            </a:r>
+            <a:r>
+              <a:rPr lang="en-IN" dirty="0" err="1"/>
+              <a:t>usdInr</a:t>
+            </a:r>
+            <a:endParaRPr lang="en-IN" dirty="0"/>
+          </a:p>
+        </p:txBody>
+      </p:sp>
+    </p:spTree>
+    <p:extLst>
+      <p:ext uri="{BB962C8B-B14F-4D97-AF65-F5344CB8AC3E}">
+        <p14:creationId xmlns:p14="http://schemas.microsoft.com/office/powerpoint/2010/main" val="1643157527"/>
+      </p:ext>
+    </p:extLst>
+  </p:cSld>
+  <p:clrMapOvr>
+    <a:masterClrMapping/>
+  </p:clrMapOvr>
+</p:sld>
+</file>
+
 <file path=ppt/slides/slide11.xml><?xml version="1.0" encoding="utf-8"?>
 <p:sld xmlns:a="http://schemas.openxmlformats.org/drawingml/2006/main" xmlns:r="http://schemas.openxmlformats.org/officeDocument/2006/relationships" xmlns:p="http://schemas.openxmlformats.org/presentationml/2006/main">
   <p:cSld>
@@ -7900,6 +8906,656 @@
     <p:extLst>
       <p:ext uri="{BB962C8B-B14F-4D97-AF65-F5344CB8AC3E}">
         <p14:creationId xmlns:p14="http://schemas.microsoft.com/office/powerpoint/2010/main" val="2013878014"/>
+      </p:ext>
+    </p:extLst>
+  </p:cSld>
+  <p:clrMapOvr>
+    <a:masterClrMapping/>
+  </p:clrMapOvr>
+</p:sld>
+</file>
+
+<file path=ppt/slides/slide110.xml><?xml version="1.0" encoding="utf-8"?>
+<p:sld xmlns:a="http://schemas.openxmlformats.org/drawingml/2006/main" xmlns:r="http://schemas.openxmlformats.org/officeDocument/2006/relationships" xmlns:p="http://schemas.openxmlformats.org/presentationml/2006/main">
+  <p:cSld>
+    <p:spTree>
+      <p:nvGrpSpPr>
+        <p:cNvPr id="1" name=""/>
+        <p:cNvGrpSpPr/>
+        <p:nvPr/>
+      </p:nvGrpSpPr>
+      <p:grpSpPr>
+        <a:xfrm>
+          <a:off x="0" y="0"/>
+          <a:ext cx="0" cy="0"/>
+          <a:chOff x="0" y="0"/>
+          <a:chExt cx="0" cy="0"/>
+        </a:xfrm>
+      </p:grpSpPr>
+      <p:sp>
+        <p:nvSpPr>
+          <p:cNvPr id="2" name="Footer Placeholder 1">
+            <a:extLst>
+              <a:ext uri="{FF2B5EF4-FFF2-40B4-BE49-F238E27FC236}">
+                <a16:creationId xmlns:a16="http://schemas.microsoft.com/office/drawing/2014/main" id="{5C5855B2-9292-2864-8F16-4EA63FAEA686}"/>
+              </a:ext>
+            </a:extLst>
+          </p:cNvPr>
+          <p:cNvSpPr>
+            <a:spLocks noGrp="1"/>
+          </p:cNvSpPr>
+          <p:nvPr>
+            <p:ph type="ftr" sz="quarter" idx="11"/>
+          </p:nvPr>
+        </p:nvSpPr>
+        <p:spPr/>
+        <p:txBody>
+          <a:bodyPr/>
+          <a:lstStyle/>
+          <a:p>
+            <a:r>
+              <a:rPr lang="en-IN"/>
+              <a:t>H&amp;D IT Solution</a:t>
+            </a:r>
+            <a:endParaRPr lang="en-IN" dirty="0"/>
+          </a:p>
+        </p:txBody>
+      </p:sp>
+      <p:sp>
+        <p:nvSpPr>
+          <p:cNvPr id="3" name="Slide Number Placeholder 2">
+            <a:extLst>
+              <a:ext uri="{FF2B5EF4-FFF2-40B4-BE49-F238E27FC236}">
+                <a16:creationId xmlns:a16="http://schemas.microsoft.com/office/drawing/2014/main" id="{2180AE96-0AEB-2E65-83EE-55153B153E3C}"/>
+              </a:ext>
+            </a:extLst>
+          </p:cNvPr>
+          <p:cNvSpPr>
+            <a:spLocks noGrp="1"/>
+          </p:cNvSpPr>
+          <p:nvPr>
+            <p:ph type="sldNum" sz="quarter" idx="12"/>
+          </p:nvPr>
+        </p:nvSpPr>
+        <p:spPr/>
+        <p:txBody>
+          <a:bodyPr/>
+          <a:lstStyle/>
+          <a:p>
+            <a:fld id="{4A777409-9C5A-4B07-8E32-19F22F7D558C}" type="slidenum">
+              <a:rPr lang="en-IN" smtClean="0"/>
+              <a:t>110</a:t>
+            </a:fld>
+            <a:endParaRPr lang="en-IN" dirty="0"/>
+          </a:p>
+        </p:txBody>
+      </p:sp>
+      <p:sp>
+        <p:nvSpPr>
+          <p:cNvPr id="5" name="TextBox 4">
+            <a:extLst>
+              <a:ext uri="{FF2B5EF4-FFF2-40B4-BE49-F238E27FC236}">
+                <a16:creationId xmlns:a16="http://schemas.microsoft.com/office/drawing/2014/main" id="{B066D595-E5D8-C0DF-A763-6B0A702F1BE3}"/>
+              </a:ext>
+            </a:extLst>
+          </p:cNvPr>
+          <p:cNvSpPr txBox="1"/>
+          <p:nvPr/>
+        </p:nvSpPr>
+        <p:spPr>
+          <a:xfrm>
+            <a:off x="956036" y="521678"/>
+            <a:ext cx="10397764" cy="5909310"/>
+          </a:xfrm>
+          <a:prstGeom prst="rect">
+            <a:avLst/>
+          </a:prstGeom>
+          <a:noFill/>
+        </p:spPr>
+        <p:txBody>
+          <a:bodyPr wrap="square">
+            <a:spAutoFit/>
+          </a:bodyPr>
+          <a:lstStyle/>
+          <a:p>
+            <a:r>
+              <a:rPr lang="en-IN" sz="2000" dirty="0" err="1">
+                <a:solidFill>
+                  <a:schemeClr val="tx1">
+                    <a:lumMod val="65000"/>
+                    <a:lumOff val="35000"/>
+                  </a:schemeClr>
+                </a:solidFill>
+              </a:rPr>
+              <a:t>Usd-inr.pipe.ts</a:t>
+            </a:r>
+            <a:r>
+              <a:rPr lang="en-IN" sz="2000" dirty="0">
+                <a:solidFill>
+                  <a:schemeClr val="tx1">
+                    <a:lumMod val="65000"/>
+                    <a:lumOff val="35000"/>
+                  </a:schemeClr>
+                </a:solidFill>
+              </a:rPr>
+              <a:t> file</a:t>
+            </a:r>
+          </a:p>
+          <a:p>
+            <a:endParaRPr lang="en-IN" sz="2000" dirty="0">
+              <a:solidFill>
+                <a:schemeClr val="tx1">
+                  <a:lumMod val="65000"/>
+                  <a:lumOff val="35000"/>
+                </a:schemeClr>
+              </a:solidFill>
+            </a:endParaRPr>
+          </a:p>
+          <a:p>
+            <a:r>
+              <a:rPr lang="en-IN" sz="2000" dirty="0">
+                <a:solidFill>
+                  <a:schemeClr val="tx1">
+                    <a:lumMod val="65000"/>
+                    <a:lumOff val="35000"/>
+                  </a:schemeClr>
+                </a:solidFill>
+              </a:rPr>
+              <a:t>import { Pipe, </a:t>
+            </a:r>
+            <a:r>
+              <a:rPr lang="en-IN" sz="2000" dirty="0" err="1">
+                <a:solidFill>
+                  <a:schemeClr val="tx1">
+                    <a:lumMod val="65000"/>
+                    <a:lumOff val="35000"/>
+                  </a:schemeClr>
+                </a:solidFill>
+              </a:rPr>
+              <a:t>PipeTransform</a:t>
+            </a:r>
+            <a:r>
+              <a:rPr lang="en-IN" sz="2000" dirty="0">
+                <a:solidFill>
+                  <a:schemeClr val="tx1">
+                    <a:lumMod val="65000"/>
+                    <a:lumOff val="35000"/>
+                  </a:schemeClr>
+                </a:solidFill>
+              </a:rPr>
+              <a:t> } from '@angular/core';</a:t>
+            </a:r>
+          </a:p>
+          <a:p>
+            <a:br>
+              <a:rPr lang="en-IN" sz="2000" dirty="0">
+                <a:solidFill>
+                  <a:schemeClr val="tx1">
+                    <a:lumMod val="65000"/>
+                    <a:lumOff val="35000"/>
+                  </a:schemeClr>
+                </a:solidFill>
+              </a:rPr>
+            </a:br>
+            <a:r>
+              <a:rPr lang="en-IN" sz="2000" dirty="0">
+                <a:solidFill>
+                  <a:schemeClr val="tx1">
+                    <a:lumMod val="65000"/>
+                    <a:lumOff val="35000"/>
+                  </a:schemeClr>
+                </a:solidFill>
+              </a:rPr>
+              <a:t>@Pipe({</a:t>
+            </a:r>
+          </a:p>
+          <a:p>
+            <a:r>
+              <a:rPr lang="en-IN" sz="2000" dirty="0">
+                <a:solidFill>
+                  <a:schemeClr val="tx1">
+                    <a:lumMod val="65000"/>
+                    <a:lumOff val="35000"/>
+                  </a:schemeClr>
+                </a:solidFill>
+              </a:rPr>
+              <a:t>  name: '</a:t>
+            </a:r>
+            <a:r>
+              <a:rPr lang="en-IN" sz="2000" dirty="0" err="1">
+                <a:solidFill>
+                  <a:schemeClr val="tx1">
+                    <a:lumMod val="65000"/>
+                    <a:lumOff val="35000"/>
+                  </a:schemeClr>
+                </a:solidFill>
+              </a:rPr>
+              <a:t>usdInr</a:t>
+            </a:r>
+            <a:r>
+              <a:rPr lang="en-IN" sz="2000" dirty="0">
+                <a:solidFill>
+                  <a:schemeClr val="tx1">
+                    <a:lumMod val="65000"/>
+                    <a:lumOff val="35000"/>
+                  </a:schemeClr>
+                </a:solidFill>
+              </a:rPr>
+              <a:t>'</a:t>
+            </a:r>
+          </a:p>
+          <a:p>
+            <a:r>
+              <a:rPr lang="en-IN" sz="2000" dirty="0">
+                <a:solidFill>
+                  <a:schemeClr val="tx1">
+                    <a:lumMod val="65000"/>
+                    <a:lumOff val="35000"/>
+                  </a:schemeClr>
+                </a:solidFill>
+              </a:rPr>
+              <a:t>})</a:t>
+            </a:r>
+          </a:p>
+          <a:p>
+            <a:r>
+              <a:rPr lang="en-IN" sz="2000" dirty="0">
+                <a:solidFill>
+                  <a:schemeClr val="tx1">
+                    <a:lumMod val="65000"/>
+                    <a:lumOff val="35000"/>
+                  </a:schemeClr>
+                </a:solidFill>
+              </a:rPr>
+              <a:t>export class </a:t>
+            </a:r>
+            <a:r>
+              <a:rPr lang="en-IN" sz="2000" dirty="0" err="1">
+                <a:solidFill>
+                  <a:schemeClr val="tx1">
+                    <a:lumMod val="65000"/>
+                    <a:lumOff val="35000"/>
+                  </a:schemeClr>
+                </a:solidFill>
+              </a:rPr>
+              <a:t>UsdInrPipe</a:t>
+            </a:r>
+            <a:r>
+              <a:rPr lang="en-IN" sz="2000" dirty="0">
+                <a:solidFill>
+                  <a:schemeClr val="tx1">
+                    <a:lumMod val="65000"/>
+                    <a:lumOff val="35000"/>
+                  </a:schemeClr>
+                </a:solidFill>
+              </a:rPr>
+              <a:t> implements </a:t>
+            </a:r>
+            <a:r>
+              <a:rPr lang="en-IN" sz="2000" dirty="0" err="1">
+                <a:solidFill>
+                  <a:schemeClr val="tx1">
+                    <a:lumMod val="65000"/>
+                    <a:lumOff val="35000"/>
+                  </a:schemeClr>
+                </a:solidFill>
+              </a:rPr>
+              <a:t>PipeTransform</a:t>
+            </a:r>
+            <a:r>
+              <a:rPr lang="en-IN" sz="2000" dirty="0">
+                <a:solidFill>
+                  <a:schemeClr val="tx1">
+                    <a:lumMod val="65000"/>
+                    <a:lumOff val="35000"/>
+                  </a:schemeClr>
+                </a:solidFill>
+              </a:rPr>
+              <a:t> {</a:t>
+            </a:r>
+          </a:p>
+          <a:p>
+            <a:br>
+              <a:rPr lang="en-IN" sz="2000" dirty="0">
+                <a:solidFill>
+                  <a:schemeClr val="tx1">
+                    <a:lumMod val="65000"/>
+                    <a:lumOff val="35000"/>
+                  </a:schemeClr>
+                </a:solidFill>
+              </a:rPr>
+            </a:br>
+            <a:r>
+              <a:rPr lang="en-IN" sz="2000" dirty="0">
+                <a:solidFill>
+                  <a:schemeClr val="tx1">
+                    <a:lumMod val="65000"/>
+                    <a:lumOff val="35000"/>
+                  </a:schemeClr>
+                </a:solidFill>
+              </a:rPr>
+              <a:t>  transform(value: number, ...</a:t>
+            </a:r>
+            <a:r>
+              <a:rPr lang="en-IN" sz="2000" dirty="0" err="1">
+                <a:solidFill>
+                  <a:schemeClr val="tx1">
+                    <a:lumMod val="65000"/>
+                    <a:lumOff val="35000"/>
+                  </a:schemeClr>
+                </a:solidFill>
+              </a:rPr>
+              <a:t>args</a:t>
+            </a:r>
+            <a:r>
+              <a:rPr lang="en-IN" sz="2000" dirty="0">
+                <a:solidFill>
+                  <a:schemeClr val="tx1">
+                    <a:lumMod val="65000"/>
+                    <a:lumOff val="35000"/>
+                  </a:schemeClr>
+                </a:solidFill>
+              </a:rPr>
+              <a:t>: number[]): unknown {</a:t>
+            </a:r>
+          </a:p>
+          <a:p>
+            <a:r>
+              <a:rPr lang="en-IN" sz="2000" dirty="0">
+                <a:solidFill>
+                  <a:schemeClr val="tx1">
+                    <a:lumMod val="65000"/>
+                    <a:lumOff val="35000"/>
+                  </a:schemeClr>
+                </a:solidFill>
+              </a:rPr>
+              <a:t>    </a:t>
+            </a:r>
+            <a:r>
+              <a:rPr lang="en-IN" sz="2000" dirty="0" err="1">
+                <a:solidFill>
+                  <a:schemeClr val="tx1">
+                    <a:lumMod val="65000"/>
+                    <a:lumOff val="35000"/>
+                  </a:schemeClr>
+                </a:solidFill>
+              </a:rPr>
+              <a:t>const</a:t>
+            </a:r>
+            <a:r>
+              <a:rPr lang="en-IN" sz="2000" dirty="0">
+                <a:solidFill>
+                  <a:schemeClr val="tx1">
+                    <a:lumMod val="65000"/>
+                    <a:lumOff val="35000"/>
+                  </a:schemeClr>
+                </a:solidFill>
+              </a:rPr>
+              <a:t> [price] = </a:t>
+            </a:r>
+            <a:r>
+              <a:rPr lang="en-IN" sz="2000" dirty="0" err="1">
+                <a:solidFill>
+                  <a:schemeClr val="tx1">
+                    <a:lumMod val="65000"/>
+                    <a:lumOff val="35000"/>
+                  </a:schemeClr>
+                </a:solidFill>
+              </a:rPr>
+              <a:t>args</a:t>
+            </a:r>
+            <a:r>
+              <a:rPr lang="en-IN" sz="2000" dirty="0">
+                <a:solidFill>
+                  <a:schemeClr val="tx1">
+                    <a:lumMod val="65000"/>
+                    <a:lumOff val="35000"/>
+                  </a:schemeClr>
+                </a:solidFill>
+              </a:rPr>
+              <a:t>;</a:t>
+            </a:r>
+          </a:p>
+          <a:p>
+            <a:r>
+              <a:rPr lang="en-IN" sz="2000" dirty="0">
+                <a:solidFill>
+                  <a:schemeClr val="tx1">
+                    <a:lumMod val="65000"/>
+                    <a:lumOff val="35000"/>
+                  </a:schemeClr>
+                </a:solidFill>
+              </a:rPr>
+              <a:t>    return value*</a:t>
+            </a:r>
+            <a:r>
+              <a:rPr lang="en-IN" sz="2000" dirty="0" err="1">
+                <a:solidFill>
+                  <a:schemeClr val="tx1">
+                    <a:lumMod val="65000"/>
+                    <a:lumOff val="35000"/>
+                  </a:schemeClr>
+                </a:solidFill>
+              </a:rPr>
+              <a:t>args</a:t>
+            </a:r>
+            <a:r>
+              <a:rPr lang="en-IN" sz="2000" dirty="0">
+                <a:solidFill>
+                  <a:schemeClr val="tx1">
+                    <a:lumMod val="65000"/>
+                    <a:lumOff val="35000"/>
+                  </a:schemeClr>
+                </a:solidFill>
+              </a:rPr>
+              <a:t>[0];</a:t>
+            </a:r>
+          </a:p>
+          <a:p>
+            <a:r>
+              <a:rPr lang="en-IN" sz="2000" dirty="0">
+                <a:solidFill>
+                  <a:schemeClr val="tx1">
+                    <a:lumMod val="65000"/>
+                    <a:lumOff val="35000"/>
+                  </a:schemeClr>
+                </a:solidFill>
+              </a:rPr>
+              <a:t>  }</a:t>
+            </a:r>
+          </a:p>
+          <a:p>
+            <a:br>
+              <a:rPr lang="en-IN" sz="2000" dirty="0">
+                <a:solidFill>
+                  <a:schemeClr val="tx1">
+                    <a:lumMod val="65000"/>
+                    <a:lumOff val="35000"/>
+                  </a:schemeClr>
+                </a:solidFill>
+              </a:rPr>
+            </a:br>
+            <a:r>
+              <a:rPr lang="en-IN" sz="2000" dirty="0">
+                <a:solidFill>
+                  <a:schemeClr val="tx1">
+                    <a:lumMod val="65000"/>
+                    <a:lumOff val="35000"/>
+                  </a:schemeClr>
+                </a:solidFill>
+              </a:rPr>
+              <a:t>}</a:t>
+            </a:r>
+          </a:p>
+          <a:p>
+            <a:endParaRPr lang="en-IN" sz="2000" dirty="0">
+              <a:solidFill>
+                <a:schemeClr val="tx1">
+                  <a:lumMod val="65000"/>
+                  <a:lumOff val="35000"/>
+                </a:schemeClr>
+              </a:solidFill>
+            </a:endParaRPr>
+          </a:p>
+          <a:p>
+            <a:r>
+              <a:rPr lang="en-IN" sz="2000" dirty="0">
+                <a:solidFill>
+                  <a:schemeClr val="tx1">
+                    <a:lumMod val="65000"/>
+                    <a:lumOff val="35000"/>
+                  </a:schemeClr>
+                </a:solidFill>
+              </a:rPr>
+              <a:t>App.component.html</a:t>
+            </a:r>
+          </a:p>
+          <a:p>
+            <a:r>
+              <a:rPr lang="pt-BR" sz="2000" dirty="0">
+                <a:solidFill>
+                  <a:schemeClr val="tx1">
+                    <a:lumMod val="65000"/>
+                    <a:lumOff val="35000"/>
+                  </a:schemeClr>
+                </a:solidFill>
+              </a:rPr>
+              <a:t> &lt;h2&gt;{{30|usdInr:30}}&lt;/h2&gt;</a:t>
+            </a:r>
+          </a:p>
+          <a:p>
+            <a:endParaRPr lang="en-IN" b="0" dirty="0">
+              <a:solidFill>
+                <a:srgbClr val="D4D4D4"/>
+              </a:solidFill>
+              <a:effectLst/>
+              <a:latin typeface="Consolas" panose="020B0609020204030204" pitchFamily="49" charset="0"/>
+            </a:endParaRPr>
+          </a:p>
+        </p:txBody>
+      </p:sp>
+    </p:spTree>
+    <p:extLst>
+      <p:ext uri="{BB962C8B-B14F-4D97-AF65-F5344CB8AC3E}">
+        <p14:creationId xmlns:p14="http://schemas.microsoft.com/office/powerpoint/2010/main" val="710449784"/>
+      </p:ext>
+    </p:extLst>
+  </p:cSld>
+  <p:clrMapOvr>
+    <a:masterClrMapping/>
+  </p:clrMapOvr>
+</p:sld>
+</file>
+
+<file path=ppt/slides/slide111.xml><?xml version="1.0" encoding="utf-8"?>
+<p:sld xmlns:a="http://schemas.openxmlformats.org/drawingml/2006/main" xmlns:r="http://schemas.openxmlformats.org/officeDocument/2006/relationships" xmlns:p="http://schemas.openxmlformats.org/presentationml/2006/main">
+  <p:cSld>
+    <p:spTree>
+      <p:nvGrpSpPr>
+        <p:cNvPr id="1" name=""/>
+        <p:cNvGrpSpPr/>
+        <p:nvPr/>
+      </p:nvGrpSpPr>
+      <p:grpSpPr>
+        <a:xfrm>
+          <a:off x="0" y="0"/>
+          <a:ext cx="0" cy="0"/>
+          <a:chOff x="0" y="0"/>
+          <a:chExt cx="0" cy="0"/>
+        </a:xfrm>
+      </p:grpSpPr>
+      <p:sp>
+        <p:nvSpPr>
+          <p:cNvPr id="4" name="Footer Placeholder 3">
+            <a:extLst>
+              <a:ext uri="{FF2B5EF4-FFF2-40B4-BE49-F238E27FC236}">
+                <a16:creationId xmlns:a16="http://schemas.microsoft.com/office/drawing/2014/main" id="{0440D001-1348-C627-7167-8AC83CC5D5C0}"/>
+              </a:ext>
+            </a:extLst>
+          </p:cNvPr>
+          <p:cNvSpPr>
+            <a:spLocks noGrp="1"/>
+          </p:cNvSpPr>
+          <p:nvPr>
+            <p:ph type="ftr" sz="quarter" idx="11"/>
+          </p:nvPr>
+        </p:nvSpPr>
+        <p:spPr/>
+        <p:txBody>
+          <a:bodyPr/>
+          <a:lstStyle/>
+          <a:p>
+            <a:r>
+              <a:rPr lang="en-IN"/>
+              <a:t>H&amp;D IT Solution</a:t>
+            </a:r>
+            <a:endParaRPr lang="en-IN" dirty="0"/>
+          </a:p>
+        </p:txBody>
+      </p:sp>
+      <p:sp>
+        <p:nvSpPr>
+          <p:cNvPr id="5" name="Slide Number Placeholder 4">
+            <a:extLst>
+              <a:ext uri="{FF2B5EF4-FFF2-40B4-BE49-F238E27FC236}">
+                <a16:creationId xmlns:a16="http://schemas.microsoft.com/office/drawing/2014/main" id="{B1DA8B47-F49F-5F25-5C37-83E6315B91E4}"/>
+              </a:ext>
+            </a:extLst>
+          </p:cNvPr>
+          <p:cNvSpPr>
+            <a:spLocks noGrp="1"/>
+          </p:cNvSpPr>
+          <p:nvPr>
+            <p:ph type="sldNum" sz="quarter" idx="12"/>
+          </p:nvPr>
+        </p:nvSpPr>
+        <p:spPr/>
+        <p:txBody>
+          <a:bodyPr/>
+          <a:lstStyle/>
+          <a:p>
+            <a:fld id="{4A777409-9C5A-4B07-8E32-19F22F7D558C}" type="slidenum">
+              <a:rPr lang="en-IN" smtClean="0"/>
+              <a:t>111</a:t>
+            </a:fld>
+            <a:endParaRPr lang="en-IN" dirty="0"/>
+          </a:p>
+        </p:txBody>
+      </p:sp>
+      <p:pic>
+        <p:nvPicPr>
+          <p:cNvPr id="7" name="Picture 6">
+            <a:extLst>
+              <a:ext uri="{FF2B5EF4-FFF2-40B4-BE49-F238E27FC236}">
+                <a16:creationId xmlns:a16="http://schemas.microsoft.com/office/drawing/2014/main" id="{F5DD0CEF-C335-447C-95F5-A4F97D739E1D}"/>
+              </a:ext>
+            </a:extLst>
+          </p:cNvPr>
+          <p:cNvPicPr>
+            <a:picLocks noChangeAspect="1"/>
+          </p:cNvPicPr>
+          <p:nvPr/>
+        </p:nvPicPr>
+        <p:blipFill>
+          <a:blip r:embed="rId2"/>
+          <a:stretch>
+            <a:fillRect/>
+          </a:stretch>
+        </p:blipFill>
+        <p:spPr>
+          <a:xfrm>
+            <a:off x="1718470" y="998597"/>
+            <a:ext cx="4961463" cy="1561723"/>
+          </a:xfrm>
+          <a:prstGeom prst="rect">
+            <a:avLst/>
+          </a:prstGeom>
+        </p:spPr>
+      </p:pic>
+    </p:spTree>
+    <p:extLst>
+      <p:ext uri="{BB962C8B-B14F-4D97-AF65-F5344CB8AC3E}">
+        <p14:creationId xmlns:p14="http://schemas.microsoft.com/office/powerpoint/2010/main" val="2405858999"/>
       </p:ext>
     </p:extLst>
   </p:cSld>

--- a/ppt/ANGULAR.pptx
+++ b/ppt/ANGULAR.pptx
@@ -116,6 +116,28 @@
     <p:sldId id="412" r:id="rId110"/>
     <p:sldId id="413" r:id="rId111"/>
     <p:sldId id="414" r:id="rId112"/>
+    <p:sldId id="426" r:id="rId113"/>
+    <p:sldId id="427" r:id="rId114"/>
+    <p:sldId id="428" r:id="rId115"/>
+    <p:sldId id="429" r:id="rId116"/>
+    <p:sldId id="430" r:id="rId117"/>
+    <p:sldId id="431" r:id="rId118"/>
+    <p:sldId id="432" r:id="rId119"/>
+    <p:sldId id="433" r:id="rId120"/>
+    <p:sldId id="434" r:id="rId121"/>
+    <p:sldId id="435" r:id="rId122"/>
+    <p:sldId id="436" r:id="rId123"/>
+    <p:sldId id="437" r:id="rId124"/>
+    <p:sldId id="438" r:id="rId125"/>
+    <p:sldId id="439" r:id="rId126"/>
+    <p:sldId id="440" r:id="rId127"/>
+    <p:sldId id="441" r:id="rId128"/>
+    <p:sldId id="442" r:id="rId129"/>
+    <p:sldId id="443" r:id="rId130"/>
+    <p:sldId id="444" r:id="rId131"/>
+    <p:sldId id="445" r:id="rId132"/>
+    <p:sldId id="446" r:id="rId133"/>
+    <p:sldId id="447" r:id="rId134"/>
   </p:sldIdLst>
   <p:sldSz cx="12192000" cy="6858000"/>
   <p:notesSz cx="6858000" cy="9144000"/>
@@ -9565,6 +9587,2927 @@
 </p:sld>
 </file>
 
+<file path=ppt/slides/slide112.xml><?xml version="1.0" encoding="utf-8"?>
+<p:sld xmlns:a="http://schemas.openxmlformats.org/drawingml/2006/main" xmlns:r="http://schemas.openxmlformats.org/officeDocument/2006/relationships" xmlns:p="http://schemas.openxmlformats.org/presentationml/2006/main">
+  <p:cSld>
+    <p:spTree>
+      <p:nvGrpSpPr>
+        <p:cNvPr id="1" name=""/>
+        <p:cNvGrpSpPr/>
+        <p:nvPr/>
+      </p:nvGrpSpPr>
+      <p:grpSpPr>
+        <a:xfrm>
+          <a:off x="0" y="0"/>
+          <a:ext cx="0" cy="0"/>
+          <a:chOff x="0" y="0"/>
+          <a:chExt cx="0" cy="0"/>
+        </a:xfrm>
+      </p:grpSpPr>
+      <p:sp>
+        <p:nvSpPr>
+          <p:cNvPr id="2" name="Footer Placeholder 1">
+            <a:extLst>
+              <a:ext uri="{FF2B5EF4-FFF2-40B4-BE49-F238E27FC236}">
+                <a16:creationId xmlns:a16="http://schemas.microsoft.com/office/drawing/2014/main" id="{F9EE6299-2F80-9429-C525-6550B2E6A20B}"/>
+              </a:ext>
+            </a:extLst>
+          </p:cNvPr>
+          <p:cNvSpPr>
+            <a:spLocks noGrp="1"/>
+          </p:cNvSpPr>
+          <p:nvPr>
+            <p:ph type="ftr" sz="quarter" idx="11"/>
+          </p:nvPr>
+        </p:nvSpPr>
+        <p:spPr/>
+        <p:txBody>
+          <a:bodyPr/>
+          <a:lstStyle/>
+          <a:p>
+            <a:r>
+              <a:rPr lang="en-IN"/>
+              <a:t>H&amp;D IT Solution</a:t>
+            </a:r>
+            <a:endParaRPr lang="en-IN" dirty="0"/>
+          </a:p>
+        </p:txBody>
+      </p:sp>
+      <p:sp>
+        <p:nvSpPr>
+          <p:cNvPr id="3" name="Slide Number Placeholder 2">
+            <a:extLst>
+              <a:ext uri="{FF2B5EF4-FFF2-40B4-BE49-F238E27FC236}">
+                <a16:creationId xmlns:a16="http://schemas.microsoft.com/office/drawing/2014/main" id="{4EB51928-3534-B126-3B8D-2E7185693426}"/>
+              </a:ext>
+            </a:extLst>
+          </p:cNvPr>
+          <p:cNvSpPr>
+            <a:spLocks noGrp="1"/>
+          </p:cNvSpPr>
+          <p:nvPr>
+            <p:ph type="sldNum" sz="quarter" idx="12"/>
+          </p:nvPr>
+        </p:nvSpPr>
+        <p:spPr/>
+        <p:txBody>
+          <a:bodyPr/>
+          <a:lstStyle/>
+          <a:p>
+            <a:fld id="{4A777409-9C5A-4B07-8E32-19F22F7D558C}" type="slidenum">
+              <a:rPr lang="en-IN" smtClean="0"/>
+              <a:t>112</a:t>
+            </a:fld>
+            <a:endParaRPr lang="en-IN" dirty="0"/>
+          </a:p>
+        </p:txBody>
+      </p:sp>
+      <p:sp>
+        <p:nvSpPr>
+          <p:cNvPr id="5" name="TextBox 4">
+            <a:extLst>
+              <a:ext uri="{FF2B5EF4-FFF2-40B4-BE49-F238E27FC236}">
+                <a16:creationId xmlns:a16="http://schemas.microsoft.com/office/drawing/2014/main" id="{47EC67E0-9660-4CAE-A339-36CCB549A352}"/>
+              </a:ext>
+            </a:extLst>
+          </p:cNvPr>
+          <p:cNvSpPr txBox="1"/>
+          <p:nvPr/>
+        </p:nvSpPr>
+        <p:spPr>
+          <a:xfrm>
+            <a:off x="989029" y="616612"/>
+            <a:ext cx="6099142" cy="523220"/>
+          </a:xfrm>
+          <a:prstGeom prst="rect">
+            <a:avLst/>
+          </a:prstGeom>
+          <a:noFill/>
+        </p:spPr>
+        <p:txBody>
+          <a:bodyPr wrap="square">
+            <a:spAutoFit/>
+          </a:bodyPr>
+          <a:lstStyle/>
+          <a:p>
+            <a:r>
+              <a:rPr lang="en-IN" sz="2800" b="1" dirty="0"/>
+              <a:t>Nested Components Basics</a:t>
+            </a:r>
+          </a:p>
+        </p:txBody>
+      </p:sp>
+      <p:pic>
+        <p:nvPicPr>
+          <p:cNvPr id="7" name="Picture 6">
+            <a:extLst>
+              <a:ext uri="{FF2B5EF4-FFF2-40B4-BE49-F238E27FC236}">
+                <a16:creationId xmlns:a16="http://schemas.microsoft.com/office/drawing/2014/main" id="{E6841215-8697-8032-8E51-D3A3A9A5C90B}"/>
+              </a:ext>
+            </a:extLst>
+          </p:cNvPr>
+          <p:cNvPicPr>
+            <a:picLocks noChangeAspect="1"/>
+          </p:cNvPicPr>
+          <p:nvPr/>
+        </p:nvPicPr>
+        <p:blipFill>
+          <a:blip r:embed="rId2">
+            <a:extLst>
+              <a:ext uri="{28A0092B-C50C-407E-A947-70E740481C1C}">
+                <a14:useLocalDpi xmlns:a14="http://schemas.microsoft.com/office/drawing/2010/main" val="0"/>
+              </a:ext>
+            </a:extLst>
+          </a:blip>
+          <a:stretch>
+            <a:fillRect/>
+          </a:stretch>
+        </p:blipFill>
+        <p:spPr>
+          <a:xfrm>
+            <a:off x="1062896" y="1476494"/>
+            <a:ext cx="6563387" cy="3905011"/>
+          </a:xfrm>
+          <a:prstGeom prst="rect">
+            <a:avLst/>
+          </a:prstGeom>
+        </p:spPr>
+      </p:pic>
+    </p:spTree>
+    <p:extLst>
+      <p:ext uri="{BB962C8B-B14F-4D97-AF65-F5344CB8AC3E}">
+        <p14:creationId xmlns:p14="http://schemas.microsoft.com/office/powerpoint/2010/main" val="2803097639"/>
+      </p:ext>
+    </p:extLst>
+  </p:cSld>
+  <p:clrMapOvr>
+    <a:masterClrMapping/>
+  </p:clrMapOvr>
+</p:sld>
+</file>
+
+<file path=ppt/slides/slide113.xml><?xml version="1.0" encoding="utf-8"?>
+<p:sld xmlns:a="http://schemas.openxmlformats.org/drawingml/2006/main" xmlns:r="http://schemas.openxmlformats.org/officeDocument/2006/relationships" xmlns:p="http://schemas.openxmlformats.org/presentationml/2006/main">
+  <p:cSld>
+    <p:spTree>
+      <p:nvGrpSpPr>
+        <p:cNvPr id="1" name=""/>
+        <p:cNvGrpSpPr/>
+        <p:nvPr/>
+      </p:nvGrpSpPr>
+      <p:grpSpPr>
+        <a:xfrm>
+          <a:off x="0" y="0"/>
+          <a:ext cx="0" cy="0"/>
+          <a:chOff x="0" y="0"/>
+          <a:chExt cx="0" cy="0"/>
+        </a:xfrm>
+      </p:grpSpPr>
+      <p:sp>
+        <p:nvSpPr>
+          <p:cNvPr id="2" name="Footer Placeholder 1">
+            <a:extLst>
+              <a:ext uri="{FF2B5EF4-FFF2-40B4-BE49-F238E27FC236}">
+                <a16:creationId xmlns:a16="http://schemas.microsoft.com/office/drawing/2014/main" id="{7AD492F3-CA39-F9E9-0EA0-DAED644F91D8}"/>
+              </a:ext>
+            </a:extLst>
+          </p:cNvPr>
+          <p:cNvSpPr>
+            <a:spLocks noGrp="1"/>
+          </p:cNvSpPr>
+          <p:nvPr>
+            <p:ph type="ftr" sz="quarter" idx="11"/>
+          </p:nvPr>
+        </p:nvSpPr>
+        <p:spPr/>
+        <p:txBody>
+          <a:bodyPr/>
+          <a:lstStyle/>
+          <a:p>
+            <a:r>
+              <a:rPr lang="en-IN"/>
+              <a:t>H&amp;D IT Solution</a:t>
+            </a:r>
+            <a:endParaRPr lang="en-IN" dirty="0"/>
+          </a:p>
+        </p:txBody>
+      </p:sp>
+      <p:sp>
+        <p:nvSpPr>
+          <p:cNvPr id="3" name="Slide Number Placeholder 2">
+            <a:extLst>
+              <a:ext uri="{FF2B5EF4-FFF2-40B4-BE49-F238E27FC236}">
+                <a16:creationId xmlns:a16="http://schemas.microsoft.com/office/drawing/2014/main" id="{DE0AC8FF-DC8E-F5BE-7BA3-FBE34D7CC958}"/>
+              </a:ext>
+            </a:extLst>
+          </p:cNvPr>
+          <p:cNvSpPr>
+            <a:spLocks noGrp="1"/>
+          </p:cNvSpPr>
+          <p:nvPr>
+            <p:ph type="sldNum" sz="quarter" idx="12"/>
+          </p:nvPr>
+        </p:nvSpPr>
+        <p:spPr/>
+        <p:txBody>
+          <a:bodyPr/>
+          <a:lstStyle/>
+          <a:p>
+            <a:fld id="{4A777409-9C5A-4B07-8E32-19F22F7D558C}" type="slidenum">
+              <a:rPr lang="en-IN" smtClean="0"/>
+              <a:t>113</a:t>
+            </a:fld>
+            <a:endParaRPr lang="en-IN" dirty="0"/>
+          </a:p>
+        </p:txBody>
+      </p:sp>
+      <p:sp>
+        <p:nvSpPr>
+          <p:cNvPr id="5" name="TextBox 4">
+            <a:extLst>
+              <a:ext uri="{FF2B5EF4-FFF2-40B4-BE49-F238E27FC236}">
+                <a16:creationId xmlns:a16="http://schemas.microsoft.com/office/drawing/2014/main" id="{549D619D-3D75-56E7-9B55-1FBCBA36A3CC}"/>
+              </a:ext>
+            </a:extLst>
+          </p:cNvPr>
+          <p:cNvSpPr txBox="1"/>
+          <p:nvPr/>
+        </p:nvSpPr>
+        <p:spPr>
+          <a:xfrm>
+            <a:off x="183822" y="1028343"/>
+            <a:ext cx="11684523" cy="4401205"/>
+          </a:xfrm>
+          <a:prstGeom prst="rect">
+            <a:avLst/>
+          </a:prstGeom>
+          <a:noFill/>
+        </p:spPr>
+        <p:txBody>
+          <a:bodyPr wrap="square">
+            <a:spAutoFit/>
+          </a:bodyPr>
+          <a:lstStyle/>
+          <a:p>
+            <a:pPr>
+              <a:buFont typeface="Arial" panose="020B0604020202020204" pitchFamily="34" charset="0"/>
+              <a:buChar char="•"/>
+            </a:pPr>
+            <a:r>
+              <a:rPr lang="en-US" sz="2000" dirty="0">
+                <a:solidFill>
+                  <a:schemeClr val="tx1">
+                    <a:lumMod val="65000"/>
+                    <a:lumOff val="35000"/>
+                  </a:schemeClr>
+                </a:solidFill>
+                <a:effectLst/>
+              </a:rPr>
+              <a:t>Nested component is a component that is loaded into another component</a:t>
+            </a:r>
+          </a:p>
+          <a:p>
+            <a:pPr>
+              <a:buFont typeface="Arial" panose="020B0604020202020204" pitchFamily="34" charset="0"/>
+              <a:buChar char="•"/>
+            </a:pPr>
+            <a:endParaRPr lang="en-US" sz="2000" dirty="0">
+              <a:solidFill>
+                <a:schemeClr val="tx1">
+                  <a:lumMod val="65000"/>
+                  <a:lumOff val="35000"/>
+                </a:schemeClr>
+              </a:solidFill>
+              <a:effectLst/>
+            </a:endParaRPr>
+          </a:p>
+          <a:p>
+            <a:pPr>
+              <a:buFont typeface="Arial" panose="020B0604020202020204" pitchFamily="34" charset="0"/>
+              <a:buChar char="•"/>
+            </a:pPr>
+            <a:r>
+              <a:rPr lang="en-US" sz="2000" dirty="0">
+                <a:solidFill>
+                  <a:schemeClr val="tx1">
+                    <a:lumMod val="65000"/>
+                    <a:lumOff val="35000"/>
+                  </a:schemeClr>
+                </a:solidFill>
+                <a:effectLst/>
+              </a:rPr>
+              <a:t>The component where another component is loaded onto is called a container component/parent component.</a:t>
+            </a:r>
+          </a:p>
+          <a:p>
+            <a:pPr>
+              <a:buFont typeface="Arial" panose="020B0604020202020204" pitchFamily="34" charset="0"/>
+              <a:buChar char="•"/>
+            </a:pPr>
+            <a:endParaRPr lang="en-US" sz="2000" dirty="0">
+              <a:solidFill>
+                <a:schemeClr val="tx1">
+                  <a:lumMod val="65000"/>
+                  <a:lumOff val="35000"/>
+                </a:schemeClr>
+              </a:solidFill>
+              <a:effectLst/>
+            </a:endParaRPr>
+          </a:p>
+          <a:p>
+            <a:pPr>
+              <a:buFont typeface="Arial" panose="020B0604020202020204" pitchFamily="34" charset="0"/>
+              <a:buChar char="•"/>
+            </a:pPr>
+            <a:r>
+              <a:rPr lang="en-US" sz="2000" dirty="0">
+                <a:solidFill>
+                  <a:schemeClr val="tx1">
+                    <a:lumMod val="65000"/>
+                    <a:lumOff val="35000"/>
+                  </a:schemeClr>
+                </a:solidFill>
+                <a:effectLst/>
+              </a:rPr>
+              <a:t>The root component is loaded in the index.html page using its selector name. Similarly, to load one component into a parent component, use the selector name of the component in the template i.e., the HTML page of the container component</a:t>
+            </a:r>
+          </a:p>
+          <a:p>
+            <a:r>
+              <a:rPr lang="en-US" sz="2000" dirty="0">
+                <a:solidFill>
+                  <a:schemeClr val="tx1">
+                    <a:lumMod val="65000"/>
+                    <a:lumOff val="35000"/>
+                  </a:schemeClr>
+                </a:solidFill>
+                <a:effectLst/>
+              </a:rPr>
+              <a:t> </a:t>
+            </a:r>
+          </a:p>
+          <a:p>
+            <a:r>
+              <a:rPr lang="en-US" sz="2000" dirty="0">
+                <a:solidFill>
+                  <a:schemeClr val="tx1">
+                    <a:lumMod val="65000"/>
+                    <a:lumOff val="35000"/>
+                  </a:schemeClr>
+                </a:solidFill>
+                <a:effectLst/>
+              </a:rPr>
+              <a:t>​​​​​​​</a:t>
+            </a:r>
+            <a:r>
+              <a:rPr lang="en-US" sz="2000" b="1" dirty="0">
+                <a:solidFill>
+                  <a:schemeClr val="tx1">
+                    <a:lumMod val="65000"/>
+                    <a:lumOff val="35000"/>
+                  </a:schemeClr>
+                </a:solidFill>
+                <a:effectLst/>
+              </a:rPr>
+              <a:t>Example for creating multiple components and load one into another:</a:t>
+            </a:r>
+            <a:r>
+              <a:rPr lang="en-US" sz="2000" dirty="0">
+                <a:solidFill>
+                  <a:schemeClr val="tx1">
+                    <a:lumMod val="65000"/>
+                    <a:lumOff val="35000"/>
+                  </a:schemeClr>
+                </a:solidFill>
+                <a:effectLst/>
+              </a:rPr>
+              <a:t>:</a:t>
+            </a:r>
+          </a:p>
+          <a:p>
+            <a:endParaRPr lang="en-US" sz="2000" dirty="0">
+              <a:solidFill>
+                <a:schemeClr val="tx1">
+                  <a:lumMod val="65000"/>
+                  <a:lumOff val="35000"/>
+                </a:schemeClr>
+              </a:solidFill>
+              <a:effectLst/>
+            </a:endParaRPr>
+          </a:p>
+          <a:p>
+            <a:r>
+              <a:rPr lang="en-US" sz="2000" b="1" dirty="0">
+                <a:solidFill>
+                  <a:schemeClr val="tx1">
+                    <a:lumMod val="65000"/>
+                    <a:lumOff val="35000"/>
+                  </a:schemeClr>
+                </a:solidFill>
+                <a:effectLst/>
+              </a:rPr>
+              <a:t>Problem Statement</a:t>
+            </a:r>
+            <a:r>
+              <a:rPr lang="en-US" sz="2000" dirty="0">
+                <a:solidFill>
+                  <a:schemeClr val="tx1">
+                    <a:lumMod val="65000"/>
+                    <a:lumOff val="35000"/>
+                  </a:schemeClr>
+                </a:solidFill>
+                <a:effectLst/>
+              </a:rPr>
+              <a:t>: Create an </a:t>
+            </a:r>
+            <a:r>
+              <a:rPr lang="en-US" sz="2000" dirty="0" err="1">
+                <a:solidFill>
+                  <a:schemeClr val="tx1">
+                    <a:lumMod val="65000"/>
+                    <a:lumOff val="35000"/>
+                  </a:schemeClr>
+                </a:solidFill>
+                <a:effectLst/>
+              </a:rPr>
+              <a:t>AppComponent</a:t>
+            </a:r>
+            <a:r>
+              <a:rPr lang="en-US" sz="2000" dirty="0">
+                <a:solidFill>
+                  <a:schemeClr val="tx1">
+                    <a:lumMod val="65000"/>
+                    <a:lumOff val="35000"/>
+                  </a:schemeClr>
+                </a:solidFill>
+                <a:effectLst/>
+              </a:rPr>
+              <a:t> which displays a button to view courses list on click of it and another component called </a:t>
+            </a:r>
+            <a:r>
+              <a:rPr lang="en-US" sz="2000" dirty="0" err="1">
+                <a:solidFill>
+                  <a:schemeClr val="tx1">
+                    <a:lumMod val="65000"/>
+                    <a:lumOff val="35000"/>
+                  </a:schemeClr>
+                </a:solidFill>
+                <a:effectLst/>
+              </a:rPr>
+              <a:t>CoursesListComponent</a:t>
+            </a:r>
+            <a:r>
+              <a:rPr lang="en-US" sz="2000" dirty="0">
+                <a:solidFill>
+                  <a:schemeClr val="tx1">
+                    <a:lumMod val="65000"/>
+                    <a:lumOff val="35000"/>
+                  </a:schemeClr>
+                </a:solidFill>
+                <a:effectLst/>
+              </a:rPr>
+              <a:t> which displays courses list. When the user clicks on the button in the </a:t>
+            </a:r>
+            <a:r>
+              <a:rPr lang="en-US" sz="2000" dirty="0" err="1">
+                <a:solidFill>
+                  <a:schemeClr val="tx1">
+                    <a:lumMod val="65000"/>
+                    <a:lumOff val="35000"/>
+                  </a:schemeClr>
+                </a:solidFill>
+                <a:effectLst/>
+              </a:rPr>
+              <a:t>AppComponent</a:t>
+            </a:r>
+            <a:r>
+              <a:rPr lang="en-US" sz="2000" dirty="0">
+                <a:solidFill>
+                  <a:schemeClr val="tx1">
+                    <a:lumMod val="65000"/>
+                    <a:lumOff val="35000"/>
+                  </a:schemeClr>
+                </a:solidFill>
+                <a:effectLst/>
+              </a:rPr>
+              <a:t>, it should load the </a:t>
+            </a:r>
+            <a:r>
+              <a:rPr lang="en-US" sz="2000" dirty="0" err="1">
+                <a:solidFill>
+                  <a:schemeClr val="tx1">
+                    <a:lumMod val="65000"/>
+                    <a:lumOff val="35000"/>
+                  </a:schemeClr>
+                </a:solidFill>
+                <a:effectLst/>
+              </a:rPr>
+              <a:t>CoursesList</a:t>
+            </a:r>
+            <a:r>
+              <a:rPr lang="en-US" sz="2000" dirty="0">
+                <a:solidFill>
+                  <a:schemeClr val="tx1">
+                    <a:lumMod val="65000"/>
+                    <a:lumOff val="35000"/>
+                  </a:schemeClr>
+                </a:solidFill>
+                <a:effectLst/>
+              </a:rPr>
+              <a:t> component within it to show the courses list.</a:t>
+            </a:r>
+          </a:p>
+        </p:txBody>
+      </p:sp>
+    </p:spTree>
+    <p:extLst>
+      <p:ext uri="{BB962C8B-B14F-4D97-AF65-F5344CB8AC3E}">
+        <p14:creationId xmlns:p14="http://schemas.microsoft.com/office/powerpoint/2010/main" val="2015688967"/>
+      </p:ext>
+    </p:extLst>
+  </p:cSld>
+  <p:clrMapOvr>
+    <a:masterClrMapping/>
+  </p:clrMapOvr>
+</p:sld>
+</file>
+
+<file path=ppt/slides/slide114.xml><?xml version="1.0" encoding="utf-8"?>
+<p:sld xmlns:a="http://schemas.openxmlformats.org/drawingml/2006/main" xmlns:r="http://schemas.openxmlformats.org/officeDocument/2006/relationships" xmlns:p="http://schemas.openxmlformats.org/presentationml/2006/main">
+  <p:cSld>
+    <p:spTree>
+      <p:nvGrpSpPr>
+        <p:cNvPr id="1" name=""/>
+        <p:cNvGrpSpPr/>
+        <p:nvPr/>
+      </p:nvGrpSpPr>
+      <p:grpSpPr>
+        <a:xfrm>
+          <a:off x="0" y="0"/>
+          <a:ext cx="0" cy="0"/>
+          <a:chOff x="0" y="0"/>
+          <a:chExt cx="0" cy="0"/>
+        </a:xfrm>
+      </p:grpSpPr>
+      <p:sp>
+        <p:nvSpPr>
+          <p:cNvPr id="2" name="Footer Placeholder 1">
+            <a:extLst>
+              <a:ext uri="{FF2B5EF4-FFF2-40B4-BE49-F238E27FC236}">
+                <a16:creationId xmlns:a16="http://schemas.microsoft.com/office/drawing/2014/main" id="{B3DD31A8-A50D-9E3C-3A94-852527E6A58E}"/>
+              </a:ext>
+            </a:extLst>
+          </p:cNvPr>
+          <p:cNvSpPr>
+            <a:spLocks noGrp="1"/>
+          </p:cNvSpPr>
+          <p:nvPr>
+            <p:ph type="ftr" sz="quarter" idx="11"/>
+          </p:nvPr>
+        </p:nvSpPr>
+        <p:spPr/>
+        <p:txBody>
+          <a:bodyPr/>
+          <a:lstStyle/>
+          <a:p>
+            <a:r>
+              <a:rPr lang="en-IN"/>
+              <a:t>H&amp;D IT Solution</a:t>
+            </a:r>
+            <a:endParaRPr lang="en-IN" dirty="0"/>
+          </a:p>
+        </p:txBody>
+      </p:sp>
+      <p:sp>
+        <p:nvSpPr>
+          <p:cNvPr id="3" name="Slide Number Placeholder 2">
+            <a:extLst>
+              <a:ext uri="{FF2B5EF4-FFF2-40B4-BE49-F238E27FC236}">
+                <a16:creationId xmlns:a16="http://schemas.microsoft.com/office/drawing/2014/main" id="{B21BD78B-C1BF-2CA7-65F9-248305465836}"/>
+              </a:ext>
+            </a:extLst>
+          </p:cNvPr>
+          <p:cNvSpPr>
+            <a:spLocks noGrp="1"/>
+          </p:cNvSpPr>
+          <p:nvPr>
+            <p:ph type="sldNum" sz="quarter" idx="12"/>
+          </p:nvPr>
+        </p:nvSpPr>
+        <p:spPr/>
+        <p:txBody>
+          <a:bodyPr/>
+          <a:lstStyle/>
+          <a:p>
+            <a:fld id="{4A777409-9C5A-4B07-8E32-19F22F7D558C}" type="slidenum">
+              <a:rPr lang="en-IN" smtClean="0"/>
+              <a:t>114</a:t>
+            </a:fld>
+            <a:endParaRPr lang="en-IN" dirty="0"/>
+          </a:p>
+        </p:txBody>
+      </p:sp>
+      <p:pic>
+        <p:nvPicPr>
+          <p:cNvPr id="4" name="Picture 3">
+            <a:extLst>
+              <a:ext uri="{FF2B5EF4-FFF2-40B4-BE49-F238E27FC236}">
+                <a16:creationId xmlns:a16="http://schemas.microsoft.com/office/drawing/2014/main" id="{0271E2C9-6AF4-C8C7-72FC-E25B2DFDE716}"/>
+              </a:ext>
+            </a:extLst>
+          </p:cNvPr>
+          <p:cNvPicPr>
+            <a:picLocks noChangeAspect="1"/>
+          </p:cNvPicPr>
+          <p:nvPr/>
+        </p:nvPicPr>
+        <p:blipFill>
+          <a:blip r:embed="rId2">
+            <a:extLst>
+              <a:ext uri="{28A0092B-C50C-407E-A947-70E740481C1C}">
+                <a14:useLocalDpi xmlns:a14="http://schemas.microsoft.com/office/drawing/2010/main" val="0"/>
+              </a:ext>
+            </a:extLst>
+          </a:blip>
+          <a:stretch>
+            <a:fillRect/>
+          </a:stretch>
+        </p:blipFill>
+        <p:spPr>
+          <a:xfrm>
+            <a:off x="2111751" y="716290"/>
+            <a:ext cx="7591425" cy="2314575"/>
+          </a:xfrm>
+          <a:prstGeom prst="rect">
+            <a:avLst/>
+          </a:prstGeom>
+        </p:spPr>
+      </p:pic>
+      <p:sp>
+        <p:nvSpPr>
+          <p:cNvPr id="6" name="TextBox 5">
+            <a:extLst>
+              <a:ext uri="{FF2B5EF4-FFF2-40B4-BE49-F238E27FC236}">
+                <a16:creationId xmlns:a16="http://schemas.microsoft.com/office/drawing/2014/main" id="{2A3CD50B-E2BA-B171-C6E2-B0F7E8ADB558}"/>
+              </a:ext>
+            </a:extLst>
+          </p:cNvPr>
+          <p:cNvSpPr txBox="1"/>
+          <p:nvPr/>
+        </p:nvSpPr>
+        <p:spPr>
+          <a:xfrm>
+            <a:off x="334651" y="3315581"/>
+            <a:ext cx="10817257" cy="400110"/>
+          </a:xfrm>
+          <a:prstGeom prst="rect">
+            <a:avLst/>
+          </a:prstGeom>
+          <a:noFill/>
+        </p:spPr>
+        <p:txBody>
+          <a:bodyPr wrap="square">
+            <a:spAutoFit/>
+          </a:bodyPr>
+          <a:lstStyle/>
+          <a:p>
+            <a:r>
+              <a:rPr lang="en-US" sz="2000" dirty="0">
+                <a:solidFill>
+                  <a:schemeClr val="tx1">
+                    <a:lumMod val="65000"/>
+                    <a:lumOff val="35000"/>
+                  </a:schemeClr>
+                </a:solidFill>
+              </a:rPr>
+              <a:t>Create a component called the </a:t>
+            </a:r>
+            <a:r>
+              <a:rPr lang="en-US" sz="2000" dirty="0" err="1">
+                <a:solidFill>
+                  <a:schemeClr val="tx1">
+                    <a:lumMod val="65000"/>
+                    <a:lumOff val="35000"/>
+                  </a:schemeClr>
+                </a:solidFill>
+              </a:rPr>
+              <a:t>coursesList</a:t>
+            </a:r>
+            <a:r>
+              <a:rPr lang="en-US" sz="2000" dirty="0">
+                <a:solidFill>
+                  <a:schemeClr val="tx1">
+                    <a:lumMod val="65000"/>
+                    <a:lumOff val="35000"/>
+                  </a:schemeClr>
+                </a:solidFill>
+              </a:rPr>
+              <a:t> using the following CLI command</a:t>
+            </a:r>
+            <a:endParaRPr lang="en-IN" sz="2000" dirty="0">
+              <a:solidFill>
+                <a:schemeClr val="tx1">
+                  <a:lumMod val="65000"/>
+                  <a:lumOff val="35000"/>
+                </a:schemeClr>
+              </a:solidFill>
+            </a:endParaRPr>
+          </a:p>
+        </p:txBody>
+      </p:sp>
+      <p:sp>
+        <p:nvSpPr>
+          <p:cNvPr id="8" name="TextBox 7">
+            <a:extLst>
+              <a:ext uri="{FF2B5EF4-FFF2-40B4-BE49-F238E27FC236}">
+                <a16:creationId xmlns:a16="http://schemas.microsoft.com/office/drawing/2014/main" id="{F3276C02-566A-66AA-E467-E9DFAA5F3E91}"/>
+              </a:ext>
+            </a:extLst>
+          </p:cNvPr>
+          <p:cNvSpPr txBox="1"/>
+          <p:nvPr/>
+        </p:nvSpPr>
+        <p:spPr>
+          <a:xfrm>
+            <a:off x="334651" y="3815741"/>
+            <a:ext cx="6099142" cy="369332"/>
+          </a:xfrm>
+          <a:prstGeom prst="rect">
+            <a:avLst/>
+          </a:prstGeom>
+          <a:noFill/>
+        </p:spPr>
+        <p:txBody>
+          <a:bodyPr wrap="square">
+            <a:spAutoFit/>
+          </a:bodyPr>
+          <a:lstStyle/>
+          <a:p>
+            <a:r>
+              <a:rPr lang="en-IN" dirty="0"/>
+              <a:t>D:\MyApp&gt;ng generate component </a:t>
+            </a:r>
+            <a:r>
+              <a:rPr lang="en-IN" dirty="0" err="1"/>
+              <a:t>coursesList</a:t>
+            </a:r>
+            <a:endParaRPr lang="en-IN" dirty="0"/>
+          </a:p>
+        </p:txBody>
+      </p:sp>
+      <p:sp>
+        <p:nvSpPr>
+          <p:cNvPr id="10" name="TextBox 9">
+            <a:extLst>
+              <a:ext uri="{FF2B5EF4-FFF2-40B4-BE49-F238E27FC236}">
+                <a16:creationId xmlns:a16="http://schemas.microsoft.com/office/drawing/2014/main" id="{C673241F-BC64-BD0C-F2E9-94156C7AAC16}"/>
+              </a:ext>
+            </a:extLst>
+          </p:cNvPr>
+          <p:cNvSpPr txBox="1"/>
+          <p:nvPr/>
+        </p:nvSpPr>
+        <p:spPr>
+          <a:xfrm>
+            <a:off x="334650" y="4409640"/>
+            <a:ext cx="11580829" cy="1015663"/>
+          </a:xfrm>
+          <a:prstGeom prst="rect">
+            <a:avLst/>
+          </a:prstGeom>
+          <a:noFill/>
+        </p:spPr>
+        <p:txBody>
+          <a:bodyPr wrap="square">
+            <a:spAutoFit/>
+          </a:bodyPr>
+          <a:lstStyle/>
+          <a:p>
+            <a:r>
+              <a:rPr lang="en-IN" sz="2000" dirty="0">
+                <a:solidFill>
+                  <a:schemeClr val="tx1">
+                    <a:lumMod val="65000"/>
+                    <a:lumOff val="35000"/>
+                  </a:schemeClr>
+                </a:solidFill>
+              </a:rPr>
+              <a:t>This command will create four files called courses-</a:t>
+            </a:r>
+            <a:r>
+              <a:rPr lang="en-IN" sz="2000" dirty="0" err="1">
+                <a:solidFill>
+                  <a:schemeClr val="tx1">
+                    <a:lumMod val="65000"/>
+                    <a:lumOff val="35000"/>
+                  </a:schemeClr>
+                </a:solidFill>
+              </a:rPr>
+              <a:t>list.component.ts</a:t>
+            </a:r>
+            <a:r>
+              <a:rPr lang="en-IN" sz="2000" dirty="0">
+                <a:solidFill>
+                  <a:schemeClr val="tx1">
+                    <a:lumMod val="65000"/>
+                    <a:lumOff val="35000"/>
+                  </a:schemeClr>
+                </a:solidFill>
+              </a:rPr>
+              <a:t>, courses-list.component.html,courses-list.component.css, courses-</a:t>
+            </a:r>
+            <a:r>
+              <a:rPr lang="en-IN" sz="2000" dirty="0" err="1">
+                <a:solidFill>
+                  <a:schemeClr val="tx1">
+                    <a:lumMod val="65000"/>
+                    <a:lumOff val="35000"/>
+                  </a:schemeClr>
+                </a:solidFill>
+              </a:rPr>
+              <a:t>list.component.spec.ts</a:t>
+            </a:r>
+            <a:r>
+              <a:rPr lang="en-IN" sz="2000" dirty="0">
+                <a:solidFill>
+                  <a:schemeClr val="tx1">
+                    <a:lumMod val="65000"/>
+                    <a:lumOff val="35000"/>
+                  </a:schemeClr>
+                </a:solidFill>
+              </a:rPr>
+              <a:t> and places them inside a folder called courses-list under the app folder as shown below</a:t>
+            </a:r>
+          </a:p>
+        </p:txBody>
+      </p:sp>
+    </p:spTree>
+    <p:extLst>
+      <p:ext uri="{BB962C8B-B14F-4D97-AF65-F5344CB8AC3E}">
+        <p14:creationId xmlns:p14="http://schemas.microsoft.com/office/powerpoint/2010/main" val="3119943167"/>
+      </p:ext>
+    </p:extLst>
+  </p:cSld>
+  <p:clrMapOvr>
+    <a:masterClrMapping/>
+  </p:clrMapOvr>
+</p:sld>
+</file>
+
+<file path=ppt/slides/slide115.xml><?xml version="1.0" encoding="utf-8"?>
+<p:sld xmlns:a="http://schemas.openxmlformats.org/drawingml/2006/main" xmlns:r="http://schemas.openxmlformats.org/officeDocument/2006/relationships" xmlns:p="http://schemas.openxmlformats.org/presentationml/2006/main">
+  <p:cSld>
+    <p:spTree>
+      <p:nvGrpSpPr>
+        <p:cNvPr id="1" name=""/>
+        <p:cNvGrpSpPr/>
+        <p:nvPr/>
+      </p:nvGrpSpPr>
+      <p:grpSpPr>
+        <a:xfrm>
+          <a:off x="0" y="0"/>
+          <a:ext cx="0" cy="0"/>
+          <a:chOff x="0" y="0"/>
+          <a:chExt cx="0" cy="0"/>
+        </a:xfrm>
+      </p:grpSpPr>
+      <p:sp>
+        <p:nvSpPr>
+          <p:cNvPr id="2" name="Footer Placeholder 1">
+            <a:extLst>
+              <a:ext uri="{FF2B5EF4-FFF2-40B4-BE49-F238E27FC236}">
+                <a16:creationId xmlns:a16="http://schemas.microsoft.com/office/drawing/2014/main" id="{167DC893-5009-8515-FD81-08166AE69D6F}"/>
+              </a:ext>
+            </a:extLst>
+          </p:cNvPr>
+          <p:cNvSpPr>
+            <a:spLocks noGrp="1"/>
+          </p:cNvSpPr>
+          <p:nvPr>
+            <p:ph type="ftr" sz="quarter" idx="11"/>
+          </p:nvPr>
+        </p:nvSpPr>
+        <p:spPr/>
+        <p:txBody>
+          <a:bodyPr/>
+          <a:lstStyle/>
+          <a:p>
+            <a:r>
+              <a:rPr lang="en-IN"/>
+              <a:t>H&amp;D IT Solution</a:t>
+            </a:r>
+            <a:endParaRPr lang="en-IN" dirty="0"/>
+          </a:p>
+        </p:txBody>
+      </p:sp>
+      <p:sp>
+        <p:nvSpPr>
+          <p:cNvPr id="3" name="Slide Number Placeholder 2">
+            <a:extLst>
+              <a:ext uri="{FF2B5EF4-FFF2-40B4-BE49-F238E27FC236}">
+                <a16:creationId xmlns:a16="http://schemas.microsoft.com/office/drawing/2014/main" id="{D7C60C4F-7B1B-BE21-D7A5-98C804281F80}"/>
+              </a:ext>
+            </a:extLst>
+          </p:cNvPr>
+          <p:cNvSpPr>
+            <a:spLocks noGrp="1"/>
+          </p:cNvSpPr>
+          <p:nvPr>
+            <p:ph type="sldNum" sz="quarter" idx="12"/>
+          </p:nvPr>
+        </p:nvSpPr>
+        <p:spPr/>
+        <p:txBody>
+          <a:bodyPr/>
+          <a:lstStyle/>
+          <a:p>
+            <a:fld id="{4A777409-9C5A-4B07-8E32-19F22F7D558C}" type="slidenum">
+              <a:rPr lang="en-IN" smtClean="0"/>
+              <a:t>115</a:t>
+            </a:fld>
+            <a:endParaRPr lang="en-IN" dirty="0"/>
+          </a:p>
+        </p:txBody>
+      </p:sp>
+      <p:pic>
+        <p:nvPicPr>
+          <p:cNvPr id="5" name="Picture 4">
+            <a:extLst>
+              <a:ext uri="{FF2B5EF4-FFF2-40B4-BE49-F238E27FC236}">
+                <a16:creationId xmlns:a16="http://schemas.microsoft.com/office/drawing/2014/main" id="{A939280C-EEB2-CB32-52D3-56DF05DC2184}"/>
+              </a:ext>
+            </a:extLst>
+          </p:cNvPr>
+          <p:cNvPicPr>
+            <a:picLocks noChangeAspect="1"/>
+          </p:cNvPicPr>
+          <p:nvPr/>
+        </p:nvPicPr>
+        <p:blipFill>
+          <a:blip r:embed="rId2">
+            <a:extLst>
+              <a:ext uri="{28A0092B-C50C-407E-A947-70E740481C1C}">
+                <a14:useLocalDpi xmlns:a14="http://schemas.microsoft.com/office/drawing/2010/main" val="0"/>
+              </a:ext>
+            </a:extLst>
+          </a:blip>
+          <a:stretch>
+            <a:fillRect/>
+          </a:stretch>
+        </p:blipFill>
+        <p:spPr>
+          <a:xfrm>
+            <a:off x="4383464" y="843951"/>
+            <a:ext cx="3063711" cy="1607018"/>
+          </a:xfrm>
+          <a:prstGeom prst="rect">
+            <a:avLst/>
+          </a:prstGeom>
+        </p:spPr>
+      </p:pic>
+      <p:sp>
+        <p:nvSpPr>
+          <p:cNvPr id="7" name="TextBox 6">
+            <a:extLst>
+              <a:ext uri="{FF2B5EF4-FFF2-40B4-BE49-F238E27FC236}">
+                <a16:creationId xmlns:a16="http://schemas.microsoft.com/office/drawing/2014/main" id="{C1B5A383-3618-0DD7-2E79-BF508C3D9239}"/>
+              </a:ext>
+            </a:extLst>
+          </p:cNvPr>
+          <p:cNvSpPr txBox="1"/>
+          <p:nvPr/>
+        </p:nvSpPr>
+        <p:spPr>
+          <a:xfrm>
+            <a:off x="315798" y="2670936"/>
+            <a:ext cx="11038002" cy="1015663"/>
+          </a:xfrm>
+          <a:prstGeom prst="rect">
+            <a:avLst/>
+          </a:prstGeom>
+          <a:noFill/>
+        </p:spPr>
+        <p:txBody>
+          <a:bodyPr wrap="square">
+            <a:spAutoFit/>
+          </a:bodyPr>
+          <a:lstStyle/>
+          <a:p>
+            <a:r>
+              <a:rPr lang="en-US" sz="2000" dirty="0">
+                <a:solidFill>
+                  <a:schemeClr val="tx1">
+                    <a:lumMod val="65000"/>
+                    <a:lumOff val="35000"/>
+                  </a:schemeClr>
+                </a:solidFill>
+                <a:effectLst/>
+              </a:rPr>
+              <a:t>This command will also add the </a:t>
+            </a:r>
+            <a:r>
+              <a:rPr lang="en-US" sz="2000" dirty="0" err="1">
+                <a:solidFill>
+                  <a:schemeClr val="tx1">
+                    <a:lumMod val="65000"/>
+                    <a:lumOff val="35000"/>
+                  </a:schemeClr>
+                </a:solidFill>
+                <a:effectLst/>
+              </a:rPr>
+              <a:t>CoursesList</a:t>
+            </a:r>
+            <a:r>
+              <a:rPr lang="en-US" sz="2000" dirty="0">
+                <a:solidFill>
+                  <a:schemeClr val="tx1">
+                    <a:lumMod val="65000"/>
+                    <a:lumOff val="35000"/>
+                  </a:schemeClr>
+                </a:solidFill>
+                <a:effectLst/>
+              </a:rPr>
+              <a:t> component to the root module.</a:t>
+            </a:r>
+          </a:p>
+          <a:p>
+            <a:r>
+              <a:rPr lang="en-US" sz="2000" dirty="0">
+                <a:solidFill>
+                  <a:schemeClr val="tx1">
+                    <a:lumMod val="65000"/>
+                    <a:lumOff val="35000"/>
+                  </a:schemeClr>
+                </a:solidFill>
+                <a:effectLst/>
+              </a:rPr>
+              <a:t> </a:t>
+            </a:r>
+          </a:p>
+          <a:p>
+            <a:r>
+              <a:rPr lang="en-US" sz="2000" b="1" dirty="0" err="1">
+                <a:solidFill>
+                  <a:schemeClr val="tx1">
+                    <a:lumMod val="65000"/>
+                    <a:lumOff val="35000"/>
+                  </a:schemeClr>
+                </a:solidFill>
+                <a:effectLst/>
+              </a:rPr>
+              <a:t>app.module.ts</a:t>
+            </a:r>
+            <a:endParaRPr lang="en-US" sz="2000" dirty="0">
+              <a:solidFill>
+                <a:schemeClr val="tx1">
+                  <a:lumMod val="65000"/>
+                  <a:lumOff val="35000"/>
+                </a:schemeClr>
+              </a:solidFill>
+              <a:effectLst/>
+            </a:endParaRPr>
+          </a:p>
+        </p:txBody>
+      </p:sp>
+      <p:sp>
+        <p:nvSpPr>
+          <p:cNvPr id="9" name="TextBox 8">
+            <a:extLst>
+              <a:ext uri="{FF2B5EF4-FFF2-40B4-BE49-F238E27FC236}">
+                <a16:creationId xmlns:a16="http://schemas.microsoft.com/office/drawing/2014/main" id="{89AA9B1E-C409-931D-90B2-FF07A42DC00C}"/>
+              </a:ext>
+            </a:extLst>
+          </p:cNvPr>
+          <p:cNvSpPr txBox="1"/>
+          <p:nvPr/>
+        </p:nvSpPr>
+        <p:spPr>
+          <a:xfrm>
+            <a:off x="315798" y="3676590"/>
+            <a:ext cx="10147955" cy="2862322"/>
+          </a:xfrm>
+          <a:prstGeom prst="rect">
+            <a:avLst/>
+          </a:prstGeom>
+          <a:noFill/>
+        </p:spPr>
+        <p:txBody>
+          <a:bodyPr wrap="square">
+            <a:spAutoFit/>
+          </a:bodyPr>
+          <a:lstStyle/>
+          <a:p>
+            <a:r>
+              <a:rPr lang="en-IN" dirty="0"/>
+              <a:t>...</a:t>
+            </a:r>
+          </a:p>
+          <a:p>
+            <a:r>
+              <a:rPr lang="en-IN" dirty="0"/>
+              <a:t>import { </a:t>
+            </a:r>
+            <a:r>
+              <a:rPr lang="en-IN" dirty="0" err="1"/>
+              <a:t>CoursesListComponent</a:t>
+            </a:r>
+            <a:r>
+              <a:rPr lang="en-IN" dirty="0"/>
+              <a:t> } from './courses-list/courses-</a:t>
+            </a:r>
+            <a:r>
+              <a:rPr lang="en-IN" dirty="0" err="1"/>
+              <a:t>list.component</a:t>
+            </a:r>
+            <a:r>
+              <a:rPr lang="en-IN" dirty="0"/>
+              <a:t>';</a:t>
+            </a:r>
+          </a:p>
+          <a:p>
+            <a:r>
+              <a:rPr lang="en-IN" dirty="0"/>
+              <a:t>@NgModule({</a:t>
+            </a:r>
+          </a:p>
+          <a:p>
+            <a:r>
+              <a:rPr lang="en-IN" dirty="0"/>
+              <a:t>  declarations: [</a:t>
+            </a:r>
+          </a:p>
+          <a:p>
+            <a:r>
+              <a:rPr lang="en-IN" dirty="0"/>
+              <a:t>    </a:t>
+            </a:r>
+            <a:r>
+              <a:rPr lang="en-IN" dirty="0" err="1"/>
+              <a:t>AppComponent</a:t>
+            </a:r>
+            <a:r>
+              <a:rPr lang="en-IN" dirty="0"/>
+              <a:t>,</a:t>
+            </a:r>
+          </a:p>
+          <a:p>
+            <a:r>
+              <a:rPr lang="en-IN" dirty="0"/>
+              <a:t>    </a:t>
+            </a:r>
+            <a:r>
+              <a:rPr lang="en-IN" dirty="0" err="1"/>
+              <a:t>CoursesListComponent</a:t>
+            </a:r>
+            <a:endParaRPr lang="en-IN" dirty="0"/>
+          </a:p>
+          <a:p>
+            <a:r>
+              <a:rPr lang="en-IN" dirty="0"/>
+              <a:t>  ],</a:t>
+            </a:r>
+          </a:p>
+          <a:p>
+            <a:r>
+              <a:rPr lang="en-IN" dirty="0"/>
+              <a:t> ...</a:t>
+            </a:r>
+          </a:p>
+          <a:p>
+            <a:r>
+              <a:rPr lang="en-IN" dirty="0"/>
+              <a:t>})</a:t>
+            </a:r>
+          </a:p>
+          <a:p>
+            <a:r>
+              <a:rPr lang="en-IN" dirty="0"/>
+              <a:t>export class </a:t>
+            </a:r>
+            <a:r>
+              <a:rPr lang="en-IN" dirty="0" err="1"/>
+              <a:t>AppModule</a:t>
+            </a:r>
+            <a:r>
+              <a:rPr lang="en-IN" dirty="0"/>
+              <a:t> { }</a:t>
+            </a:r>
+          </a:p>
+        </p:txBody>
+      </p:sp>
+    </p:spTree>
+    <p:extLst>
+      <p:ext uri="{BB962C8B-B14F-4D97-AF65-F5344CB8AC3E}">
+        <p14:creationId xmlns:p14="http://schemas.microsoft.com/office/powerpoint/2010/main" val="1083370222"/>
+      </p:ext>
+    </p:extLst>
+  </p:cSld>
+  <p:clrMapOvr>
+    <a:masterClrMapping/>
+  </p:clrMapOvr>
+</p:sld>
+</file>
+
+<file path=ppt/slides/slide116.xml><?xml version="1.0" encoding="utf-8"?>
+<p:sld xmlns:a="http://schemas.openxmlformats.org/drawingml/2006/main" xmlns:r="http://schemas.openxmlformats.org/officeDocument/2006/relationships" xmlns:p="http://schemas.openxmlformats.org/presentationml/2006/main">
+  <p:cSld>
+    <p:spTree>
+      <p:nvGrpSpPr>
+        <p:cNvPr id="1" name=""/>
+        <p:cNvGrpSpPr/>
+        <p:nvPr/>
+      </p:nvGrpSpPr>
+      <p:grpSpPr>
+        <a:xfrm>
+          <a:off x="0" y="0"/>
+          <a:ext cx="0" cy="0"/>
+          <a:chOff x="0" y="0"/>
+          <a:chExt cx="0" cy="0"/>
+        </a:xfrm>
+      </p:grpSpPr>
+      <p:sp>
+        <p:nvSpPr>
+          <p:cNvPr id="2" name="Footer Placeholder 1">
+            <a:extLst>
+              <a:ext uri="{FF2B5EF4-FFF2-40B4-BE49-F238E27FC236}">
+                <a16:creationId xmlns:a16="http://schemas.microsoft.com/office/drawing/2014/main" id="{3FC1D8DA-10DE-40AA-740B-6FD8CFA21DFF}"/>
+              </a:ext>
+            </a:extLst>
+          </p:cNvPr>
+          <p:cNvSpPr>
+            <a:spLocks noGrp="1"/>
+          </p:cNvSpPr>
+          <p:nvPr>
+            <p:ph type="ftr" sz="quarter" idx="11"/>
+          </p:nvPr>
+        </p:nvSpPr>
+        <p:spPr/>
+        <p:txBody>
+          <a:bodyPr/>
+          <a:lstStyle/>
+          <a:p>
+            <a:r>
+              <a:rPr lang="en-IN"/>
+              <a:t>H&amp;D IT Solution</a:t>
+            </a:r>
+            <a:endParaRPr lang="en-IN" dirty="0"/>
+          </a:p>
+        </p:txBody>
+      </p:sp>
+      <p:sp>
+        <p:nvSpPr>
+          <p:cNvPr id="3" name="Slide Number Placeholder 2">
+            <a:extLst>
+              <a:ext uri="{FF2B5EF4-FFF2-40B4-BE49-F238E27FC236}">
+                <a16:creationId xmlns:a16="http://schemas.microsoft.com/office/drawing/2014/main" id="{3098057B-D95B-2B03-A8E3-2D5B737873ED}"/>
+              </a:ext>
+            </a:extLst>
+          </p:cNvPr>
+          <p:cNvSpPr>
+            <a:spLocks noGrp="1"/>
+          </p:cNvSpPr>
+          <p:nvPr>
+            <p:ph type="sldNum" sz="quarter" idx="12"/>
+          </p:nvPr>
+        </p:nvSpPr>
+        <p:spPr/>
+        <p:txBody>
+          <a:bodyPr/>
+          <a:lstStyle/>
+          <a:p>
+            <a:fld id="{4A777409-9C5A-4B07-8E32-19F22F7D558C}" type="slidenum">
+              <a:rPr lang="en-IN" smtClean="0"/>
+              <a:t>116</a:t>
+            </a:fld>
+            <a:endParaRPr lang="en-IN" dirty="0"/>
+          </a:p>
+        </p:txBody>
+      </p:sp>
+      <p:sp>
+        <p:nvSpPr>
+          <p:cNvPr id="5" name="TextBox 4">
+            <a:extLst>
+              <a:ext uri="{FF2B5EF4-FFF2-40B4-BE49-F238E27FC236}">
+                <a16:creationId xmlns:a16="http://schemas.microsoft.com/office/drawing/2014/main" id="{F9A12A12-4191-2806-F620-8CB5A7E9D8E0}"/>
+              </a:ext>
+            </a:extLst>
+          </p:cNvPr>
+          <p:cNvSpPr txBox="1"/>
+          <p:nvPr/>
+        </p:nvSpPr>
+        <p:spPr>
+          <a:xfrm>
+            <a:off x="989028" y="641346"/>
+            <a:ext cx="9955491" cy="1323439"/>
+          </a:xfrm>
+          <a:prstGeom prst="rect">
+            <a:avLst/>
+          </a:prstGeom>
+          <a:noFill/>
+        </p:spPr>
+        <p:txBody>
+          <a:bodyPr wrap="square">
+            <a:spAutoFit/>
+          </a:bodyPr>
+          <a:lstStyle/>
+          <a:p>
+            <a:r>
+              <a:rPr lang="en-US" sz="2000" dirty="0">
+                <a:solidFill>
+                  <a:schemeClr val="tx1">
+                    <a:lumMod val="65000"/>
+                    <a:lumOff val="35000"/>
+                  </a:schemeClr>
+                </a:solidFill>
+                <a:effectLst/>
+              </a:rPr>
+              <a:t>Line 7: </a:t>
+            </a:r>
+            <a:r>
+              <a:rPr lang="en-US" sz="2000" dirty="0" err="1">
+                <a:solidFill>
+                  <a:schemeClr val="tx1">
+                    <a:lumMod val="65000"/>
+                    <a:lumOff val="35000"/>
+                  </a:schemeClr>
+                </a:solidFill>
+                <a:effectLst/>
+              </a:rPr>
+              <a:t>CoursesListComponent</a:t>
+            </a:r>
+            <a:r>
+              <a:rPr lang="en-US" sz="2000" dirty="0">
+                <a:solidFill>
+                  <a:schemeClr val="tx1">
+                    <a:lumMod val="65000"/>
+                    <a:lumOff val="35000"/>
+                  </a:schemeClr>
+                </a:solidFill>
+                <a:effectLst/>
+              </a:rPr>
+              <a:t> is added to the declarations property to make it available to all other components in the module.</a:t>
+            </a:r>
+          </a:p>
+          <a:p>
+            <a:r>
+              <a:rPr lang="en-US" sz="2000" dirty="0">
+                <a:solidFill>
+                  <a:schemeClr val="tx1">
+                    <a:lumMod val="65000"/>
+                    <a:lumOff val="35000"/>
+                  </a:schemeClr>
+                </a:solidFill>
+                <a:effectLst/>
+              </a:rPr>
+              <a:t> </a:t>
+            </a:r>
+          </a:p>
+          <a:p>
+            <a:r>
+              <a:rPr lang="en-US" sz="2000" b="1" dirty="0">
+                <a:solidFill>
+                  <a:schemeClr val="tx1">
+                    <a:lumMod val="65000"/>
+                    <a:lumOff val="35000"/>
+                  </a:schemeClr>
+                </a:solidFill>
+                <a:effectLst/>
+              </a:rPr>
+              <a:t>courses-</a:t>
+            </a:r>
+            <a:r>
+              <a:rPr lang="en-US" sz="2000" b="1" dirty="0" err="1">
+                <a:solidFill>
+                  <a:schemeClr val="tx1">
+                    <a:lumMod val="65000"/>
+                    <a:lumOff val="35000"/>
+                  </a:schemeClr>
+                </a:solidFill>
+                <a:effectLst/>
+              </a:rPr>
+              <a:t>list.component.ts</a:t>
+            </a:r>
+            <a:r>
+              <a:rPr lang="en-US" sz="2000" dirty="0">
+                <a:solidFill>
+                  <a:schemeClr val="tx1">
+                    <a:lumMod val="65000"/>
+                    <a:lumOff val="35000"/>
+                  </a:schemeClr>
+                </a:solidFill>
+                <a:effectLst/>
+              </a:rPr>
+              <a:t> </a:t>
+            </a:r>
+          </a:p>
+        </p:txBody>
+      </p:sp>
+      <p:sp>
+        <p:nvSpPr>
+          <p:cNvPr id="7" name="TextBox 6">
+            <a:extLst>
+              <a:ext uri="{FF2B5EF4-FFF2-40B4-BE49-F238E27FC236}">
+                <a16:creationId xmlns:a16="http://schemas.microsoft.com/office/drawing/2014/main" id="{ED8B59D9-4D32-431A-F38C-43FFFAE68C37}"/>
+              </a:ext>
+            </a:extLst>
+          </p:cNvPr>
+          <p:cNvSpPr txBox="1"/>
+          <p:nvPr/>
+        </p:nvSpPr>
+        <p:spPr>
+          <a:xfrm>
+            <a:off x="989027" y="1964785"/>
+            <a:ext cx="9031665" cy="2585323"/>
+          </a:xfrm>
+          <a:prstGeom prst="rect">
+            <a:avLst/>
+          </a:prstGeom>
+          <a:noFill/>
+        </p:spPr>
+        <p:txBody>
+          <a:bodyPr wrap="square">
+            <a:spAutoFit/>
+          </a:bodyPr>
+          <a:lstStyle/>
+          <a:p>
+            <a:r>
+              <a:rPr lang="en-IN" dirty="0"/>
+              <a:t>...</a:t>
+            </a:r>
+          </a:p>
+          <a:p>
+            <a:r>
+              <a:rPr lang="en-IN" dirty="0"/>
+              <a:t>export class </a:t>
+            </a:r>
+            <a:r>
+              <a:rPr lang="en-IN" dirty="0" err="1"/>
+              <a:t>CoursesListComponent</a:t>
+            </a:r>
+            <a:r>
+              <a:rPr lang="en-IN" dirty="0"/>
+              <a:t> {</a:t>
+            </a:r>
+          </a:p>
+          <a:p>
+            <a:r>
+              <a:rPr lang="en-IN" dirty="0"/>
+              <a:t>  courses = [</a:t>
+            </a:r>
+          </a:p>
+          <a:p>
+            <a:r>
+              <a:rPr lang="en-IN" dirty="0"/>
+              <a:t>    { </a:t>
+            </a:r>
+            <a:r>
+              <a:rPr lang="en-IN" dirty="0" err="1"/>
+              <a:t>courseId</a:t>
+            </a:r>
+            <a:r>
+              <a:rPr lang="en-IN" dirty="0"/>
+              <a:t>: 1, </a:t>
+            </a:r>
+            <a:r>
+              <a:rPr lang="en-IN" dirty="0" err="1"/>
+              <a:t>courseName</a:t>
+            </a:r>
+            <a:r>
+              <a:rPr lang="en-IN" dirty="0"/>
+              <a:t>: 'Node JS' },</a:t>
+            </a:r>
+          </a:p>
+          <a:p>
+            <a:r>
+              <a:rPr lang="en-IN" dirty="0"/>
+              <a:t>    { </a:t>
+            </a:r>
+            <a:r>
+              <a:rPr lang="en-IN" dirty="0" err="1"/>
+              <a:t>courseId</a:t>
+            </a:r>
+            <a:r>
+              <a:rPr lang="en-IN" dirty="0"/>
+              <a:t>: 2, </a:t>
+            </a:r>
+            <a:r>
+              <a:rPr lang="en-IN" dirty="0" err="1"/>
+              <a:t>courseName</a:t>
+            </a:r>
+            <a:r>
+              <a:rPr lang="en-IN" dirty="0"/>
+              <a:t>: 'Typescript' },</a:t>
+            </a:r>
+          </a:p>
+          <a:p>
+            <a:r>
+              <a:rPr lang="en-IN" dirty="0"/>
+              <a:t>    { </a:t>
+            </a:r>
+            <a:r>
+              <a:rPr lang="en-IN" dirty="0" err="1"/>
+              <a:t>courseId</a:t>
+            </a:r>
+            <a:r>
+              <a:rPr lang="en-IN" dirty="0"/>
+              <a:t>: 3, </a:t>
+            </a:r>
+            <a:r>
+              <a:rPr lang="en-IN" dirty="0" err="1"/>
+              <a:t>courseName</a:t>
+            </a:r>
+            <a:r>
+              <a:rPr lang="en-IN" dirty="0"/>
+              <a:t>: 'Angular' },</a:t>
+            </a:r>
+          </a:p>
+          <a:p>
+            <a:r>
+              <a:rPr lang="en-IN" dirty="0"/>
+              <a:t>    { </a:t>
+            </a:r>
+            <a:r>
+              <a:rPr lang="en-IN" dirty="0" err="1"/>
+              <a:t>courseId</a:t>
+            </a:r>
+            <a:r>
+              <a:rPr lang="en-IN" dirty="0"/>
+              <a:t>: 4, </a:t>
+            </a:r>
+            <a:r>
+              <a:rPr lang="en-IN" dirty="0" err="1"/>
+              <a:t>courseName</a:t>
+            </a:r>
+            <a:r>
+              <a:rPr lang="en-IN" dirty="0"/>
+              <a:t>: 'React JS' }</a:t>
+            </a:r>
+          </a:p>
+          <a:p>
+            <a:r>
+              <a:rPr lang="en-IN" dirty="0"/>
+              <a:t>  ];</a:t>
+            </a:r>
+          </a:p>
+          <a:p>
+            <a:r>
+              <a:rPr lang="en-IN" dirty="0"/>
+              <a:t>}</a:t>
+            </a:r>
+          </a:p>
+        </p:txBody>
+      </p:sp>
+      <p:sp>
+        <p:nvSpPr>
+          <p:cNvPr id="9" name="TextBox 8">
+            <a:extLst>
+              <a:ext uri="{FF2B5EF4-FFF2-40B4-BE49-F238E27FC236}">
+                <a16:creationId xmlns:a16="http://schemas.microsoft.com/office/drawing/2014/main" id="{40A1608D-503C-C6EC-E578-997BC0B9EAA5}"/>
+              </a:ext>
+            </a:extLst>
+          </p:cNvPr>
+          <p:cNvSpPr txBox="1"/>
+          <p:nvPr/>
+        </p:nvSpPr>
+        <p:spPr>
+          <a:xfrm>
+            <a:off x="989027" y="4853064"/>
+            <a:ext cx="10624796" cy="1323439"/>
+          </a:xfrm>
+          <a:prstGeom prst="rect">
+            <a:avLst/>
+          </a:prstGeom>
+          <a:noFill/>
+        </p:spPr>
+        <p:txBody>
+          <a:bodyPr wrap="square">
+            <a:spAutoFit/>
+          </a:bodyPr>
+          <a:lstStyle/>
+          <a:p>
+            <a:r>
+              <a:rPr lang="en-US" sz="2000" dirty="0">
+                <a:solidFill>
+                  <a:schemeClr val="tx1">
+                    <a:lumMod val="65000"/>
+                    <a:lumOff val="35000"/>
+                  </a:schemeClr>
+                </a:solidFill>
+                <a:effectLst/>
+              </a:rPr>
+              <a:t>Line 3-8: courses is an array of objects where each object has properties called </a:t>
+            </a:r>
+            <a:r>
+              <a:rPr lang="en-US" sz="2000" dirty="0" err="1">
+                <a:solidFill>
+                  <a:schemeClr val="tx1">
+                    <a:lumMod val="65000"/>
+                    <a:lumOff val="35000"/>
+                  </a:schemeClr>
+                </a:solidFill>
+                <a:effectLst/>
+              </a:rPr>
+              <a:t>courseId</a:t>
+            </a:r>
+            <a:r>
+              <a:rPr lang="en-US" sz="2000" dirty="0">
+                <a:solidFill>
+                  <a:schemeClr val="tx1">
+                    <a:lumMod val="65000"/>
+                    <a:lumOff val="35000"/>
+                  </a:schemeClr>
+                </a:solidFill>
+                <a:effectLst/>
+              </a:rPr>
+              <a:t> and </a:t>
+            </a:r>
+            <a:r>
+              <a:rPr lang="en-US" sz="2000" dirty="0" err="1">
+                <a:solidFill>
+                  <a:schemeClr val="tx1">
+                    <a:lumMod val="65000"/>
+                    <a:lumOff val="35000"/>
+                  </a:schemeClr>
+                </a:solidFill>
+                <a:effectLst/>
+              </a:rPr>
+              <a:t>courseName</a:t>
+            </a:r>
+            <a:endParaRPr lang="en-US" sz="2000" dirty="0">
+              <a:solidFill>
+                <a:schemeClr val="tx1">
+                  <a:lumMod val="65000"/>
+                  <a:lumOff val="35000"/>
+                </a:schemeClr>
+              </a:solidFill>
+              <a:effectLst/>
+            </a:endParaRPr>
+          </a:p>
+          <a:p>
+            <a:r>
+              <a:rPr lang="en-US" sz="2000" dirty="0">
+                <a:solidFill>
+                  <a:schemeClr val="tx1">
+                    <a:lumMod val="65000"/>
+                    <a:lumOff val="35000"/>
+                  </a:schemeClr>
+                </a:solidFill>
+                <a:effectLst/>
+              </a:rPr>
+              <a:t> </a:t>
+            </a:r>
+          </a:p>
+          <a:p>
+            <a:r>
+              <a:rPr lang="en-US" sz="2000" b="1" dirty="0">
+                <a:solidFill>
+                  <a:schemeClr val="tx1">
+                    <a:lumMod val="65000"/>
+                    <a:lumOff val="35000"/>
+                  </a:schemeClr>
+                </a:solidFill>
+                <a:effectLst/>
+              </a:rPr>
+              <a:t>courses-list.component.html</a:t>
+            </a:r>
+            <a:endParaRPr lang="en-US" sz="2000" dirty="0">
+              <a:solidFill>
+                <a:schemeClr val="tx1">
+                  <a:lumMod val="65000"/>
+                  <a:lumOff val="35000"/>
+                </a:schemeClr>
+              </a:solidFill>
+              <a:effectLst/>
+            </a:endParaRPr>
+          </a:p>
+        </p:txBody>
+      </p:sp>
+    </p:spTree>
+    <p:extLst>
+      <p:ext uri="{BB962C8B-B14F-4D97-AF65-F5344CB8AC3E}">
+        <p14:creationId xmlns:p14="http://schemas.microsoft.com/office/powerpoint/2010/main" val="1266555898"/>
+      </p:ext>
+    </p:extLst>
+  </p:cSld>
+  <p:clrMapOvr>
+    <a:masterClrMapping/>
+  </p:clrMapOvr>
+</p:sld>
+</file>
+
+<file path=ppt/slides/slide117.xml><?xml version="1.0" encoding="utf-8"?>
+<p:sld xmlns:a="http://schemas.openxmlformats.org/drawingml/2006/main" xmlns:r="http://schemas.openxmlformats.org/officeDocument/2006/relationships" xmlns:p="http://schemas.openxmlformats.org/presentationml/2006/main">
+  <p:cSld>
+    <p:spTree>
+      <p:nvGrpSpPr>
+        <p:cNvPr id="1" name=""/>
+        <p:cNvGrpSpPr/>
+        <p:nvPr/>
+      </p:nvGrpSpPr>
+      <p:grpSpPr>
+        <a:xfrm>
+          <a:off x="0" y="0"/>
+          <a:ext cx="0" cy="0"/>
+          <a:chOff x="0" y="0"/>
+          <a:chExt cx="0" cy="0"/>
+        </a:xfrm>
+      </p:grpSpPr>
+      <p:sp>
+        <p:nvSpPr>
+          <p:cNvPr id="2" name="Footer Placeholder 1">
+            <a:extLst>
+              <a:ext uri="{FF2B5EF4-FFF2-40B4-BE49-F238E27FC236}">
+                <a16:creationId xmlns:a16="http://schemas.microsoft.com/office/drawing/2014/main" id="{C3F57783-691D-4C74-D1E2-6657A9D5C0F8}"/>
+              </a:ext>
+            </a:extLst>
+          </p:cNvPr>
+          <p:cNvSpPr>
+            <a:spLocks noGrp="1"/>
+          </p:cNvSpPr>
+          <p:nvPr>
+            <p:ph type="ftr" sz="quarter" idx="11"/>
+          </p:nvPr>
+        </p:nvSpPr>
+        <p:spPr/>
+        <p:txBody>
+          <a:bodyPr/>
+          <a:lstStyle/>
+          <a:p>
+            <a:r>
+              <a:rPr lang="en-IN"/>
+              <a:t>H&amp;D IT Solution</a:t>
+            </a:r>
+            <a:endParaRPr lang="en-IN" dirty="0"/>
+          </a:p>
+        </p:txBody>
+      </p:sp>
+      <p:sp>
+        <p:nvSpPr>
+          <p:cNvPr id="3" name="Slide Number Placeholder 2">
+            <a:extLst>
+              <a:ext uri="{FF2B5EF4-FFF2-40B4-BE49-F238E27FC236}">
+                <a16:creationId xmlns:a16="http://schemas.microsoft.com/office/drawing/2014/main" id="{C0C687EA-0731-CA42-3E65-9D1ABBFC9FC4}"/>
+              </a:ext>
+            </a:extLst>
+          </p:cNvPr>
+          <p:cNvSpPr>
+            <a:spLocks noGrp="1"/>
+          </p:cNvSpPr>
+          <p:nvPr>
+            <p:ph type="sldNum" sz="quarter" idx="12"/>
+          </p:nvPr>
+        </p:nvSpPr>
+        <p:spPr/>
+        <p:txBody>
+          <a:bodyPr/>
+          <a:lstStyle/>
+          <a:p>
+            <a:fld id="{4A777409-9C5A-4B07-8E32-19F22F7D558C}" type="slidenum">
+              <a:rPr lang="en-IN" smtClean="0"/>
+              <a:t>117</a:t>
+            </a:fld>
+            <a:endParaRPr lang="en-IN" dirty="0"/>
+          </a:p>
+        </p:txBody>
+      </p:sp>
+      <p:sp>
+        <p:nvSpPr>
+          <p:cNvPr id="5" name="TextBox 4">
+            <a:extLst>
+              <a:ext uri="{FF2B5EF4-FFF2-40B4-BE49-F238E27FC236}">
+                <a16:creationId xmlns:a16="http://schemas.microsoft.com/office/drawing/2014/main" id="{8C326A98-6A01-F0B6-DCA9-8557B4DCEC5B}"/>
+              </a:ext>
+            </a:extLst>
+          </p:cNvPr>
+          <p:cNvSpPr txBox="1"/>
+          <p:nvPr/>
+        </p:nvSpPr>
+        <p:spPr>
+          <a:xfrm>
+            <a:off x="1147103" y="663888"/>
+            <a:ext cx="7885522" cy="2585323"/>
+          </a:xfrm>
+          <a:prstGeom prst="rect">
+            <a:avLst/>
+          </a:prstGeom>
+          <a:noFill/>
+        </p:spPr>
+        <p:txBody>
+          <a:bodyPr wrap="square">
+            <a:spAutoFit/>
+          </a:bodyPr>
+          <a:lstStyle/>
+          <a:p>
+            <a:r>
+              <a:rPr lang="en-IN" dirty="0"/>
+              <a:t>&lt;table border="1"&gt;</a:t>
+            </a:r>
+          </a:p>
+          <a:p>
+            <a:r>
+              <a:rPr lang="en-IN" dirty="0"/>
+              <a:t> ...</a:t>
+            </a:r>
+          </a:p>
+          <a:p>
+            <a:r>
+              <a:rPr lang="en-IN" dirty="0"/>
+              <a:t>  &lt;</a:t>
+            </a:r>
+            <a:r>
+              <a:rPr lang="en-IN" dirty="0" err="1"/>
+              <a:t>tbody</a:t>
+            </a:r>
+            <a:r>
+              <a:rPr lang="en-IN" dirty="0"/>
+              <a:t>&gt;</a:t>
+            </a:r>
+          </a:p>
+          <a:p>
+            <a:r>
+              <a:rPr lang="en-IN" dirty="0"/>
+              <a:t>    &lt;tr *</a:t>
+            </a:r>
+            <a:r>
+              <a:rPr lang="en-IN" dirty="0" err="1"/>
+              <a:t>ngFor</a:t>
+            </a:r>
+            <a:r>
+              <a:rPr lang="en-IN" dirty="0"/>
+              <a:t>="let course of courses"&gt;</a:t>
+            </a:r>
+          </a:p>
+          <a:p>
+            <a:r>
+              <a:rPr lang="en-IN" dirty="0"/>
+              <a:t>      &lt;td&gt;{{</a:t>
+            </a:r>
+            <a:r>
+              <a:rPr lang="en-IN" dirty="0" err="1"/>
+              <a:t>course.courseId</a:t>
+            </a:r>
+            <a:r>
+              <a:rPr lang="en-IN" dirty="0"/>
+              <a:t>}}&lt;/td&gt;</a:t>
+            </a:r>
+          </a:p>
+          <a:p>
+            <a:r>
+              <a:rPr lang="en-IN" dirty="0"/>
+              <a:t>      &lt;td&gt;{{</a:t>
+            </a:r>
+            <a:r>
+              <a:rPr lang="en-IN" dirty="0" err="1"/>
+              <a:t>course.courseName</a:t>
+            </a:r>
+            <a:r>
+              <a:rPr lang="en-IN" dirty="0"/>
+              <a:t>}}&lt;/td&gt;</a:t>
+            </a:r>
+          </a:p>
+          <a:p>
+            <a:r>
+              <a:rPr lang="en-IN" dirty="0"/>
+              <a:t>    &lt;/tr&gt;</a:t>
+            </a:r>
+          </a:p>
+          <a:p>
+            <a:r>
+              <a:rPr lang="en-IN" dirty="0"/>
+              <a:t>  &lt;/</a:t>
+            </a:r>
+            <a:r>
+              <a:rPr lang="en-IN" dirty="0" err="1"/>
+              <a:t>tbody</a:t>
+            </a:r>
+            <a:r>
+              <a:rPr lang="en-IN" dirty="0"/>
+              <a:t>&gt;</a:t>
+            </a:r>
+          </a:p>
+          <a:p>
+            <a:r>
+              <a:rPr lang="en-IN" dirty="0"/>
+              <a:t>&lt;/table&gt;</a:t>
+            </a:r>
+          </a:p>
+        </p:txBody>
+      </p:sp>
+      <p:sp>
+        <p:nvSpPr>
+          <p:cNvPr id="7" name="TextBox 6">
+            <a:extLst>
+              <a:ext uri="{FF2B5EF4-FFF2-40B4-BE49-F238E27FC236}">
+                <a16:creationId xmlns:a16="http://schemas.microsoft.com/office/drawing/2014/main" id="{8181CC7F-EAB0-B1FD-F86C-7690685BBCCF}"/>
+              </a:ext>
+            </a:extLst>
+          </p:cNvPr>
+          <p:cNvSpPr txBox="1"/>
+          <p:nvPr/>
+        </p:nvSpPr>
+        <p:spPr>
+          <a:xfrm>
+            <a:off x="372358" y="3429000"/>
+            <a:ext cx="11260318" cy="1015663"/>
+          </a:xfrm>
+          <a:prstGeom prst="rect">
+            <a:avLst/>
+          </a:prstGeom>
+          <a:noFill/>
+        </p:spPr>
+        <p:txBody>
+          <a:bodyPr wrap="square">
+            <a:spAutoFit/>
+          </a:bodyPr>
+          <a:lstStyle/>
+          <a:p>
+            <a:r>
+              <a:rPr lang="en-US" sz="2000" dirty="0">
+                <a:solidFill>
+                  <a:schemeClr val="tx1">
+                    <a:lumMod val="65000"/>
+                    <a:lumOff val="35000"/>
+                  </a:schemeClr>
+                </a:solidFill>
+                <a:effectLst/>
+              </a:rPr>
+              <a:t>Line 4-7: </a:t>
+            </a:r>
+            <a:r>
+              <a:rPr lang="en-US" sz="2000" dirty="0" err="1">
+                <a:solidFill>
+                  <a:schemeClr val="tx1">
+                    <a:lumMod val="65000"/>
+                    <a:lumOff val="35000"/>
+                  </a:schemeClr>
+                </a:solidFill>
+                <a:effectLst/>
+              </a:rPr>
+              <a:t>ngFor</a:t>
+            </a:r>
+            <a:r>
+              <a:rPr lang="en-US" sz="2000" dirty="0">
+                <a:solidFill>
+                  <a:schemeClr val="tx1">
+                    <a:lumMod val="65000"/>
+                    <a:lumOff val="35000"/>
+                  </a:schemeClr>
+                </a:solidFill>
+                <a:effectLst/>
+              </a:rPr>
+              <a:t> iterates over courses array and renders </a:t>
+            </a:r>
+            <a:r>
+              <a:rPr lang="en-US" sz="2000" dirty="0" err="1">
+                <a:solidFill>
+                  <a:schemeClr val="tx1">
+                    <a:lumMod val="65000"/>
+                    <a:lumOff val="35000"/>
+                  </a:schemeClr>
+                </a:solidFill>
+                <a:effectLst/>
+              </a:rPr>
+              <a:t>courseId</a:t>
+            </a:r>
+            <a:r>
+              <a:rPr lang="en-US" sz="2000" dirty="0">
+                <a:solidFill>
+                  <a:schemeClr val="tx1">
+                    <a:lumMod val="65000"/>
+                    <a:lumOff val="35000"/>
+                  </a:schemeClr>
+                </a:solidFill>
+                <a:effectLst/>
+              </a:rPr>
+              <a:t> and </a:t>
+            </a:r>
+            <a:r>
+              <a:rPr lang="en-US" sz="2000" dirty="0" err="1">
+                <a:solidFill>
+                  <a:schemeClr val="tx1">
+                    <a:lumMod val="65000"/>
+                    <a:lumOff val="35000"/>
+                  </a:schemeClr>
+                </a:solidFill>
+                <a:effectLst/>
+              </a:rPr>
+              <a:t>courseName</a:t>
+            </a:r>
+            <a:r>
+              <a:rPr lang="en-US" sz="2000" dirty="0">
+                <a:solidFill>
+                  <a:schemeClr val="tx1">
+                    <a:lumMod val="65000"/>
+                    <a:lumOff val="35000"/>
+                  </a:schemeClr>
+                </a:solidFill>
+                <a:effectLst/>
+              </a:rPr>
+              <a:t> values</a:t>
+            </a:r>
+          </a:p>
+          <a:p>
+            <a:r>
+              <a:rPr lang="en-US" sz="2000" dirty="0">
+                <a:solidFill>
+                  <a:schemeClr val="tx1">
+                    <a:lumMod val="65000"/>
+                    <a:lumOff val="35000"/>
+                  </a:schemeClr>
+                </a:solidFill>
+                <a:effectLst/>
+              </a:rPr>
+              <a:t> </a:t>
+            </a:r>
+          </a:p>
+          <a:p>
+            <a:r>
+              <a:rPr lang="en-US" sz="2000" dirty="0">
+                <a:solidFill>
+                  <a:schemeClr val="tx1">
+                    <a:lumMod val="65000"/>
+                    <a:lumOff val="35000"/>
+                  </a:schemeClr>
+                </a:solidFill>
+                <a:effectLst/>
+              </a:rPr>
+              <a:t>Add the following code in </a:t>
+            </a:r>
+            <a:r>
+              <a:rPr lang="en-US" sz="2000" b="1" dirty="0">
+                <a:solidFill>
+                  <a:schemeClr val="tx1">
+                    <a:lumMod val="65000"/>
+                    <a:lumOff val="35000"/>
+                  </a:schemeClr>
+                </a:solidFill>
+                <a:effectLst/>
+              </a:rPr>
+              <a:t>courses-list.component.css</a:t>
+            </a:r>
+            <a:endParaRPr lang="en-US" sz="2000" dirty="0">
+              <a:solidFill>
+                <a:schemeClr val="tx1">
+                  <a:lumMod val="65000"/>
+                  <a:lumOff val="35000"/>
+                </a:schemeClr>
+              </a:solidFill>
+              <a:effectLst/>
+            </a:endParaRPr>
+          </a:p>
+        </p:txBody>
+      </p:sp>
+      <p:sp>
+        <p:nvSpPr>
+          <p:cNvPr id="9" name="TextBox 8">
+            <a:extLst>
+              <a:ext uri="{FF2B5EF4-FFF2-40B4-BE49-F238E27FC236}">
+                <a16:creationId xmlns:a16="http://schemas.microsoft.com/office/drawing/2014/main" id="{0BDEBB06-FA44-05C1-A698-E108A0D2DA9F}"/>
+              </a:ext>
+            </a:extLst>
+          </p:cNvPr>
+          <p:cNvSpPr txBox="1"/>
+          <p:nvPr/>
+        </p:nvSpPr>
+        <p:spPr>
+          <a:xfrm>
+            <a:off x="372358" y="4639081"/>
+            <a:ext cx="6099142" cy="923330"/>
+          </a:xfrm>
+          <a:prstGeom prst="rect">
+            <a:avLst/>
+          </a:prstGeom>
+          <a:noFill/>
+        </p:spPr>
+        <p:txBody>
+          <a:bodyPr wrap="square">
+            <a:spAutoFit/>
+          </a:bodyPr>
+          <a:lstStyle/>
+          <a:p>
+            <a:r>
+              <a:rPr lang="en-IN" dirty="0"/>
+              <a:t>tr{</a:t>
+            </a:r>
+          </a:p>
+          <a:p>
+            <a:r>
+              <a:rPr lang="en-IN" dirty="0"/>
+              <a:t>    </a:t>
+            </a:r>
+            <a:r>
+              <a:rPr lang="en-IN" dirty="0" err="1"/>
+              <a:t>text-align:center</a:t>
+            </a:r>
+            <a:r>
+              <a:rPr lang="en-IN" dirty="0"/>
+              <a:t>;</a:t>
+            </a:r>
+          </a:p>
+          <a:p>
+            <a:r>
+              <a:rPr lang="en-IN" dirty="0"/>
+              <a:t>}</a:t>
+            </a:r>
+          </a:p>
+        </p:txBody>
+      </p:sp>
+    </p:spTree>
+    <p:extLst>
+      <p:ext uri="{BB962C8B-B14F-4D97-AF65-F5344CB8AC3E}">
+        <p14:creationId xmlns:p14="http://schemas.microsoft.com/office/powerpoint/2010/main" val="2172764156"/>
+      </p:ext>
+    </p:extLst>
+  </p:cSld>
+  <p:clrMapOvr>
+    <a:masterClrMapping/>
+  </p:clrMapOvr>
+</p:sld>
+</file>
+
+<file path=ppt/slides/slide118.xml><?xml version="1.0" encoding="utf-8"?>
+<p:sld xmlns:a="http://schemas.openxmlformats.org/drawingml/2006/main" xmlns:r="http://schemas.openxmlformats.org/officeDocument/2006/relationships" xmlns:p="http://schemas.openxmlformats.org/presentationml/2006/main">
+  <p:cSld>
+    <p:spTree>
+      <p:nvGrpSpPr>
+        <p:cNvPr id="1" name=""/>
+        <p:cNvGrpSpPr/>
+        <p:nvPr/>
+      </p:nvGrpSpPr>
+      <p:grpSpPr>
+        <a:xfrm>
+          <a:off x="0" y="0"/>
+          <a:ext cx="0" cy="0"/>
+          <a:chOff x="0" y="0"/>
+          <a:chExt cx="0" cy="0"/>
+        </a:xfrm>
+      </p:grpSpPr>
+      <p:sp>
+        <p:nvSpPr>
+          <p:cNvPr id="2" name="Footer Placeholder 1">
+            <a:extLst>
+              <a:ext uri="{FF2B5EF4-FFF2-40B4-BE49-F238E27FC236}">
+                <a16:creationId xmlns:a16="http://schemas.microsoft.com/office/drawing/2014/main" id="{DFC95006-1DA9-C810-E77A-20B8FB6C4CCD}"/>
+              </a:ext>
+            </a:extLst>
+          </p:cNvPr>
+          <p:cNvSpPr>
+            <a:spLocks noGrp="1"/>
+          </p:cNvSpPr>
+          <p:nvPr>
+            <p:ph type="ftr" sz="quarter" idx="11"/>
+          </p:nvPr>
+        </p:nvSpPr>
+        <p:spPr/>
+        <p:txBody>
+          <a:bodyPr/>
+          <a:lstStyle/>
+          <a:p>
+            <a:r>
+              <a:rPr lang="en-IN"/>
+              <a:t>H&amp;D IT Solution</a:t>
+            </a:r>
+            <a:endParaRPr lang="en-IN" dirty="0"/>
+          </a:p>
+        </p:txBody>
+      </p:sp>
+      <p:sp>
+        <p:nvSpPr>
+          <p:cNvPr id="3" name="Slide Number Placeholder 2">
+            <a:extLst>
+              <a:ext uri="{FF2B5EF4-FFF2-40B4-BE49-F238E27FC236}">
+                <a16:creationId xmlns:a16="http://schemas.microsoft.com/office/drawing/2014/main" id="{6949B266-5997-48FB-FFFA-9F00D30A0D3F}"/>
+              </a:ext>
+            </a:extLst>
+          </p:cNvPr>
+          <p:cNvSpPr>
+            <a:spLocks noGrp="1"/>
+          </p:cNvSpPr>
+          <p:nvPr>
+            <p:ph type="sldNum" sz="quarter" idx="12"/>
+          </p:nvPr>
+        </p:nvSpPr>
+        <p:spPr/>
+        <p:txBody>
+          <a:bodyPr/>
+          <a:lstStyle/>
+          <a:p>
+            <a:fld id="{4A777409-9C5A-4B07-8E32-19F22F7D558C}" type="slidenum">
+              <a:rPr lang="en-IN" smtClean="0"/>
+              <a:t>118</a:t>
+            </a:fld>
+            <a:endParaRPr lang="en-IN" dirty="0"/>
+          </a:p>
+        </p:txBody>
+      </p:sp>
+      <p:sp>
+        <p:nvSpPr>
+          <p:cNvPr id="5" name="TextBox 4">
+            <a:extLst>
+              <a:ext uri="{FF2B5EF4-FFF2-40B4-BE49-F238E27FC236}">
+                <a16:creationId xmlns:a16="http://schemas.microsoft.com/office/drawing/2014/main" id="{80430135-19FF-2BD5-703F-DF7BA83B262A}"/>
+              </a:ext>
+            </a:extLst>
+          </p:cNvPr>
+          <p:cNvSpPr txBox="1"/>
+          <p:nvPr/>
+        </p:nvSpPr>
+        <p:spPr>
+          <a:xfrm>
+            <a:off x="989029" y="575283"/>
+            <a:ext cx="9012810" cy="1015663"/>
+          </a:xfrm>
+          <a:prstGeom prst="rect">
+            <a:avLst/>
+          </a:prstGeom>
+          <a:noFill/>
+        </p:spPr>
+        <p:txBody>
+          <a:bodyPr wrap="square">
+            <a:spAutoFit/>
+          </a:bodyPr>
+          <a:lstStyle/>
+          <a:p>
+            <a:r>
+              <a:rPr lang="en-US" sz="2000" dirty="0">
+                <a:solidFill>
+                  <a:schemeClr val="tx1">
+                    <a:lumMod val="65000"/>
+                    <a:lumOff val="35000"/>
+                  </a:schemeClr>
+                </a:solidFill>
+                <a:effectLst/>
+              </a:rPr>
+              <a:t>Line 1-3: adds center alignment to a table row in an HTML page</a:t>
+            </a:r>
+          </a:p>
+          <a:p>
+            <a:r>
+              <a:rPr lang="en-US" sz="2000" dirty="0">
+                <a:solidFill>
+                  <a:schemeClr val="tx1">
+                    <a:lumMod val="65000"/>
+                    <a:lumOff val="35000"/>
+                  </a:schemeClr>
+                </a:solidFill>
+                <a:effectLst/>
+              </a:rPr>
+              <a:t> </a:t>
+            </a:r>
+          </a:p>
+          <a:p>
+            <a:r>
+              <a:rPr lang="en-US" sz="2000" b="1" dirty="0">
+                <a:solidFill>
+                  <a:schemeClr val="tx1">
+                    <a:lumMod val="65000"/>
+                    <a:lumOff val="35000"/>
+                  </a:schemeClr>
+                </a:solidFill>
+                <a:effectLst/>
+              </a:rPr>
+              <a:t>app.component.html</a:t>
+            </a:r>
+            <a:endParaRPr lang="en-US" sz="2000" dirty="0">
+              <a:solidFill>
+                <a:schemeClr val="tx1">
+                  <a:lumMod val="65000"/>
+                  <a:lumOff val="35000"/>
+                </a:schemeClr>
+              </a:solidFill>
+              <a:effectLst/>
+            </a:endParaRPr>
+          </a:p>
+        </p:txBody>
+      </p:sp>
+      <p:sp>
+        <p:nvSpPr>
+          <p:cNvPr id="7" name="TextBox 6">
+            <a:extLst>
+              <a:ext uri="{FF2B5EF4-FFF2-40B4-BE49-F238E27FC236}">
+                <a16:creationId xmlns:a16="http://schemas.microsoft.com/office/drawing/2014/main" id="{1A6C6057-5E39-3CB0-FDCE-4E982DA93F35}"/>
+              </a:ext>
+            </a:extLst>
+          </p:cNvPr>
+          <p:cNvSpPr txBox="1"/>
+          <p:nvPr/>
+        </p:nvSpPr>
+        <p:spPr>
+          <a:xfrm>
+            <a:off x="989028" y="1762341"/>
+            <a:ext cx="10002625" cy="1477328"/>
+          </a:xfrm>
+          <a:prstGeom prst="rect">
+            <a:avLst/>
+          </a:prstGeom>
+          <a:noFill/>
+        </p:spPr>
+        <p:txBody>
+          <a:bodyPr wrap="square">
+            <a:spAutoFit/>
+          </a:bodyPr>
+          <a:lstStyle/>
+          <a:p>
+            <a:r>
+              <a:rPr lang="en-IN" dirty="0"/>
+              <a:t>...</a:t>
+            </a:r>
+          </a:p>
+          <a:p>
+            <a:r>
+              <a:rPr lang="en-IN" dirty="0"/>
+              <a:t>&lt;button (click)="show=true"&gt;View Courses list&lt;/button&gt;&lt;</a:t>
+            </a:r>
+            <a:r>
+              <a:rPr lang="en-IN" dirty="0" err="1"/>
+              <a:t>br</a:t>
+            </a:r>
+            <a:r>
+              <a:rPr lang="en-IN" dirty="0"/>
+              <a:t>/&gt;&lt;</a:t>
+            </a:r>
+            <a:r>
+              <a:rPr lang="en-IN" dirty="0" err="1"/>
+              <a:t>br</a:t>
+            </a:r>
+            <a:r>
+              <a:rPr lang="en-IN" dirty="0"/>
+              <a:t>/&gt;</a:t>
+            </a:r>
+          </a:p>
+          <a:p>
+            <a:r>
+              <a:rPr lang="en-IN" dirty="0"/>
+              <a:t>&lt;div *</a:t>
+            </a:r>
+            <a:r>
+              <a:rPr lang="en-IN" dirty="0" err="1"/>
+              <a:t>ngIf</a:t>
+            </a:r>
+            <a:r>
+              <a:rPr lang="en-IN" dirty="0"/>
+              <a:t>="show"&gt;</a:t>
+            </a:r>
+          </a:p>
+          <a:p>
+            <a:r>
+              <a:rPr lang="en-IN" dirty="0"/>
+              <a:t>    &lt;app-courses-list&gt;&lt;/app-courses-list&gt;</a:t>
+            </a:r>
+          </a:p>
+          <a:p>
+            <a:r>
+              <a:rPr lang="en-IN" dirty="0"/>
+              <a:t>&lt;/div&gt;</a:t>
+            </a:r>
+          </a:p>
+        </p:txBody>
+      </p:sp>
+      <p:sp>
+        <p:nvSpPr>
+          <p:cNvPr id="9" name="TextBox 8">
+            <a:extLst>
+              <a:ext uri="{FF2B5EF4-FFF2-40B4-BE49-F238E27FC236}">
+                <a16:creationId xmlns:a16="http://schemas.microsoft.com/office/drawing/2014/main" id="{019FB747-CC76-CDC4-FD61-EBBF02F58C10}"/>
+              </a:ext>
+            </a:extLst>
+          </p:cNvPr>
+          <p:cNvSpPr txBox="1"/>
+          <p:nvPr/>
+        </p:nvSpPr>
+        <p:spPr>
+          <a:xfrm>
+            <a:off x="228206" y="3759734"/>
+            <a:ext cx="11524268" cy="2246769"/>
+          </a:xfrm>
+          <a:prstGeom prst="rect">
+            <a:avLst/>
+          </a:prstGeom>
+          <a:noFill/>
+        </p:spPr>
+        <p:txBody>
+          <a:bodyPr wrap="square">
+            <a:spAutoFit/>
+          </a:bodyPr>
+          <a:lstStyle/>
+          <a:p>
+            <a:r>
+              <a:rPr lang="en-US" sz="2000" dirty="0">
+                <a:solidFill>
+                  <a:schemeClr val="tx1">
+                    <a:lumMod val="65000"/>
+                    <a:lumOff val="35000"/>
+                  </a:schemeClr>
+                </a:solidFill>
+                <a:effectLst/>
+              </a:rPr>
+              <a:t>Line 2: click event is bounded to button which will initialize show property to true when it is clicked</a:t>
+            </a:r>
+          </a:p>
+          <a:p>
+            <a:r>
+              <a:rPr lang="en-US" sz="2000" dirty="0">
+                <a:solidFill>
+                  <a:schemeClr val="tx1">
+                    <a:lumMod val="65000"/>
+                    <a:lumOff val="35000"/>
+                  </a:schemeClr>
+                </a:solidFill>
+                <a:effectLst/>
+              </a:rPr>
+              <a:t>Line 4: It loads the </a:t>
+            </a:r>
+            <a:r>
+              <a:rPr lang="en-US" sz="2000" dirty="0" err="1">
+                <a:solidFill>
+                  <a:schemeClr val="tx1">
+                    <a:lumMod val="65000"/>
+                    <a:lumOff val="35000"/>
+                  </a:schemeClr>
+                </a:solidFill>
+                <a:effectLst/>
+              </a:rPr>
+              <a:t>CoursesList</a:t>
+            </a:r>
+            <a:r>
+              <a:rPr lang="en-US" sz="2000" dirty="0">
+                <a:solidFill>
+                  <a:schemeClr val="tx1">
+                    <a:lumMod val="65000"/>
+                    <a:lumOff val="35000"/>
+                  </a:schemeClr>
+                </a:solidFill>
+                <a:effectLst/>
+              </a:rPr>
+              <a:t> component only if the show property value is true.</a:t>
+            </a:r>
+          </a:p>
+          <a:p>
+            <a:r>
+              <a:rPr lang="en-US" sz="2000" dirty="0">
+                <a:solidFill>
+                  <a:schemeClr val="tx1">
+                    <a:lumMod val="65000"/>
+                    <a:lumOff val="35000"/>
+                  </a:schemeClr>
+                </a:solidFill>
+                <a:effectLst/>
+              </a:rPr>
+              <a:t> </a:t>
+            </a:r>
+          </a:p>
+          <a:p>
+            <a:r>
+              <a:rPr lang="en-US" sz="2000" b="1" dirty="0">
+                <a:solidFill>
+                  <a:schemeClr val="tx1">
+                    <a:lumMod val="65000"/>
+                    <a:lumOff val="35000"/>
+                  </a:schemeClr>
+                </a:solidFill>
+                <a:effectLst/>
+              </a:rPr>
+              <a:t>Note</a:t>
+            </a:r>
+            <a:r>
+              <a:rPr lang="en-US" sz="2000" dirty="0">
+                <a:solidFill>
+                  <a:schemeClr val="tx1">
+                    <a:lumMod val="65000"/>
+                    <a:lumOff val="35000"/>
+                  </a:schemeClr>
+                </a:solidFill>
+                <a:effectLst/>
+              </a:rPr>
+              <a:t>:</a:t>
+            </a:r>
+          </a:p>
+          <a:p>
+            <a:r>
+              <a:rPr lang="en-US" sz="2000" dirty="0">
+                <a:solidFill>
+                  <a:schemeClr val="tx1">
+                    <a:lumMod val="65000"/>
+                    <a:lumOff val="35000"/>
+                  </a:schemeClr>
+                </a:solidFill>
+                <a:effectLst/>
+              </a:rPr>
+              <a:t>Here </a:t>
+            </a:r>
+            <a:r>
+              <a:rPr lang="en-US" sz="2000" dirty="0" err="1">
+                <a:solidFill>
+                  <a:schemeClr val="tx1">
+                    <a:lumMod val="65000"/>
+                    <a:lumOff val="35000"/>
+                  </a:schemeClr>
+                </a:solidFill>
+                <a:effectLst/>
+              </a:rPr>
+              <a:t>AppComponent</a:t>
+            </a:r>
+            <a:r>
+              <a:rPr lang="en-US" sz="2000" dirty="0">
+                <a:solidFill>
+                  <a:schemeClr val="tx1">
+                    <a:lumMod val="65000"/>
+                    <a:lumOff val="35000"/>
+                  </a:schemeClr>
+                </a:solidFill>
+                <a:effectLst/>
+              </a:rPr>
+              <a:t> is called Parent component or container component as we are loading another component in it.</a:t>
+            </a:r>
+          </a:p>
+          <a:p>
+            <a:r>
+              <a:rPr lang="en-US" sz="2000" dirty="0" err="1">
+                <a:solidFill>
+                  <a:schemeClr val="tx1">
+                    <a:lumMod val="65000"/>
+                    <a:lumOff val="35000"/>
+                  </a:schemeClr>
+                </a:solidFill>
+                <a:effectLst/>
+              </a:rPr>
+              <a:t>CoursesList</a:t>
+            </a:r>
+            <a:r>
+              <a:rPr lang="en-US" sz="2000" dirty="0">
+                <a:solidFill>
+                  <a:schemeClr val="tx1">
+                    <a:lumMod val="65000"/>
+                    <a:lumOff val="35000"/>
+                  </a:schemeClr>
+                </a:solidFill>
+                <a:effectLst/>
+              </a:rPr>
+              <a:t> component is called child component as it is being loaded in another component.</a:t>
+            </a:r>
+          </a:p>
+        </p:txBody>
+      </p:sp>
+    </p:spTree>
+    <p:extLst>
+      <p:ext uri="{BB962C8B-B14F-4D97-AF65-F5344CB8AC3E}">
+        <p14:creationId xmlns:p14="http://schemas.microsoft.com/office/powerpoint/2010/main" val="4169629322"/>
+      </p:ext>
+    </p:extLst>
+  </p:cSld>
+  <p:clrMapOvr>
+    <a:masterClrMapping/>
+  </p:clrMapOvr>
+</p:sld>
+</file>
+
+<file path=ppt/slides/slide119.xml><?xml version="1.0" encoding="utf-8"?>
+<p:sld xmlns:a="http://schemas.openxmlformats.org/drawingml/2006/main" xmlns:r="http://schemas.openxmlformats.org/officeDocument/2006/relationships" xmlns:p="http://schemas.openxmlformats.org/presentationml/2006/main">
+  <p:cSld>
+    <p:spTree>
+      <p:nvGrpSpPr>
+        <p:cNvPr id="1" name=""/>
+        <p:cNvGrpSpPr/>
+        <p:nvPr/>
+      </p:nvGrpSpPr>
+      <p:grpSpPr>
+        <a:xfrm>
+          <a:off x="0" y="0"/>
+          <a:ext cx="0" cy="0"/>
+          <a:chOff x="0" y="0"/>
+          <a:chExt cx="0" cy="0"/>
+        </a:xfrm>
+      </p:grpSpPr>
+      <p:sp>
+        <p:nvSpPr>
+          <p:cNvPr id="2" name="Footer Placeholder 1">
+            <a:extLst>
+              <a:ext uri="{FF2B5EF4-FFF2-40B4-BE49-F238E27FC236}">
+                <a16:creationId xmlns:a16="http://schemas.microsoft.com/office/drawing/2014/main" id="{14530383-3EA0-102A-0E16-C3AE7D45C12C}"/>
+              </a:ext>
+            </a:extLst>
+          </p:cNvPr>
+          <p:cNvSpPr>
+            <a:spLocks noGrp="1"/>
+          </p:cNvSpPr>
+          <p:nvPr>
+            <p:ph type="ftr" sz="quarter" idx="11"/>
+          </p:nvPr>
+        </p:nvSpPr>
+        <p:spPr/>
+        <p:txBody>
+          <a:bodyPr/>
+          <a:lstStyle/>
+          <a:p>
+            <a:r>
+              <a:rPr lang="en-IN"/>
+              <a:t>H&amp;D IT Solution</a:t>
+            </a:r>
+            <a:endParaRPr lang="en-IN" dirty="0"/>
+          </a:p>
+        </p:txBody>
+      </p:sp>
+      <p:sp>
+        <p:nvSpPr>
+          <p:cNvPr id="3" name="Slide Number Placeholder 2">
+            <a:extLst>
+              <a:ext uri="{FF2B5EF4-FFF2-40B4-BE49-F238E27FC236}">
+                <a16:creationId xmlns:a16="http://schemas.microsoft.com/office/drawing/2014/main" id="{721D328D-BB5A-2A96-9886-895FEBC2939F}"/>
+              </a:ext>
+            </a:extLst>
+          </p:cNvPr>
+          <p:cNvSpPr>
+            <a:spLocks noGrp="1"/>
+          </p:cNvSpPr>
+          <p:nvPr>
+            <p:ph type="sldNum" sz="quarter" idx="12"/>
+          </p:nvPr>
+        </p:nvSpPr>
+        <p:spPr/>
+        <p:txBody>
+          <a:bodyPr/>
+          <a:lstStyle/>
+          <a:p>
+            <a:fld id="{4A777409-9C5A-4B07-8E32-19F22F7D558C}" type="slidenum">
+              <a:rPr lang="en-IN" smtClean="0"/>
+              <a:t>119</a:t>
+            </a:fld>
+            <a:endParaRPr lang="en-IN" dirty="0"/>
+          </a:p>
+        </p:txBody>
+      </p:sp>
+      <p:sp>
+        <p:nvSpPr>
+          <p:cNvPr id="5" name="TextBox 4">
+            <a:extLst>
+              <a:ext uri="{FF2B5EF4-FFF2-40B4-BE49-F238E27FC236}">
+                <a16:creationId xmlns:a16="http://schemas.microsoft.com/office/drawing/2014/main" id="{7399DBCE-4CF6-23E7-8E73-51D09AE97539}"/>
+              </a:ext>
+            </a:extLst>
+          </p:cNvPr>
+          <p:cNvSpPr txBox="1"/>
+          <p:nvPr/>
+        </p:nvSpPr>
+        <p:spPr>
+          <a:xfrm>
+            <a:off x="989029" y="560051"/>
+            <a:ext cx="6099142" cy="461665"/>
+          </a:xfrm>
+          <a:prstGeom prst="rect">
+            <a:avLst/>
+          </a:prstGeom>
+          <a:noFill/>
+        </p:spPr>
+        <p:txBody>
+          <a:bodyPr wrap="square">
+            <a:spAutoFit/>
+          </a:bodyPr>
+          <a:lstStyle/>
+          <a:p>
+            <a:r>
+              <a:rPr lang="en-IN" sz="2400" b="1" dirty="0"/>
+              <a:t>Demo : Nested Components </a:t>
+            </a:r>
+          </a:p>
+        </p:txBody>
+      </p:sp>
+      <p:sp>
+        <p:nvSpPr>
+          <p:cNvPr id="7" name="TextBox 6">
+            <a:extLst>
+              <a:ext uri="{FF2B5EF4-FFF2-40B4-BE49-F238E27FC236}">
+                <a16:creationId xmlns:a16="http://schemas.microsoft.com/office/drawing/2014/main" id="{AE1F3F51-2762-B5B2-7E21-0CB3DE37A08B}"/>
+              </a:ext>
+            </a:extLst>
+          </p:cNvPr>
+          <p:cNvSpPr txBox="1"/>
+          <p:nvPr/>
+        </p:nvSpPr>
+        <p:spPr>
+          <a:xfrm>
+            <a:off x="240384" y="1152502"/>
+            <a:ext cx="11533694" cy="2246769"/>
+          </a:xfrm>
+          <a:prstGeom prst="rect">
+            <a:avLst/>
+          </a:prstGeom>
+          <a:noFill/>
+        </p:spPr>
+        <p:txBody>
+          <a:bodyPr wrap="square">
+            <a:spAutoFit/>
+          </a:bodyPr>
+          <a:lstStyle/>
+          <a:p>
+            <a:r>
+              <a:rPr lang="en-US" sz="2000" b="1" dirty="0">
+                <a:solidFill>
+                  <a:schemeClr val="tx1">
+                    <a:lumMod val="65000"/>
+                    <a:lumOff val="35000"/>
+                  </a:schemeClr>
+                </a:solidFill>
+                <a:effectLst/>
+              </a:rPr>
+              <a:t>Highlights:</a:t>
+            </a:r>
+            <a:endParaRPr lang="en-US" sz="2000" dirty="0">
+              <a:solidFill>
+                <a:schemeClr val="tx1">
+                  <a:lumMod val="65000"/>
+                  <a:lumOff val="35000"/>
+                </a:schemeClr>
+              </a:solidFill>
+              <a:effectLst/>
+            </a:endParaRPr>
+          </a:p>
+          <a:p>
+            <a:pPr>
+              <a:buFont typeface="Arial" panose="020B0604020202020204" pitchFamily="34" charset="0"/>
+              <a:buChar char="•"/>
+            </a:pPr>
+            <a:r>
+              <a:rPr lang="en-US" sz="2000" dirty="0">
+                <a:solidFill>
+                  <a:schemeClr val="tx1">
+                    <a:lumMod val="65000"/>
+                    <a:lumOff val="35000"/>
+                  </a:schemeClr>
+                </a:solidFill>
+                <a:effectLst/>
+              </a:rPr>
+              <a:t>Creating a nested component</a:t>
+            </a:r>
+          </a:p>
+          <a:p>
+            <a:pPr>
+              <a:buFont typeface="Arial" panose="020B0604020202020204" pitchFamily="34" charset="0"/>
+              <a:buChar char="•"/>
+            </a:pPr>
+            <a:r>
+              <a:rPr lang="en-US" sz="2000" dirty="0">
+                <a:solidFill>
+                  <a:schemeClr val="tx1">
+                    <a:lumMod val="65000"/>
+                    <a:lumOff val="35000"/>
+                  </a:schemeClr>
+                </a:solidFill>
+                <a:effectLst/>
+              </a:rPr>
+              <a:t>Loading nested component in a container component</a:t>
+            </a:r>
+          </a:p>
+          <a:p>
+            <a:pPr>
+              <a:buFont typeface="Arial" panose="020B0604020202020204" pitchFamily="34" charset="0"/>
+              <a:buChar char="•"/>
+            </a:pPr>
+            <a:endParaRPr lang="en-US" sz="2000" dirty="0">
+              <a:solidFill>
+                <a:schemeClr val="tx1">
+                  <a:lumMod val="65000"/>
+                  <a:lumOff val="35000"/>
+                </a:schemeClr>
+              </a:solidFill>
+              <a:effectLst/>
+            </a:endParaRPr>
+          </a:p>
+          <a:p>
+            <a:r>
+              <a:rPr lang="en-US" sz="2000" b="1" dirty="0" err="1">
+                <a:solidFill>
+                  <a:schemeClr val="tx1">
+                    <a:lumMod val="65000"/>
+                    <a:lumOff val="35000"/>
+                  </a:schemeClr>
+                </a:solidFill>
+                <a:effectLst/>
+              </a:rPr>
+              <a:t>Demosteps</a:t>
+            </a:r>
+            <a:r>
+              <a:rPr lang="en-US" sz="2000" b="1" dirty="0">
+                <a:solidFill>
+                  <a:schemeClr val="tx1">
+                    <a:lumMod val="65000"/>
+                    <a:lumOff val="35000"/>
+                  </a:schemeClr>
+                </a:solidFill>
+                <a:effectLst/>
+              </a:rPr>
+              <a:t>:</a:t>
+            </a:r>
+            <a:endParaRPr lang="en-US" sz="2000" dirty="0">
+              <a:solidFill>
+                <a:schemeClr val="tx1">
+                  <a:lumMod val="65000"/>
+                  <a:lumOff val="35000"/>
+                </a:schemeClr>
+              </a:solidFill>
+              <a:effectLst/>
+            </a:endParaRPr>
+          </a:p>
+          <a:p>
+            <a:r>
+              <a:rPr lang="en-US" sz="2000" b="1" dirty="0">
+                <a:solidFill>
+                  <a:schemeClr val="tx1">
+                    <a:lumMod val="65000"/>
+                    <a:lumOff val="35000"/>
+                  </a:schemeClr>
+                </a:solidFill>
+                <a:effectLst/>
+              </a:rPr>
+              <a:t>Problem Statement: </a:t>
+            </a:r>
+            <a:r>
+              <a:rPr lang="en-US" sz="2000" dirty="0">
+                <a:solidFill>
+                  <a:schemeClr val="tx1">
+                    <a:lumMod val="65000"/>
+                    <a:lumOff val="35000"/>
+                  </a:schemeClr>
+                </a:solidFill>
+                <a:effectLst/>
+              </a:rPr>
+              <a:t>Loading </a:t>
+            </a:r>
+            <a:r>
+              <a:rPr lang="en-US" sz="2000" dirty="0" err="1">
+                <a:solidFill>
+                  <a:schemeClr val="tx1">
+                    <a:lumMod val="65000"/>
+                    <a:lumOff val="35000"/>
+                  </a:schemeClr>
+                </a:solidFill>
+                <a:effectLst/>
+              </a:rPr>
+              <a:t>CourseslistComponent</a:t>
+            </a:r>
+            <a:r>
+              <a:rPr lang="en-US" sz="2000" dirty="0">
+                <a:solidFill>
+                  <a:schemeClr val="tx1">
+                    <a:lumMod val="65000"/>
+                    <a:lumOff val="35000"/>
+                  </a:schemeClr>
+                </a:solidFill>
+                <a:effectLst/>
+              </a:rPr>
+              <a:t> in the root component when a user clicks on the View courses list button as shown below</a:t>
+            </a:r>
+          </a:p>
+        </p:txBody>
+      </p:sp>
+      <p:pic>
+        <p:nvPicPr>
+          <p:cNvPr id="9" name="Picture 8">
+            <a:extLst>
+              <a:ext uri="{FF2B5EF4-FFF2-40B4-BE49-F238E27FC236}">
+                <a16:creationId xmlns:a16="http://schemas.microsoft.com/office/drawing/2014/main" id="{A88CDAA4-1B0F-B3CC-B586-FF734A938540}"/>
+              </a:ext>
+            </a:extLst>
+          </p:cNvPr>
+          <p:cNvPicPr>
+            <a:picLocks noChangeAspect="1"/>
+          </p:cNvPicPr>
+          <p:nvPr/>
+        </p:nvPicPr>
+        <p:blipFill>
+          <a:blip r:embed="rId2">
+            <a:extLst>
+              <a:ext uri="{28A0092B-C50C-407E-A947-70E740481C1C}">
+                <a14:useLocalDpi xmlns:a14="http://schemas.microsoft.com/office/drawing/2010/main" val="0"/>
+              </a:ext>
+            </a:extLst>
+          </a:blip>
+          <a:stretch>
+            <a:fillRect/>
+          </a:stretch>
+        </p:blipFill>
+        <p:spPr>
+          <a:xfrm>
+            <a:off x="4462413" y="3592239"/>
+            <a:ext cx="2362200" cy="2057400"/>
+          </a:xfrm>
+          <a:prstGeom prst="rect">
+            <a:avLst/>
+          </a:prstGeom>
+        </p:spPr>
+      </p:pic>
+    </p:spTree>
+    <p:extLst>
+      <p:ext uri="{BB962C8B-B14F-4D97-AF65-F5344CB8AC3E}">
+        <p14:creationId xmlns:p14="http://schemas.microsoft.com/office/powerpoint/2010/main" val="348827163"/>
+      </p:ext>
+    </p:extLst>
+  </p:cSld>
+  <p:clrMapOvr>
+    <a:masterClrMapping/>
+  </p:clrMapOvr>
+</p:sld>
+</file>
+
 <file path=ppt/slides/slide12.xml><?xml version="1.0" encoding="utf-8"?>
 <p:sld xmlns:a="http://schemas.openxmlformats.org/drawingml/2006/main" xmlns:r="http://schemas.openxmlformats.org/officeDocument/2006/relationships" xmlns:p="http://schemas.openxmlformats.org/presentationml/2006/main">
   <p:cSld>
@@ -9724,6 +12667,4120 @@
 </p:sld>
 </file>
 
+<file path=ppt/slides/slide120.xml><?xml version="1.0" encoding="utf-8"?>
+<p:sld xmlns:a="http://schemas.openxmlformats.org/drawingml/2006/main" xmlns:r="http://schemas.openxmlformats.org/officeDocument/2006/relationships" xmlns:p="http://schemas.openxmlformats.org/presentationml/2006/main">
+  <p:cSld>
+    <p:spTree>
+      <p:nvGrpSpPr>
+        <p:cNvPr id="1" name=""/>
+        <p:cNvGrpSpPr/>
+        <p:nvPr/>
+      </p:nvGrpSpPr>
+      <p:grpSpPr>
+        <a:xfrm>
+          <a:off x="0" y="0"/>
+          <a:ext cx="0" cy="0"/>
+          <a:chOff x="0" y="0"/>
+          <a:chExt cx="0" cy="0"/>
+        </a:xfrm>
+      </p:grpSpPr>
+      <p:sp>
+        <p:nvSpPr>
+          <p:cNvPr id="2" name="Footer Placeholder 1">
+            <a:extLst>
+              <a:ext uri="{FF2B5EF4-FFF2-40B4-BE49-F238E27FC236}">
+                <a16:creationId xmlns:a16="http://schemas.microsoft.com/office/drawing/2014/main" id="{85562DC5-15F6-D6A0-C062-0FFD232B355C}"/>
+              </a:ext>
+            </a:extLst>
+          </p:cNvPr>
+          <p:cNvSpPr>
+            <a:spLocks noGrp="1"/>
+          </p:cNvSpPr>
+          <p:nvPr>
+            <p:ph type="ftr" sz="quarter" idx="11"/>
+          </p:nvPr>
+        </p:nvSpPr>
+        <p:spPr/>
+        <p:txBody>
+          <a:bodyPr/>
+          <a:lstStyle/>
+          <a:p>
+            <a:r>
+              <a:rPr lang="en-IN"/>
+              <a:t>H&amp;D IT Solution</a:t>
+            </a:r>
+            <a:endParaRPr lang="en-IN" dirty="0"/>
+          </a:p>
+        </p:txBody>
+      </p:sp>
+      <p:sp>
+        <p:nvSpPr>
+          <p:cNvPr id="3" name="Slide Number Placeholder 2">
+            <a:extLst>
+              <a:ext uri="{FF2B5EF4-FFF2-40B4-BE49-F238E27FC236}">
+                <a16:creationId xmlns:a16="http://schemas.microsoft.com/office/drawing/2014/main" id="{123D3F9D-905A-8974-EF52-D4DC75DC74EF}"/>
+              </a:ext>
+            </a:extLst>
+          </p:cNvPr>
+          <p:cNvSpPr>
+            <a:spLocks noGrp="1"/>
+          </p:cNvSpPr>
+          <p:nvPr>
+            <p:ph type="sldNum" sz="quarter" idx="12"/>
+          </p:nvPr>
+        </p:nvSpPr>
+        <p:spPr/>
+        <p:txBody>
+          <a:bodyPr/>
+          <a:lstStyle/>
+          <a:p>
+            <a:fld id="{4A777409-9C5A-4B07-8E32-19F22F7D558C}" type="slidenum">
+              <a:rPr lang="en-IN" smtClean="0"/>
+              <a:t>120</a:t>
+            </a:fld>
+            <a:endParaRPr lang="en-IN" dirty="0"/>
+          </a:p>
+        </p:txBody>
+      </p:sp>
+      <p:sp>
+        <p:nvSpPr>
+          <p:cNvPr id="5" name="TextBox 4">
+            <a:extLst>
+              <a:ext uri="{FF2B5EF4-FFF2-40B4-BE49-F238E27FC236}">
+                <a16:creationId xmlns:a16="http://schemas.microsoft.com/office/drawing/2014/main" id="{A130969E-1AFC-040B-7C49-1A542443866D}"/>
+              </a:ext>
+            </a:extLst>
+          </p:cNvPr>
+          <p:cNvSpPr txBox="1"/>
+          <p:nvPr/>
+        </p:nvSpPr>
+        <p:spPr>
+          <a:xfrm>
+            <a:off x="989029" y="553527"/>
+            <a:ext cx="9484150" cy="400110"/>
+          </a:xfrm>
+          <a:prstGeom prst="rect">
+            <a:avLst/>
+          </a:prstGeom>
+          <a:noFill/>
+        </p:spPr>
+        <p:txBody>
+          <a:bodyPr wrap="square">
+            <a:spAutoFit/>
+          </a:bodyPr>
+          <a:lstStyle/>
+          <a:p>
+            <a:r>
+              <a:rPr lang="en-US" sz="2000" dirty="0">
+                <a:solidFill>
+                  <a:schemeClr val="tx1">
+                    <a:lumMod val="65000"/>
+                    <a:lumOff val="35000"/>
+                  </a:schemeClr>
+                </a:solidFill>
+              </a:rPr>
+              <a:t>1. Create a component called </a:t>
+            </a:r>
+            <a:r>
+              <a:rPr lang="en-US" sz="2000" dirty="0" err="1">
+                <a:solidFill>
+                  <a:schemeClr val="tx1">
+                    <a:lumMod val="65000"/>
+                    <a:lumOff val="35000"/>
+                  </a:schemeClr>
+                </a:solidFill>
+              </a:rPr>
+              <a:t>coursesList</a:t>
+            </a:r>
+            <a:r>
+              <a:rPr lang="en-US" sz="2000" dirty="0">
+                <a:solidFill>
+                  <a:schemeClr val="tx1">
+                    <a:lumMod val="65000"/>
+                    <a:lumOff val="35000"/>
+                  </a:schemeClr>
+                </a:solidFill>
+              </a:rPr>
+              <a:t> using the following CLI command</a:t>
+            </a:r>
+            <a:endParaRPr lang="en-IN" sz="2000" dirty="0">
+              <a:solidFill>
+                <a:schemeClr val="tx1">
+                  <a:lumMod val="65000"/>
+                  <a:lumOff val="35000"/>
+                </a:schemeClr>
+              </a:solidFill>
+            </a:endParaRPr>
+          </a:p>
+        </p:txBody>
+      </p:sp>
+      <p:sp>
+        <p:nvSpPr>
+          <p:cNvPr id="7" name="TextBox 6">
+            <a:extLst>
+              <a:ext uri="{FF2B5EF4-FFF2-40B4-BE49-F238E27FC236}">
+                <a16:creationId xmlns:a16="http://schemas.microsoft.com/office/drawing/2014/main" id="{2337E83D-59CB-4C2F-D877-C3BF18340573}"/>
+              </a:ext>
+            </a:extLst>
+          </p:cNvPr>
+          <p:cNvSpPr txBox="1"/>
+          <p:nvPr/>
+        </p:nvSpPr>
+        <p:spPr>
+          <a:xfrm>
+            <a:off x="989029" y="1021964"/>
+            <a:ext cx="6099142" cy="369332"/>
+          </a:xfrm>
+          <a:prstGeom prst="rect">
+            <a:avLst/>
+          </a:prstGeom>
+          <a:noFill/>
+        </p:spPr>
+        <p:txBody>
+          <a:bodyPr wrap="square">
+            <a:spAutoFit/>
+          </a:bodyPr>
+          <a:lstStyle/>
+          <a:p>
+            <a:r>
+              <a:rPr lang="en-IN" dirty="0"/>
+              <a:t>D:\MyApp&gt;ng generate component </a:t>
+            </a:r>
+            <a:r>
+              <a:rPr lang="en-IN" dirty="0" err="1"/>
+              <a:t>coursesList</a:t>
+            </a:r>
+            <a:endParaRPr lang="en-IN" dirty="0"/>
+          </a:p>
+        </p:txBody>
+      </p:sp>
+      <p:sp>
+        <p:nvSpPr>
+          <p:cNvPr id="9" name="TextBox 8">
+            <a:extLst>
+              <a:ext uri="{FF2B5EF4-FFF2-40B4-BE49-F238E27FC236}">
+                <a16:creationId xmlns:a16="http://schemas.microsoft.com/office/drawing/2014/main" id="{ABD01CA7-DEBB-169D-D02A-AA9FAD1BACC6}"/>
+              </a:ext>
+            </a:extLst>
+          </p:cNvPr>
+          <p:cNvSpPr txBox="1"/>
+          <p:nvPr/>
+        </p:nvSpPr>
+        <p:spPr>
+          <a:xfrm>
+            <a:off x="400639" y="1648502"/>
+            <a:ext cx="11213184" cy="2246769"/>
+          </a:xfrm>
+          <a:prstGeom prst="rect">
+            <a:avLst/>
+          </a:prstGeom>
+          <a:noFill/>
+        </p:spPr>
+        <p:txBody>
+          <a:bodyPr wrap="square">
+            <a:spAutoFit/>
+          </a:bodyPr>
+          <a:lstStyle/>
+          <a:p>
+            <a:r>
+              <a:rPr lang="en-IN" sz="2000" dirty="0">
+                <a:solidFill>
+                  <a:schemeClr val="tx1">
+                    <a:lumMod val="65000"/>
+                    <a:lumOff val="35000"/>
+                  </a:schemeClr>
+                </a:solidFill>
+                <a:effectLst/>
+              </a:rPr>
+              <a:t>The above command will create a folder with name courses-list with the following files</a:t>
+            </a:r>
+          </a:p>
+          <a:p>
+            <a:pPr>
+              <a:buFont typeface="Arial" panose="020B0604020202020204" pitchFamily="34" charset="0"/>
+              <a:buChar char="•"/>
+            </a:pPr>
+            <a:r>
+              <a:rPr lang="en-IN" sz="2000" dirty="0">
+                <a:solidFill>
+                  <a:schemeClr val="tx1">
+                    <a:lumMod val="65000"/>
+                    <a:lumOff val="35000"/>
+                  </a:schemeClr>
+                </a:solidFill>
+                <a:effectLst/>
+              </a:rPr>
+              <a:t>courses-</a:t>
+            </a:r>
+            <a:r>
+              <a:rPr lang="en-IN" sz="2000" dirty="0" err="1">
+                <a:solidFill>
+                  <a:schemeClr val="tx1">
+                    <a:lumMod val="65000"/>
+                    <a:lumOff val="35000"/>
+                  </a:schemeClr>
+                </a:solidFill>
+                <a:effectLst/>
+              </a:rPr>
+              <a:t>list.component.ts</a:t>
+            </a:r>
+            <a:endParaRPr lang="en-IN" sz="2000" dirty="0">
+              <a:solidFill>
+                <a:schemeClr val="tx1">
+                  <a:lumMod val="65000"/>
+                  <a:lumOff val="35000"/>
+                </a:schemeClr>
+              </a:solidFill>
+              <a:effectLst/>
+            </a:endParaRPr>
+          </a:p>
+          <a:p>
+            <a:pPr>
+              <a:buFont typeface="Arial" panose="020B0604020202020204" pitchFamily="34" charset="0"/>
+              <a:buChar char="•"/>
+            </a:pPr>
+            <a:r>
+              <a:rPr lang="en-IN" sz="2000" dirty="0">
+                <a:solidFill>
+                  <a:schemeClr val="tx1">
+                    <a:lumMod val="65000"/>
+                    <a:lumOff val="35000"/>
+                  </a:schemeClr>
+                </a:solidFill>
+                <a:effectLst/>
+              </a:rPr>
+              <a:t>courses-list.component.html</a:t>
+            </a:r>
+          </a:p>
+          <a:p>
+            <a:pPr>
+              <a:buFont typeface="Arial" panose="020B0604020202020204" pitchFamily="34" charset="0"/>
+              <a:buChar char="•"/>
+            </a:pPr>
+            <a:r>
+              <a:rPr lang="en-IN" sz="2000" dirty="0">
+                <a:solidFill>
+                  <a:schemeClr val="tx1">
+                    <a:lumMod val="65000"/>
+                    <a:lumOff val="35000"/>
+                  </a:schemeClr>
+                </a:solidFill>
+                <a:effectLst/>
+              </a:rPr>
+              <a:t>courses-list.component.css</a:t>
+            </a:r>
+          </a:p>
+          <a:p>
+            <a:pPr>
+              <a:buFont typeface="Arial" panose="020B0604020202020204" pitchFamily="34" charset="0"/>
+              <a:buChar char="•"/>
+            </a:pPr>
+            <a:r>
+              <a:rPr lang="en-IN" sz="2000" dirty="0">
+                <a:solidFill>
+                  <a:schemeClr val="tx1">
+                    <a:lumMod val="65000"/>
+                    <a:lumOff val="35000"/>
+                  </a:schemeClr>
+                </a:solidFill>
+                <a:effectLst/>
+              </a:rPr>
+              <a:t>courses-</a:t>
+            </a:r>
+            <a:r>
+              <a:rPr lang="en-IN" sz="2000" dirty="0" err="1">
+                <a:solidFill>
+                  <a:schemeClr val="tx1">
+                    <a:lumMod val="65000"/>
+                    <a:lumOff val="35000"/>
+                  </a:schemeClr>
+                </a:solidFill>
+                <a:effectLst/>
+              </a:rPr>
+              <a:t>list.component.spec.ts</a:t>
+            </a:r>
+            <a:endParaRPr lang="en-IN" sz="2000" dirty="0">
+              <a:solidFill>
+                <a:schemeClr val="tx1">
+                  <a:lumMod val="65000"/>
+                  <a:lumOff val="35000"/>
+                </a:schemeClr>
+              </a:solidFill>
+              <a:effectLst/>
+            </a:endParaRPr>
+          </a:p>
+          <a:p>
+            <a:r>
+              <a:rPr lang="en-IN" sz="2000" dirty="0">
+                <a:solidFill>
+                  <a:schemeClr val="tx1">
+                    <a:lumMod val="65000"/>
+                    <a:lumOff val="35000"/>
+                  </a:schemeClr>
+                </a:solidFill>
+                <a:effectLst/>
+              </a:rPr>
+              <a:t> </a:t>
+            </a:r>
+          </a:p>
+          <a:p>
+            <a:r>
+              <a:rPr lang="en-IN" sz="2000" dirty="0">
+                <a:solidFill>
+                  <a:schemeClr val="tx1">
+                    <a:lumMod val="65000"/>
+                    <a:lumOff val="35000"/>
+                  </a:schemeClr>
+                </a:solidFill>
+                <a:effectLst/>
+              </a:rPr>
+              <a:t>2. </a:t>
+            </a:r>
+            <a:r>
+              <a:rPr lang="en-IN" sz="2000" dirty="0" err="1">
+                <a:solidFill>
+                  <a:schemeClr val="tx1">
+                    <a:lumMod val="65000"/>
+                    <a:lumOff val="35000"/>
+                  </a:schemeClr>
+                </a:solidFill>
+                <a:effectLst/>
+              </a:rPr>
+              <a:t>CoursesListComponent</a:t>
+            </a:r>
+            <a:r>
+              <a:rPr lang="en-IN" sz="2000" dirty="0">
+                <a:solidFill>
+                  <a:schemeClr val="tx1">
+                    <a:lumMod val="65000"/>
+                    <a:lumOff val="35000"/>
+                  </a:schemeClr>
+                </a:solidFill>
+                <a:effectLst/>
+              </a:rPr>
+              <a:t> class will be added in the </a:t>
+            </a:r>
+            <a:r>
+              <a:rPr lang="en-IN" sz="2000" b="1" dirty="0" err="1">
+                <a:solidFill>
+                  <a:schemeClr val="tx1">
+                    <a:lumMod val="65000"/>
+                    <a:lumOff val="35000"/>
+                  </a:schemeClr>
+                </a:solidFill>
+                <a:effectLst/>
+              </a:rPr>
+              <a:t>app.module.ts</a:t>
+            </a:r>
+            <a:r>
+              <a:rPr lang="en-IN" sz="2000" b="1" dirty="0">
+                <a:solidFill>
+                  <a:schemeClr val="tx1">
+                    <a:lumMod val="65000"/>
+                    <a:lumOff val="35000"/>
+                  </a:schemeClr>
+                </a:solidFill>
+                <a:effectLst/>
+              </a:rPr>
+              <a:t> </a:t>
+            </a:r>
+            <a:r>
+              <a:rPr lang="en-IN" sz="2000" dirty="0">
+                <a:solidFill>
+                  <a:schemeClr val="tx1">
+                    <a:lumMod val="65000"/>
+                    <a:lumOff val="35000"/>
+                  </a:schemeClr>
+                </a:solidFill>
+                <a:effectLst/>
+              </a:rPr>
+              <a:t>file</a:t>
+            </a:r>
+          </a:p>
+        </p:txBody>
+      </p:sp>
+      <p:sp>
+        <p:nvSpPr>
+          <p:cNvPr id="11" name="TextBox 10">
+            <a:extLst>
+              <a:ext uri="{FF2B5EF4-FFF2-40B4-BE49-F238E27FC236}">
+                <a16:creationId xmlns:a16="http://schemas.microsoft.com/office/drawing/2014/main" id="{6BFC5563-1B77-17C0-5ED2-B0952EAA4CF9}"/>
+              </a:ext>
+            </a:extLst>
+          </p:cNvPr>
+          <p:cNvSpPr txBox="1"/>
+          <p:nvPr/>
+        </p:nvSpPr>
+        <p:spPr>
+          <a:xfrm>
+            <a:off x="400639" y="3955693"/>
+            <a:ext cx="11213184" cy="1754326"/>
+          </a:xfrm>
+          <a:prstGeom prst="rect">
+            <a:avLst/>
+          </a:prstGeom>
+          <a:noFill/>
+        </p:spPr>
+        <p:txBody>
+          <a:bodyPr wrap="square">
+            <a:spAutoFit/>
+          </a:bodyPr>
+          <a:lstStyle/>
+          <a:p>
+            <a:r>
+              <a:rPr lang="en-IN" dirty="0"/>
+              <a:t>import { </a:t>
+            </a:r>
+            <a:r>
+              <a:rPr lang="en-IN" dirty="0" err="1"/>
+              <a:t>BrowserModule</a:t>
+            </a:r>
+            <a:r>
+              <a:rPr lang="en-IN" dirty="0"/>
+              <a:t> } from '@angular/platform-browser';</a:t>
+            </a:r>
+          </a:p>
+          <a:p>
+            <a:r>
+              <a:rPr lang="en-IN" dirty="0"/>
+              <a:t>import { </a:t>
+            </a:r>
+            <a:r>
+              <a:rPr lang="en-IN" dirty="0" err="1"/>
+              <a:t>NgModule</a:t>
+            </a:r>
+            <a:r>
+              <a:rPr lang="en-IN" dirty="0"/>
+              <a:t> } from '@angular/core';</a:t>
+            </a:r>
+          </a:p>
+          <a:p>
+            <a:r>
+              <a:rPr lang="en-IN" dirty="0"/>
+              <a:t>import { </a:t>
+            </a:r>
+            <a:r>
+              <a:rPr lang="en-IN" dirty="0" err="1"/>
+              <a:t>AppComponent</a:t>
+            </a:r>
+            <a:r>
+              <a:rPr lang="en-IN" dirty="0"/>
+              <a:t> } from './</a:t>
+            </a:r>
+            <a:r>
+              <a:rPr lang="en-IN" dirty="0" err="1"/>
+              <a:t>app.component</a:t>
+            </a:r>
+            <a:r>
+              <a:rPr lang="en-IN" dirty="0"/>
+              <a:t>';</a:t>
+            </a:r>
+          </a:p>
+          <a:p>
+            <a:r>
+              <a:rPr lang="en-IN" dirty="0"/>
+              <a:t>import { </a:t>
+            </a:r>
+            <a:r>
+              <a:rPr lang="en-IN" dirty="0" err="1"/>
+              <a:t>CoursesListComponent</a:t>
+            </a:r>
+            <a:r>
+              <a:rPr lang="en-IN" dirty="0"/>
+              <a:t> } from './courses-list/courses-</a:t>
+            </a:r>
+            <a:r>
+              <a:rPr lang="en-IN" dirty="0" err="1"/>
+              <a:t>list.component</a:t>
+            </a:r>
+            <a:r>
+              <a:rPr lang="en-IN" dirty="0"/>
+              <a:t>';</a:t>
+            </a:r>
+          </a:p>
+          <a:p>
+            <a:r>
+              <a:rPr lang="en-IN" dirty="0"/>
+              <a:t>@NgModule({</a:t>
+            </a:r>
+          </a:p>
+          <a:p>
+            <a:r>
+              <a:rPr lang="en-IN" dirty="0"/>
+              <a:t>  </a:t>
+            </a:r>
+          </a:p>
+        </p:txBody>
+      </p:sp>
+    </p:spTree>
+    <p:extLst>
+      <p:ext uri="{BB962C8B-B14F-4D97-AF65-F5344CB8AC3E}">
+        <p14:creationId xmlns:p14="http://schemas.microsoft.com/office/powerpoint/2010/main" val="284977974"/>
+      </p:ext>
+    </p:extLst>
+  </p:cSld>
+  <p:clrMapOvr>
+    <a:masterClrMapping/>
+  </p:clrMapOvr>
+</p:sld>
+</file>
+
+<file path=ppt/slides/slide121.xml><?xml version="1.0" encoding="utf-8"?>
+<p:sld xmlns:a="http://schemas.openxmlformats.org/drawingml/2006/main" xmlns:r="http://schemas.openxmlformats.org/officeDocument/2006/relationships" xmlns:p="http://schemas.openxmlformats.org/presentationml/2006/main">
+  <p:cSld>
+    <p:spTree>
+      <p:nvGrpSpPr>
+        <p:cNvPr id="1" name=""/>
+        <p:cNvGrpSpPr/>
+        <p:nvPr/>
+      </p:nvGrpSpPr>
+      <p:grpSpPr>
+        <a:xfrm>
+          <a:off x="0" y="0"/>
+          <a:ext cx="0" cy="0"/>
+          <a:chOff x="0" y="0"/>
+          <a:chExt cx="0" cy="0"/>
+        </a:xfrm>
+      </p:grpSpPr>
+      <p:sp>
+        <p:nvSpPr>
+          <p:cNvPr id="2" name="Footer Placeholder 1">
+            <a:extLst>
+              <a:ext uri="{FF2B5EF4-FFF2-40B4-BE49-F238E27FC236}">
+                <a16:creationId xmlns:a16="http://schemas.microsoft.com/office/drawing/2014/main" id="{622FF89C-C7CF-EC5D-8103-C1355A28E3F3}"/>
+              </a:ext>
+            </a:extLst>
+          </p:cNvPr>
+          <p:cNvSpPr>
+            <a:spLocks noGrp="1"/>
+          </p:cNvSpPr>
+          <p:nvPr>
+            <p:ph type="ftr" sz="quarter" idx="11"/>
+          </p:nvPr>
+        </p:nvSpPr>
+        <p:spPr/>
+        <p:txBody>
+          <a:bodyPr/>
+          <a:lstStyle/>
+          <a:p>
+            <a:r>
+              <a:rPr lang="en-IN"/>
+              <a:t>H&amp;D IT Solution</a:t>
+            </a:r>
+            <a:endParaRPr lang="en-IN" dirty="0"/>
+          </a:p>
+        </p:txBody>
+      </p:sp>
+      <p:sp>
+        <p:nvSpPr>
+          <p:cNvPr id="3" name="Slide Number Placeholder 2">
+            <a:extLst>
+              <a:ext uri="{FF2B5EF4-FFF2-40B4-BE49-F238E27FC236}">
+                <a16:creationId xmlns:a16="http://schemas.microsoft.com/office/drawing/2014/main" id="{17C313A8-E52F-1197-26AB-0645C8CE73FB}"/>
+              </a:ext>
+            </a:extLst>
+          </p:cNvPr>
+          <p:cNvSpPr>
+            <a:spLocks noGrp="1"/>
+          </p:cNvSpPr>
+          <p:nvPr>
+            <p:ph type="sldNum" sz="quarter" idx="12"/>
+          </p:nvPr>
+        </p:nvSpPr>
+        <p:spPr/>
+        <p:txBody>
+          <a:bodyPr/>
+          <a:lstStyle/>
+          <a:p>
+            <a:fld id="{4A777409-9C5A-4B07-8E32-19F22F7D558C}" type="slidenum">
+              <a:rPr lang="en-IN" smtClean="0"/>
+              <a:t>121</a:t>
+            </a:fld>
+            <a:endParaRPr lang="en-IN" dirty="0"/>
+          </a:p>
+        </p:txBody>
+      </p:sp>
+      <p:sp>
+        <p:nvSpPr>
+          <p:cNvPr id="5" name="TextBox 4">
+            <a:extLst>
+              <a:ext uri="{FF2B5EF4-FFF2-40B4-BE49-F238E27FC236}">
+                <a16:creationId xmlns:a16="http://schemas.microsoft.com/office/drawing/2014/main" id="{F2C00773-AC9C-F564-BE2E-CCF140D18E21}"/>
+              </a:ext>
+            </a:extLst>
+          </p:cNvPr>
+          <p:cNvSpPr txBox="1"/>
+          <p:nvPr/>
+        </p:nvSpPr>
+        <p:spPr>
+          <a:xfrm>
+            <a:off x="989029" y="673919"/>
+            <a:ext cx="8211532" cy="3139321"/>
+          </a:xfrm>
+          <a:prstGeom prst="rect">
+            <a:avLst/>
+          </a:prstGeom>
+          <a:noFill/>
+        </p:spPr>
+        <p:txBody>
+          <a:bodyPr wrap="square">
+            <a:spAutoFit/>
+          </a:bodyPr>
+          <a:lstStyle/>
+          <a:p>
+            <a:r>
+              <a:rPr lang="en-IN" dirty="0"/>
+              <a:t>declarations: [</a:t>
+            </a:r>
+          </a:p>
+          <a:p>
+            <a:r>
+              <a:rPr lang="en-IN" dirty="0"/>
+              <a:t>    </a:t>
+            </a:r>
+            <a:r>
+              <a:rPr lang="en-IN" dirty="0" err="1"/>
+              <a:t>AppComponent</a:t>
+            </a:r>
+            <a:r>
+              <a:rPr lang="en-IN" dirty="0"/>
+              <a:t>,</a:t>
+            </a:r>
+          </a:p>
+          <a:p>
+            <a:r>
+              <a:rPr lang="en-IN" dirty="0"/>
+              <a:t>    </a:t>
+            </a:r>
+            <a:r>
+              <a:rPr lang="en-IN" dirty="0" err="1"/>
+              <a:t>CoursesListComponent</a:t>
+            </a:r>
+            <a:endParaRPr lang="en-IN" dirty="0"/>
+          </a:p>
+          <a:p>
+            <a:r>
+              <a:rPr lang="en-IN" dirty="0"/>
+              <a:t>  ],</a:t>
+            </a:r>
+          </a:p>
+          <a:p>
+            <a:r>
+              <a:rPr lang="en-IN" dirty="0"/>
+              <a:t>  imports: [</a:t>
+            </a:r>
+          </a:p>
+          <a:p>
+            <a:r>
+              <a:rPr lang="en-IN" dirty="0"/>
+              <a:t>    </a:t>
+            </a:r>
+            <a:r>
+              <a:rPr lang="en-IN" dirty="0" err="1"/>
+              <a:t>BrowserModule</a:t>
+            </a:r>
+            <a:endParaRPr lang="en-IN" dirty="0"/>
+          </a:p>
+          <a:p>
+            <a:r>
+              <a:rPr lang="en-IN" dirty="0"/>
+              <a:t>  ],</a:t>
+            </a:r>
+          </a:p>
+          <a:p>
+            <a:r>
+              <a:rPr lang="en-IN" dirty="0"/>
+              <a:t>  providers: [],</a:t>
+            </a:r>
+          </a:p>
+          <a:p>
+            <a:r>
+              <a:rPr lang="en-IN" dirty="0"/>
+              <a:t>  bootstrap: [</a:t>
+            </a:r>
+            <a:r>
+              <a:rPr lang="en-IN" dirty="0" err="1"/>
+              <a:t>AppComponent</a:t>
+            </a:r>
+            <a:r>
+              <a:rPr lang="en-IN" dirty="0"/>
+              <a:t>]</a:t>
+            </a:r>
+          </a:p>
+          <a:p>
+            <a:r>
+              <a:rPr lang="en-IN" dirty="0"/>
+              <a:t>})</a:t>
+            </a:r>
+          </a:p>
+          <a:p>
+            <a:r>
+              <a:rPr lang="en-IN" dirty="0"/>
+              <a:t>export class </a:t>
+            </a:r>
+            <a:r>
+              <a:rPr lang="en-IN" dirty="0" err="1"/>
+              <a:t>AppModule</a:t>
+            </a:r>
+            <a:r>
+              <a:rPr lang="en-IN" dirty="0"/>
+              <a:t> { }</a:t>
+            </a:r>
+          </a:p>
+        </p:txBody>
+      </p:sp>
+      <p:sp>
+        <p:nvSpPr>
+          <p:cNvPr id="7" name="TextBox 6">
+            <a:extLst>
+              <a:ext uri="{FF2B5EF4-FFF2-40B4-BE49-F238E27FC236}">
+                <a16:creationId xmlns:a16="http://schemas.microsoft.com/office/drawing/2014/main" id="{D27E87FE-ACFF-14E9-BC12-7E53DB0CDBC4}"/>
+              </a:ext>
+            </a:extLst>
+          </p:cNvPr>
+          <p:cNvSpPr txBox="1"/>
+          <p:nvPr/>
+        </p:nvSpPr>
+        <p:spPr>
+          <a:xfrm>
+            <a:off x="249810" y="4151663"/>
+            <a:ext cx="10091394" cy="400110"/>
+          </a:xfrm>
+          <a:prstGeom prst="rect">
+            <a:avLst/>
+          </a:prstGeom>
+          <a:noFill/>
+        </p:spPr>
+        <p:txBody>
+          <a:bodyPr wrap="square">
+            <a:spAutoFit/>
+          </a:bodyPr>
+          <a:lstStyle/>
+          <a:p>
+            <a:r>
+              <a:rPr lang="en-US" sz="2000" dirty="0">
+                <a:solidFill>
+                  <a:schemeClr val="tx1">
+                    <a:lumMod val="65000"/>
+                    <a:lumOff val="35000"/>
+                  </a:schemeClr>
+                </a:solidFill>
+              </a:rPr>
+              <a:t>3. Write the below-given code in </a:t>
+            </a:r>
+            <a:r>
+              <a:rPr lang="en-US" sz="2000" b="1" dirty="0">
+                <a:solidFill>
+                  <a:schemeClr val="tx1">
+                    <a:lumMod val="65000"/>
+                    <a:lumOff val="35000"/>
+                  </a:schemeClr>
+                </a:solidFill>
+              </a:rPr>
+              <a:t>courses-</a:t>
+            </a:r>
+            <a:r>
+              <a:rPr lang="en-US" sz="2000" b="1" dirty="0" err="1">
+                <a:solidFill>
+                  <a:schemeClr val="tx1">
+                    <a:lumMod val="65000"/>
+                    <a:lumOff val="35000"/>
+                  </a:schemeClr>
+                </a:solidFill>
+              </a:rPr>
+              <a:t>list.component.ts</a:t>
+            </a:r>
+            <a:r>
+              <a:rPr lang="en-US" sz="2000" dirty="0">
+                <a:solidFill>
+                  <a:schemeClr val="tx1">
+                    <a:lumMod val="65000"/>
+                    <a:lumOff val="35000"/>
+                  </a:schemeClr>
+                </a:solidFill>
+              </a:rPr>
+              <a:t> </a:t>
+            </a:r>
+            <a:endParaRPr lang="en-IN" sz="2000" dirty="0">
+              <a:solidFill>
+                <a:schemeClr val="tx1">
+                  <a:lumMod val="65000"/>
+                  <a:lumOff val="35000"/>
+                </a:schemeClr>
+              </a:solidFill>
+            </a:endParaRPr>
+          </a:p>
+        </p:txBody>
+      </p:sp>
+    </p:spTree>
+    <p:extLst>
+      <p:ext uri="{BB962C8B-B14F-4D97-AF65-F5344CB8AC3E}">
+        <p14:creationId xmlns:p14="http://schemas.microsoft.com/office/powerpoint/2010/main" val="3701198507"/>
+      </p:ext>
+    </p:extLst>
+  </p:cSld>
+  <p:clrMapOvr>
+    <a:masterClrMapping/>
+  </p:clrMapOvr>
+</p:sld>
+</file>
+
+<file path=ppt/slides/slide122.xml><?xml version="1.0" encoding="utf-8"?>
+<p:sld xmlns:a="http://schemas.openxmlformats.org/drawingml/2006/main" xmlns:r="http://schemas.openxmlformats.org/officeDocument/2006/relationships" xmlns:p="http://schemas.openxmlformats.org/presentationml/2006/main">
+  <p:cSld>
+    <p:spTree>
+      <p:nvGrpSpPr>
+        <p:cNvPr id="1" name=""/>
+        <p:cNvGrpSpPr/>
+        <p:nvPr/>
+      </p:nvGrpSpPr>
+      <p:grpSpPr>
+        <a:xfrm>
+          <a:off x="0" y="0"/>
+          <a:ext cx="0" cy="0"/>
+          <a:chOff x="0" y="0"/>
+          <a:chExt cx="0" cy="0"/>
+        </a:xfrm>
+      </p:grpSpPr>
+      <p:sp>
+        <p:nvSpPr>
+          <p:cNvPr id="2" name="Footer Placeholder 1">
+            <a:extLst>
+              <a:ext uri="{FF2B5EF4-FFF2-40B4-BE49-F238E27FC236}">
+                <a16:creationId xmlns:a16="http://schemas.microsoft.com/office/drawing/2014/main" id="{198F33B9-1E85-9A7A-CF8C-E76EC13668D3}"/>
+              </a:ext>
+            </a:extLst>
+          </p:cNvPr>
+          <p:cNvSpPr>
+            <a:spLocks noGrp="1"/>
+          </p:cNvSpPr>
+          <p:nvPr>
+            <p:ph type="ftr" sz="quarter" idx="11"/>
+          </p:nvPr>
+        </p:nvSpPr>
+        <p:spPr/>
+        <p:txBody>
+          <a:bodyPr/>
+          <a:lstStyle/>
+          <a:p>
+            <a:r>
+              <a:rPr lang="en-IN"/>
+              <a:t>H&amp;D IT Solution</a:t>
+            </a:r>
+            <a:endParaRPr lang="en-IN" dirty="0"/>
+          </a:p>
+        </p:txBody>
+      </p:sp>
+      <p:sp>
+        <p:nvSpPr>
+          <p:cNvPr id="3" name="Slide Number Placeholder 2">
+            <a:extLst>
+              <a:ext uri="{FF2B5EF4-FFF2-40B4-BE49-F238E27FC236}">
+                <a16:creationId xmlns:a16="http://schemas.microsoft.com/office/drawing/2014/main" id="{5B45C472-5CF5-0423-D12A-5008BDB81867}"/>
+              </a:ext>
+            </a:extLst>
+          </p:cNvPr>
+          <p:cNvSpPr>
+            <a:spLocks noGrp="1"/>
+          </p:cNvSpPr>
+          <p:nvPr>
+            <p:ph type="sldNum" sz="quarter" idx="12"/>
+          </p:nvPr>
+        </p:nvSpPr>
+        <p:spPr/>
+        <p:txBody>
+          <a:bodyPr/>
+          <a:lstStyle/>
+          <a:p>
+            <a:fld id="{4A777409-9C5A-4B07-8E32-19F22F7D558C}" type="slidenum">
+              <a:rPr lang="en-IN" smtClean="0"/>
+              <a:t>122</a:t>
+            </a:fld>
+            <a:endParaRPr lang="en-IN" dirty="0"/>
+          </a:p>
+        </p:txBody>
+      </p:sp>
+      <p:sp>
+        <p:nvSpPr>
+          <p:cNvPr id="5" name="TextBox 4">
+            <a:extLst>
+              <a:ext uri="{FF2B5EF4-FFF2-40B4-BE49-F238E27FC236}">
+                <a16:creationId xmlns:a16="http://schemas.microsoft.com/office/drawing/2014/main" id="{E4D1F63E-F22D-B515-9B58-95CFB598B94C}"/>
+              </a:ext>
+            </a:extLst>
+          </p:cNvPr>
+          <p:cNvSpPr txBox="1"/>
+          <p:nvPr/>
+        </p:nvSpPr>
+        <p:spPr>
+          <a:xfrm>
+            <a:off x="1164209" y="682626"/>
+            <a:ext cx="9723749" cy="3970318"/>
+          </a:xfrm>
+          <a:prstGeom prst="rect">
+            <a:avLst/>
+          </a:prstGeom>
+          <a:noFill/>
+        </p:spPr>
+        <p:txBody>
+          <a:bodyPr wrap="square">
+            <a:spAutoFit/>
+          </a:bodyPr>
+          <a:lstStyle/>
+          <a:p>
+            <a:r>
+              <a:rPr lang="en-IN" dirty="0"/>
+              <a:t>import { Component, </a:t>
+            </a:r>
+            <a:r>
+              <a:rPr lang="en-IN" dirty="0" err="1"/>
+              <a:t>OnInit</a:t>
+            </a:r>
+            <a:r>
+              <a:rPr lang="en-IN" dirty="0"/>
+              <a:t> } from '@angular/core';</a:t>
+            </a:r>
+          </a:p>
+          <a:p>
+            <a:r>
+              <a:rPr lang="en-IN" dirty="0"/>
+              <a:t>@Component({</a:t>
+            </a:r>
+          </a:p>
+          <a:p>
+            <a:r>
+              <a:rPr lang="en-IN" dirty="0"/>
+              <a:t>  selector: 'app-courses-list',</a:t>
+            </a:r>
+          </a:p>
+          <a:p>
+            <a:r>
+              <a:rPr lang="en-IN" dirty="0"/>
+              <a:t>  </a:t>
+            </a:r>
+            <a:r>
+              <a:rPr lang="en-IN" dirty="0" err="1"/>
+              <a:t>templateUrl</a:t>
+            </a:r>
+            <a:r>
+              <a:rPr lang="en-IN" dirty="0"/>
+              <a:t>: './courses-list.component.html',</a:t>
+            </a:r>
+          </a:p>
+          <a:p>
+            <a:r>
+              <a:rPr lang="en-IN" dirty="0"/>
+              <a:t>  </a:t>
+            </a:r>
+            <a:r>
+              <a:rPr lang="en-IN" dirty="0" err="1"/>
+              <a:t>styleUrls</a:t>
+            </a:r>
+            <a:r>
+              <a:rPr lang="en-IN" dirty="0"/>
+              <a:t>: ['./courses-list.component.css']</a:t>
+            </a:r>
+          </a:p>
+          <a:p>
+            <a:r>
+              <a:rPr lang="en-IN" dirty="0"/>
+              <a:t>})</a:t>
+            </a:r>
+          </a:p>
+          <a:p>
+            <a:r>
+              <a:rPr lang="en-IN" dirty="0"/>
+              <a:t>export class </a:t>
+            </a:r>
+            <a:r>
+              <a:rPr lang="en-IN" dirty="0" err="1"/>
+              <a:t>CoursesListComponent</a:t>
+            </a:r>
+            <a:r>
+              <a:rPr lang="en-IN" dirty="0"/>
+              <a:t> {</a:t>
+            </a:r>
+          </a:p>
+          <a:p>
+            <a:r>
+              <a:rPr lang="en-IN" dirty="0"/>
+              <a:t>  courses = [</a:t>
+            </a:r>
+          </a:p>
+          <a:p>
+            <a:r>
+              <a:rPr lang="en-IN" dirty="0"/>
+              <a:t>    { </a:t>
+            </a:r>
+            <a:r>
+              <a:rPr lang="en-IN" dirty="0" err="1"/>
+              <a:t>courseId</a:t>
+            </a:r>
+            <a:r>
+              <a:rPr lang="en-IN" dirty="0"/>
+              <a:t>: 1, </a:t>
+            </a:r>
+            <a:r>
+              <a:rPr lang="en-IN" dirty="0" err="1"/>
+              <a:t>courseName</a:t>
+            </a:r>
+            <a:r>
+              <a:rPr lang="en-IN" dirty="0"/>
+              <a:t>: "Node JS" },</a:t>
+            </a:r>
+          </a:p>
+          <a:p>
+            <a:r>
+              <a:rPr lang="en-IN" dirty="0"/>
+              <a:t>    { </a:t>
+            </a:r>
+            <a:r>
+              <a:rPr lang="en-IN" dirty="0" err="1"/>
+              <a:t>courseId</a:t>
+            </a:r>
+            <a:r>
+              <a:rPr lang="en-IN" dirty="0"/>
+              <a:t>: 2, </a:t>
+            </a:r>
+            <a:r>
+              <a:rPr lang="en-IN" dirty="0" err="1"/>
+              <a:t>courseName</a:t>
+            </a:r>
+            <a:r>
+              <a:rPr lang="en-IN" dirty="0"/>
+              <a:t>: "Typescript" },</a:t>
+            </a:r>
+          </a:p>
+          <a:p>
+            <a:r>
+              <a:rPr lang="en-IN" dirty="0"/>
+              <a:t>    { </a:t>
+            </a:r>
+            <a:r>
+              <a:rPr lang="en-IN" dirty="0" err="1"/>
+              <a:t>courseId</a:t>
+            </a:r>
+            <a:r>
+              <a:rPr lang="en-IN" dirty="0"/>
+              <a:t>: 3, </a:t>
+            </a:r>
+            <a:r>
+              <a:rPr lang="en-IN" dirty="0" err="1"/>
+              <a:t>courseName</a:t>
+            </a:r>
+            <a:r>
+              <a:rPr lang="en-IN" dirty="0"/>
+              <a:t>: "Angular" },</a:t>
+            </a:r>
+          </a:p>
+          <a:p>
+            <a:r>
+              <a:rPr lang="en-IN" dirty="0"/>
+              <a:t>    { </a:t>
+            </a:r>
+            <a:r>
+              <a:rPr lang="en-IN" dirty="0" err="1"/>
+              <a:t>courseId</a:t>
+            </a:r>
+            <a:r>
+              <a:rPr lang="en-IN" dirty="0"/>
+              <a:t>: 4, </a:t>
+            </a:r>
+            <a:r>
+              <a:rPr lang="en-IN" dirty="0" err="1"/>
+              <a:t>courseName</a:t>
+            </a:r>
+            <a:r>
+              <a:rPr lang="en-IN" dirty="0"/>
+              <a:t>: "React JS" }</a:t>
+            </a:r>
+          </a:p>
+          <a:p>
+            <a:r>
+              <a:rPr lang="en-IN" dirty="0"/>
+              <a:t>  ];</a:t>
+            </a:r>
+          </a:p>
+          <a:p>
+            <a:r>
+              <a:rPr lang="en-IN" dirty="0"/>
+              <a:t>}</a:t>
+            </a:r>
+          </a:p>
+        </p:txBody>
+      </p:sp>
+      <p:sp>
+        <p:nvSpPr>
+          <p:cNvPr id="7" name="TextBox 6">
+            <a:extLst>
+              <a:ext uri="{FF2B5EF4-FFF2-40B4-BE49-F238E27FC236}">
+                <a16:creationId xmlns:a16="http://schemas.microsoft.com/office/drawing/2014/main" id="{DF773B4D-E6EB-BBB2-ECB5-21F7C35AE39F}"/>
+              </a:ext>
+            </a:extLst>
+          </p:cNvPr>
+          <p:cNvSpPr txBox="1"/>
+          <p:nvPr/>
+        </p:nvSpPr>
+        <p:spPr>
+          <a:xfrm>
+            <a:off x="391212" y="5135315"/>
+            <a:ext cx="10647576" cy="400110"/>
+          </a:xfrm>
+          <a:prstGeom prst="rect">
+            <a:avLst/>
+          </a:prstGeom>
+          <a:noFill/>
+        </p:spPr>
+        <p:txBody>
+          <a:bodyPr wrap="square">
+            <a:spAutoFit/>
+          </a:bodyPr>
+          <a:lstStyle/>
+          <a:p>
+            <a:r>
+              <a:rPr lang="en-US" sz="2000" dirty="0">
+                <a:solidFill>
+                  <a:schemeClr val="tx1">
+                    <a:lumMod val="65000"/>
+                    <a:lumOff val="35000"/>
+                  </a:schemeClr>
+                </a:solidFill>
+              </a:rPr>
+              <a:t>4. Write the below-given code in </a:t>
+            </a:r>
+            <a:r>
+              <a:rPr lang="en-US" sz="2000" b="1" dirty="0">
+                <a:solidFill>
+                  <a:schemeClr val="tx1">
+                    <a:lumMod val="65000"/>
+                    <a:lumOff val="35000"/>
+                  </a:schemeClr>
+                </a:solidFill>
+              </a:rPr>
+              <a:t>courses-list.component.html</a:t>
+            </a:r>
+            <a:endParaRPr lang="en-IN" sz="2000" dirty="0">
+              <a:solidFill>
+                <a:schemeClr val="tx1">
+                  <a:lumMod val="65000"/>
+                  <a:lumOff val="35000"/>
+                </a:schemeClr>
+              </a:solidFill>
+            </a:endParaRPr>
+          </a:p>
+        </p:txBody>
+      </p:sp>
+    </p:spTree>
+    <p:extLst>
+      <p:ext uri="{BB962C8B-B14F-4D97-AF65-F5344CB8AC3E}">
+        <p14:creationId xmlns:p14="http://schemas.microsoft.com/office/powerpoint/2010/main" val="3415492661"/>
+      </p:ext>
+    </p:extLst>
+  </p:cSld>
+  <p:clrMapOvr>
+    <a:masterClrMapping/>
+  </p:clrMapOvr>
+</p:sld>
+</file>
+
+<file path=ppt/slides/slide123.xml><?xml version="1.0" encoding="utf-8"?>
+<p:sld xmlns:a="http://schemas.openxmlformats.org/drawingml/2006/main" xmlns:r="http://schemas.openxmlformats.org/officeDocument/2006/relationships" xmlns:p="http://schemas.openxmlformats.org/presentationml/2006/main">
+  <p:cSld>
+    <p:spTree>
+      <p:nvGrpSpPr>
+        <p:cNvPr id="1" name=""/>
+        <p:cNvGrpSpPr/>
+        <p:nvPr/>
+      </p:nvGrpSpPr>
+      <p:grpSpPr>
+        <a:xfrm>
+          <a:off x="0" y="0"/>
+          <a:ext cx="0" cy="0"/>
+          <a:chOff x="0" y="0"/>
+          <a:chExt cx="0" cy="0"/>
+        </a:xfrm>
+      </p:grpSpPr>
+      <p:sp>
+        <p:nvSpPr>
+          <p:cNvPr id="2" name="Footer Placeholder 1">
+            <a:extLst>
+              <a:ext uri="{FF2B5EF4-FFF2-40B4-BE49-F238E27FC236}">
+                <a16:creationId xmlns:a16="http://schemas.microsoft.com/office/drawing/2014/main" id="{B49E7072-0A8A-D00A-DD28-4F20DECCCEE2}"/>
+              </a:ext>
+            </a:extLst>
+          </p:cNvPr>
+          <p:cNvSpPr>
+            <a:spLocks noGrp="1"/>
+          </p:cNvSpPr>
+          <p:nvPr>
+            <p:ph type="ftr" sz="quarter" idx="11"/>
+          </p:nvPr>
+        </p:nvSpPr>
+        <p:spPr/>
+        <p:txBody>
+          <a:bodyPr/>
+          <a:lstStyle/>
+          <a:p>
+            <a:r>
+              <a:rPr lang="en-IN"/>
+              <a:t>H&amp;D IT Solution</a:t>
+            </a:r>
+            <a:endParaRPr lang="en-IN" dirty="0"/>
+          </a:p>
+        </p:txBody>
+      </p:sp>
+      <p:sp>
+        <p:nvSpPr>
+          <p:cNvPr id="3" name="Slide Number Placeholder 2">
+            <a:extLst>
+              <a:ext uri="{FF2B5EF4-FFF2-40B4-BE49-F238E27FC236}">
+                <a16:creationId xmlns:a16="http://schemas.microsoft.com/office/drawing/2014/main" id="{50E14C7E-A674-E8C5-A980-D77871FECBAA}"/>
+              </a:ext>
+            </a:extLst>
+          </p:cNvPr>
+          <p:cNvSpPr>
+            <a:spLocks noGrp="1"/>
+          </p:cNvSpPr>
+          <p:nvPr>
+            <p:ph type="sldNum" sz="quarter" idx="12"/>
+          </p:nvPr>
+        </p:nvSpPr>
+        <p:spPr/>
+        <p:txBody>
+          <a:bodyPr/>
+          <a:lstStyle/>
+          <a:p>
+            <a:fld id="{4A777409-9C5A-4B07-8E32-19F22F7D558C}" type="slidenum">
+              <a:rPr lang="en-IN" smtClean="0"/>
+              <a:t>123</a:t>
+            </a:fld>
+            <a:endParaRPr lang="en-IN" dirty="0"/>
+          </a:p>
+        </p:txBody>
+      </p:sp>
+      <p:sp>
+        <p:nvSpPr>
+          <p:cNvPr id="5" name="TextBox 4">
+            <a:extLst>
+              <a:ext uri="{FF2B5EF4-FFF2-40B4-BE49-F238E27FC236}">
+                <a16:creationId xmlns:a16="http://schemas.microsoft.com/office/drawing/2014/main" id="{2BEA1589-D7CE-6881-32B0-7AF78E96025B}"/>
+              </a:ext>
+            </a:extLst>
+          </p:cNvPr>
+          <p:cNvSpPr txBox="1"/>
+          <p:nvPr/>
+        </p:nvSpPr>
+        <p:spPr>
+          <a:xfrm>
+            <a:off x="989029" y="654345"/>
+            <a:ext cx="8541470" cy="3970318"/>
+          </a:xfrm>
+          <a:prstGeom prst="rect">
+            <a:avLst/>
+          </a:prstGeom>
+          <a:noFill/>
+        </p:spPr>
+        <p:txBody>
+          <a:bodyPr wrap="square">
+            <a:spAutoFit/>
+          </a:bodyPr>
+          <a:lstStyle/>
+          <a:p>
+            <a:r>
+              <a:rPr lang="en-IN" dirty="0"/>
+              <a:t>&lt;table border="1"&gt;</a:t>
+            </a:r>
+          </a:p>
+          <a:p>
+            <a:r>
+              <a:rPr lang="en-IN" dirty="0"/>
+              <a:t>  &lt;</a:t>
+            </a:r>
+            <a:r>
+              <a:rPr lang="en-IN" dirty="0" err="1"/>
+              <a:t>thead</a:t>
+            </a:r>
+            <a:r>
+              <a:rPr lang="en-IN" dirty="0"/>
+              <a:t>&gt;</a:t>
+            </a:r>
+          </a:p>
+          <a:p>
+            <a:r>
+              <a:rPr lang="en-IN" dirty="0"/>
+              <a:t>    &lt;tr&gt;</a:t>
+            </a:r>
+          </a:p>
+          <a:p>
+            <a:r>
+              <a:rPr lang="en-IN" dirty="0"/>
+              <a:t>      &lt;</a:t>
+            </a:r>
+            <a:r>
+              <a:rPr lang="en-IN" dirty="0" err="1"/>
+              <a:t>th</a:t>
+            </a:r>
+            <a:r>
+              <a:rPr lang="en-IN" dirty="0"/>
+              <a:t>&gt;Course ID&lt;/</a:t>
+            </a:r>
+            <a:r>
+              <a:rPr lang="en-IN" dirty="0" err="1"/>
+              <a:t>th</a:t>
+            </a:r>
+            <a:r>
+              <a:rPr lang="en-IN" dirty="0"/>
+              <a:t>&gt;</a:t>
+            </a:r>
+          </a:p>
+          <a:p>
+            <a:r>
+              <a:rPr lang="en-IN" dirty="0"/>
+              <a:t>      &lt;</a:t>
+            </a:r>
+            <a:r>
+              <a:rPr lang="en-IN" dirty="0" err="1"/>
+              <a:t>th</a:t>
+            </a:r>
+            <a:r>
+              <a:rPr lang="en-IN" dirty="0"/>
+              <a:t>&gt;Course Name&lt;/</a:t>
+            </a:r>
+            <a:r>
+              <a:rPr lang="en-IN" dirty="0" err="1"/>
+              <a:t>th</a:t>
+            </a:r>
+            <a:r>
+              <a:rPr lang="en-IN" dirty="0"/>
+              <a:t>&gt;</a:t>
+            </a:r>
+          </a:p>
+          <a:p>
+            <a:r>
+              <a:rPr lang="en-IN" dirty="0"/>
+              <a:t>    &lt;/tr&gt;</a:t>
+            </a:r>
+          </a:p>
+          <a:p>
+            <a:r>
+              <a:rPr lang="en-IN" dirty="0"/>
+              <a:t>  &lt;/</a:t>
+            </a:r>
+            <a:r>
+              <a:rPr lang="en-IN" dirty="0" err="1"/>
+              <a:t>thead</a:t>
+            </a:r>
+            <a:r>
+              <a:rPr lang="en-IN" dirty="0"/>
+              <a:t>&gt;</a:t>
+            </a:r>
+          </a:p>
+          <a:p>
+            <a:r>
+              <a:rPr lang="en-IN" dirty="0"/>
+              <a:t>  &lt;</a:t>
+            </a:r>
+            <a:r>
+              <a:rPr lang="en-IN" dirty="0" err="1"/>
+              <a:t>tbody</a:t>
+            </a:r>
+            <a:r>
+              <a:rPr lang="en-IN" dirty="0"/>
+              <a:t>&gt;</a:t>
+            </a:r>
+          </a:p>
+          <a:p>
+            <a:r>
+              <a:rPr lang="en-IN" dirty="0"/>
+              <a:t>    &lt;tr *</a:t>
+            </a:r>
+            <a:r>
+              <a:rPr lang="en-IN" dirty="0" err="1"/>
+              <a:t>ngFor</a:t>
+            </a:r>
+            <a:r>
+              <a:rPr lang="en-IN" dirty="0"/>
+              <a:t>="let course of courses"&gt;</a:t>
+            </a:r>
+          </a:p>
+          <a:p>
+            <a:r>
+              <a:rPr lang="en-IN" dirty="0"/>
+              <a:t>      &lt;td&gt;{{ </a:t>
+            </a:r>
+            <a:r>
+              <a:rPr lang="en-IN" dirty="0" err="1"/>
+              <a:t>course.courseId</a:t>
+            </a:r>
+            <a:r>
+              <a:rPr lang="en-IN" dirty="0"/>
+              <a:t> }}&lt;/td&gt;</a:t>
+            </a:r>
+          </a:p>
+          <a:p>
+            <a:r>
+              <a:rPr lang="en-IN" dirty="0"/>
+              <a:t>      &lt;td&gt;{{ </a:t>
+            </a:r>
+            <a:r>
+              <a:rPr lang="en-IN" dirty="0" err="1"/>
+              <a:t>course.courseName</a:t>
+            </a:r>
+            <a:r>
+              <a:rPr lang="en-IN" dirty="0"/>
+              <a:t> }}&lt;/td&gt;</a:t>
+            </a:r>
+          </a:p>
+          <a:p>
+            <a:r>
+              <a:rPr lang="en-IN" dirty="0"/>
+              <a:t>    &lt;/tr&gt;</a:t>
+            </a:r>
+          </a:p>
+          <a:p>
+            <a:r>
+              <a:rPr lang="en-IN" dirty="0"/>
+              <a:t>  &lt;/</a:t>
+            </a:r>
+            <a:r>
+              <a:rPr lang="en-IN" dirty="0" err="1"/>
+              <a:t>tbody</a:t>
+            </a:r>
+            <a:r>
+              <a:rPr lang="en-IN" dirty="0"/>
+              <a:t>&gt;</a:t>
+            </a:r>
+          </a:p>
+          <a:p>
+            <a:r>
+              <a:rPr lang="en-IN" dirty="0"/>
+              <a:t>&lt;/table&gt;</a:t>
+            </a:r>
+          </a:p>
+        </p:txBody>
+      </p:sp>
+      <p:sp>
+        <p:nvSpPr>
+          <p:cNvPr id="9" name="TextBox 8">
+            <a:extLst>
+              <a:ext uri="{FF2B5EF4-FFF2-40B4-BE49-F238E27FC236}">
+                <a16:creationId xmlns:a16="http://schemas.microsoft.com/office/drawing/2014/main" id="{7EA6B0D1-D1B0-AE50-1AF4-24A193F6215C}"/>
+              </a:ext>
+            </a:extLst>
+          </p:cNvPr>
+          <p:cNvSpPr txBox="1"/>
+          <p:nvPr/>
+        </p:nvSpPr>
+        <p:spPr>
+          <a:xfrm>
+            <a:off x="372358" y="5121174"/>
+            <a:ext cx="9242981" cy="400110"/>
+          </a:xfrm>
+          <a:prstGeom prst="rect">
+            <a:avLst/>
+          </a:prstGeom>
+          <a:noFill/>
+        </p:spPr>
+        <p:txBody>
+          <a:bodyPr wrap="square">
+            <a:spAutoFit/>
+          </a:bodyPr>
+          <a:lstStyle/>
+          <a:p>
+            <a:r>
+              <a:rPr lang="en-US" sz="2000" dirty="0">
+                <a:solidFill>
+                  <a:schemeClr val="tx1">
+                    <a:lumMod val="65000"/>
+                    <a:lumOff val="35000"/>
+                  </a:schemeClr>
+                </a:solidFill>
+              </a:rPr>
+              <a:t>5. Add the following code in </a:t>
+            </a:r>
+            <a:r>
+              <a:rPr lang="en-US" sz="2000" b="1" dirty="0">
+                <a:solidFill>
+                  <a:schemeClr val="tx1">
+                    <a:lumMod val="65000"/>
+                    <a:lumOff val="35000"/>
+                  </a:schemeClr>
+                </a:solidFill>
+              </a:rPr>
+              <a:t>courses-list.component.css</a:t>
+            </a:r>
+            <a:endParaRPr lang="en-IN" sz="2000" dirty="0">
+              <a:solidFill>
+                <a:schemeClr val="tx1">
+                  <a:lumMod val="65000"/>
+                  <a:lumOff val="35000"/>
+                </a:schemeClr>
+              </a:solidFill>
+            </a:endParaRPr>
+          </a:p>
+        </p:txBody>
+      </p:sp>
+    </p:spTree>
+    <p:extLst>
+      <p:ext uri="{BB962C8B-B14F-4D97-AF65-F5344CB8AC3E}">
+        <p14:creationId xmlns:p14="http://schemas.microsoft.com/office/powerpoint/2010/main" val="2120777388"/>
+      </p:ext>
+    </p:extLst>
+  </p:cSld>
+  <p:clrMapOvr>
+    <a:masterClrMapping/>
+  </p:clrMapOvr>
+</p:sld>
+</file>
+
+<file path=ppt/slides/slide124.xml><?xml version="1.0" encoding="utf-8"?>
+<p:sld xmlns:a="http://schemas.openxmlformats.org/drawingml/2006/main" xmlns:r="http://schemas.openxmlformats.org/officeDocument/2006/relationships" xmlns:p="http://schemas.openxmlformats.org/presentationml/2006/main">
+  <p:cSld>
+    <p:spTree>
+      <p:nvGrpSpPr>
+        <p:cNvPr id="1" name=""/>
+        <p:cNvGrpSpPr/>
+        <p:nvPr/>
+      </p:nvGrpSpPr>
+      <p:grpSpPr>
+        <a:xfrm>
+          <a:off x="0" y="0"/>
+          <a:ext cx="0" cy="0"/>
+          <a:chOff x="0" y="0"/>
+          <a:chExt cx="0" cy="0"/>
+        </a:xfrm>
+      </p:grpSpPr>
+      <p:sp>
+        <p:nvSpPr>
+          <p:cNvPr id="2" name="Footer Placeholder 1">
+            <a:extLst>
+              <a:ext uri="{FF2B5EF4-FFF2-40B4-BE49-F238E27FC236}">
+                <a16:creationId xmlns:a16="http://schemas.microsoft.com/office/drawing/2014/main" id="{D2E3C960-2BD2-E557-50F8-220E2445215B}"/>
+              </a:ext>
+            </a:extLst>
+          </p:cNvPr>
+          <p:cNvSpPr>
+            <a:spLocks noGrp="1"/>
+          </p:cNvSpPr>
+          <p:nvPr>
+            <p:ph type="ftr" sz="quarter" idx="11"/>
+          </p:nvPr>
+        </p:nvSpPr>
+        <p:spPr/>
+        <p:txBody>
+          <a:bodyPr/>
+          <a:lstStyle/>
+          <a:p>
+            <a:r>
+              <a:rPr lang="en-IN"/>
+              <a:t>H&amp;D IT Solution</a:t>
+            </a:r>
+            <a:endParaRPr lang="en-IN" dirty="0"/>
+          </a:p>
+        </p:txBody>
+      </p:sp>
+      <p:sp>
+        <p:nvSpPr>
+          <p:cNvPr id="3" name="Slide Number Placeholder 2">
+            <a:extLst>
+              <a:ext uri="{FF2B5EF4-FFF2-40B4-BE49-F238E27FC236}">
+                <a16:creationId xmlns:a16="http://schemas.microsoft.com/office/drawing/2014/main" id="{7F540EA3-2C7B-65D9-B7FB-6ED175D19DF5}"/>
+              </a:ext>
+            </a:extLst>
+          </p:cNvPr>
+          <p:cNvSpPr>
+            <a:spLocks noGrp="1"/>
+          </p:cNvSpPr>
+          <p:nvPr>
+            <p:ph type="sldNum" sz="quarter" idx="12"/>
+          </p:nvPr>
+        </p:nvSpPr>
+        <p:spPr/>
+        <p:txBody>
+          <a:bodyPr/>
+          <a:lstStyle/>
+          <a:p>
+            <a:fld id="{4A777409-9C5A-4B07-8E32-19F22F7D558C}" type="slidenum">
+              <a:rPr lang="en-IN" smtClean="0"/>
+              <a:t>124</a:t>
+            </a:fld>
+            <a:endParaRPr lang="en-IN" dirty="0"/>
+          </a:p>
+        </p:txBody>
+      </p:sp>
+      <p:sp>
+        <p:nvSpPr>
+          <p:cNvPr id="5" name="TextBox 4">
+            <a:extLst>
+              <a:ext uri="{FF2B5EF4-FFF2-40B4-BE49-F238E27FC236}">
+                <a16:creationId xmlns:a16="http://schemas.microsoft.com/office/drawing/2014/main" id="{3B09AE8B-B379-F634-2C33-394A565FBFFD}"/>
+              </a:ext>
+            </a:extLst>
+          </p:cNvPr>
+          <p:cNvSpPr txBox="1"/>
+          <p:nvPr/>
+        </p:nvSpPr>
+        <p:spPr>
+          <a:xfrm>
+            <a:off x="1173637" y="716685"/>
+            <a:ext cx="6099142" cy="923330"/>
+          </a:xfrm>
+          <a:prstGeom prst="rect">
+            <a:avLst/>
+          </a:prstGeom>
+          <a:noFill/>
+        </p:spPr>
+        <p:txBody>
+          <a:bodyPr wrap="square">
+            <a:spAutoFit/>
+          </a:bodyPr>
+          <a:lstStyle/>
+          <a:p>
+            <a:r>
+              <a:rPr lang="en-IN" dirty="0"/>
+              <a:t>tr{</a:t>
+            </a:r>
+          </a:p>
+          <a:p>
+            <a:r>
+              <a:rPr lang="en-IN" dirty="0"/>
+              <a:t>    </a:t>
+            </a:r>
+            <a:r>
+              <a:rPr lang="en-IN" dirty="0" err="1"/>
+              <a:t>text-align:center</a:t>
+            </a:r>
+            <a:r>
+              <a:rPr lang="en-IN" dirty="0"/>
+              <a:t>;</a:t>
+            </a:r>
+          </a:p>
+          <a:p>
+            <a:r>
+              <a:rPr lang="en-IN" dirty="0"/>
+              <a:t>}</a:t>
+            </a:r>
+          </a:p>
+        </p:txBody>
+      </p:sp>
+      <p:sp>
+        <p:nvSpPr>
+          <p:cNvPr id="7" name="TextBox 6">
+            <a:extLst>
+              <a:ext uri="{FF2B5EF4-FFF2-40B4-BE49-F238E27FC236}">
+                <a16:creationId xmlns:a16="http://schemas.microsoft.com/office/drawing/2014/main" id="{D9AA9C58-9EE4-85D1-F1F0-A96C6D3B7A03}"/>
+              </a:ext>
+            </a:extLst>
+          </p:cNvPr>
+          <p:cNvSpPr txBox="1"/>
+          <p:nvPr/>
+        </p:nvSpPr>
+        <p:spPr>
+          <a:xfrm>
+            <a:off x="263164" y="1688989"/>
+            <a:ext cx="6099142" cy="400110"/>
+          </a:xfrm>
+          <a:prstGeom prst="rect">
+            <a:avLst/>
+          </a:prstGeom>
+          <a:noFill/>
+        </p:spPr>
+        <p:txBody>
+          <a:bodyPr wrap="square">
+            <a:spAutoFit/>
+          </a:bodyPr>
+          <a:lstStyle/>
+          <a:p>
+            <a:r>
+              <a:rPr lang="en-US" sz="2000" dirty="0">
+                <a:solidFill>
+                  <a:schemeClr val="tx1">
+                    <a:lumMod val="65000"/>
+                    <a:lumOff val="35000"/>
+                  </a:schemeClr>
+                </a:solidFill>
+              </a:rPr>
+              <a:t>6. Write the below-given code in </a:t>
+            </a:r>
+            <a:r>
+              <a:rPr lang="en-US" sz="2000" b="1" dirty="0">
+                <a:solidFill>
+                  <a:schemeClr val="tx1">
+                    <a:lumMod val="65000"/>
+                    <a:lumOff val="35000"/>
+                  </a:schemeClr>
+                </a:solidFill>
+              </a:rPr>
+              <a:t>app.component.html</a:t>
+            </a:r>
+            <a:endParaRPr lang="en-IN" sz="2000" dirty="0">
+              <a:solidFill>
+                <a:schemeClr val="tx1">
+                  <a:lumMod val="65000"/>
+                  <a:lumOff val="35000"/>
+                </a:schemeClr>
+              </a:solidFill>
+            </a:endParaRPr>
+          </a:p>
+        </p:txBody>
+      </p:sp>
+      <p:sp>
+        <p:nvSpPr>
+          <p:cNvPr id="9" name="TextBox 8">
+            <a:extLst>
+              <a:ext uri="{FF2B5EF4-FFF2-40B4-BE49-F238E27FC236}">
+                <a16:creationId xmlns:a16="http://schemas.microsoft.com/office/drawing/2014/main" id="{BAA31048-3B25-58CE-A91A-68AB179E7DD2}"/>
+              </a:ext>
+            </a:extLst>
+          </p:cNvPr>
+          <p:cNvSpPr txBox="1"/>
+          <p:nvPr/>
+        </p:nvSpPr>
+        <p:spPr>
+          <a:xfrm>
+            <a:off x="263164" y="2108485"/>
+            <a:ext cx="9780309" cy="1477328"/>
+          </a:xfrm>
+          <a:prstGeom prst="rect">
+            <a:avLst/>
+          </a:prstGeom>
+          <a:noFill/>
+        </p:spPr>
+        <p:txBody>
+          <a:bodyPr wrap="square">
+            <a:spAutoFit/>
+          </a:bodyPr>
+          <a:lstStyle/>
+          <a:p>
+            <a:r>
+              <a:rPr lang="en-IN" dirty="0"/>
+              <a:t>&lt;h2&gt;Popular Courses&lt;/h2&gt;</a:t>
+            </a:r>
+          </a:p>
+          <a:p>
+            <a:r>
+              <a:rPr lang="en-IN" dirty="0"/>
+              <a:t>&lt;button (click)="show = true"&gt;View Courses list&lt;/button&gt;&lt;</a:t>
+            </a:r>
+            <a:r>
+              <a:rPr lang="en-IN" dirty="0" err="1"/>
+              <a:t>br</a:t>
+            </a:r>
+            <a:r>
+              <a:rPr lang="en-IN" dirty="0"/>
+              <a:t> /&gt;&lt;</a:t>
+            </a:r>
+            <a:r>
+              <a:rPr lang="en-IN" dirty="0" err="1"/>
+              <a:t>br</a:t>
+            </a:r>
+            <a:r>
+              <a:rPr lang="en-IN" dirty="0"/>
+              <a:t> /&gt;</a:t>
+            </a:r>
+          </a:p>
+          <a:p>
+            <a:r>
+              <a:rPr lang="en-IN" dirty="0"/>
+              <a:t>&lt;div *</a:t>
+            </a:r>
+            <a:r>
+              <a:rPr lang="en-IN" dirty="0" err="1"/>
+              <a:t>ngIf</a:t>
+            </a:r>
+            <a:r>
+              <a:rPr lang="en-IN" dirty="0"/>
+              <a:t>="show"&gt;</a:t>
+            </a:r>
+          </a:p>
+          <a:p>
+            <a:r>
+              <a:rPr lang="en-IN" dirty="0"/>
+              <a:t>  &lt;app-courses-list&gt;&lt;/app-courses-list&gt;</a:t>
+            </a:r>
+          </a:p>
+          <a:p>
+            <a:r>
+              <a:rPr lang="en-IN" dirty="0"/>
+              <a:t>&lt;/div&gt;</a:t>
+            </a:r>
+          </a:p>
+        </p:txBody>
+      </p:sp>
+      <p:sp>
+        <p:nvSpPr>
+          <p:cNvPr id="11" name="TextBox 10">
+            <a:extLst>
+              <a:ext uri="{FF2B5EF4-FFF2-40B4-BE49-F238E27FC236}">
+                <a16:creationId xmlns:a16="http://schemas.microsoft.com/office/drawing/2014/main" id="{80640D6C-5DEE-009E-4065-22BEEF74FC2D}"/>
+              </a:ext>
+            </a:extLst>
+          </p:cNvPr>
+          <p:cNvSpPr txBox="1"/>
+          <p:nvPr/>
+        </p:nvSpPr>
+        <p:spPr>
+          <a:xfrm>
+            <a:off x="278090" y="3654173"/>
+            <a:ext cx="6099142" cy="400110"/>
+          </a:xfrm>
+          <a:prstGeom prst="rect">
+            <a:avLst/>
+          </a:prstGeom>
+          <a:noFill/>
+        </p:spPr>
+        <p:txBody>
+          <a:bodyPr wrap="square">
+            <a:spAutoFit/>
+          </a:bodyPr>
+          <a:lstStyle/>
+          <a:p>
+            <a:r>
+              <a:rPr lang="en-US" sz="2000" dirty="0">
+                <a:solidFill>
+                  <a:schemeClr val="tx1">
+                    <a:lumMod val="65000"/>
+                    <a:lumOff val="35000"/>
+                  </a:schemeClr>
+                </a:solidFill>
+              </a:rPr>
+              <a:t>7. Write the below-given code in </a:t>
+            </a:r>
+            <a:r>
+              <a:rPr lang="en-US" sz="2000" b="1" dirty="0" err="1">
+                <a:solidFill>
+                  <a:schemeClr val="tx1">
+                    <a:lumMod val="65000"/>
+                    <a:lumOff val="35000"/>
+                  </a:schemeClr>
+                </a:solidFill>
+              </a:rPr>
+              <a:t>app.component.ts</a:t>
+            </a:r>
+            <a:endParaRPr lang="en-IN" sz="2000" dirty="0">
+              <a:solidFill>
+                <a:schemeClr val="tx1">
+                  <a:lumMod val="65000"/>
+                  <a:lumOff val="35000"/>
+                </a:schemeClr>
+              </a:solidFill>
+            </a:endParaRPr>
+          </a:p>
+        </p:txBody>
+      </p:sp>
+      <p:sp>
+        <p:nvSpPr>
+          <p:cNvPr id="13" name="TextBox 12">
+            <a:extLst>
+              <a:ext uri="{FF2B5EF4-FFF2-40B4-BE49-F238E27FC236}">
+                <a16:creationId xmlns:a16="http://schemas.microsoft.com/office/drawing/2014/main" id="{E970E4BF-7137-7DD8-C1EE-8B49E7EFC518}"/>
+              </a:ext>
+            </a:extLst>
+          </p:cNvPr>
+          <p:cNvSpPr txBox="1"/>
+          <p:nvPr/>
+        </p:nvSpPr>
+        <p:spPr>
+          <a:xfrm>
+            <a:off x="263164" y="4122643"/>
+            <a:ext cx="10675855" cy="2585323"/>
+          </a:xfrm>
+          <a:prstGeom prst="rect">
+            <a:avLst/>
+          </a:prstGeom>
+          <a:noFill/>
+        </p:spPr>
+        <p:txBody>
+          <a:bodyPr wrap="square">
+            <a:spAutoFit/>
+          </a:bodyPr>
+          <a:lstStyle/>
+          <a:p>
+            <a:r>
+              <a:rPr lang="en-IN" dirty="0"/>
+              <a:t>import { Component } from '@angular/core';</a:t>
+            </a:r>
+          </a:p>
+          <a:p>
+            <a:r>
+              <a:rPr lang="en-IN" dirty="0"/>
+              <a:t>@Component({</a:t>
+            </a:r>
+          </a:p>
+          <a:p>
+            <a:r>
+              <a:rPr lang="en-IN" dirty="0"/>
+              <a:t>  selector: 'app-root',</a:t>
+            </a:r>
+          </a:p>
+          <a:p>
+            <a:r>
+              <a:rPr lang="en-IN" dirty="0"/>
+              <a:t>  </a:t>
+            </a:r>
+            <a:r>
+              <a:rPr lang="en-IN" dirty="0" err="1"/>
+              <a:t>templateUrl</a:t>
+            </a:r>
+            <a:r>
+              <a:rPr lang="en-IN" dirty="0"/>
+              <a:t>: './app.component.html',</a:t>
+            </a:r>
+          </a:p>
+          <a:p>
+            <a:r>
+              <a:rPr lang="en-IN" dirty="0"/>
+              <a:t>  </a:t>
+            </a:r>
+            <a:r>
+              <a:rPr lang="en-IN" dirty="0" err="1"/>
+              <a:t>styleUrls</a:t>
+            </a:r>
+            <a:r>
+              <a:rPr lang="en-IN" dirty="0"/>
+              <a:t>: ['./app.component.css']</a:t>
+            </a:r>
+          </a:p>
+          <a:p>
+            <a:r>
+              <a:rPr lang="en-IN" dirty="0"/>
+              <a:t>})</a:t>
+            </a:r>
+          </a:p>
+          <a:p>
+            <a:r>
+              <a:rPr lang="en-IN" dirty="0"/>
+              <a:t>export class </a:t>
+            </a:r>
+            <a:r>
+              <a:rPr lang="en-IN" dirty="0" err="1"/>
+              <a:t>AppComponent</a:t>
+            </a:r>
+            <a:r>
+              <a:rPr lang="en-IN" dirty="0"/>
+              <a:t> {</a:t>
+            </a:r>
+          </a:p>
+          <a:p>
+            <a:r>
+              <a:rPr lang="en-IN" dirty="0"/>
+              <a:t>  show!: </a:t>
+            </a:r>
+            <a:r>
+              <a:rPr lang="en-IN" dirty="0" err="1"/>
+              <a:t>boolean</a:t>
+            </a:r>
+            <a:r>
+              <a:rPr lang="en-IN" dirty="0"/>
+              <a:t>;</a:t>
+            </a:r>
+          </a:p>
+          <a:p>
+            <a:r>
+              <a:rPr lang="en-IN" dirty="0"/>
+              <a:t>}</a:t>
+            </a:r>
+          </a:p>
+        </p:txBody>
+      </p:sp>
+    </p:spTree>
+    <p:extLst>
+      <p:ext uri="{BB962C8B-B14F-4D97-AF65-F5344CB8AC3E}">
+        <p14:creationId xmlns:p14="http://schemas.microsoft.com/office/powerpoint/2010/main" val="155936375"/>
+      </p:ext>
+    </p:extLst>
+  </p:cSld>
+  <p:clrMapOvr>
+    <a:masterClrMapping/>
+  </p:clrMapOvr>
+</p:sld>
+</file>
+
+<file path=ppt/slides/slide125.xml><?xml version="1.0" encoding="utf-8"?>
+<p:sld xmlns:a="http://schemas.openxmlformats.org/drawingml/2006/main" xmlns:r="http://schemas.openxmlformats.org/officeDocument/2006/relationships" xmlns:p="http://schemas.openxmlformats.org/presentationml/2006/main">
+  <p:cSld>
+    <p:spTree>
+      <p:nvGrpSpPr>
+        <p:cNvPr id="1" name=""/>
+        <p:cNvGrpSpPr/>
+        <p:nvPr/>
+      </p:nvGrpSpPr>
+      <p:grpSpPr>
+        <a:xfrm>
+          <a:off x="0" y="0"/>
+          <a:ext cx="0" cy="0"/>
+          <a:chOff x="0" y="0"/>
+          <a:chExt cx="0" cy="0"/>
+        </a:xfrm>
+      </p:grpSpPr>
+      <p:sp>
+        <p:nvSpPr>
+          <p:cNvPr id="2" name="Footer Placeholder 1">
+            <a:extLst>
+              <a:ext uri="{FF2B5EF4-FFF2-40B4-BE49-F238E27FC236}">
+                <a16:creationId xmlns:a16="http://schemas.microsoft.com/office/drawing/2014/main" id="{5F8E3485-118D-F70C-F5A8-778383D62C63}"/>
+              </a:ext>
+            </a:extLst>
+          </p:cNvPr>
+          <p:cNvSpPr>
+            <a:spLocks noGrp="1"/>
+          </p:cNvSpPr>
+          <p:nvPr>
+            <p:ph type="ftr" sz="quarter" idx="11"/>
+          </p:nvPr>
+        </p:nvSpPr>
+        <p:spPr/>
+        <p:txBody>
+          <a:bodyPr/>
+          <a:lstStyle/>
+          <a:p>
+            <a:r>
+              <a:rPr lang="en-IN"/>
+              <a:t>H&amp;D IT Solution</a:t>
+            </a:r>
+            <a:endParaRPr lang="en-IN" dirty="0"/>
+          </a:p>
+        </p:txBody>
+      </p:sp>
+      <p:sp>
+        <p:nvSpPr>
+          <p:cNvPr id="3" name="Slide Number Placeholder 2">
+            <a:extLst>
+              <a:ext uri="{FF2B5EF4-FFF2-40B4-BE49-F238E27FC236}">
+                <a16:creationId xmlns:a16="http://schemas.microsoft.com/office/drawing/2014/main" id="{5F0FAE19-3D0C-FBD8-6F26-11AB99247635}"/>
+              </a:ext>
+            </a:extLst>
+          </p:cNvPr>
+          <p:cNvSpPr>
+            <a:spLocks noGrp="1"/>
+          </p:cNvSpPr>
+          <p:nvPr>
+            <p:ph type="sldNum" sz="quarter" idx="12"/>
+          </p:nvPr>
+        </p:nvSpPr>
+        <p:spPr/>
+        <p:txBody>
+          <a:bodyPr/>
+          <a:lstStyle/>
+          <a:p>
+            <a:fld id="{4A777409-9C5A-4B07-8E32-19F22F7D558C}" type="slidenum">
+              <a:rPr lang="en-IN" smtClean="0"/>
+              <a:t>125</a:t>
+            </a:fld>
+            <a:endParaRPr lang="en-IN" dirty="0"/>
+          </a:p>
+        </p:txBody>
+      </p:sp>
+      <p:sp>
+        <p:nvSpPr>
+          <p:cNvPr id="5" name="TextBox 4">
+            <a:extLst>
+              <a:ext uri="{FF2B5EF4-FFF2-40B4-BE49-F238E27FC236}">
+                <a16:creationId xmlns:a16="http://schemas.microsoft.com/office/drawing/2014/main" id="{EFD89D8E-9BD3-3246-AE17-C5156674B32F}"/>
+              </a:ext>
+            </a:extLst>
+          </p:cNvPr>
+          <p:cNvSpPr txBox="1"/>
+          <p:nvPr/>
+        </p:nvSpPr>
+        <p:spPr>
+          <a:xfrm>
+            <a:off x="989029" y="607185"/>
+            <a:ext cx="6099142" cy="400110"/>
+          </a:xfrm>
+          <a:prstGeom prst="rect">
+            <a:avLst/>
+          </a:prstGeom>
+          <a:noFill/>
+        </p:spPr>
+        <p:txBody>
+          <a:bodyPr wrap="square">
+            <a:spAutoFit/>
+          </a:bodyPr>
+          <a:lstStyle/>
+          <a:p>
+            <a:r>
+              <a:rPr lang="en-US" sz="2000" dirty="0">
+                <a:solidFill>
+                  <a:schemeClr val="tx1">
+                    <a:lumMod val="65000"/>
+                    <a:lumOff val="35000"/>
+                  </a:schemeClr>
+                </a:solidFill>
+              </a:rPr>
+              <a:t>8. Save the files and check the output in the browser</a:t>
+            </a:r>
+            <a:endParaRPr lang="en-IN" sz="2000" dirty="0">
+              <a:solidFill>
+                <a:schemeClr val="tx1">
+                  <a:lumMod val="65000"/>
+                  <a:lumOff val="35000"/>
+                </a:schemeClr>
+              </a:solidFill>
+            </a:endParaRPr>
+          </a:p>
+        </p:txBody>
+      </p:sp>
+      <p:sp>
+        <p:nvSpPr>
+          <p:cNvPr id="7" name="TextBox 6">
+            <a:extLst>
+              <a:ext uri="{FF2B5EF4-FFF2-40B4-BE49-F238E27FC236}">
+                <a16:creationId xmlns:a16="http://schemas.microsoft.com/office/drawing/2014/main" id="{C213E6B4-F02D-DD98-3D59-99EBAB2757B9}"/>
+              </a:ext>
+            </a:extLst>
+          </p:cNvPr>
+          <p:cNvSpPr txBox="1"/>
+          <p:nvPr/>
+        </p:nvSpPr>
+        <p:spPr>
+          <a:xfrm>
+            <a:off x="353505" y="1304769"/>
+            <a:ext cx="6099142" cy="461665"/>
+          </a:xfrm>
+          <a:prstGeom prst="rect">
+            <a:avLst/>
+          </a:prstGeom>
+          <a:noFill/>
+        </p:spPr>
+        <p:txBody>
+          <a:bodyPr wrap="square">
+            <a:spAutoFit/>
+          </a:bodyPr>
+          <a:lstStyle/>
+          <a:p>
+            <a:r>
+              <a:rPr lang="en-IN" sz="2400" b="1" dirty="0"/>
+              <a:t>Nested Components - </a:t>
+            </a:r>
+            <a:r>
+              <a:rPr lang="en-IN" sz="2400" b="1" dirty="0" err="1"/>
+              <a:t>exportAs</a:t>
+            </a:r>
+            <a:r>
+              <a:rPr lang="en-IN" sz="2400" b="1" dirty="0"/>
+              <a:t> Property</a:t>
+            </a:r>
+          </a:p>
+        </p:txBody>
+      </p:sp>
+      <p:sp>
+        <p:nvSpPr>
+          <p:cNvPr id="9" name="TextBox 8">
+            <a:extLst>
+              <a:ext uri="{FF2B5EF4-FFF2-40B4-BE49-F238E27FC236}">
+                <a16:creationId xmlns:a16="http://schemas.microsoft.com/office/drawing/2014/main" id="{F5A1224F-4E73-AEE9-FF94-263D82588492}"/>
+              </a:ext>
+            </a:extLst>
+          </p:cNvPr>
+          <p:cNvSpPr txBox="1"/>
+          <p:nvPr/>
+        </p:nvSpPr>
+        <p:spPr>
+          <a:xfrm>
+            <a:off x="353504" y="1912451"/>
+            <a:ext cx="11561975" cy="1938992"/>
+          </a:xfrm>
+          <a:prstGeom prst="rect">
+            <a:avLst/>
+          </a:prstGeom>
+          <a:noFill/>
+        </p:spPr>
+        <p:txBody>
+          <a:bodyPr wrap="square">
+            <a:spAutoFit/>
+          </a:bodyPr>
+          <a:lstStyle/>
+          <a:p>
+            <a:pPr>
+              <a:buFont typeface="Arial" panose="020B0604020202020204" pitchFamily="34" charset="0"/>
+              <a:buChar char="•"/>
+            </a:pPr>
+            <a:r>
+              <a:rPr lang="en-US" sz="2000" dirty="0">
+                <a:solidFill>
+                  <a:schemeClr val="tx1">
+                    <a:lumMod val="65000"/>
+                    <a:lumOff val="35000"/>
+                  </a:schemeClr>
+                </a:solidFill>
+                <a:effectLst/>
+              </a:rPr>
+              <a:t>It is possible to access child component properties and methods in a container component by exporting child components using </a:t>
+            </a:r>
+            <a:r>
+              <a:rPr lang="en-US" sz="2000" dirty="0" err="1">
+                <a:solidFill>
+                  <a:schemeClr val="tx1">
+                    <a:lumMod val="65000"/>
+                    <a:lumOff val="35000"/>
+                  </a:schemeClr>
+                </a:solidFill>
+                <a:effectLst/>
+              </a:rPr>
+              <a:t>exportAs</a:t>
+            </a:r>
+            <a:r>
+              <a:rPr lang="en-US" sz="2000" dirty="0">
+                <a:solidFill>
+                  <a:schemeClr val="tx1">
+                    <a:lumMod val="65000"/>
+                    <a:lumOff val="35000"/>
+                  </a:schemeClr>
+                </a:solidFill>
+                <a:effectLst/>
+              </a:rPr>
+              <a:t> property</a:t>
+            </a:r>
+          </a:p>
+          <a:p>
+            <a:pPr>
+              <a:buFont typeface="Arial" panose="020B0604020202020204" pitchFamily="34" charset="0"/>
+              <a:buChar char="•"/>
+            </a:pPr>
+            <a:r>
+              <a:rPr lang="en-US" sz="2000" dirty="0">
+                <a:solidFill>
+                  <a:schemeClr val="tx1">
+                    <a:lumMod val="65000"/>
+                    <a:lumOff val="35000"/>
+                  </a:schemeClr>
+                </a:solidFill>
+                <a:effectLst/>
+              </a:rPr>
+              <a:t>As discussed in the directives concept, </a:t>
+            </a:r>
+            <a:r>
+              <a:rPr lang="en-US" sz="2000" dirty="0" err="1">
+                <a:solidFill>
+                  <a:schemeClr val="tx1">
+                    <a:lumMod val="65000"/>
+                    <a:lumOff val="35000"/>
+                  </a:schemeClr>
+                </a:solidFill>
+                <a:effectLst/>
+              </a:rPr>
+              <a:t>exportAs</a:t>
+            </a:r>
+            <a:r>
+              <a:rPr lang="en-US" sz="2000" dirty="0">
+                <a:solidFill>
+                  <a:schemeClr val="tx1">
+                    <a:lumMod val="65000"/>
+                    <a:lumOff val="35000"/>
+                  </a:schemeClr>
+                </a:solidFill>
+                <a:effectLst/>
+              </a:rPr>
+              <a:t> property can be applied to components and directives.</a:t>
+            </a:r>
+          </a:p>
+          <a:p>
+            <a:r>
+              <a:rPr lang="en-US" sz="2000" dirty="0">
+                <a:solidFill>
+                  <a:schemeClr val="tx1">
+                    <a:lumMod val="65000"/>
+                    <a:lumOff val="35000"/>
+                  </a:schemeClr>
+                </a:solidFill>
+                <a:effectLst/>
+              </a:rPr>
+              <a:t> </a:t>
+            </a:r>
+          </a:p>
+          <a:p>
+            <a:r>
+              <a:rPr lang="en-US" sz="2000" b="1" dirty="0">
+                <a:solidFill>
+                  <a:schemeClr val="tx1">
+                    <a:lumMod val="65000"/>
+                    <a:lumOff val="35000"/>
+                  </a:schemeClr>
+                </a:solidFill>
+                <a:effectLst/>
+              </a:rPr>
+              <a:t>Example:</a:t>
+            </a:r>
+            <a:endParaRPr lang="en-US" sz="2000" dirty="0">
+              <a:solidFill>
+                <a:schemeClr val="tx1">
+                  <a:lumMod val="65000"/>
+                  <a:lumOff val="35000"/>
+                </a:schemeClr>
+              </a:solidFill>
+              <a:effectLst/>
+            </a:endParaRPr>
+          </a:p>
+          <a:p>
+            <a:r>
+              <a:rPr lang="en-US" sz="2000" dirty="0">
+                <a:solidFill>
+                  <a:schemeClr val="tx1">
+                    <a:lumMod val="65000"/>
+                    <a:lumOff val="35000"/>
+                  </a:schemeClr>
+                </a:solidFill>
+                <a:effectLst/>
+              </a:rPr>
+              <a:t>In the example of the nested components, modify the </a:t>
+            </a:r>
+            <a:r>
+              <a:rPr lang="en-US" sz="2000" b="1" dirty="0">
+                <a:solidFill>
+                  <a:schemeClr val="tx1">
+                    <a:lumMod val="65000"/>
+                    <a:lumOff val="35000"/>
+                  </a:schemeClr>
+                </a:solidFill>
+                <a:effectLst/>
+              </a:rPr>
+              <a:t>courses-</a:t>
+            </a:r>
+            <a:r>
+              <a:rPr lang="en-US" sz="2000" b="1" dirty="0" err="1">
+                <a:solidFill>
+                  <a:schemeClr val="tx1">
+                    <a:lumMod val="65000"/>
+                    <a:lumOff val="35000"/>
+                  </a:schemeClr>
+                </a:solidFill>
+                <a:effectLst/>
+              </a:rPr>
+              <a:t>list.component.ts</a:t>
+            </a:r>
+            <a:r>
+              <a:rPr lang="en-US" sz="2000" dirty="0">
+                <a:solidFill>
+                  <a:schemeClr val="tx1">
+                    <a:lumMod val="65000"/>
+                    <a:lumOff val="35000"/>
+                  </a:schemeClr>
+                </a:solidFill>
+                <a:effectLst/>
+              </a:rPr>
+              <a:t> file as shown below:</a:t>
+            </a:r>
+          </a:p>
+        </p:txBody>
+      </p:sp>
+      <p:sp>
+        <p:nvSpPr>
+          <p:cNvPr id="11" name="TextBox 10">
+            <a:extLst>
+              <a:ext uri="{FF2B5EF4-FFF2-40B4-BE49-F238E27FC236}">
+                <a16:creationId xmlns:a16="http://schemas.microsoft.com/office/drawing/2014/main" id="{EB1B922F-EDCE-AE62-5771-6CD39C828A4E}"/>
+              </a:ext>
+            </a:extLst>
+          </p:cNvPr>
+          <p:cNvSpPr txBox="1"/>
+          <p:nvPr/>
+        </p:nvSpPr>
+        <p:spPr>
+          <a:xfrm>
+            <a:off x="353504" y="3851443"/>
+            <a:ext cx="10731631" cy="2031325"/>
+          </a:xfrm>
+          <a:prstGeom prst="rect">
+            <a:avLst/>
+          </a:prstGeom>
+          <a:noFill/>
+        </p:spPr>
+        <p:txBody>
+          <a:bodyPr wrap="square">
+            <a:spAutoFit/>
+          </a:bodyPr>
+          <a:lstStyle/>
+          <a:p>
+            <a:r>
+              <a:rPr lang="en-IN" dirty="0"/>
+              <a:t>import { Component, </a:t>
+            </a:r>
+            <a:r>
+              <a:rPr lang="en-IN" dirty="0" err="1"/>
+              <a:t>OnInit</a:t>
+            </a:r>
+            <a:r>
+              <a:rPr lang="en-IN" dirty="0"/>
+              <a:t> } from '@angular/core';</a:t>
+            </a:r>
+          </a:p>
+          <a:p>
+            <a:r>
+              <a:rPr lang="en-IN" dirty="0"/>
+              <a:t>@Component({</a:t>
+            </a:r>
+          </a:p>
+          <a:p>
+            <a:r>
+              <a:rPr lang="en-IN" dirty="0"/>
+              <a:t>  selector: 'app-courses-list',</a:t>
+            </a:r>
+          </a:p>
+          <a:p>
+            <a:r>
+              <a:rPr lang="en-IN" dirty="0"/>
+              <a:t>  </a:t>
+            </a:r>
+            <a:r>
+              <a:rPr lang="en-IN" dirty="0" err="1"/>
+              <a:t>templateUrl</a:t>
+            </a:r>
+            <a:r>
+              <a:rPr lang="en-IN" dirty="0"/>
+              <a:t>: './courses-list.component.html',</a:t>
+            </a:r>
+          </a:p>
+          <a:p>
+            <a:r>
+              <a:rPr lang="en-IN" dirty="0"/>
+              <a:t>  </a:t>
+            </a:r>
+            <a:r>
+              <a:rPr lang="en-IN" dirty="0" err="1"/>
+              <a:t>styleUrls</a:t>
+            </a:r>
+            <a:r>
+              <a:rPr lang="en-IN" dirty="0"/>
+              <a:t>: ['./courses-list.component.css'],</a:t>
+            </a:r>
+          </a:p>
+          <a:p>
+            <a:r>
+              <a:rPr lang="en-IN" dirty="0"/>
+              <a:t>  </a:t>
+            </a:r>
+            <a:r>
+              <a:rPr lang="en-IN" dirty="0" err="1"/>
+              <a:t>exportAs</a:t>
+            </a:r>
+            <a:r>
+              <a:rPr lang="en-IN" dirty="0"/>
+              <a:t>: '</a:t>
+            </a:r>
+            <a:r>
+              <a:rPr lang="en-IN" dirty="0" err="1"/>
+              <a:t>courselist</a:t>
+            </a:r>
+            <a:r>
+              <a:rPr lang="en-IN" dirty="0"/>
+              <a:t>'</a:t>
+            </a:r>
+          </a:p>
+          <a:p>
+            <a:r>
+              <a:rPr lang="en-IN" dirty="0"/>
+              <a:t>})</a:t>
+            </a:r>
+          </a:p>
+        </p:txBody>
+      </p:sp>
+    </p:spTree>
+    <p:extLst>
+      <p:ext uri="{BB962C8B-B14F-4D97-AF65-F5344CB8AC3E}">
+        <p14:creationId xmlns:p14="http://schemas.microsoft.com/office/powerpoint/2010/main" val="3834741512"/>
+      </p:ext>
+    </p:extLst>
+  </p:cSld>
+  <p:clrMapOvr>
+    <a:masterClrMapping/>
+  </p:clrMapOvr>
+</p:sld>
+</file>
+
+<file path=ppt/slides/slide126.xml><?xml version="1.0" encoding="utf-8"?>
+<p:sld xmlns:a="http://schemas.openxmlformats.org/drawingml/2006/main" xmlns:r="http://schemas.openxmlformats.org/officeDocument/2006/relationships" xmlns:p="http://schemas.openxmlformats.org/presentationml/2006/main">
+  <p:cSld>
+    <p:spTree>
+      <p:nvGrpSpPr>
+        <p:cNvPr id="1" name=""/>
+        <p:cNvGrpSpPr/>
+        <p:nvPr/>
+      </p:nvGrpSpPr>
+      <p:grpSpPr>
+        <a:xfrm>
+          <a:off x="0" y="0"/>
+          <a:ext cx="0" cy="0"/>
+          <a:chOff x="0" y="0"/>
+          <a:chExt cx="0" cy="0"/>
+        </a:xfrm>
+      </p:grpSpPr>
+      <p:sp>
+        <p:nvSpPr>
+          <p:cNvPr id="2" name="Footer Placeholder 1">
+            <a:extLst>
+              <a:ext uri="{FF2B5EF4-FFF2-40B4-BE49-F238E27FC236}">
+                <a16:creationId xmlns:a16="http://schemas.microsoft.com/office/drawing/2014/main" id="{CF3B7A5F-0ED7-91F2-B070-C2FBA1C82ED3}"/>
+              </a:ext>
+            </a:extLst>
+          </p:cNvPr>
+          <p:cNvSpPr>
+            <a:spLocks noGrp="1"/>
+          </p:cNvSpPr>
+          <p:nvPr>
+            <p:ph type="ftr" sz="quarter" idx="11"/>
+          </p:nvPr>
+        </p:nvSpPr>
+        <p:spPr/>
+        <p:txBody>
+          <a:bodyPr/>
+          <a:lstStyle/>
+          <a:p>
+            <a:r>
+              <a:rPr lang="en-IN"/>
+              <a:t>H&amp;D IT Solution</a:t>
+            </a:r>
+            <a:endParaRPr lang="en-IN" dirty="0"/>
+          </a:p>
+        </p:txBody>
+      </p:sp>
+      <p:sp>
+        <p:nvSpPr>
+          <p:cNvPr id="3" name="Slide Number Placeholder 2">
+            <a:extLst>
+              <a:ext uri="{FF2B5EF4-FFF2-40B4-BE49-F238E27FC236}">
+                <a16:creationId xmlns:a16="http://schemas.microsoft.com/office/drawing/2014/main" id="{33E0D04B-64C6-0B0D-21CD-6A9A1325B4FC}"/>
+              </a:ext>
+            </a:extLst>
+          </p:cNvPr>
+          <p:cNvSpPr>
+            <a:spLocks noGrp="1"/>
+          </p:cNvSpPr>
+          <p:nvPr>
+            <p:ph type="sldNum" sz="quarter" idx="12"/>
+          </p:nvPr>
+        </p:nvSpPr>
+        <p:spPr/>
+        <p:txBody>
+          <a:bodyPr/>
+          <a:lstStyle/>
+          <a:p>
+            <a:fld id="{4A777409-9C5A-4B07-8E32-19F22F7D558C}" type="slidenum">
+              <a:rPr lang="en-IN" smtClean="0"/>
+              <a:t>126</a:t>
+            </a:fld>
+            <a:endParaRPr lang="en-IN" dirty="0"/>
+          </a:p>
+        </p:txBody>
+      </p:sp>
+      <p:sp>
+        <p:nvSpPr>
+          <p:cNvPr id="5" name="TextBox 4">
+            <a:extLst>
+              <a:ext uri="{FF2B5EF4-FFF2-40B4-BE49-F238E27FC236}">
+                <a16:creationId xmlns:a16="http://schemas.microsoft.com/office/drawing/2014/main" id="{AFC69C1E-54FB-42E8-D68E-072295837A8C}"/>
+              </a:ext>
+            </a:extLst>
+          </p:cNvPr>
+          <p:cNvSpPr txBox="1"/>
+          <p:nvPr/>
+        </p:nvSpPr>
+        <p:spPr>
+          <a:xfrm>
+            <a:off x="772212" y="477421"/>
+            <a:ext cx="9691540" cy="5078313"/>
+          </a:xfrm>
+          <a:prstGeom prst="rect">
+            <a:avLst/>
+          </a:prstGeom>
+          <a:noFill/>
+        </p:spPr>
+        <p:txBody>
+          <a:bodyPr wrap="square">
+            <a:spAutoFit/>
+          </a:bodyPr>
+          <a:lstStyle/>
+          <a:p>
+            <a:r>
+              <a:rPr lang="en-IN" dirty="0"/>
+              <a:t>export class </a:t>
+            </a:r>
+            <a:r>
+              <a:rPr lang="en-IN" dirty="0" err="1"/>
+              <a:t>CoursesListComponent</a:t>
+            </a:r>
+            <a:r>
+              <a:rPr lang="en-IN" dirty="0"/>
+              <a:t> {</a:t>
+            </a:r>
+          </a:p>
+          <a:p>
+            <a:r>
+              <a:rPr lang="en-IN" dirty="0"/>
+              <a:t>  courses = [</a:t>
+            </a:r>
+          </a:p>
+          <a:p>
+            <a:r>
+              <a:rPr lang="en-IN" dirty="0"/>
+              <a:t>    { </a:t>
+            </a:r>
+            <a:r>
+              <a:rPr lang="en-IN" dirty="0" err="1"/>
+              <a:t>courseId</a:t>
+            </a:r>
+            <a:r>
+              <a:rPr lang="en-IN" dirty="0"/>
+              <a:t>: 1, </a:t>
+            </a:r>
+            <a:r>
+              <a:rPr lang="en-IN" dirty="0" err="1"/>
+              <a:t>courseName</a:t>
+            </a:r>
+            <a:r>
+              <a:rPr lang="en-IN" dirty="0"/>
+              <a:t>: 'Node JS' },</a:t>
+            </a:r>
+          </a:p>
+          <a:p>
+            <a:r>
+              <a:rPr lang="en-IN" dirty="0"/>
+              <a:t>    { </a:t>
+            </a:r>
+            <a:r>
+              <a:rPr lang="en-IN" dirty="0" err="1"/>
+              <a:t>courseId</a:t>
+            </a:r>
+            <a:r>
+              <a:rPr lang="en-IN" dirty="0"/>
+              <a:t>: 2, </a:t>
+            </a:r>
+            <a:r>
+              <a:rPr lang="en-IN" dirty="0" err="1"/>
+              <a:t>courseName</a:t>
+            </a:r>
+            <a:r>
+              <a:rPr lang="en-IN" dirty="0"/>
+              <a:t>: 'Typescript' },</a:t>
+            </a:r>
+          </a:p>
+          <a:p>
+            <a:r>
+              <a:rPr lang="en-IN" dirty="0"/>
+              <a:t>    { </a:t>
+            </a:r>
+            <a:r>
+              <a:rPr lang="en-IN" dirty="0" err="1"/>
+              <a:t>courseId</a:t>
+            </a:r>
+            <a:r>
+              <a:rPr lang="en-IN" dirty="0"/>
+              <a:t>: 3, </a:t>
+            </a:r>
+            <a:r>
+              <a:rPr lang="en-IN" dirty="0" err="1"/>
+              <a:t>courseName</a:t>
+            </a:r>
+            <a:r>
+              <a:rPr lang="en-IN" dirty="0"/>
+              <a:t>: 'Angular' },</a:t>
+            </a:r>
+          </a:p>
+          <a:p>
+            <a:r>
+              <a:rPr lang="en-IN" dirty="0"/>
+              <a:t>    { </a:t>
+            </a:r>
+            <a:r>
+              <a:rPr lang="en-IN" dirty="0" err="1"/>
+              <a:t>courseId</a:t>
+            </a:r>
+            <a:r>
+              <a:rPr lang="en-IN" dirty="0"/>
+              <a:t>: 4, </a:t>
+            </a:r>
+            <a:r>
+              <a:rPr lang="en-IN" dirty="0" err="1"/>
+              <a:t>courseName</a:t>
+            </a:r>
+            <a:r>
+              <a:rPr lang="en-IN" dirty="0"/>
+              <a:t>: 'React JS' }</a:t>
+            </a:r>
+          </a:p>
+          <a:p>
+            <a:r>
+              <a:rPr lang="en-IN" dirty="0"/>
+              <a:t>  ];</a:t>
+            </a:r>
+          </a:p>
+          <a:p>
+            <a:r>
+              <a:rPr lang="en-IN" dirty="0"/>
+              <a:t>  course!: any[];</a:t>
+            </a:r>
+          </a:p>
+          <a:p>
+            <a:r>
+              <a:rPr lang="en-IN" dirty="0"/>
+              <a:t>  </a:t>
+            </a:r>
+            <a:r>
+              <a:rPr lang="en-IN" dirty="0" err="1"/>
+              <a:t>changeCourse</a:t>
+            </a:r>
+            <a:r>
+              <a:rPr lang="en-IN" dirty="0"/>
+              <a:t>(name: string) {</a:t>
+            </a:r>
+          </a:p>
+          <a:p>
+            <a:r>
+              <a:rPr lang="en-IN" dirty="0"/>
+              <a:t>    </a:t>
+            </a:r>
+            <a:r>
+              <a:rPr lang="en-IN" dirty="0" err="1"/>
+              <a:t>this.course</a:t>
+            </a:r>
+            <a:r>
+              <a:rPr lang="en-IN" dirty="0"/>
+              <a:t> = [];</a:t>
+            </a:r>
+          </a:p>
+          <a:p>
+            <a:r>
+              <a:rPr lang="en-IN" dirty="0"/>
+              <a:t>    for (let </a:t>
+            </a:r>
+            <a:r>
+              <a:rPr lang="en-IN" dirty="0" err="1"/>
+              <a:t>i</a:t>
+            </a:r>
+            <a:r>
+              <a:rPr lang="en-IN" dirty="0"/>
+              <a:t> = 0; </a:t>
+            </a:r>
+            <a:r>
+              <a:rPr lang="en-IN" dirty="0" err="1"/>
+              <a:t>i</a:t>
+            </a:r>
+            <a:r>
+              <a:rPr lang="en-IN" dirty="0"/>
+              <a:t> &lt; </a:t>
+            </a:r>
+            <a:r>
+              <a:rPr lang="en-IN" dirty="0" err="1"/>
+              <a:t>this.courses.length</a:t>
+            </a:r>
+            <a:r>
+              <a:rPr lang="en-IN" dirty="0"/>
+              <a:t>; </a:t>
+            </a:r>
+            <a:r>
+              <a:rPr lang="en-IN" dirty="0" err="1"/>
+              <a:t>i</a:t>
+            </a:r>
+            <a:r>
+              <a:rPr lang="en-IN" dirty="0"/>
+              <a:t>++) {</a:t>
+            </a:r>
+          </a:p>
+          <a:p>
+            <a:r>
+              <a:rPr lang="en-IN" dirty="0"/>
+              <a:t>      if (</a:t>
+            </a:r>
+            <a:r>
+              <a:rPr lang="en-IN" dirty="0" err="1"/>
+              <a:t>this.courses</a:t>
+            </a:r>
+            <a:r>
+              <a:rPr lang="en-IN" dirty="0"/>
+              <a:t>[</a:t>
+            </a:r>
+            <a:r>
+              <a:rPr lang="en-IN" dirty="0" err="1"/>
+              <a:t>i</a:t>
+            </a:r>
+            <a:r>
+              <a:rPr lang="en-IN" dirty="0"/>
+              <a:t>].</a:t>
+            </a:r>
+            <a:r>
+              <a:rPr lang="en-IN" dirty="0" err="1"/>
+              <a:t>courseName</a:t>
+            </a:r>
+            <a:r>
+              <a:rPr lang="en-IN" dirty="0"/>
+              <a:t> === name) {</a:t>
+            </a:r>
+          </a:p>
+          <a:p>
+            <a:r>
+              <a:rPr lang="en-IN" dirty="0"/>
+              <a:t>        </a:t>
+            </a:r>
+            <a:r>
+              <a:rPr lang="en-IN" dirty="0" err="1"/>
+              <a:t>this.course.push</a:t>
+            </a:r>
+            <a:r>
+              <a:rPr lang="en-IN" dirty="0"/>
+              <a:t>(</a:t>
+            </a:r>
+            <a:r>
+              <a:rPr lang="en-IN" dirty="0" err="1"/>
+              <a:t>this.courses</a:t>
+            </a:r>
+            <a:r>
+              <a:rPr lang="en-IN" dirty="0"/>
+              <a:t>[</a:t>
+            </a:r>
+            <a:r>
+              <a:rPr lang="en-IN" dirty="0" err="1"/>
+              <a:t>i</a:t>
+            </a:r>
+            <a:r>
+              <a:rPr lang="en-IN" dirty="0"/>
+              <a:t>]);</a:t>
+            </a:r>
+          </a:p>
+          <a:p>
+            <a:r>
+              <a:rPr lang="en-IN" dirty="0"/>
+              <a:t>      }</a:t>
+            </a:r>
+          </a:p>
+          <a:p>
+            <a:r>
+              <a:rPr lang="en-IN" dirty="0"/>
+              <a:t>    }</a:t>
+            </a:r>
+          </a:p>
+          <a:p>
+            <a:r>
+              <a:rPr lang="en-IN" dirty="0"/>
+              <a:t>  }</a:t>
+            </a:r>
+          </a:p>
+          <a:p>
+            <a:r>
+              <a:rPr lang="en-IN" dirty="0"/>
+              <a:t>}</a:t>
+            </a:r>
+          </a:p>
+          <a:p>
+            <a:r>
+              <a:rPr lang="en-IN" dirty="0"/>
+              <a:t> </a:t>
+            </a:r>
+          </a:p>
+        </p:txBody>
+      </p:sp>
+      <p:sp>
+        <p:nvSpPr>
+          <p:cNvPr id="7" name="TextBox 6">
+            <a:extLst>
+              <a:ext uri="{FF2B5EF4-FFF2-40B4-BE49-F238E27FC236}">
+                <a16:creationId xmlns:a16="http://schemas.microsoft.com/office/drawing/2014/main" id="{3CA79F9F-3698-7726-166B-F1F28C012E58}"/>
+              </a:ext>
+            </a:extLst>
+          </p:cNvPr>
+          <p:cNvSpPr txBox="1"/>
+          <p:nvPr/>
+        </p:nvSpPr>
+        <p:spPr>
+          <a:xfrm>
+            <a:off x="178324" y="5244147"/>
+            <a:ext cx="11835352" cy="1477328"/>
+          </a:xfrm>
+          <a:prstGeom prst="rect">
+            <a:avLst/>
+          </a:prstGeom>
+          <a:noFill/>
+        </p:spPr>
+        <p:txBody>
+          <a:bodyPr wrap="square">
+            <a:spAutoFit/>
+          </a:bodyPr>
+          <a:lstStyle/>
+          <a:p>
+            <a:r>
+              <a:rPr lang="en-US" dirty="0" err="1">
+                <a:solidFill>
+                  <a:schemeClr val="tx1">
+                    <a:lumMod val="65000"/>
+                    <a:lumOff val="35000"/>
+                  </a:schemeClr>
+                </a:solidFill>
+                <a:effectLst/>
+              </a:rPr>
+              <a:t>ine</a:t>
+            </a:r>
+            <a:r>
+              <a:rPr lang="en-US" dirty="0">
+                <a:solidFill>
+                  <a:schemeClr val="tx1">
+                    <a:lumMod val="65000"/>
+                    <a:lumOff val="35000"/>
+                  </a:schemeClr>
+                </a:solidFill>
+                <a:effectLst/>
+              </a:rPr>
+              <a:t> 7: </a:t>
+            </a:r>
+            <a:r>
+              <a:rPr lang="en-US" dirty="0" err="1">
+                <a:solidFill>
+                  <a:schemeClr val="tx1">
+                    <a:lumMod val="65000"/>
+                    <a:lumOff val="35000"/>
+                  </a:schemeClr>
+                </a:solidFill>
+                <a:effectLst/>
+              </a:rPr>
+              <a:t>CoursesListComponent</a:t>
+            </a:r>
+            <a:r>
+              <a:rPr lang="en-US" dirty="0">
+                <a:solidFill>
+                  <a:schemeClr val="tx1">
+                    <a:lumMod val="65000"/>
+                    <a:lumOff val="35000"/>
+                  </a:schemeClr>
+                </a:solidFill>
+                <a:effectLst/>
+              </a:rPr>
+              <a:t> is exported with '</a:t>
+            </a:r>
+            <a:r>
+              <a:rPr lang="en-US" dirty="0" err="1">
+                <a:solidFill>
+                  <a:schemeClr val="tx1">
+                    <a:lumMod val="65000"/>
+                    <a:lumOff val="35000"/>
+                  </a:schemeClr>
+                </a:solidFill>
+                <a:effectLst/>
+              </a:rPr>
+              <a:t>courselist</a:t>
+            </a:r>
+            <a:r>
+              <a:rPr lang="en-US" dirty="0">
+                <a:solidFill>
+                  <a:schemeClr val="tx1">
+                    <a:lumMod val="65000"/>
+                    <a:lumOff val="35000"/>
+                  </a:schemeClr>
+                </a:solidFill>
+                <a:effectLst/>
+              </a:rPr>
+              <a:t>' name</a:t>
+            </a:r>
+          </a:p>
+          <a:p>
+            <a:r>
+              <a:rPr lang="en-US" dirty="0">
+                <a:solidFill>
+                  <a:schemeClr val="tx1">
+                    <a:lumMod val="65000"/>
+                    <a:lumOff val="35000"/>
+                  </a:schemeClr>
+                </a:solidFill>
+                <a:effectLst/>
+              </a:rPr>
+              <a:t>Line 19: </a:t>
+            </a:r>
+            <a:r>
+              <a:rPr lang="en-US" dirty="0" err="1">
+                <a:solidFill>
+                  <a:schemeClr val="tx1">
+                    <a:lumMod val="65000"/>
+                    <a:lumOff val="35000"/>
+                  </a:schemeClr>
+                </a:solidFill>
+                <a:effectLst/>
+              </a:rPr>
+              <a:t>changeCourse</a:t>
+            </a:r>
+            <a:r>
+              <a:rPr lang="en-US" dirty="0">
+                <a:solidFill>
+                  <a:schemeClr val="tx1">
+                    <a:lumMod val="65000"/>
+                    <a:lumOff val="35000"/>
+                  </a:schemeClr>
+                </a:solidFill>
+                <a:effectLst/>
+              </a:rPr>
+              <a:t>() method will take course name as an input, fetches the course details, and assigns it to the course array</a:t>
+            </a:r>
+          </a:p>
+          <a:p>
+            <a:r>
+              <a:rPr lang="en-US" dirty="0">
+                <a:solidFill>
+                  <a:schemeClr val="tx1">
+                    <a:lumMod val="65000"/>
+                    <a:lumOff val="35000"/>
+                  </a:schemeClr>
+                </a:solidFill>
+                <a:effectLst/>
+              </a:rPr>
+              <a:t> </a:t>
+            </a:r>
+          </a:p>
+          <a:p>
+            <a:r>
+              <a:rPr lang="en-US" dirty="0">
+                <a:solidFill>
+                  <a:schemeClr val="tx1">
+                    <a:lumMod val="65000"/>
+                    <a:lumOff val="35000"/>
+                  </a:schemeClr>
+                </a:solidFill>
+                <a:effectLst/>
+              </a:rPr>
+              <a:t>Modify </a:t>
+            </a:r>
+            <a:r>
+              <a:rPr lang="en-US" b="1" dirty="0">
+                <a:solidFill>
+                  <a:schemeClr val="tx1">
+                    <a:lumMod val="65000"/>
+                    <a:lumOff val="35000"/>
+                  </a:schemeClr>
+                </a:solidFill>
+                <a:effectLst/>
+              </a:rPr>
+              <a:t>courses-list.component.html</a:t>
+            </a:r>
+            <a:r>
+              <a:rPr lang="en-US" dirty="0">
+                <a:solidFill>
+                  <a:schemeClr val="tx1">
+                    <a:lumMod val="65000"/>
+                    <a:lumOff val="35000"/>
+                  </a:schemeClr>
+                </a:solidFill>
+                <a:effectLst/>
+              </a:rPr>
+              <a:t> as shown below</a:t>
+            </a:r>
+          </a:p>
+        </p:txBody>
+      </p:sp>
+    </p:spTree>
+    <p:extLst>
+      <p:ext uri="{BB962C8B-B14F-4D97-AF65-F5344CB8AC3E}">
+        <p14:creationId xmlns:p14="http://schemas.microsoft.com/office/powerpoint/2010/main" val="3502946806"/>
+      </p:ext>
+    </p:extLst>
+  </p:cSld>
+  <p:clrMapOvr>
+    <a:masterClrMapping/>
+  </p:clrMapOvr>
+</p:sld>
+</file>
+
+<file path=ppt/slides/slide127.xml><?xml version="1.0" encoding="utf-8"?>
+<p:sld xmlns:a="http://schemas.openxmlformats.org/drawingml/2006/main" xmlns:r="http://schemas.openxmlformats.org/officeDocument/2006/relationships" xmlns:p="http://schemas.openxmlformats.org/presentationml/2006/main">
+  <p:cSld>
+    <p:spTree>
+      <p:nvGrpSpPr>
+        <p:cNvPr id="1" name=""/>
+        <p:cNvGrpSpPr/>
+        <p:nvPr/>
+      </p:nvGrpSpPr>
+      <p:grpSpPr>
+        <a:xfrm>
+          <a:off x="0" y="0"/>
+          <a:ext cx="0" cy="0"/>
+          <a:chOff x="0" y="0"/>
+          <a:chExt cx="0" cy="0"/>
+        </a:xfrm>
+      </p:grpSpPr>
+      <p:sp>
+        <p:nvSpPr>
+          <p:cNvPr id="2" name="Footer Placeholder 1">
+            <a:extLst>
+              <a:ext uri="{FF2B5EF4-FFF2-40B4-BE49-F238E27FC236}">
+                <a16:creationId xmlns:a16="http://schemas.microsoft.com/office/drawing/2014/main" id="{7765AA50-4FE5-4662-66E7-69F6EC483953}"/>
+              </a:ext>
+            </a:extLst>
+          </p:cNvPr>
+          <p:cNvSpPr>
+            <a:spLocks noGrp="1"/>
+          </p:cNvSpPr>
+          <p:nvPr>
+            <p:ph type="ftr" sz="quarter" idx="11"/>
+          </p:nvPr>
+        </p:nvSpPr>
+        <p:spPr/>
+        <p:txBody>
+          <a:bodyPr/>
+          <a:lstStyle/>
+          <a:p>
+            <a:r>
+              <a:rPr lang="en-IN"/>
+              <a:t>H&amp;D IT Solution</a:t>
+            </a:r>
+            <a:endParaRPr lang="en-IN" dirty="0"/>
+          </a:p>
+        </p:txBody>
+      </p:sp>
+      <p:sp>
+        <p:nvSpPr>
+          <p:cNvPr id="3" name="Slide Number Placeholder 2">
+            <a:extLst>
+              <a:ext uri="{FF2B5EF4-FFF2-40B4-BE49-F238E27FC236}">
+                <a16:creationId xmlns:a16="http://schemas.microsoft.com/office/drawing/2014/main" id="{43DFF673-EAAA-809E-DC65-9EFA7C2D9258}"/>
+              </a:ext>
+            </a:extLst>
+          </p:cNvPr>
+          <p:cNvSpPr>
+            <a:spLocks noGrp="1"/>
+          </p:cNvSpPr>
+          <p:nvPr>
+            <p:ph type="sldNum" sz="quarter" idx="12"/>
+          </p:nvPr>
+        </p:nvSpPr>
+        <p:spPr/>
+        <p:txBody>
+          <a:bodyPr/>
+          <a:lstStyle/>
+          <a:p>
+            <a:fld id="{4A777409-9C5A-4B07-8E32-19F22F7D558C}" type="slidenum">
+              <a:rPr lang="en-IN" smtClean="0"/>
+              <a:t>127</a:t>
+            </a:fld>
+            <a:endParaRPr lang="en-IN" dirty="0"/>
+          </a:p>
+        </p:txBody>
+      </p:sp>
+      <p:sp>
+        <p:nvSpPr>
+          <p:cNvPr id="5" name="TextBox 4">
+            <a:extLst>
+              <a:ext uri="{FF2B5EF4-FFF2-40B4-BE49-F238E27FC236}">
+                <a16:creationId xmlns:a16="http://schemas.microsoft.com/office/drawing/2014/main" id="{0307143A-6FEB-3AB5-AF5C-EE0C0985F062}"/>
+              </a:ext>
+            </a:extLst>
+          </p:cNvPr>
+          <p:cNvSpPr txBox="1"/>
+          <p:nvPr/>
+        </p:nvSpPr>
+        <p:spPr>
+          <a:xfrm>
+            <a:off x="1223302" y="665519"/>
+            <a:ext cx="9563493" cy="3970318"/>
+          </a:xfrm>
+          <a:prstGeom prst="rect">
+            <a:avLst/>
+          </a:prstGeom>
+          <a:noFill/>
+        </p:spPr>
+        <p:txBody>
+          <a:bodyPr wrap="square">
+            <a:spAutoFit/>
+          </a:bodyPr>
+          <a:lstStyle/>
+          <a:p>
+            <a:r>
+              <a:rPr lang="en-IN" dirty="0"/>
+              <a:t>&lt;table border="1" *</a:t>
+            </a:r>
+            <a:r>
+              <a:rPr lang="en-IN" dirty="0" err="1"/>
+              <a:t>ngIf</a:t>
+            </a:r>
+            <a:r>
+              <a:rPr lang="en-IN" dirty="0"/>
+              <a:t>="course"&gt;</a:t>
+            </a:r>
+          </a:p>
+          <a:p>
+            <a:r>
+              <a:rPr lang="en-IN" dirty="0"/>
+              <a:t>  &lt;</a:t>
+            </a:r>
+            <a:r>
+              <a:rPr lang="en-IN" dirty="0" err="1"/>
+              <a:t>thead</a:t>
+            </a:r>
+            <a:r>
+              <a:rPr lang="en-IN" dirty="0"/>
+              <a:t>&gt;</a:t>
+            </a:r>
+          </a:p>
+          <a:p>
+            <a:r>
+              <a:rPr lang="en-IN" dirty="0"/>
+              <a:t>    &lt;tr&gt;</a:t>
+            </a:r>
+          </a:p>
+          <a:p>
+            <a:r>
+              <a:rPr lang="en-IN" dirty="0"/>
+              <a:t>      &lt;</a:t>
+            </a:r>
+            <a:r>
+              <a:rPr lang="en-IN" dirty="0" err="1"/>
+              <a:t>th</a:t>
+            </a:r>
+            <a:r>
+              <a:rPr lang="en-IN" dirty="0"/>
+              <a:t>&gt;Course ID&lt;/</a:t>
+            </a:r>
+            <a:r>
+              <a:rPr lang="en-IN" dirty="0" err="1"/>
+              <a:t>th</a:t>
+            </a:r>
+            <a:r>
+              <a:rPr lang="en-IN" dirty="0"/>
+              <a:t>&gt;</a:t>
+            </a:r>
+          </a:p>
+          <a:p>
+            <a:r>
+              <a:rPr lang="en-IN" dirty="0"/>
+              <a:t>      &lt;</a:t>
+            </a:r>
+            <a:r>
+              <a:rPr lang="en-IN" dirty="0" err="1"/>
+              <a:t>th</a:t>
+            </a:r>
+            <a:r>
+              <a:rPr lang="en-IN" dirty="0"/>
+              <a:t>&gt;Course Name&lt;/</a:t>
+            </a:r>
+            <a:r>
+              <a:rPr lang="en-IN" dirty="0" err="1"/>
+              <a:t>th</a:t>
+            </a:r>
+            <a:r>
+              <a:rPr lang="en-IN" dirty="0"/>
+              <a:t>&gt;</a:t>
+            </a:r>
+          </a:p>
+          <a:p>
+            <a:r>
+              <a:rPr lang="en-IN" dirty="0"/>
+              <a:t>    &lt;/tr&gt;</a:t>
+            </a:r>
+          </a:p>
+          <a:p>
+            <a:r>
+              <a:rPr lang="en-IN" dirty="0"/>
+              <a:t>  &lt;/</a:t>
+            </a:r>
+            <a:r>
+              <a:rPr lang="en-IN" dirty="0" err="1"/>
+              <a:t>thead</a:t>
+            </a:r>
+            <a:r>
+              <a:rPr lang="en-IN" dirty="0"/>
+              <a:t>&gt;</a:t>
+            </a:r>
+          </a:p>
+          <a:p>
+            <a:r>
+              <a:rPr lang="en-IN" dirty="0"/>
+              <a:t>  &lt;</a:t>
+            </a:r>
+            <a:r>
+              <a:rPr lang="en-IN" dirty="0" err="1"/>
+              <a:t>tbody</a:t>
+            </a:r>
+            <a:r>
+              <a:rPr lang="en-IN" dirty="0"/>
+              <a:t>&gt;</a:t>
+            </a:r>
+          </a:p>
+          <a:p>
+            <a:r>
+              <a:rPr lang="en-IN" dirty="0"/>
+              <a:t>    &lt;tr *</a:t>
+            </a:r>
+            <a:r>
+              <a:rPr lang="en-IN" dirty="0" err="1"/>
+              <a:t>ngFor</a:t>
+            </a:r>
+            <a:r>
+              <a:rPr lang="en-IN" dirty="0"/>
+              <a:t>="let c of course"&gt;</a:t>
+            </a:r>
+          </a:p>
+          <a:p>
+            <a:r>
+              <a:rPr lang="en-IN" dirty="0"/>
+              <a:t>      &lt;td&gt;{{</a:t>
+            </a:r>
+            <a:r>
+              <a:rPr lang="en-IN" dirty="0" err="1"/>
+              <a:t>c.courseId</a:t>
+            </a:r>
+            <a:r>
+              <a:rPr lang="en-IN" dirty="0"/>
+              <a:t>}}&lt;/td&gt;</a:t>
+            </a:r>
+          </a:p>
+          <a:p>
+            <a:r>
+              <a:rPr lang="en-IN" dirty="0"/>
+              <a:t>      &lt;td&gt;{{</a:t>
+            </a:r>
+            <a:r>
+              <a:rPr lang="en-IN" dirty="0" err="1"/>
+              <a:t>c.courseName</a:t>
+            </a:r>
+            <a:r>
+              <a:rPr lang="en-IN" dirty="0"/>
+              <a:t>}}&lt;/td&gt;</a:t>
+            </a:r>
+          </a:p>
+          <a:p>
+            <a:r>
+              <a:rPr lang="en-IN" dirty="0"/>
+              <a:t>    &lt;/tr&gt;</a:t>
+            </a:r>
+          </a:p>
+          <a:p>
+            <a:r>
+              <a:rPr lang="en-IN" dirty="0"/>
+              <a:t>  &lt;/</a:t>
+            </a:r>
+            <a:r>
+              <a:rPr lang="en-IN" dirty="0" err="1"/>
+              <a:t>tbody</a:t>
+            </a:r>
+            <a:r>
+              <a:rPr lang="en-IN" dirty="0"/>
+              <a:t>&gt;</a:t>
+            </a:r>
+          </a:p>
+          <a:p>
+            <a:r>
+              <a:rPr lang="en-IN" dirty="0"/>
+              <a:t>&lt;/table&gt;</a:t>
+            </a:r>
+          </a:p>
+        </p:txBody>
+      </p:sp>
+      <p:sp>
+        <p:nvSpPr>
+          <p:cNvPr id="7" name="TextBox 6">
+            <a:extLst>
+              <a:ext uri="{FF2B5EF4-FFF2-40B4-BE49-F238E27FC236}">
+                <a16:creationId xmlns:a16="http://schemas.microsoft.com/office/drawing/2014/main" id="{5A357423-4F83-93DC-C415-59B912519322}"/>
+              </a:ext>
+            </a:extLst>
+          </p:cNvPr>
+          <p:cNvSpPr txBox="1"/>
+          <p:nvPr/>
+        </p:nvSpPr>
+        <p:spPr>
+          <a:xfrm>
+            <a:off x="372359" y="4807918"/>
+            <a:ext cx="9563492" cy="1015663"/>
+          </a:xfrm>
+          <a:prstGeom prst="rect">
+            <a:avLst/>
+          </a:prstGeom>
+          <a:noFill/>
+        </p:spPr>
+        <p:txBody>
+          <a:bodyPr wrap="square">
+            <a:spAutoFit/>
+          </a:bodyPr>
+          <a:lstStyle/>
+          <a:p>
+            <a:r>
+              <a:rPr lang="en-US" sz="2000" dirty="0">
+                <a:solidFill>
+                  <a:schemeClr val="tx1">
+                    <a:lumMod val="65000"/>
+                    <a:lumOff val="35000"/>
+                  </a:schemeClr>
+                </a:solidFill>
+                <a:effectLst/>
+              </a:rPr>
+              <a:t>Line 9: course array is rendered on the page in a table</a:t>
+            </a:r>
+          </a:p>
+          <a:p>
+            <a:r>
+              <a:rPr lang="en-US" sz="2000" dirty="0">
+                <a:solidFill>
+                  <a:schemeClr val="tx1">
+                    <a:lumMod val="65000"/>
+                    <a:lumOff val="35000"/>
+                  </a:schemeClr>
+                </a:solidFill>
+                <a:effectLst/>
+              </a:rPr>
+              <a:t> </a:t>
+            </a:r>
+          </a:p>
+          <a:p>
+            <a:r>
+              <a:rPr lang="en-US" sz="2000" dirty="0">
+                <a:solidFill>
+                  <a:schemeClr val="tx1">
+                    <a:lumMod val="65000"/>
+                    <a:lumOff val="35000"/>
+                  </a:schemeClr>
+                </a:solidFill>
+                <a:effectLst/>
+              </a:rPr>
+              <a:t>Modify </a:t>
+            </a:r>
+            <a:r>
+              <a:rPr lang="en-US" sz="2000" b="1" dirty="0">
+                <a:solidFill>
+                  <a:schemeClr val="tx1">
+                    <a:lumMod val="65000"/>
+                    <a:lumOff val="35000"/>
+                  </a:schemeClr>
+                </a:solidFill>
+                <a:effectLst/>
+              </a:rPr>
+              <a:t>app.component.html</a:t>
+            </a:r>
+            <a:r>
+              <a:rPr lang="en-US" sz="2000" dirty="0">
+                <a:solidFill>
+                  <a:schemeClr val="tx1">
+                    <a:lumMod val="65000"/>
+                    <a:lumOff val="35000"/>
+                  </a:schemeClr>
+                </a:solidFill>
+                <a:effectLst/>
+              </a:rPr>
+              <a:t> as shown below</a:t>
+            </a:r>
+          </a:p>
+        </p:txBody>
+      </p:sp>
+    </p:spTree>
+    <p:extLst>
+      <p:ext uri="{BB962C8B-B14F-4D97-AF65-F5344CB8AC3E}">
+        <p14:creationId xmlns:p14="http://schemas.microsoft.com/office/powerpoint/2010/main" val="973558192"/>
+      </p:ext>
+    </p:extLst>
+  </p:cSld>
+  <p:clrMapOvr>
+    <a:masterClrMapping/>
+  </p:clrMapOvr>
+</p:sld>
+</file>
+
+<file path=ppt/slides/slide128.xml><?xml version="1.0" encoding="utf-8"?>
+<p:sld xmlns:a="http://schemas.openxmlformats.org/drawingml/2006/main" xmlns:r="http://schemas.openxmlformats.org/officeDocument/2006/relationships" xmlns:p="http://schemas.openxmlformats.org/presentationml/2006/main">
+  <p:cSld>
+    <p:spTree>
+      <p:nvGrpSpPr>
+        <p:cNvPr id="1" name=""/>
+        <p:cNvGrpSpPr/>
+        <p:nvPr/>
+      </p:nvGrpSpPr>
+      <p:grpSpPr>
+        <a:xfrm>
+          <a:off x="0" y="0"/>
+          <a:ext cx="0" cy="0"/>
+          <a:chOff x="0" y="0"/>
+          <a:chExt cx="0" cy="0"/>
+        </a:xfrm>
+      </p:grpSpPr>
+      <p:sp>
+        <p:nvSpPr>
+          <p:cNvPr id="2" name="Footer Placeholder 1">
+            <a:extLst>
+              <a:ext uri="{FF2B5EF4-FFF2-40B4-BE49-F238E27FC236}">
+                <a16:creationId xmlns:a16="http://schemas.microsoft.com/office/drawing/2014/main" id="{8746C48D-D4E7-45DC-309A-7E5A7D28DE34}"/>
+              </a:ext>
+            </a:extLst>
+          </p:cNvPr>
+          <p:cNvSpPr>
+            <a:spLocks noGrp="1"/>
+          </p:cNvSpPr>
+          <p:nvPr>
+            <p:ph type="ftr" sz="quarter" idx="11"/>
+          </p:nvPr>
+        </p:nvSpPr>
+        <p:spPr/>
+        <p:txBody>
+          <a:bodyPr/>
+          <a:lstStyle/>
+          <a:p>
+            <a:r>
+              <a:rPr lang="en-IN"/>
+              <a:t>H&amp;D IT Solution</a:t>
+            </a:r>
+            <a:endParaRPr lang="en-IN" dirty="0"/>
+          </a:p>
+        </p:txBody>
+      </p:sp>
+      <p:sp>
+        <p:nvSpPr>
+          <p:cNvPr id="3" name="Slide Number Placeholder 2">
+            <a:extLst>
+              <a:ext uri="{FF2B5EF4-FFF2-40B4-BE49-F238E27FC236}">
+                <a16:creationId xmlns:a16="http://schemas.microsoft.com/office/drawing/2014/main" id="{F1A70379-4303-C0EF-D5AC-47B53AE3BEA8}"/>
+              </a:ext>
+            </a:extLst>
+          </p:cNvPr>
+          <p:cNvSpPr>
+            <a:spLocks noGrp="1"/>
+          </p:cNvSpPr>
+          <p:nvPr>
+            <p:ph type="sldNum" sz="quarter" idx="12"/>
+          </p:nvPr>
+        </p:nvSpPr>
+        <p:spPr/>
+        <p:txBody>
+          <a:bodyPr/>
+          <a:lstStyle/>
+          <a:p>
+            <a:fld id="{4A777409-9C5A-4B07-8E32-19F22F7D558C}" type="slidenum">
+              <a:rPr lang="en-IN" smtClean="0"/>
+              <a:t>128</a:t>
+            </a:fld>
+            <a:endParaRPr lang="en-IN" dirty="0"/>
+          </a:p>
+        </p:txBody>
+      </p:sp>
+      <p:sp>
+        <p:nvSpPr>
+          <p:cNvPr id="5" name="TextBox 4">
+            <a:extLst>
+              <a:ext uri="{FF2B5EF4-FFF2-40B4-BE49-F238E27FC236}">
+                <a16:creationId xmlns:a16="http://schemas.microsoft.com/office/drawing/2014/main" id="{2604E7FF-54A7-2D1C-1A98-D3EDAC8745A4}"/>
+              </a:ext>
+            </a:extLst>
+          </p:cNvPr>
+          <p:cNvSpPr txBox="1"/>
+          <p:nvPr/>
+        </p:nvSpPr>
+        <p:spPr>
+          <a:xfrm>
+            <a:off x="989028" y="485383"/>
+            <a:ext cx="9210773" cy="3139321"/>
+          </a:xfrm>
+          <a:prstGeom prst="rect">
+            <a:avLst/>
+          </a:prstGeom>
+          <a:noFill/>
+        </p:spPr>
+        <p:txBody>
+          <a:bodyPr wrap="square">
+            <a:spAutoFit/>
+          </a:bodyPr>
+          <a:lstStyle/>
+          <a:p>
+            <a:r>
+              <a:rPr lang="en-IN" dirty="0"/>
+              <a:t>&lt;h2&gt; Popular Courses &lt;/h2&gt;</a:t>
+            </a:r>
+          </a:p>
+          <a:p>
+            <a:r>
+              <a:rPr lang="en-IN" dirty="0"/>
+              <a:t>Select a course to view</a:t>
+            </a:r>
+          </a:p>
+          <a:p>
+            <a:r>
+              <a:rPr lang="en-IN" dirty="0"/>
+              <a:t>&lt;select #course (change)="</a:t>
+            </a:r>
+            <a:r>
+              <a:rPr lang="en-IN" dirty="0" err="1"/>
+              <a:t>cl.changeCourse</a:t>
+            </a:r>
+            <a:r>
+              <a:rPr lang="en-IN" dirty="0"/>
+              <a:t>(</a:t>
+            </a:r>
+            <a:r>
+              <a:rPr lang="en-IN" dirty="0" err="1"/>
+              <a:t>course.value</a:t>
+            </a:r>
+            <a:r>
+              <a:rPr lang="en-IN" dirty="0"/>
+              <a:t>)"&gt;</a:t>
+            </a:r>
+          </a:p>
+          <a:p>
+            <a:r>
+              <a:rPr lang="en-IN" dirty="0"/>
+              <a:t>    &lt;option value="Node JS"&gt;Node JS&lt;/option&gt;</a:t>
+            </a:r>
+          </a:p>
+          <a:p>
+            <a:r>
+              <a:rPr lang="en-IN" dirty="0"/>
+              <a:t>    &lt;option value="Typescript"&gt;Typescript&lt;/option&gt;</a:t>
+            </a:r>
+          </a:p>
+          <a:p>
+            <a:r>
+              <a:rPr lang="en-IN" dirty="0"/>
+              <a:t>    &lt;option value="Angular"&gt;Angular&lt;/option&gt;</a:t>
+            </a:r>
+          </a:p>
+          <a:p>
+            <a:r>
+              <a:rPr lang="en-IN" dirty="0"/>
+              <a:t>    &lt;option value="React JS"&gt;React JS&lt;/option&gt;</a:t>
+            </a:r>
+          </a:p>
+          <a:p>
+            <a:r>
+              <a:rPr lang="en-IN" dirty="0"/>
+              <a:t>&lt;/select&gt;</a:t>
+            </a:r>
+          </a:p>
+          <a:p>
+            <a:r>
+              <a:rPr lang="en-IN" dirty="0"/>
+              <a:t>&lt;</a:t>
+            </a:r>
+            <a:r>
+              <a:rPr lang="en-IN" dirty="0" err="1"/>
+              <a:t>br</a:t>
+            </a:r>
+            <a:r>
+              <a:rPr lang="en-IN" dirty="0"/>
+              <a:t>/&gt;</a:t>
+            </a:r>
+          </a:p>
+          <a:p>
+            <a:r>
+              <a:rPr lang="en-IN" dirty="0"/>
+              <a:t>&lt;</a:t>
+            </a:r>
+            <a:r>
+              <a:rPr lang="en-IN" dirty="0" err="1"/>
+              <a:t>br</a:t>
+            </a:r>
+            <a:r>
+              <a:rPr lang="en-IN" dirty="0"/>
+              <a:t>/&gt;</a:t>
+            </a:r>
+          </a:p>
+          <a:p>
+            <a:r>
+              <a:rPr lang="en-IN" dirty="0"/>
+              <a:t>&lt;app-courses-list #cl="courselist"&gt;&lt;/app-courses-list&gt;</a:t>
+            </a:r>
+          </a:p>
+        </p:txBody>
+      </p:sp>
+      <p:sp>
+        <p:nvSpPr>
+          <p:cNvPr id="7" name="TextBox 6">
+            <a:extLst>
+              <a:ext uri="{FF2B5EF4-FFF2-40B4-BE49-F238E27FC236}">
+                <a16:creationId xmlns:a16="http://schemas.microsoft.com/office/drawing/2014/main" id="{7CAE0F88-878C-FB0B-2986-E51A52F4BDD0}"/>
+              </a:ext>
+            </a:extLst>
+          </p:cNvPr>
+          <p:cNvSpPr txBox="1"/>
+          <p:nvPr/>
+        </p:nvSpPr>
+        <p:spPr>
+          <a:xfrm>
+            <a:off x="120191" y="4058336"/>
+            <a:ext cx="11951617" cy="2246769"/>
+          </a:xfrm>
+          <a:prstGeom prst="rect">
+            <a:avLst/>
+          </a:prstGeom>
+          <a:noFill/>
+        </p:spPr>
+        <p:txBody>
+          <a:bodyPr wrap="square">
+            <a:spAutoFit/>
+          </a:bodyPr>
+          <a:lstStyle/>
+          <a:p>
+            <a:r>
+              <a:rPr lang="en-US" sz="2000" dirty="0">
+                <a:solidFill>
+                  <a:schemeClr val="tx1">
+                    <a:lumMod val="65000"/>
+                    <a:lumOff val="35000"/>
+                  </a:schemeClr>
+                </a:solidFill>
+                <a:effectLst/>
+              </a:rPr>
+              <a:t>Line 4-9: A drop down will be displayed with course names. When a course is selected, it invokes </a:t>
+            </a:r>
+            <a:r>
+              <a:rPr lang="en-US" sz="2000" dirty="0" err="1">
+                <a:solidFill>
+                  <a:schemeClr val="tx1">
+                    <a:lumMod val="65000"/>
+                    <a:lumOff val="35000"/>
+                  </a:schemeClr>
+                </a:solidFill>
+                <a:effectLst/>
+              </a:rPr>
+              <a:t>changeCourse</a:t>
+            </a:r>
+            <a:r>
+              <a:rPr lang="en-US" sz="2000" dirty="0">
+                <a:solidFill>
+                  <a:schemeClr val="tx1">
+                    <a:lumMod val="65000"/>
+                    <a:lumOff val="35000"/>
+                  </a:schemeClr>
+                </a:solidFill>
+                <a:effectLst/>
+              </a:rPr>
+              <a:t>() method of child component using the template variable 'cl'.</a:t>
+            </a:r>
+          </a:p>
+          <a:p>
+            <a:r>
+              <a:rPr lang="en-US" sz="2000" dirty="0">
+                <a:solidFill>
+                  <a:schemeClr val="tx1">
+                    <a:lumMod val="65000"/>
+                    <a:lumOff val="35000"/>
+                  </a:schemeClr>
+                </a:solidFill>
+                <a:effectLst/>
+              </a:rPr>
+              <a:t>Line 13: It loads child component i.e., </a:t>
+            </a:r>
+            <a:r>
+              <a:rPr lang="en-US" sz="2000" dirty="0" err="1">
+                <a:solidFill>
+                  <a:schemeClr val="tx1">
+                    <a:lumMod val="65000"/>
+                    <a:lumOff val="35000"/>
+                  </a:schemeClr>
+                </a:solidFill>
+                <a:effectLst/>
+              </a:rPr>
+              <a:t>CoursesListComponent</a:t>
+            </a:r>
+            <a:r>
+              <a:rPr lang="en-US" sz="2000" dirty="0">
+                <a:solidFill>
+                  <a:schemeClr val="tx1">
+                    <a:lumMod val="65000"/>
+                    <a:lumOff val="35000"/>
+                  </a:schemeClr>
+                </a:solidFill>
+                <a:effectLst/>
+              </a:rPr>
+              <a:t> where the exported name </a:t>
+            </a:r>
+            <a:r>
+              <a:rPr lang="en-US" sz="2000" dirty="0" err="1">
+                <a:solidFill>
+                  <a:schemeClr val="tx1">
+                    <a:lumMod val="65000"/>
+                    <a:lumOff val="35000"/>
+                  </a:schemeClr>
+                </a:solidFill>
+                <a:effectLst/>
+              </a:rPr>
+              <a:t>courselist</a:t>
+            </a:r>
+            <a:r>
+              <a:rPr lang="en-US" sz="2000" dirty="0">
+                <a:solidFill>
+                  <a:schemeClr val="tx1">
+                    <a:lumMod val="65000"/>
+                    <a:lumOff val="35000"/>
+                  </a:schemeClr>
+                </a:solidFill>
+                <a:effectLst/>
+              </a:rPr>
+              <a:t> is bound to template variable called cl. Now using cl, the properties and methods of child component i.e., </a:t>
+            </a:r>
+            <a:r>
+              <a:rPr lang="en-US" sz="2000" dirty="0" err="1">
+                <a:solidFill>
+                  <a:schemeClr val="tx1">
+                    <a:lumMod val="65000"/>
+                    <a:lumOff val="35000"/>
+                  </a:schemeClr>
+                </a:solidFill>
+                <a:effectLst/>
+              </a:rPr>
+              <a:t>CoursesListComponent</a:t>
+            </a:r>
+            <a:r>
+              <a:rPr lang="en-US" sz="2000" dirty="0">
+                <a:solidFill>
+                  <a:schemeClr val="tx1">
+                    <a:lumMod val="65000"/>
+                    <a:lumOff val="35000"/>
+                  </a:schemeClr>
+                </a:solidFill>
+                <a:effectLst/>
+              </a:rPr>
+              <a:t> can be accessed in the parent component template.</a:t>
+            </a:r>
+          </a:p>
+          <a:p>
+            <a:r>
+              <a:rPr lang="en-US" sz="2000" dirty="0">
+                <a:solidFill>
+                  <a:schemeClr val="tx1">
+                    <a:lumMod val="65000"/>
+                    <a:lumOff val="35000"/>
+                  </a:schemeClr>
+                </a:solidFill>
+                <a:effectLst/>
+              </a:rPr>
+              <a:t> </a:t>
+            </a:r>
+          </a:p>
+          <a:p>
+            <a:r>
+              <a:rPr lang="en-US" sz="2000" b="1" dirty="0">
+                <a:solidFill>
+                  <a:schemeClr val="tx1">
+                    <a:lumMod val="65000"/>
+                    <a:lumOff val="35000"/>
+                  </a:schemeClr>
+                </a:solidFill>
+                <a:effectLst/>
+              </a:rPr>
+              <a:t>Output:</a:t>
+            </a:r>
+            <a:endParaRPr lang="en-US" sz="2000" dirty="0">
+              <a:solidFill>
+                <a:schemeClr val="tx1">
+                  <a:lumMod val="65000"/>
+                  <a:lumOff val="35000"/>
+                </a:schemeClr>
+              </a:solidFill>
+              <a:effectLst/>
+            </a:endParaRPr>
+          </a:p>
+        </p:txBody>
+      </p:sp>
+    </p:spTree>
+    <p:extLst>
+      <p:ext uri="{BB962C8B-B14F-4D97-AF65-F5344CB8AC3E}">
+        <p14:creationId xmlns:p14="http://schemas.microsoft.com/office/powerpoint/2010/main" val="2641184669"/>
+      </p:ext>
+    </p:extLst>
+  </p:cSld>
+  <p:clrMapOvr>
+    <a:masterClrMapping/>
+  </p:clrMapOvr>
+</p:sld>
+</file>
+
+<file path=ppt/slides/slide129.xml><?xml version="1.0" encoding="utf-8"?>
+<p:sld xmlns:a="http://schemas.openxmlformats.org/drawingml/2006/main" xmlns:r="http://schemas.openxmlformats.org/officeDocument/2006/relationships" xmlns:p="http://schemas.openxmlformats.org/presentationml/2006/main">
+  <p:cSld>
+    <p:spTree>
+      <p:nvGrpSpPr>
+        <p:cNvPr id="1" name=""/>
+        <p:cNvGrpSpPr/>
+        <p:nvPr/>
+      </p:nvGrpSpPr>
+      <p:grpSpPr>
+        <a:xfrm>
+          <a:off x="0" y="0"/>
+          <a:ext cx="0" cy="0"/>
+          <a:chOff x="0" y="0"/>
+          <a:chExt cx="0" cy="0"/>
+        </a:xfrm>
+      </p:grpSpPr>
+      <p:sp>
+        <p:nvSpPr>
+          <p:cNvPr id="2" name="Footer Placeholder 1">
+            <a:extLst>
+              <a:ext uri="{FF2B5EF4-FFF2-40B4-BE49-F238E27FC236}">
+                <a16:creationId xmlns:a16="http://schemas.microsoft.com/office/drawing/2014/main" id="{918DFE2E-D27B-C1D4-BD5B-A9B89F1C9695}"/>
+              </a:ext>
+            </a:extLst>
+          </p:cNvPr>
+          <p:cNvSpPr>
+            <a:spLocks noGrp="1"/>
+          </p:cNvSpPr>
+          <p:nvPr>
+            <p:ph type="ftr" sz="quarter" idx="11"/>
+          </p:nvPr>
+        </p:nvSpPr>
+        <p:spPr/>
+        <p:txBody>
+          <a:bodyPr/>
+          <a:lstStyle/>
+          <a:p>
+            <a:r>
+              <a:rPr lang="en-IN"/>
+              <a:t>H&amp;D IT Solution</a:t>
+            </a:r>
+            <a:endParaRPr lang="en-IN" dirty="0"/>
+          </a:p>
+        </p:txBody>
+      </p:sp>
+      <p:sp>
+        <p:nvSpPr>
+          <p:cNvPr id="3" name="Slide Number Placeholder 2">
+            <a:extLst>
+              <a:ext uri="{FF2B5EF4-FFF2-40B4-BE49-F238E27FC236}">
+                <a16:creationId xmlns:a16="http://schemas.microsoft.com/office/drawing/2014/main" id="{D797589E-5A94-B130-D2EF-B265B4DD6C9F}"/>
+              </a:ext>
+            </a:extLst>
+          </p:cNvPr>
+          <p:cNvSpPr>
+            <a:spLocks noGrp="1"/>
+          </p:cNvSpPr>
+          <p:nvPr>
+            <p:ph type="sldNum" sz="quarter" idx="12"/>
+          </p:nvPr>
+        </p:nvSpPr>
+        <p:spPr/>
+        <p:txBody>
+          <a:bodyPr/>
+          <a:lstStyle/>
+          <a:p>
+            <a:fld id="{4A777409-9C5A-4B07-8E32-19F22F7D558C}" type="slidenum">
+              <a:rPr lang="en-IN" smtClean="0"/>
+              <a:t>129</a:t>
+            </a:fld>
+            <a:endParaRPr lang="en-IN" dirty="0"/>
+          </a:p>
+        </p:txBody>
+      </p:sp>
+      <p:pic>
+        <p:nvPicPr>
+          <p:cNvPr id="5" name="Picture 4">
+            <a:extLst>
+              <a:ext uri="{FF2B5EF4-FFF2-40B4-BE49-F238E27FC236}">
+                <a16:creationId xmlns:a16="http://schemas.microsoft.com/office/drawing/2014/main" id="{D4D4B44E-111A-CBB9-61EB-6242BEA64BE2}"/>
+              </a:ext>
+            </a:extLst>
+          </p:cNvPr>
+          <p:cNvPicPr>
+            <a:picLocks noChangeAspect="1"/>
+          </p:cNvPicPr>
+          <p:nvPr/>
+        </p:nvPicPr>
+        <p:blipFill>
+          <a:blip r:embed="rId2">
+            <a:extLst>
+              <a:ext uri="{28A0092B-C50C-407E-A947-70E740481C1C}">
+                <a14:useLocalDpi xmlns:a14="http://schemas.microsoft.com/office/drawing/2010/main" val="0"/>
+              </a:ext>
+            </a:extLst>
+          </a:blip>
+          <a:stretch>
+            <a:fillRect/>
+          </a:stretch>
+        </p:blipFill>
+        <p:spPr>
+          <a:xfrm>
+            <a:off x="4660012" y="813780"/>
+            <a:ext cx="2400635" cy="1667108"/>
+          </a:xfrm>
+          <a:prstGeom prst="rect">
+            <a:avLst/>
+          </a:prstGeom>
+        </p:spPr>
+      </p:pic>
+      <p:sp>
+        <p:nvSpPr>
+          <p:cNvPr id="7" name="TextBox 6">
+            <a:extLst>
+              <a:ext uri="{FF2B5EF4-FFF2-40B4-BE49-F238E27FC236}">
+                <a16:creationId xmlns:a16="http://schemas.microsoft.com/office/drawing/2014/main" id="{207BF091-865E-B664-203F-D43A1DAEDCBA}"/>
+              </a:ext>
+            </a:extLst>
+          </p:cNvPr>
+          <p:cNvSpPr txBox="1"/>
+          <p:nvPr/>
+        </p:nvSpPr>
+        <p:spPr>
+          <a:xfrm>
+            <a:off x="372358" y="2910228"/>
+            <a:ext cx="11260318" cy="400110"/>
+          </a:xfrm>
+          <a:prstGeom prst="rect">
+            <a:avLst/>
+          </a:prstGeom>
+          <a:noFill/>
+        </p:spPr>
+        <p:txBody>
+          <a:bodyPr wrap="square">
+            <a:spAutoFit/>
+          </a:bodyPr>
+          <a:lstStyle/>
+          <a:p>
+            <a:r>
+              <a:rPr lang="en-US" sz="2000" dirty="0">
+                <a:solidFill>
+                  <a:schemeClr val="tx1">
+                    <a:lumMod val="65000"/>
+                    <a:lumOff val="35000"/>
+                  </a:schemeClr>
+                </a:solidFill>
+              </a:rPr>
+              <a:t>When a user selects an Angular course from the drop-down, it renders the below output</a:t>
+            </a:r>
+            <a:endParaRPr lang="en-IN" sz="2000" dirty="0">
+              <a:solidFill>
+                <a:schemeClr val="tx1">
+                  <a:lumMod val="65000"/>
+                  <a:lumOff val="35000"/>
+                </a:schemeClr>
+              </a:solidFill>
+            </a:endParaRPr>
+          </a:p>
+        </p:txBody>
+      </p:sp>
+      <p:pic>
+        <p:nvPicPr>
+          <p:cNvPr id="9" name="Picture 8">
+            <a:extLst>
+              <a:ext uri="{FF2B5EF4-FFF2-40B4-BE49-F238E27FC236}">
+                <a16:creationId xmlns:a16="http://schemas.microsoft.com/office/drawing/2014/main" id="{A2E35326-7E50-97F3-458A-8C7DABE339F9}"/>
+              </a:ext>
+            </a:extLst>
+          </p:cNvPr>
+          <p:cNvPicPr>
+            <a:picLocks noChangeAspect="1"/>
+          </p:cNvPicPr>
+          <p:nvPr/>
+        </p:nvPicPr>
+        <p:blipFill>
+          <a:blip r:embed="rId3">
+            <a:extLst>
+              <a:ext uri="{28A0092B-C50C-407E-A947-70E740481C1C}">
+                <a14:useLocalDpi xmlns:a14="http://schemas.microsoft.com/office/drawing/2010/main" val="0"/>
+              </a:ext>
+            </a:extLst>
+          </a:blip>
+          <a:stretch>
+            <a:fillRect/>
+          </a:stretch>
+        </p:blipFill>
+        <p:spPr>
+          <a:xfrm>
+            <a:off x="4736223" y="3692367"/>
+            <a:ext cx="2324424" cy="1286054"/>
+          </a:xfrm>
+          <a:prstGeom prst="rect">
+            <a:avLst/>
+          </a:prstGeom>
+        </p:spPr>
+      </p:pic>
+    </p:spTree>
+    <p:extLst>
+      <p:ext uri="{BB962C8B-B14F-4D97-AF65-F5344CB8AC3E}">
+        <p14:creationId xmlns:p14="http://schemas.microsoft.com/office/powerpoint/2010/main" val="2188160497"/>
+      </p:ext>
+    </p:extLst>
+  </p:cSld>
+  <p:clrMapOvr>
+    <a:masterClrMapping/>
+  </p:clrMapOvr>
+</p:sld>
+</file>
+
 <file path=ppt/slides/slide13.xml><?xml version="1.0" encoding="utf-8"?>
 <p:sld xmlns:a="http://schemas.openxmlformats.org/drawingml/2006/main" xmlns:r="http://schemas.openxmlformats.org/officeDocument/2006/relationships" xmlns:p="http://schemas.openxmlformats.org/presentationml/2006/main">
   <p:cSld>
@@ -9901,6 +16958,1754 @@
     <p:extLst>
       <p:ext uri="{BB962C8B-B14F-4D97-AF65-F5344CB8AC3E}">
         <p14:creationId xmlns:p14="http://schemas.microsoft.com/office/powerpoint/2010/main" val="283187969"/>
+      </p:ext>
+    </p:extLst>
+  </p:cSld>
+  <p:clrMapOvr>
+    <a:masterClrMapping/>
+  </p:clrMapOvr>
+</p:sld>
+</file>
+
+<file path=ppt/slides/slide130.xml><?xml version="1.0" encoding="utf-8"?>
+<p:sld xmlns:a="http://schemas.openxmlformats.org/drawingml/2006/main" xmlns:r="http://schemas.openxmlformats.org/officeDocument/2006/relationships" xmlns:p="http://schemas.openxmlformats.org/presentationml/2006/main">
+  <p:cSld>
+    <p:spTree>
+      <p:nvGrpSpPr>
+        <p:cNvPr id="1" name=""/>
+        <p:cNvGrpSpPr/>
+        <p:nvPr/>
+      </p:nvGrpSpPr>
+      <p:grpSpPr>
+        <a:xfrm>
+          <a:off x="0" y="0"/>
+          <a:ext cx="0" cy="0"/>
+          <a:chOff x="0" y="0"/>
+          <a:chExt cx="0" cy="0"/>
+        </a:xfrm>
+      </p:grpSpPr>
+      <p:sp>
+        <p:nvSpPr>
+          <p:cNvPr id="2" name="Footer Placeholder 1">
+            <a:extLst>
+              <a:ext uri="{FF2B5EF4-FFF2-40B4-BE49-F238E27FC236}">
+                <a16:creationId xmlns:a16="http://schemas.microsoft.com/office/drawing/2014/main" id="{6CD25D9C-757E-899D-8E27-253AD57FD471}"/>
+              </a:ext>
+            </a:extLst>
+          </p:cNvPr>
+          <p:cNvSpPr>
+            <a:spLocks noGrp="1"/>
+          </p:cNvSpPr>
+          <p:nvPr>
+            <p:ph type="ftr" sz="quarter" idx="11"/>
+          </p:nvPr>
+        </p:nvSpPr>
+        <p:spPr/>
+        <p:txBody>
+          <a:bodyPr/>
+          <a:lstStyle/>
+          <a:p>
+            <a:r>
+              <a:rPr lang="en-IN"/>
+              <a:t>H&amp;D IT Solution</a:t>
+            </a:r>
+            <a:endParaRPr lang="en-IN" dirty="0"/>
+          </a:p>
+        </p:txBody>
+      </p:sp>
+      <p:sp>
+        <p:nvSpPr>
+          <p:cNvPr id="3" name="Slide Number Placeholder 2">
+            <a:extLst>
+              <a:ext uri="{FF2B5EF4-FFF2-40B4-BE49-F238E27FC236}">
+                <a16:creationId xmlns:a16="http://schemas.microsoft.com/office/drawing/2014/main" id="{173CDAFB-0F23-18F0-0867-DF6C65B2100B}"/>
+              </a:ext>
+            </a:extLst>
+          </p:cNvPr>
+          <p:cNvSpPr>
+            <a:spLocks noGrp="1"/>
+          </p:cNvSpPr>
+          <p:nvPr>
+            <p:ph type="sldNum" sz="quarter" idx="12"/>
+          </p:nvPr>
+        </p:nvSpPr>
+        <p:spPr/>
+        <p:txBody>
+          <a:bodyPr/>
+          <a:lstStyle/>
+          <a:p>
+            <a:fld id="{4A777409-9C5A-4B07-8E32-19F22F7D558C}" type="slidenum">
+              <a:rPr lang="en-IN" smtClean="0"/>
+              <a:t>130</a:t>
+            </a:fld>
+            <a:endParaRPr lang="en-IN" dirty="0"/>
+          </a:p>
+        </p:txBody>
+      </p:sp>
+      <p:sp>
+        <p:nvSpPr>
+          <p:cNvPr id="5" name="TextBox 4">
+            <a:extLst>
+              <a:ext uri="{FF2B5EF4-FFF2-40B4-BE49-F238E27FC236}">
+                <a16:creationId xmlns:a16="http://schemas.microsoft.com/office/drawing/2014/main" id="{009FD840-D384-86A3-7D93-FF326B06C7A8}"/>
+              </a:ext>
+            </a:extLst>
+          </p:cNvPr>
+          <p:cNvSpPr txBox="1"/>
+          <p:nvPr/>
+        </p:nvSpPr>
+        <p:spPr>
+          <a:xfrm>
+            <a:off x="989028" y="588331"/>
+            <a:ext cx="9559565" cy="461665"/>
+          </a:xfrm>
+          <a:prstGeom prst="rect">
+            <a:avLst/>
+          </a:prstGeom>
+          <a:noFill/>
+        </p:spPr>
+        <p:txBody>
+          <a:bodyPr wrap="square">
+            <a:spAutoFit/>
+          </a:bodyPr>
+          <a:lstStyle/>
+          <a:p>
+            <a:r>
+              <a:rPr lang="en-US" sz="2400" b="1" dirty="0"/>
+              <a:t>Passing data from Container Component to Child Component</a:t>
+            </a:r>
+          </a:p>
+        </p:txBody>
+      </p:sp>
+      <p:sp>
+        <p:nvSpPr>
+          <p:cNvPr id="7" name="TextBox 6">
+            <a:extLst>
+              <a:ext uri="{FF2B5EF4-FFF2-40B4-BE49-F238E27FC236}">
+                <a16:creationId xmlns:a16="http://schemas.microsoft.com/office/drawing/2014/main" id="{BAEFD783-E4F8-AFA6-B5D1-C0D1A6662140}"/>
+              </a:ext>
+            </a:extLst>
+          </p:cNvPr>
+          <p:cNvSpPr txBox="1"/>
+          <p:nvPr/>
+        </p:nvSpPr>
+        <p:spPr>
+          <a:xfrm>
+            <a:off x="259237" y="1191356"/>
+            <a:ext cx="11712804" cy="4708981"/>
+          </a:xfrm>
+          <a:prstGeom prst="rect">
+            <a:avLst/>
+          </a:prstGeom>
+          <a:noFill/>
+        </p:spPr>
+        <p:txBody>
+          <a:bodyPr wrap="square">
+            <a:spAutoFit/>
+          </a:bodyPr>
+          <a:lstStyle/>
+          <a:p>
+            <a:pPr>
+              <a:buFont typeface="Arial" panose="020B0604020202020204" pitchFamily="34" charset="0"/>
+              <a:buChar char="•"/>
+            </a:pPr>
+            <a:r>
+              <a:rPr lang="en-US" sz="2000" dirty="0">
+                <a:solidFill>
+                  <a:schemeClr val="tx1">
+                    <a:lumMod val="65000"/>
+                    <a:lumOff val="35000"/>
+                  </a:schemeClr>
+                </a:solidFill>
+                <a:effectLst/>
+              </a:rPr>
+              <a:t>Component communication is needed if data needs to be shared between the components</a:t>
+            </a:r>
+          </a:p>
+          <a:p>
+            <a:pPr>
+              <a:buFont typeface="Arial" panose="020B0604020202020204" pitchFamily="34" charset="0"/>
+              <a:buChar char="•"/>
+            </a:pPr>
+            <a:endParaRPr lang="en-US" sz="2000" dirty="0">
+              <a:solidFill>
+                <a:schemeClr val="tx1">
+                  <a:lumMod val="65000"/>
+                  <a:lumOff val="35000"/>
+                </a:schemeClr>
+              </a:solidFill>
+              <a:effectLst/>
+            </a:endParaRPr>
+          </a:p>
+          <a:p>
+            <a:pPr>
+              <a:buFont typeface="Arial" panose="020B0604020202020204" pitchFamily="34" charset="0"/>
+              <a:buChar char="•"/>
+            </a:pPr>
+            <a:r>
+              <a:rPr lang="en-US" sz="2000" dirty="0">
+                <a:solidFill>
+                  <a:schemeClr val="tx1">
+                    <a:lumMod val="65000"/>
+                    <a:lumOff val="35000"/>
+                  </a:schemeClr>
+                </a:solidFill>
+                <a:effectLst/>
+              </a:rPr>
+              <a:t>In order to pass data from container/parent component to child component, @Input decorator can be used.</a:t>
+            </a:r>
+          </a:p>
+          <a:p>
+            <a:pPr>
+              <a:buFont typeface="Arial" panose="020B0604020202020204" pitchFamily="34" charset="0"/>
+              <a:buChar char="•"/>
+            </a:pPr>
+            <a:endParaRPr lang="en-US" sz="2000" dirty="0">
+              <a:solidFill>
+                <a:schemeClr val="tx1">
+                  <a:lumMod val="65000"/>
+                  <a:lumOff val="35000"/>
+                </a:schemeClr>
+              </a:solidFill>
+              <a:effectLst/>
+            </a:endParaRPr>
+          </a:p>
+          <a:p>
+            <a:pPr>
+              <a:buFont typeface="Arial" panose="020B0604020202020204" pitchFamily="34" charset="0"/>
+              <a:buChar char="•"/>
+            </a:pPr>
+            <a:r>
+              <a:rPr lang="en-US" sz="2000" dirty="0">
+                <a:solidFill>
+                  <a:schemeClr val="tx1">
+                    <a:lumMod val="65000"/>
+                    <a:lumOff val="35000"/>
+                  </a:schemeClr>
+                </a:solidFill>
+                <a:effectLst/>
+              </a:rPr>
+              <a:t>A child component can use @Input decorator on any property type like arrays, objects, etc. making it a data-bound input property.</a:t>
+            </a:r>
+          </a:p>
+          <a:p>
+            <a:pPr>
+              <a:buFont typeface="Arial" panose="020B0604020202020204" pitchFamily="34" charset="0"/>
+              <a:buChar char="•"/>
+            </a:pPr>
+            <a:endParaRPr lang="en-US" sz="2000" dirty="0">
+              <a:solidFill>
+                <a:schemeClr val="tx1">
+                  <a:lumMod val="65000"/>
+                  <a:lumOff val="35000"/>
+                </a:schemeClr>
+              </a:solidFill>
+              <a:effectLst/>
+            </a:endParaRPr>
+          </a:p>
+          <a:p>
+            <a:pPr>
+              <a:buFont typeface="Arial" panose="020B0604020202020204" pitchFamily="34" charset="0"/>
+              <a:buChar char="•"/>
+            </a:pPr>
+            <a:r>
+              <a:rPr lang="en-US" sz="2000" dirty="0">
+                <a:solidFill>
+                  <a:schemeClr val="tx1">
+                    <a:lumMod val="65000"/>
+                    <a:lumOff val="35000"/>
+                  </a:schemeClr>
+                </a:solidFill>
+                <a:effectLst/>
+              </a:rPr>
+              <a:t>The parent component can pass value to the data-bound input property when rendering the child within it.</a:t>
+            </a:r>
+          </a:p>
+          <a:p>
+            <a:r>
+              <a:rPr lang="en-US" sz="2000" dirty="0">
+                <a:solidFill>
+                  <a:schemeClr val="tx1">
+                    <a:lumMod val="65000"/>
+                    <a:lumOff val="35000"/>
+                  </a:schemeClr>
+                </a:solidFill>
+                <a:effectLst/>
+              </a:rPr>
+              <a:t> </a:t>
+            </a:r>
+          </a:p>
+          <a:p>
+            <a:r>
+              <a:rPr lang="en-US" sz="2000" b="1" dirty="0">
+                <a:solidFill>
+                  <a:schemeClr val="tx1">
+                    <a:lumMod val="65000"/>
+                    <a:lumOff val="35000"/>
+                  </a:schemeClr>
+                </a:solidFill>
+                <a:effectLst/>
+              </a:rPr>
+              <a:t>Example</a:t>
+            </a:r>
+            <a:r>
+              <a:rPr lang="en-US" sz="2000" dirty="0">
+                <a:solidFill>
+                  <a:schemeClr val="tx1">
+                    <a:lumMod val="65000"/>
+                    <a:lumOff val="35000"/>
+                  </a:schemeClr>
+                </a:solidFill>
+                <a:effectLst/>
+              </a:rPr>
+              <a:t>:</a:t>
+            </a:r>
+          </a:p>
+          <a:p>
+            <a:r>
+              <a:rPr lang="en-US" sz="2000" b="1" dirty="0">
+                <a:solidFill>
+                  <a:schemeClr val="tx1">
+                    <a:lumMod val="65000"/>
+                    <a:lumOff val="35000"/>
+                  </a:schemeClr>
+                </a:solidFill>
+                <a:effectLst/>
+              </a:rPr>
+              <a:t>Problem Statement: </a:t>
+            </a:r>
+            <a:r>
+              <a:rPr lang="en-US" sz="2000" dirty="0">
+                <a:solidFill>
+                  <a:schemeClr val="tx1">
+                    <a:lumMod val="65000"/>
+                    <a:lumOff val="35000"/>
+                  </a:schemeClr>
+                </a:solidFill>
+                <a:effectLst/>
+              </a:rPr>
+              <a:t>Create an </a:t>
+            </a:r>
+            <a:r>
+              <a:rPr lang="en-US" sz="2000" dirty="0" err="1">
+                <a:solidFill>
+                  <a:schemeClr val="tx1">
+                    <a:lumMod val="65000"/>
+                    <a:lumOff val="35000"/>
+                  </a:schemeClr>
+                </a:solidFill>
+                <a:effectLst/>
+              </a:rPr>
+              <a:t>AppComponent</a:t>
+            </a:r>
+            <a:r>
+              <a:rPr lang="en-US" sz="2000" dirty="0">
+                <a:solidFill>
+                  <a:schemeClr val="tx1">
+                    <a:lumMod val="65000"/>
+                    <a:lumOff val="35000"/>
+                  </a:schemeClr>
+                </a:solidFill>
+                <a:effectLst/>
+              </a:rPr>
+              <a:t> that displays a dropdown with a list of courses as values in it. Create another component called </a:t>
+            </a:r>
+            <a:r>
+              <a:rPr lang="en-US" sz="2000" dirty="0" err="1">
+                <a:solidFill>
+                  <a:schemeClr val="tx1">
+                    <a:lumMod val="65000"/>
+                    <a:lumOff val="35000"/>
+                  </a:schemeClr>
+                </a:solidFill>
+                <a:effectLst/>
+              </a:rPr>
+              <a:t>CoursesList</a:t>
+            </a:r>
+            <a:r>
+              <a:rPr lang="en-US" sz="2000" dirty="0">
+                <a:solidFill>
+                  <a:schemeClr val="tx1">
+                    <a:lumMod val="65000"/>
+                    <a:lumOff val="35000"/>
+                  </a:schemeClr>
+                </a:solidFill>
+                <a:effectLst/>
+              </a:rPr>
+              <a:t> component and load it in </a:t>
+            </a:r>
+            <a:r>
+              <a:rPr lang="en-US" sz="2000" dirty="0" err="1">
+                <a:solidFill>
+                  <a:schemeClr val="tx1">
+                    <a:lumMod val="65000"/>
+                    <a:lumOff val="35000"/>
+                  </a:schemeClr>
+                </a:solidFill>
+                <a:effectLst/>
+              </a:rPr>
+              <a:t>AppComponent</a:t>
+            </a:r>
+            <a:r>
+              <a:rPr lang="en-US" sz="2000" dirty="0">
+                <a:solidFill>
+                  <a:schemeClr val="tx1">
+                    <a:lumMod val="65000"/>
+                    <a:lumOff val="35000"/>
+                  </a:schemeClr>
+                </a:solidFill>
+                <a:effectLst/>
+              </a:rPr>
+              <a:t> which should display the course details. When a user selects a course from the dropdown,  corresponding course details should be loaded</a:t>
+            </a:r>
+          </a:p>
+          <a:p>
+            <a:r>
+              <a:rPr lang="en-US" sz="2000" dirty="0">
+                <a:solidFill>
+                  <a:schemeClr val="tx1">
+                    <a:lumMod val="65000"/>
+                    <a:lumOff val="35000"/>
+                  </a:schemeClr>
+                </a:solidFill>
+                <a:effectLst/>
+              </a:rPr>
+              <a:t> </a:t>
+            </a:r>
+          </a:p>
+        </p:txBody>
+      </p:sp>
+    </p:spTree>
+    <p:extLst>
+      <p:ext uri="{BB962C8B-B14F-4D97-AF65-F5344CB8AC3E}">
+        <p14:creationId xmlns:p14="http://schemas.microsoft.com/office/powerpoint/2010/main" val="1577514115"/>
+      </p:ext>
+    </p:extLst>
+  </p:cSld>
+  <p:clrMapOvr>
+    <a:masterClrMapping/>
+  </p:clrMapOvr>
+</p:sld>
+</file>
+
+<file path=ppt/slides/slide131.xml><?xml version="1.0" encoding="utf-8"?>
+<p:sld xmlns:a="http://schemas.openxmlformats.org/drawingml/2006/main" xmlns:r="http://schemas.openxmlformats.org/officeDocument/2006/relationships" xmlns:p="http://schemas.openxmlformats.org/presentationml/2006/main">
+  <p:cSld>
+    <p:spTree>
+      <p:nvGrpSpPr>
+        <p:cNvPr id="1" name=""/>
+        <p:cNvGrpSpPr/>
+        <p:nvPr/>
+      </p:nvGrpSpPr>
+      <p:grpSpPr>
+        <a:xfrm>
+          <a:off x="0" y="0"/>
+          <a:ext cx="0" cy="0"/>
+          <a:chOff x="0" y="0"/>
+          <a:chExt cx="0" cy="0"/>
+        </a:xfrm>
+      </p:grpSpPr>
+      <p:sp>
+        <p:nvSpPr>
+          <p:cNvPr id="2" name="Footer Placeholder 1">
+            <a:extLst>
+              <a:ext uri="{FF2B5EF4-FFF2-40B4-BE49-F238E27FC236}">
+                <a16:creationId xmlns:a16="http://schemas.microsoft.com/office/drawing/2014/main" id="{CFF7669E-CAF3-0B70-4813-FADD67335048}"/>
+              </a:ext>
+            </a:extLst>
+          </p:cNvPr>
+          <p:cNvSpPr>
+            <a:spLocks noGrp="1"/>
+          </p:cNvSpPr>
+          <p:nvPr>
+            <p:ph type="ftr" sz="quarter" idx="11"/>
+          </p:nvPr>
+        </p:nvSpPr>
+        <p:spPr/>
+        <p:txBody>
+          <a:bodyPr/>
+          <a:lstStyle/>
+          <a:p>
+            <a:r>
+              <a:rPr lang="en-IN"/>
+              <a:t>H&amp;D IT Solution</a:t>
+            </a:r>
+            <a:endParaRPr lang="en-IN" dirty="0"/>
+          </a:p>
+        </p:txBody>
+      </p:sp>
+      <p:sp>
+        <p:nvSpPr>
+          <p:cNvPr id="3" name="Slide Number Placeholder 2">
+            <a:extLst>
+              <a:ext uri="{FF2B5EF4-FFF2-40B4-BE49-F238E27FC236}">
+                <a16:creationId xmlns:a16="http://schemas.microsoft.com/office/drawing/2014/main" id="{0138B807-7987-DEDD-65A2-43E404F67DE4}"/>
+              </a:ext>
+            </a:extLst>
+          </p:cNvPr>
+          <p:cNvSpPr>
+            <a:spLocks noGrp="1"/>
+          </p:cNvSpPr>
+          <p:nvPr>
+            <p:ph type="sldNum" sz="quarter" idx="12"/>
+          </p:nvPr>
+        </p:nvSpPr>
+        <p:spPr/>
+        <p:txBody>
+          <a:bodyPr/>
+          <a:lstStyle/>
+          <a:p>
+            <a:fld id="{4A777409-9C5A-4B07-8E32-19F22F7D558C}" type="slidenum">
+              <a:rPr lang="en-IN" smtClean="0"/>
+              <a:t>131</a:t>
+            </a:fld>
+            <a:endParaRPr lang="en-IN" dirty="0"/>
+          </a:p>
+        </p:txBody>
+      </p:sp>
+      <p:pic>
+        <p:nvPicPr>
+          <p:cNvPr id="5" name="Picture 4">
+            <a:extLst>
+              <a:ext uri="{FF2B5EF4-FFF2-40B4-BE49-F238E27FC236}">
+                <a16:creationId xmlns:a16="http://schemas.microsoft.com/office/drawing/2014/main" id="{42DB543E-7174-140A-07DD-4F1207D0884B}"/>
+              </a:ext>
+            </a:extLst>
+          </p:cNvPr>
+          <p:cNvPicPr>
+            <a:picLocks noChangeAspect="1"/>
+          </p:cNvPicPr>
+          <p:nvPr/>
+        </p:nvPicPr>
+        <p:blipFill>
+          <a:blip r:embed="rId2">
+            <a:extLst>
+              <a:ext uri="{28A0092B-C50C-407E-A947-70E740481C1C}">
+                <a14:useLocalDpi xmlns:a14="http://schemas.microsoft.com/office/drawing/2010/main" val="0"/>
+              </a:ext>
+            </a:extLst>
+          </a:blip>
+          <a:stretch>
+            <a:fillRect/>
+          </a:stretch>
+        </p:blipFill>
+        <p:spPr>
+          <a:xfrm>
+            <a:off x="849197" y="652560"/>
+            <a:ext cx="10210800" cy="1876425"/>
+          </a:xfrm>
+          <a:prstGeom prst="rect">
+            <a:avLst/>
+          </a:prstGeom>
+        </p:spPr>
+      </p:pic>
+      <p:sp>
+        <p:nvSpPr>
+          <p:cNvPr id="7" name="TextBox 6">
+            <a:extLst>
+              <a:ext uri="{FF2B5EF4-FFF2-40B4-BE49-F238E27FC236}">
+                <a16:creationId xmlns:a16="http://schemas.microsoft.com/office/drawing/2014/main" id="{0993231A-D669-14FB-58D3-9EC21D9A5B46}"/>
+              </a:ext>
+            </a:extLst>
+          </p:cNvPr>
+          <p:cNvSpPr txBox="1"/>
+          <p:nvPr/>
+        </p:nvSpPr>
+        <p:spPr>
+          <a:xfrm>
+            <a:off x="240384" y="2649726"/>
+            <a:ext cx="11113416" cy="707886"/>
+          </a:xfrm>
+          <a:prstGeom prst="rect">
+            <a:avLst/>
+          </a:prstGeom>
+          <a:noFill/>
+        </p:spPr>
+        <p:txBody>
+          <a:bodyPr wrap="square">
+            <a:spAutoFit/>
+          </a:bodyPr>
+          <a:lstStyle/>
+          <a:p>
+            <a:r>
+              <a:rPr lang="en-US" sz="2000" dirty="0">
+                <a:solidFill>
+                  <a:schemeClr val="tx1">
+                    <a:lumMod val="65000"/>
+                    <a:lumOff val="35000"/>
+                  </a:schemeClr>
+                </a:solidFill>
+                <a:effectLst/>
+              </a:rPr>
+              <a:t>Open the </a:t>
+            </a:r>
+            <a:r>
+              <a:rPr lang="en-US" sz="2000" b="1" dirty="0">
+                <a:solidFill>
+                  <a:schemeClr val="tx1">
+                    <a:lumMod val="65000"/>
+                    <a:lumOff val="35000"/>
+                  </a:schemeClr>
+                </a:solidFill>
+                <a:effectLst/>
+              </a:rPr>
+              <a:t>courses-</a:t>
+            </a:r>
+            <a:r>
+              <a:rPr lang="en-US" sz="2000" b="1" dirty="0" err="1">
+                <a:solidFill>
+                  <a:schemeClr val="tx1">
+                    <a:lumMod val="65000"/>
+                    <a:lumOff val="35000"/>
+                  </a:schemeClr>
+                </a:solidFill>
+                <a:effectLst/>
+              </a:rPr>
+              <a:t>list.component.ts</a:t>
+            </a:r>
+            <a:r>
+              <a:rPr lang="en-US" sz="2000" dirty="0">
+                <a:solidFill>
+                  <a:schemeClr val="tx1">
+                    <a:lumMod val="65000"/>
+                    <a:lumOff val="35000"/>
+                  </a:schemeClr>
+                </a:solidFill>
+                <a:effectLst/>
+              </a:rPr>
+              <a:t> file used in the previous example</a:t>
+            </a:r>
+          </a:p>
+          <a:p>
+            <a:r>
+              <a:rPr lang="en-US" sz="2000" dirty="0">
+                <a:solidFill>
+                  <a:schemeClr val="tx1">
+                    <a:lumMod val="65000"/>
+                    <a:lumOff val="35000"/>
+                  </a:schemeClr>
+                </a:solidFill>
+                <a:effectLst/>
+              </a:rPr>
+              <a:t>Add input setter method for property </a:t>
+            </a:r>
+            <a:r>
+              <a:rPr lang="en-US" sz="2000" dirty="0" err="1">
+                <a:solidFill>
+                  <a:schemeClr val="tx1">
+                    <a:lumMod val="65000"/>
+                    <a:lumOff val="35000"/>
+                  </a:schemeClr>
+                </a:solidFill>
+                <a:effectLst/>
+              </a:rPr>
+              <a:t>cName</a:t>
+            </a:r>
+            <a:r>
+              <a:rPr lang="en-US" sz="2000" dirty="0">
+                <a:solidFill>
+                  <a:schemeClr val="tx1">
+                    <a:lumMod val="65000"/>
+                    <a:lumOff val="35000"/>
+                  </a:schemeClr>
+                </a:solidFill>
+                <a:effectLst/>
+              </a:rPr>
+              <a:t> in the component as shown below in Line 18</a:t>
+            </a:r>
+          </a:p>
+        </p:txBody>
+      </p:sp>
+      <p:sp>
+        <p:nvSpPr>
+          <p:cNvPr id="9" name="TextBox 8">
+            <a:extLst>
+              <a:ext uri="{FF2B5EF4-FFF2-40B4-BE49-F238E27FC236}">
+                <a16:creationId xmlns:a16="http://schemas.microsoft.com/office/drawing/2014/main" id="{F3DCA6C1-BF45-9431-3E14-4E4C8AD09521}"/>
+              </a:ext>
+            </a:extLst>
+          </p:cNvPr>
+          <p:cNvSpPr txBox="1"/>
+          <p:nvPr/>
+        </p:nvSpPr>
+        <p:spPr>
+          <a:xfrm>
+            <a:off x="240384" y="3290949"/>
+            <a:ext cx="8573678" cy="3693319"/>
+          </a:xfrm>
+          <a:prstGeom prst="rect">
+            <a:avLst/>
+          </a:prstGeom>
+          <a:noFill/>
+        </p:spPr>
+        <p:txBody>
+          <a:bodyPr wrap="square">
+            <a:spAutoFit/>
+          </a:bodyPr>
+          <a:lstStyle/>
+          <a:p>
+            <a:r>
+              <a:rPr lang="en-IN" dirty="0"/>
+              <a:t>...</a:t>
+            </a:r>
+          </a:p>
+          <a:p>
+            <a:r>
+              <a:rPr lang="en-IN" dirty="0"/>
+              <a:t>export class </a:t>
+            </a:r>
+            <a:r>
+              <a:rPr lang="en-IN" dirty="0" err="1"/>
+              <a:t>CoursesListComponent</a:t>
+            </a:r>
+            <a:r>
+              <a:rPr lang="en-IN" dirty="0"/>
+              <a:t> {</a:t>
+            </a:r>
+          </a:p>
+          <a:p>
+            <a:r>
+              <a:rPr lang="en-IN" dirty="0"/>
+              <a:t>...</a:t>
+            </a:r>
+          </a:p>
+          <a:p>
+            <a:r>
+              <a:rPr lang="en-IN" dirty="0"/>
+              <a:t>  course!: any[];</a:t>
+            </a:r>
+          </a:p>
+          <a:p>
+            <a:r>
+              <a:rPr lang="en-IN" dirty="0"/>
+              <a:t>  @Input() set </a:t>
+            </a:r>
+            <a:r>
+              <a:rPr lang="en-IN" dirty="0" err="1"/>
+              <a:t>cName</a:t>
+            </a:r>
+            <a:r>
+              <a:rPr lang="en-IN" dirty="0"/>
+              <a:t>(name: string) {</a:t>
+            </a:r>
+          </a:p>
+          <a:p>
+            <a:r>
+              <a:rPr lang="en-IN" dirty="0"/>
+              <a:t>    </a:t>
+            </a:r>
+            <a:r>
+              <a:rPr lang="en-IN" dirty="0" err="1"/>
+              <a:t>this.course</a:t>
+            </a:r>
+            <a:r>
+              <a:rPr lang="en-IN" dirty="0"/>
+              <a:t> = [];</a:t>
+            </a:r>
+          </a:p>
+          <a:p>
+            <a:r>
+              <a:rPr lang="en-IN" dirty="0"/>
+              <a:t>    for (var </a:t>
+            </a:r>
+            <a:r>
+              <a:rPr lang="en-IN" dirty="0" err="1"/>
+              <a:t>i</a:t>
+            </a:r>
+            <a:r>
+              <a:rPr lang="en-IN" dirty="0"/>
+              <a:t> = 0; </a:t>
+            </a:r>
+            <a:r>
+              <a:rPr lang="en-IN" dirty="0" err="1"/>
+              <a:t>i</a:t>
+            </a:r>
+            <a:r>
+              <a:rPr lang="en-IN" dirty="0"/>
+              <a:t> &lt; </a:t>
+            </a:r>
+            <a:r>
+              <a:rPr lang="en-IN" dirty="0" err="1"/>
+              <a:t>this.courses.length</a:t>
+            </a:r>
+            <a:r>
+              <a:rPr lang="en-IN" dirty="0"/>
+              <a:t>; </a:t>
+            </a:r>
+            <a:r>
+              <a:rPr lang="en-IN" dirty="0" err="1"/>
+              <a:t>i</a:t>
+            </a:r>
+            <a:r>
+              <a:rPr lang="en-IN" dirty="0"/>
+              <a:t>++) {</a:t>
+            </a:r>
+          </a:p>
+          <a:p>
+            <a:r>
+              <a:rPr lang="en-IN" dirty="0"/>
+              <a:t>      if (</a:t>
+            </a:r>
+            <a:r>
+              <a:rPr lang="en-IN" dirty="0" err="1"/>
+              <a:t>this.courses</a:t>
+            </a:r>
+            <a:r>
+              <a:rPr lang="en-IN" dirty="0"/>
+              <a:t>[</a:t>
+            </a:r>
+            <a:r>
+              <a:rPr lang="en-IN" dirty="0" err="1"/>
+              <a:t>i</a:t>
+            </a:r>
+            <a:r>
+              <a:rPr lang="en-IN" dirty="0"/>
+              <a:t>].</a:t>
+            </a:r>
+            <a:r>
+              <a:rPr lang="en-IN" dirty="0" err="1"/>
+              <a:t>courseName</a:t>
+            </a:r>
+            <a:r>
+              <a:rPr lang="en-IN" dirty="0"/>
+              <a:t> === name) {</a:t>
+            </a:r>
+          </a:p>
+          <a:p>
+            <a:r>
+              <a:rPr lang="en-IN" dirty="0"/>
+              <a:t>        </a:t>
+            </a:r>
+            <a:r>
+              <a:rPr lang="en-IN" dirty="0" err="1"/>
+              <a:t>this.course.push</a:t>
+            </a:r>
+            <a:r>
+              <a:rPr lang="en-IN" dirty="0"/>
+              <a:t>(</a:t>
+            </a:r>
+            <a:r>
+              <a:rPr lang="en-IN" dirty="0" err="1"/>
+              <a:t>this.courses</a:t>
+            </a:r>
+            <a:r>
+              <a:rPr lang="en-IN" dirty="0"/>
+              <a:t>[</a:t>
+            </a:r>
+            <a:r>
+              <a:rPr lang="en-IN" dirty="0" err="1"/>
+              <a:t>i</a:t>
+            </a:r>
+            <a:r>
+              <a:rPr lang="en-IN" dirty="0"/>
+              <a:t>]);</a:t>
+            </a:r>
+          </a:p>
+          <a:p>
+            <a:r>
+              <a:rPr lang="en-IN" dirty="0"/>
+              <a:t>      }</a:t>
+            </a:r>
+          </a:p>
+          <a:p>
+            <a:r>
+              <a:rPr lang="en-IN" dirty="0"/>
+              <a:t>    }</a:t>
+            </a:r>
+          </a:p>
+          <a:p>
+            <a:r>
+              <a:rPr lang="en-IN" dirty="0"/>
+              <a:t>  }</a:t>
+            </a:r>
+          </a:p>
+          <a:p>
+            <a:r>
+              <a:rPr lang="en-IN" dirty="0"/>
+              <a:t>}</a:t>
+            </a:r>
+          </a:p>
+        </p:txBody>
+      </p:sp>
+    </p:spTree>
+    <p:extLst>
+      <p:ext uri="{BB962C8B-B14F-4D97-AF65-F5344CB8AC3E}">
+        <p14:creationId xmlns:p14="http://schemas.microsoft.com/office/powerpoint/2010/main" val="2999536245"/>
+      </p:ext>
+    </p:extLst>
+  </p:cSld>
+  <p:clrMapOvr>
+    <a:masterClrMapping/>
+  </p:clrMapOvr>
+</p:sld>
+</file>
+
+<file path=ppt/slides/slide132.xml><?xml version="1.0" encoding="utf-8"?>
+<p:sld xmlns:a="http://schemas.openxmlformats.org/drawingml/2006/main" xmlns:r="http://schemas.openxmlformats.org/officeDocument/2006/relationships" xmlns:p="http://schemas.openxmlformats.org/presentationml/2006/main">
+  <p:cSld>
+    <p:spTree>
+      <p:nvGrpSpPr>
+        <p:cNvPr id="1" name=""/>
+        <p:cNvGrpSpPr/>
+        <p:nvPr/>
+      </p:nvGrpSpPr>
+      <p:grpSpPr>
+        <a:xfrm>
+          <a:off x="0" y="0"/>
+          <a:ext cx="0" cy="0"/>
+          <a:chOff x="0" y="0"/>
+          <a:chExt cx="0" cy="0"/>
+        </a:xfrm>
+      </p:grpSpPr>
+      <p:sp>
+        <p:nvSpPr>
+          <p:cNvPr id="2" name="Footer Placeholder 1">
+            <a:extLst>
+              <a:ext uri="{FF2B5EF4-FFF2-40B4-BE49-F238E27FC236}">
+                <a16:creationId xmlns:a16="http://schemas.microsoft.com/office/drawing/2014/main" id="{0A119903-BCF7-D664-26F4-05E273A374E5}"/>
+              </a:ext>
+            </a:extLst>
+          </p:cNvPr>
+          <p:cNvSpPr>
+            <a:spLocks noGrp="1"/>
+          </p:cNvSpPr>
+          <p:nvPr>
+            <p:ph type="ftr" sz="quarter" idx="11"/>
+          </p:nvPr>
+        </p:nvSpPr>
+        <p:spPr/>
+        <p:txBody>
+          <a:bodyPr/>
+          <a:lstStyle/>
+          <a:p>
+            <a:r>
+              <a:rPr lang="en-IN"/>
+              <a:t>H&amp;D IT Solution</a:t>
+            </a:r>
+            <a:endParaRPr lang="en-IN" dirty="0"/>
+          </a:p>
+        </p:txBody>
+      </p:sp>
+      <p:sp>
+        <p:nvSpPr>
+          <p:cNvPr id="3" name="Slide Number Placeholder 2">
+            <a:extLst>
+              <a:ext uri="{FF2B5EF4-FFF2-40B4-BE49-F238E27FC236}">
+                <a16:creationId xmlns:a16="http://schemas.microsoft.com/office/drawing/2014/main" id="{E121D264-8199-D327-00C2-FDF23C22DFFE}"/>
+              </a:ext>
+            </a:extLst>
+          </p:cNvPr>
+          <p:cNvSpPr>
+            <a:spLocks noGrp="1"/>
+          </p:cNvSpPr>
+          <p:nvPr>
+            <p:ph type="sldNum" sz="quarter" idx="12"/>
+          </p:nvPr>
+        </p:nvSpPr>
+        <p:spPr/>
+        <p:txBody>
+          <a:bodyPr/>
+          <a:lstStyle/>
+          <a:p>
+            <a:fld id="{4A777409-9C5A-4B07-8E32-19F22F7D558C}" type="slidenum">
+              <a:rPr lang="en-IN" smtClean="0"/>
+              <a:t>132</a:t>
+            </a:fld>
+            <a:endParaRPr lang="en-IN" dirty="0"/>
+          </a:p>
+        </p:txBody>
+      </p:sp>
+      <p:sp>
+        <p:nvSpPr>
+          <p:cNvPr id="5" name="TextBox 4">
+            <a:extLst>
+              <a:ext uri="{FF2B5EF4-FFF2-40B4-BE49-F238E27FC236}">
+                <a16:creationId xmlns:a16="http://schemas.microsoft.com/office/drawing/2014/main" id="{3C0BEBBC-739B-7105-2A41-1E38E856F81C}"/>
+              </a:ext>
+            </a:extLst>
+          </p:cNvPr>
+          <p:cNvSpPr txBox="1"/>
+          <p:nvPr/>
+        </p:nvSpPr>
+        <p:spPr>
+          <a:xfrm>
+            <a:off x="900260" y="615174"/>
+            <a:ext cx="10453540" cy="1631216"/>
+          </a:xfrm>
+          <a:prstGeom prst="rect">
+            <a:avLst/>
+          </a:prstGeom>
+          <a:noFill/>
+        </p:spPr>
+        <p:txBody>
+          <a:bodyPr wrap="square">
+            <a:spAutoFit/>
+          </a:bodyPr>
+          <a:lstStyle/>
+          <a:p>
+            <a:r>
+              <a:rPr lang="en-US" sz="2000" dirty="0">
+                <a:solidFill>
+                  <a:schemeClr val="tx1">
+                    <a:lumMod val="65000"/>
+                    <a:lumOff val="35000"/>
+                  </a:schemeClr>
+                </a:solidFill>
+                <a:effectLst/>
+              </a:rPr>
+              <a:t>Line 7: @Input() specifies that </a:t>
+            </a:r>
+            <a:r>
+              <a:rPr lang="en-US" sz="2000" dirty="0" err="1">
+                <a:solidFill>
+                  <a:schemeClr val="tx1">
+                    <a:lumMod val="65000"/>
+                    <a:lumOff val="35000"/>
+                  </a:schemeClr>
+                </a:solidFill>
+                <a:effectLst/>
+              </a:rPr>
+              <a:t>cName</a:t>
+            </a:r>
+            <a:r>
+              <a:rPr lang="en-US" sz="2000" dirty="0">
+                <a:solidFill>
+                  <a:schemeClr val="tx1">
+                    <a:lumMod val="65000"/>
+                    <a:lumOff val="35000"/>
+                  </a:schemeClr>
+                </a:solidFill>
+                <a:effectLst/>
+              </a:rPr>
+              <a:t> property will receive value from its container component</a:t>
+            </a:r>
+          </a:p>
+          <a:p>
+            <a:r>
+              <a:rPr lang="en-US" sz="2000" dirty="0">
+                <a:solidFill>
+                  <a:schemeClr val="tx1">
+                    <a:lumMod val="65000"/>
+                    <a:lumOff val="35000"/>
+                  </a:schemeClr>
+                </a:solidFill>
+                <a:effectLst/>
+              </a:rPr>
+              <a:t>Line 9-13: for loop will iterate over courses array and it checks for the </a:t>
+            </a:r>
+            <a:r>
+              <a:rPr lang="en-US" sz="2000" dirty="0" err="1">
+                <a:solidFill>
+                  <a:schemeClr val="tx1">
+                    <a:lumMod val="65000"/>
+                    <a:lumOff val="35000"/>
+                  </a:schemeClr>
+                </a:solidFill>
+                <a:effectLst/>
+              </a:rPr>
+              <a:t>courseName</a:t>
+            </a:r>
+            <a:r>
+              <a:rPr lang="en-US" sz="2000" dirty="0">
+                <a:solidFill>
+                  <a:schemeClr val="tx1">
+                    <a:lumMod val="65000"/>
+                    <a:lumOff val="35000"/>
+                  </a:schemeClr>
+                </a:solidFill>
+                <a:effectLst/>
+              </a:rPr>
+              <a:t> validity. If it matches, it adds that object to the course array</a:t>
+            </a:r>
+          </a:p>
+          <a:p>
+            <a:r>
+              <a:rPr lang="en-US" sz="2000" dirty="0">
+                <a:solidFill>
+                  <a:schemeClr val="tx1">
+                    <a:lumMod val="65000"/>
+                    <a:lumOff val="35000"/>
+                  </a:schemeClr>
+                </a:solidFill>
+              </a:rPr>
+              <a:t> </a:t>
+            </a:r>
+          </a:p>
+          <a:p>
+            <a:r>
+              <a:rPr lang="en-US" sz="2000" b="1" dirty="0">
+                <a:solidFill>
+                  <a:schemeClr val="tx1">
+                    <a:lumMod val="65000"/>
+                    <a:lumOff val="35000"/>
+                  </a:schemeClr>
+                </a:solidFill>
+                <a:effectLst/>
+              </a:rPr>
+              <a:t>courses-list.component.html</a:t>
+            </a:r>
+            <a:endParaRPr lang="en-US" sz="2000" dirty="0">
+              <a:solidFill>
+                <a:schemeClr val="tx1">
+                  <a:lumMod val="65000"/>
+                  <a:lumOff val="35000"/>
+                </a:schemeClr>
+              </a:solidFill>
+              <a:effectLst/>
+            </a:endParaRPr>
+          </a:p>
+        </p:txBody>
+      </p:sp>
+      <p:sp>
+        <p:nvSpPr>
+          <p:cNvPr id="7" name="TextBox 6">
+            <a:extLst>
+              <a:ext uri="{FF2B5EF4-FFF2-40B4-BE49-F238E27FC236}">
+                <a16:creationId xmlns:a16="http://schemas.microsoft.com/office/drawing/2014/main" id="{66BED10C-CB35-3BE6-8ED5-6C3D997F5884}"/>
+              </a:ext>
+            </a:extLst>
+          </p:cNvPr>
+          <p:cNvSpPr txBox="1"/>
+          <p:nvPr/>
+        </p:nvSpPr>
+        <p:spPr>
+          <a:xfrm>
+            <a:off x="989029" y="2327231"/>
+            <a:ext cx="6099142" cy="2585323"/>
+          </a:xfrm>
+          <a:prstGeom prst="rect">
+            <a:avLst/>
+          </a:prstGeom>
+          <a:noFill/>
+        </p:spPr>
+        <p:txBody>
+          <a:bodyPr wrap="square">
+            <a:spAutoFit/>
+          </a:bodyPr>
+          <a:lstStyle/>
+          <a:p>
+            <a:r>
+              <a:rPr lang="en-IN" dirty="0"/>
+              <a:t>&lt;table border="1" *</a:t>
+            </a:r>
+            <a:r>
+              <a:rPr lang="en-IN" dirty="0" err="1"/>
+              <a:t>ngIf</a:t>
+            </a:r>
+            <a:r>
+              <a:rPr lang="en-IN" dirty="0"/>
+              <a:t>="</a:t>
+            </a:r>
+            <a:r>
+              <a:rPr lang="en-IN" dirty="0" err="1"/>
+              <a:t>course.length</a:t>
+            </a:r>
+            <a:r>
+              <a:rPr lang="en-IN" dirty="0"/>
+              <a:t>&gt;0"&gt;</a:t>
+            </a:r>
+          </a:p>
+          <a:p>
+            <a:r>
+              <a:rPr lang="en-IN" dirty="0"/>
+              <a:t> ...</a:t>
+            </a:r>
+          </a:p>
+          <a:p>
+            <a:r>
+              <a:rPr lang="en-IN" dirty="0"/>
+              <a:t>  &lt;</a:t>
+            </a:r>
+            <a:r>
+              <a:rPr lang="en-IN" dirty="0" err="1"/>
+              <a:t>tbody</a:t>
+            </a:r>
+            <a:r>
+              <a:rPr lang="en-IN" dirty="0"/>
+              <a:t>&gt;</a:t>
+            </a:r>
+          </a:p>
+          <a:p>
+            <a:r>
+              <a:rPr lang="en-IN" dirty="0"/>
+              <a:t>    &lt;tr *</a:t>
+            </a:r>
+            <a:r>
+              <a:rPr lang="en-IN" dirty="0" err="1"/>
+              <a:t>ngFor</a:t>
+            </a:r>
+            <a:r>
+              <a:rPr lang="en-IN" dirty="0"/>
+              <a:t>="let c of course"&gt;</a:t>
+            </a:r>
+          </a:p>
+          <a:p>
+            <a:r>
+              <a:rPr lang="en-IN" dirty="0"/>
+              <a:t>      &lt;td&gt;{{</a:t>
+            </a:r>
+            <a:r>
+              <a:rPr lang="en-IN" dirty="0" err="1"/>
+              <a:t>c.courseId</a:t>
+            </a:r>
+            <a:r>
+              <a:rPr lang="en-IN" dirty="0"/>
+              <a:t>}}&lt;/td&gt;</a:t>
+            </a:r>
+          </a:p>
+          <a:p>
+            <a:r>
+              <a:rPr lang="en-IN" dirty="0"/>
+              <a:t>      &lt;td&gt;{{</a:t>
+            </a:r>
+            <a:r>
+              <a:rPr lang="en-IN" dirty="0" err="1"/>
+              <a:t>c.courseName</a:t>
+            </a:r>
+            <a:r>
+              <a:rPr lang="en-IN" dirty="0"/>
+              <a:t>}}&lt;/td&gt;</a:t>
+            </a:r>
+          </a:p>
+          <a:p>
+            <a:r>
+              <a:rPr lang="en-IN" dirty="0"/>
+              <a:t>    &lt;/tr&gt;</a:t>
+            </a:r>
+          </a:p>
+          <a:p>
+            <a:r>
+              <a:rPr lang="en-IN" dirty="0"/>
+              <a:t>  &lt;/</a:t>
+            </a:r>
+            <a:r>
+              <a:rPr lang="en-IN" dirty="0" err="1"/>
+              <a:t>tbody</a:t>
+            </a:r>
+            <a:r>
+              <a:rPr lang="en-IN" dirty="0"/>
+              <a:t>&gt;</a:t>
+            </a:r>
+          </a:p>
+          <a:p>
+            <a:r>
+              <a:rPr lang="en-IN" dirty="0"/>
+              <a:t>&lt;/table&gt;</a:t>
+            </a:r>
+          </a:p>
+        </p:txBody>
+      </p:sp>
+      <p:sp>
+        <p:nvSpPr>
+          <p:cNvPr id="9" name="TextBox 8">
+            <a:extLst>
+              <a:ext uri="{FF2B5EF4-FFF2-40B4-BE49-F238E27FC236}">
+                <a16:creationId xmlns:a16="http://schemas.microsoft.com/office/drawing/2014/main" id="{F95F3E32-54F5-7388-8CE6-766566555862}"/>
+              </a:ext>
+            </a:extLst>
+          </p:cNvPr>
+          <p:cNvSpPr txBox="1"/>
+          <p:nvPr/>
+        </p:nvSpPr>
+        <p:spPr>
+          <a:xfrm>
+            <a:off x="989029" y="5126620"/>
+            <a:ext cx="10822757" cy="1015663"/>
+          </a:xfrm>
+          <a:prstGeom prst="rect">
+            <a:avLst/>
+          </a:prstGeom>
+          <a:noFill/>
+        </p:spPr>
+        <p:txBody>
+          <a:bodyPr wrap="square">
+            <a:spAutoFit/>
+          </a:bodyPr>
+          <a:lstStyle/>
+          <a:p>
+            <a:r>
+              <a:rPr lang="en-US" sz="2000" dirty="0">
+                <a:solidFill>
+                  <a:schemeClr val="tx1">
+                    <a:lumMod val="65000"/>
+                    <a:lumOff val="35000"/>
+                  </a:schemeClr>
+                </a:solidFill>
+                <a:effectLst/>
+              </a:rPr>
+              <a:t>Line 4-7: </a:t>
+            </a:r>
+            <a:r>
+              <a:rPr lang="en-US" sz="2000" dirty="0" err="1">
+                <a:solidFill>
+                  <a:schemeClr val="tx1">
+                    <a:lumMod val="65000"/>
+                    <a:lumOff val="35000"/>
+                  </a:schemeClr>
+                </a:solidFill>
+                <a:effectLst/>
+              </a:rPr>
+              <a:t>ngFor</a:t>
+            </a:r>
+            <a:r>
+              <a:rPr lang="en-US" sz="2000" dirty="0">
+                <a:solidFill>
+                  <a:schemeClr val="tx1">
+                    <a:lumMod val="65000"/>
+                    <a:lumOff val="35000"/>
+                  </a:schemeClr>
+                </a:solidFill>
+                <a:effectLst/>
+              </a:rPr>
+              <a:t> iterates on course array and displays </a:t>
+            </a:r>
+            <a:r>
+              <a:rPr lang="en-US" sz="2000" dirty="0" err="1">
+                <a:solidFill>
+                  <a:schemeClr val="tx1">
+                    <a:lumMod val="65000"/>
+                    <a:lumOff val="35000"/>
+                  </a:schemeClr>
+                </a:solidFill>
+                <a:effectLst/>
+              </a:rPr>
+              <a:t>courseId</a:t>
+            </a:r>
+            <a:r>
+              <a:rPr lang="en-US" sz="2000" dirty="0">
+                <a:solidFill>
+                  <a:schemeClr val="tx1">
+                    <a:lumMod val="65000"/>
+                    <a:lumOff val="35000"/>
+                  </a:schemeClr>
+                </a:solidFill>
+                <a:effectLst/>
+              </a:rPr>
+              <a:t> and </a:t>
+            </a:r>
+            <a:r>
+              <a:rPr lang="en-US" sz="2000" dirty="0" err="1">
+                <a:solidFill>
+                  <a:schemeClr val="tx1">
+                    <a:lumMod val="65000"/>
+                    <a:lumOff val="35000"/>
+                  </a:schemeClr>
+                </a:solidFill>
+                <a:effectLst/>
+              </a:rPr>
+              <a:t>courseName</a:t>
+            </a:r>
+            <a:r>
+              <a:rPr lang="en-US" sz="2000" dirty="0">
+                <a:solidFill>
+                  <a:schemeClr val="tx1">
+                    <a:lumMod val="65000"/>
+                    <a:lumOff val="35000"/>
+                  </a:schemeClr>
+                </a:solidFill>
+                <a:effectLst/>
+              </a:rPr>
+              <a:t> properties in a table</a:t>
+            </a:r>
+          </a:p>
+          <a:p>
+            <a:r>
+              <a:rPr lang="en-US" sz="2000" dirty="0">
+                <a:solidFill>
+                  <a:schemeClr val="tx1">
+                    <a:lumMod val="65000"/>
+                    <a:lumOff val="35000"/>
+                  </a:schemeClr>
+                </a:solidFill>
+                <a:effectLst/>
+              </a:rPr>
+              <a:t> </a:t>
+            </a:r>
+          </a:p>
+          <a:p>
+            <a:r>
+              <a:rPr lang="en-US" sz="2000" dirty="0">
+                <a:solidFill>
+                  <a:schemeClr val="tx1">
+                    <a:lumMod val="65000"/>
+                    <a:lumOff val="35000"/>
+                  </a:schemeClr>
+                </a:solidFill>
+                <a:effectLst/>
+              </a:rPr>
+              <a:t>Add the following code in </a:t>
+            </a:r>
+            <a:r>
+              <a:rPr lang="en-US" sz="2000" b="1" dirty="0">
+                <a:solidFill>
+                  <a:schemeClr val="tx1">
+                    <a:lumMod val="65000"/>
+                    <a:lumOff val="35000"/>
+                  </a:schemeClr>
+                </a:solidFill>
+                <a:effectLst/>
+              </a:rPr>
+              <a:t>app.component.html</a:t>
+            </a:r>
+            <a:endParaRPr lang="en-US" sz="2000" dirty="0">
+              <a:solidFill>
+                <a:schemeClr val="tx1">
+                  <a:lumMod val="65000"/>
+                  <a:lumOff val="35000"/>
+                </a:schemeClr>
+              </a:solidFill>
+              <a:effectLst/>
+            </a:endParaRPr>
+          </a:p>
+        </p:txBody>
+      </p:sp>
+    </p:spTree>
+    <p:extLst>
+      <p:ext uri="{BB962C8B-B14F-4D97-AF65-F5344CB8AC3E}">
+        <p14:creationId xmlns:p14="http://schemas.microsoft.com/office/powerpoint/2010/main" val="285524124"/>
+      </p:ext>
+    </p:extLst>
+  </p:cSld>
+  <p:clrMapOvr>
+    <a:masterClrMapping/>
+  </p:clrMapOvr>
+</p:sld>
+</file>
+
+<file path=ppt/slides/slide133.xml><?xml version="1.0" encoding="utf-8"?>
+<p:sld xmlns:a="http://schemas.openxmlformats.org/drawingml/2006/main" xmlns:r="http://schemas.openxmlformats.org/officeDocument/2006/relationships" xmlns:p="http://schemas.openxmlformats.org/presentationml/2006/main">
+  <p:cSld>
+    <p:spTree>
+      <p:nvGrpSpPr>
+        <p:cNvPr id="1" name=""/>
+        <p:cNvGrpSpPr/>
+        <p:nvPr/>
+      </p:nvGrpSpPr>
+      <p:grpSpPr>
+        <a:xfrm>
+          <a:off x="0" y="0"/>
+          <a:ext cx="0" cy="0"/>
+          <a:chOff x="0" y="0"/>
+          <a:chExt cx="0" cy="0"/>
+        </a:xfrm>
+      </p:grpSpPr>
+      <p:sp>
+        <p:nvSpPr>
+          <p:cNvPr id="2" name="Footer Placeholder 1">
+            <a:extLst>
+              <a:ext uri="{FF2B5EF4-FFF2-40B4-BE49-F238E27FC236}">
+                <a16:creationId xmlns:a16="http://schemas.microsoft.com/office/drawing/2014/main" id="{338BBB28-501A-D023-98D8-094CC27D9330}"/>
+              </a:ext>
+            </a:extLst>
+          </p:cNvPr>
+          <p:cNvSpPr>
+            <a:spLocks noGrp="1"/>
+          </p:cNvSpPr>
+          <p:nvPr>
+            <p:ph type="ftr" sz="quarter" idx="11"/>
+          </p:nvPr>
+        </p:nvSpPr>
+        <p:spPr/>
+        <p:txBody>
+          <a:bodyPr/>
+          <a:lstStyle/>
+          <a:p>
+            <a:r>
+              <a:rPr lang="en-IN"/>
+              <a:t>H&amp;D IT Solution</a:t>
+            </a:r>
+            <a:endParaRPr lang="en-IN" dirty="0"/>
+          </a:p>
+        </p:txBody>
+      </p:sp>
+      <p:sp>
+        <p:nvSpPr>
+          <p:cNvPr id="3" name="Slide Number Placeholder 2">
+            <a:extLst>
+              <a:ext uri="{FF2B5EF4-FFF2-40B4-BE49-F238E27FC236}">
+                <a16:creationId xmlns:a16="http://schemas.microsoft.com/office/drawing/2014/main" id="{F6234CBB-1782-6E08-3C3B-BE32DCF19EBD}"/>
+              </a:ext>
+            </a:extLst>
+          </p:cNvPr>
+          <p:cNvSpPr>
+            <a:spLocks noGrp="1"/>
+          </p:cNvSpPr>
+          <p:nvPr>
+            <p:ph type="sldNum" sz="quarter" idx="12"/>
+          </p:nvPr>
+        </p:nvSpPr>
+        <p:spPr/>
+        <p:txBody>
+          <a:bodyPr/>
+          <a:lstStyle/>
+          <a:p>
+            <a:fld id="{4A777409-9C5A-4B07-8E32-19F22F7D558C}" type="slidenum">
+              <a:rPr lang="en-IN" smtClean="0"/>
+              <a:t>133</a:t>
+            </a:fld>
+            <a:endParaRPr lang="en-IN" dirty="0"/>
+          </a:p>
+        </p:txBody>
+      </p:sp>
+      <p:sp>
+        <p:nvSpPr>
+          <p:cNvPr id="5" name="TextBox 4">
+            <a:extLst>
+              <a:ext uri="{FF2B5EF4-FFF2-40B4-BE49-F238E27FC236}">
+                <a16:creationId xmlns:a16="http://schemas.microsoft.com/office/drawing/2014/main" id="{947404B8-0CF2-6B40-8410-2F5B1D607ACB}"/>
+              </a:ext>
+            </a:extLst>
+          </p:cNvPr>
+          <p:cNvSpPr txBox="1"/>
+          <p:nvPr/>
+        </p:nvSpPr>
+        <p:spPr>
+          <a:xfrm>
+            <a:off x="1141429" y="760722"/>
+            <a:ext cx="9031664" cy="2585323"/>
+          </a:xfrm>
+          <a:prstGeom prst="rect">
+            <a:avLst/>
+          </a:prstGeom>
+          <a:noFill/>
+        </p:spPr>
+        <p:txBody>
+          <a:bodyPr wrap="square">
+            <a:spAutoFit/>
+          </a:bodyPr>
+          <a:lstStyle/>
+          <a:p>
+            <a:r>
+              <a:rPr lang="en-IN" dirty="0"/>
+              <a:t>&lt;h2&gt;Course Details&lt;/h2&gt;</a:t>
+            </a:r>
+          </a:p>
+          <a:p>
+            <a:r>
+              <a:rPr lang="en-IN" dirty="0"/>
+              <a:t>Select a course to view</a:t>
+            </a:r>
+          </a:p>
+          <a:p>
+            <a:r>
+              <a:rPr lang="en-IN" dirty="0"/>
+              <a:t>&lt;select #course (change)="name = </a:t>
+            </a:r>
+            <a:r>
+              <a:rPr lang="en-IN" dirty="0" err="1"/>
+              <a:t>course.value</a:t>
+            </a:r>
+            <a:r>
+              <a:rPr lang="en-IN" dirty="0"/>
+              <a:t>"&gt;</a:t>
+            </a:r>
+          </a:p>
+          <a:p>
+            <a:r>
+              <a:rPr lang="en-IN" dirty="0"/>
+              <a:t>  &lt;option value="Node JS"&gt;Node JS&lt;/option&gt;</a:t>
+            </a:r>
+          </a:p>
+          <a:p>
+            <a:r>
+              <a:rPr lang="en-IN" dirty="0"/>
+              <a:t>  &lt;option value="Typescript"&gt;Typescript&lt;/option&gt;</a:t>
+            </a:r>
+          </a:p>
+          <a:p>
+            <a:r>
+              <a:rPr lang="en-IN" dirty="0"/>
+              <a:t>  &lt;option value="Angular"&gt;Angular&lt;/option&gt;</a:t>
+            </a:r>
+          </a:p>
+          <a:p>
+            <a:r>
+              <a:rPr lang="en-IN" dirty="0"/>
+              <a:t>  &lt;option value="React JS"&gt;React JS&lt;/option&gt;&lt;/select</a:t>
+            </a:r>
+          </a:p>
+          <a:p>
+            <a:r>
+              <a:rPr lang="en-IN" dirty="0"/>
+              <a:t>&gt;&lt;</a:t>
+            </a:r>
+            <a:r>
+              <a:rPr lang="en-IN" dirty="0" err="1"/>
+              <a:t>br</a:t>
+            </a:r>
+            <a:r>
+              <a:rPr lang="en-IN" dirty="0"/>
+              <a:t> /&gt;&lt;</a:t>
+            </a:r>
+            <a:r>
+              <a:rPr lang="en-IN" dirty="0" err="1"/>
+              <a:t>br</a:t>
+            </a:r>
+            <a:r>
+              <a:rPr lang="en-IN" dirty="0"/>
+              <a:t> /&gt;</a:t>
+            </a:r>
+          </a:p>
+          <a:p>
+            <a:r>
+              <a:rPr lang="en-IN" dirty="0"/>
+              <a:t>&lt;app-courses-list [</a:t>
+            </a:r>
+            <a:r>
+              <a:rPr lang="en-IN" dirty="0" err="1"/>
+              <a:t>cName</a:t>
+            </a:r>
+            <a:r>
+              <a:rPr lang="en-IN" dirty="0"/>
+              <a:t>]="name"&gt;&lt;/app-courses-list&gt;</a:t>
+            </a:r>
+          </a:p>
+        </p:txBody>
+      </p:sp>
+      <p:sp>
+        <p:nvSpPr>
+          <p:cNvPr id="7" name="TextBox 6">
+            <a:extLst>
+              <a:ext uri="{FF2B5EF4-FFF2-40B4-BE49-F238E27FC236}">
+                <a16:creationId xmlns:a16="http://schemas.microsoft.com/office/drawing/2014/main" id="{5BBC9B92-EFB3-BF20-BE7A-D068E2F37FEA}"/>
+              </a:ext>
+            </a:extLst>
+          </p:cNvPr>
+          <p:cNvSpPr txBox="1"/>
+          <p:nvPr/>
+        </p:nvSpPr>
+        <p:spPr>
+          <a:xfrm>
+            <a:off x="249810" y="3346045"/>
+            <a:ext cx="11759937" cy="1631216"/>
+          </a:xfrm>
+          <a:prstGeom prst="rect">
+            <a:avLst/>
+          </a:prstGeom>
+          <a:noFill/>
+        </p:spPr>
+        <p:txBody>
+          <a:bodyPr wrap="square">
+            <a:spAutoFit/>
+          </a:bodyPr>
+          <a:lstStyle/>
+          <a:p>
+            <a:r>
+              <a:rPr lang="en-US" sz="2000" dirty="0">
+                <a:solidFill>
+                  <a:schemeClr val="tx1">
+                    <a:lumMod val="65000"/>
+                    <a:lumOff val="35000"/>
+                  </a:schemeClr>
+                </a:solidFill>
+                <a:effectLst/>
+              </a:rPr>
+              <a:t>Line 2-7: It displays a drop-down to select a course to display its details. When the user selects a value, it assigns the selected value to the name property.</a:t>
+            </a:r>
+          </a:p>
+          <a:p>
+            <a:endParaRPr lang="en-US" sz="2000" dirty="0">
+              <a:solidFill>
+                <a:schemeClr val="tx1">
+                  <a:lumMod val="65000"/>
+                  <a:lumOff val="35000"/>
+                </a:schemeClr>
+              </a:solidFill>
+              <a:effectLst/>
+            </a:endParaRPr>
+          </a:p>
+          <a:p>
+            <a:r>
+              <a:rPr lang="en-US" sz="2000" dirty="0">
+                <a:solidFill>
+                  <a:schemeClr val="tx1">
+                    <a:lumMod val="65000"/>
+                    <a:lumOff val="35000"/>
+                  </a:schemeClr>
+                </a:solidFill>
+                <a:effectLst/>
+              </a:rPr>
+              <a:t>Line 9: This will load </a:t>
+            </a:r>
+            <a:r>
+              <a:rPr lang="en-US" sz="2000" dirty="0" err="1">
+                <a:solidFill>
+                  <a:schemeClr val="tx1">
+                    <a:lumMod val="65000"/>
+                    <a:lumOff val="35000"/>
+                  </a:schemeClr>
+                </a:solidFill>
+                <a:effectLst/>
+              </a:rPr>
+              <a:t>CoursesListComponent</a:t>
+            </a:r>
+            <a:r>
+              <a:rPr lang="en-US" sz="2000" dirty="0">
+                <a:solidFill>
+                  <a:schemeClr val="tx1">
+                    <a:lumMod val="65000"/>
+                    <a:lumOff val="35000"/>
+                  </a:schemeClr>
+                </a:solidFill>
+                <a:effectLst/>
+              </a:rPr>
+              <a:t> and passes the name property value to the </a:t>
+            </a:r>
+            <a:r>
+              <a:rPr lang="en-US" sz="2000" dirty="0" err="1">
+                <a:solidFill>
+                  <a:schemeClr val="tx1">
+                    <a:lumMod val="65000"/>
+                    <a:lumOff val="35000"/>
+                  </a:schemeClr>
+                </a:solidFill>
+                <a:effectLst/>
+              </a:rPr>
+              <a:t>cName</a:t>
+            </a:r>
+            <a:r>
+              <a:rPr lang="en-US" sz="2000" dirty="0">
+                <a:solidFill>
+                  <a:schemeClr val="tx1">
+                    <a:lumMod val="65000"/>
+                    <a:lumOff val="35000"/>
+                  </a:schemeClr>
+                </a:solidFill>
+                <a:effectLst/>
+              </a:rPr>
+              <a:t> property of </a:t>
+            </a:r>
+            <a:r>
+              <a:rPr lang="en-US" sz="2000" dirty="0" err="1">
+                <a:solidFill>
+                  <a:schemeClr val="tx1">
+                    <a:lumMod val="65000"/>
+                    <a:lumOff val="35000"/>
+                  </a:schemeClr>
+                </a:solidFill>
+                <a:effectLst/>
+              </a:rPr>
+              <a:t>CoursesListComponent</a:t>
+            </a:r>
+            <a:r>
+              <a:rPr lang="en-US" sz="2000" dirty="0">
+                <a:solidFill>
+                  <a:schemeClr val="tx1">
+                    <a:lumMod val="65000"/>
+                    <a:lumOff val="35000"/>
+                  </a:schemeClr>
+                </a:solidFill>
+                <a:effectLst/>
+              </a:rPr>
+              <a:t> class.</a:t>
+            </a:r>
+          </a:p>
+        </p:txBody>
+      </p:sp>
+    </p:spTree>
+    <p:extLst>
+      <p:ext uri="{BB962C8B-B14F-4D97-AF65-F5344CB8AC3E}">
+        <p14:creationId xmlns:p14="http://schemas.microsoft.com/office/powerpoint/2010/main" val="2507029401"/>
       </p:ext>
     </p:extLst>
   </p:cSld>

--- a/ppt/ANGULAR.pptx
+++ b/ppt/ANGULAR.pptx
@@ -138,6 +138,28 @@
     <p:sldId id="445" r:id="rId132"/>
     <p:sldId id="446" r:id="rId133"/>
     <p:sldId id="447" r:id="rId134"/>
+    <p:sldId id="453" r:id="rId135"/>
+    <p:sldId id="454" r:id="rId136"/>
+    <p:sldId id="455" r:id="rId137"/>
+    <p:sldId id="456" r:id="rId138"/>
+    <p:sldId id="457" r:id="rId139"/>
+    <p:sldId id="462" r:id="rId140"/>
+    <p:sldId id="463" r:id="rId141"/>
+    <p:sldId id="464" r:id="rId142"/>
+    <p:sldId id="467" r:id="rId143"/>
+    <p:sldId id="468" r:id="rId144"/>
+    <p:sldId id="469" r:id="rId145"/>
+    <p:sldId id="470" r:id="rId146"/>
+    <p:sldId id="471" r:id="rId147"/>
+    <p:sldId id="472" r:id="rId148"/>
+    <p:sldId id="473" r:id="rId149"/>
+    <p:sldId id="466" r:id="rId150"/>
+    <p:sldId id="474" r:id="rId151"/>
+    <p:sldId id="465" r:id="rId152"/>
+    <p:sldId id="475" r:id="rId153"/>
+    <p:sldId id="476" r:id="rId154"/>
+    <p:sldId id="477" r:id="rId155"/>
+    <p:sldId id="478" r:id="rId156"/>
   </p:sldIdLst>
   <p:sldSz cx="12192000" cy="6858000"/>
   <p:notesSz cx="6858000" cy="9144000"/>
@@ -393,7 +415,7 @@
           <a:p>
             <a:fld id="{2C15695D-599C-472C-8EE7-003AF5022E09}" type="datetime1">
               <a:rPr lang="en-IN" smtClean="0"/>
-              <a:t>24-11-2022</a:t>
+              <a:t>25-11-2022</a:t>
             </a:fld>
             <a:endParaRPr lang="en-IN" dirty="0"/>
           </a:p>
@@ -597,7 +619,7 @@
           <a:p>
             <a:fld id="{9C3F001A-8557-4CEB-B2F6-4E07D7C2B5D3}" type="datetime1">
               <a:rPr lang="en-IN" smtClean="0"/>
-              <a:t>24-11-2022</a:t>
+              <a:t>25-11-2022</a:t>
             </a:fld>
             <a:endParaRPr lang="en-IN" dirty="0"/>
           </a:p>
@@ -811,7 +833,7 @@
           <a:p>
             <a:fld id="{7535BF43-EF1F-4785-9918-05DF53D0FE09}" type="datetime1">
               <a:rPr lang="en-IN" smtClean="0"/>
-              <a:t>24-11-2022</a:t>
+              <a:t>25-11-2022</a:t>
             </a:fld>
             <a:endParaRPr lang="en-IN" dirty="0"/>
           </a:p>
@@ -1015,7 +1037,7 @@
           <a:p>
             <a:fld id="{F7AE5898-FA79-4903-9589-514C2098B63A}" type="datetime1">
               <a:rPr lang="en-IN" smtClean="0"/>
-              <a:t>24-11-2022</a:t>
+              <a:t>25-11-2022</a:t>
             </a:fld>
             <a:endParaRPr lang="en-IN" dirty="0"/>
           </a:p>
@@ -1295,7 +1317,7 @@
           <a:p>
             <a:fld id="{5A7FE031-48DF-4683-B7D2-57205A625662}" type="datetime1">
               <a:rPr lang="en-IN" smtClean="0"/>
-              <a:t>24-11-2022</a:t>
+              <a:t>25-11-2022</a:t>
             </a:fld>
             <a:endParaRPr lang="en-IN" dirty="0"/>
           </a:p>
@@ -1567,7 +1589,7 @@
           <a:p>
             <a:fld id="{A701DD70-0E15-4A96-8D9D-FA973F2A4A80}" type="datetime1">
               <a:rPr lang="en-IN" smtClean="0"/>
-              <a:t>24-11-2022</a:t>
+              <a:t>25-11-2022</a:t>
             </a:fld>
             <a:endParaRPr lang="en-IN" dirty="0"/>
           </a:p>
@@ -1986,7 +2008,7 @@
           <a:p>
             <a:fld id="{EBE8548B-B500-4907-B08D-0DF9CF07A10F}" type="datetime1">
               <a:rPr lang="en-IN" smtClean="0"/>
-              <a:t>24-11-2022</a:t>
+              <a:t>25-11-2022</a:t>
             </a:fld>
             <a:endParaRPr lang="en-IN" dirty="0"/>
           </a:p>
@@ -2132,7 +2154,7 @@
           <a:p>
             <a:fld id="{4A39EDBF-AA7A-40E8-816B-F16F7AE7EB06}" type="datetime1">
               <a:rPr lang="en-IN" smtClean="0"/>
-              <a:t>24-11-2022</a:t>
+              <a:t>25-11-2022</a:t>
             </a:fld>
             <a:endParaRPr lang="en-IN" dirty="0"/>
           </a:p>
@@ -2249,7 +2271,7 @@
           <a:p>
             <a:fld id="{DDE686EA-1272-468C-B919-059622CE55E3}" type="datetime1">
               <a:rPr lang="en-IN" smtClean="0"/>
-              <a:t>24-11-2022</a:t>
+              <a:t>25-11-2022</a:t>
             </a:fld>
             <a:endParaRPr lang="en-IN" dirty="0"/>
           </a:p>
@@ -2566,7 +2588,7 @@
           <a:p>
             <a:fld id="{595AE8F3-C7BB-42D3-9095-2FAB453C778B}" type="datetime1">
               <a:rPr lang="en-IN" smtClean="0"/>
-              <a:t>24-11-2022</a:t>
+              <a:t>25-11-2022</a:t>
             </a:fld>
             <a:endParaRPr lang="en-IN" dirty="0"/>
           </a:p>
@@ -2859,7 +2881,7 @@
           <a:p>
             <a:fld id="{84724D7A-FD32-456F-B816-D106EBA5EF5A}" type="datetime1">
               <a:rPr lang="en-IN" smtClean="0"/>
-              <a:t>24-11-2022</a:t>
+              <a:t>25-11-2022</a:t>
             </a:fld>
             <a:endParaRPr lang="en-IN" dirty="0"/>
           </a:p>
@@ -3106,7 +3128,7 @@
           <a:p>
             <a:fld id="{99268E84-A059-498B-B9D3-7496418580D6}" type="datetime1">
               <a:rPr lang="en-IN" smtClean="0"/>
-              <a:t>24-11-2022</a:t>
+              <a:t>25-11-2022</a:t>
             </a:fld>
             <a:endParaRPr lang="en-IN" dirty="0"/>
           </a:p>
@@ -18577,7 +18599,7 @@
         <p:spPr>
           <a:xfrm>
             <a:off x="249810" y="3346045"/>
-            <a:ext cx="11759937" cy="1631216"/>
+            <a:ext cx="11759937" cy="4093428"/>
           </a:xfrm>
           <a:prstGeom prst="rect">
             <a:avLst/>
@@ -18700,12 +18722,2613 @@
               <a:t> class.</a:t>
             </a:r>
           </a:p>
+          <a:p>
+            <a:endParaRPr lang="en-US" sz="2000" dirty="0">
+              <a:solidFill>
+                <a:schemeClr val="tx1">
+                  <a:lumMod val="65000"/>
+                  <a:lumOff val="35000"/>
+                </a:schemeClr>
+              </a:solidFill>
+            </a:endParaRPr>
+          </a:p>
+          <a:p>
+            <a:r>
+              <a:rPr lang="en-US" sz="2000" dirty="0">
+                <a:solidFill>
+                  <a:schemeClr val="tx1">
+                    <a:lumMod val="65000"/>
+                    <a:lumOff val="35000"/>
+                  </a:schemeClr>
+                </a:solidFill>
+                <a:effectLst/>
+              </a:rPr>
+              <a:t>In </a:t>
+            </a:r>
+            <a:r>
+              <a:rPr lang="en-US" sz="2000" dirty="0" err="1">
+                <a:solidFill>
+                  <a:schemeClr val="tx1">
+                    <a:lumMod val="65000"/>
+                    <a:lumOff val="35000"/>
+                  </a:schemeClr>
+                </a:solidFill>
+                <a:effectLst/>
+              </a:rPr>
+              <a:t>App.component.ts</a:t>
+            </a:r>
+            <a:endParaRPr lang="en-US" sz="2000" dirty="0">
+              <a:solidFill>
+                <a:schemeClr val="tx1">
+                  <a:lumMod val="65000"/>
+                  <a:lumOff val="35000"/>
+                </a:schemeClr>
+              </a:solidFill>
+              <a:effectLst/>
+            </a:endParaRPr>
+          </a:p>
+          <a:p>
+            <a:r>
+              <a:rPr lang="en-US" dirty="0"/>
+              <a:t>export class </a:t>
+            </a:r>
+            <a:r>
+              <a:rPr lang="en-US" dirty="0" err="1"/>
+              <a:t>AppComponent</a:t>
+            </a:r>
+            <a:r>
+              <a:rPr lang="en-US" dirty="0"/>
+              <a:t> {</a:t>
+            </a:r>
+          </a:p>
+          <a:p>
+            <a:r>
+              <a:rPr lang="en-US" dirty="0"/>
+              <a:t>name! : string;</a:t>
+            </a:r>
+          </a:p>
+          <a:p>
+            <a:r>
+              <a:rPr lang="en-US" dirty="0"/>
+              <a:t>}</a:t>
+            </a:r>
+          </a:p>
+          <a:p>
+            <a:endParaRPr lang="en-US" sz="2000" dirty="0">
+              <a:solidFill>
+                <a:schemeClr val="tx1">
+                  <a:lumMod val="65000"/>
+                  <a:lumOff val="35000"/>
+                </a:schemeClr>
+              </a:solidFill>
+              <a:effectLst/>
+            </a:endParaRPr>
+          </a:p>
+          <a:p>
+            <a:endParaRPr lang="en-US" sz="2000" dirty="0">
+              <a:solidFill>
+                <a:schemeClr val="tx1">
+                  <a:lumMod val="65000"/>
+                  <a:lumOff val="35000"/>
+                </a:schemeClr>
+              </a:solidFill>
+            </a:endParaRPr>
+          </a:p>
+          <a:p>
+            <a:endParaRPr lang="en-US" sz="2000" dirty="0">
+              <a:solidFill>
+                <a:schemeClr val="tx1">
+                  <a:lumMod val="65000"/>
+                  <a:lumOff val="35000"/>
+                </a:schemeClr>
+              </a:solidFill>
+              <a:effectLst/>
+            </a:endParaRPr>
+          </a:p>
         </p:txBody>
       </p:sp>
     </p:spTree>
     <p:extLst>
       <p:ext uri="{BB962C8B-B14F-4D97-AF65-F5344CB8AC3E}">
         <p14:creationId xmlns:p14="http://schemas.microsoft.com/office/powerpoint/2010/main" val="2507029401"/>
+      </p:ext>
+    </p:extLst>
+  </p:cSld>
+  <p:clrMapOvr>
+    <a:masterClrMapping/>
+  </p:clrMapOvr>
+</p:sld>
+</file>
+
+<file path=ppt/slides/slide134.xml><?xml version="1.0" encoding="utf-8"?>
+<p:sld xmlns:a="http://schemas.openxmlformats.org/drawingml/2006/main" xmlns:r="http://schemas.openxmlformats.org/officeDocument/2006/relationships" xmlns:p="http://schemas.openxmlformats.org/presentationml/2006/main">
+  <p:cSld>
+    <p:spTree>
+      <p:nvGrpSpPr>
+        <p:cNvPr id="1" name=""/>
+        <p:cNvGrpSpPr/>
+        <p:nvPr/>
+      </p:nvGrpSpPr>
+      <p:grpSpPr>
+        <a:xfrm>
+          <a:off x="0" y="0"/>
+          <a:ext cx="0" cy="0"/>
+          <a:chOff x="0" y="0"/>
+          <a:chExt cx="0" cy="0"/>
+        </a:xfrm>
+      </p:grpSpPr>
+      <p:sp>
+        <p:nvSpPr>
+          <p:cNvPr id="2" name="Footer Placeholder 1">
+            <a:extLst>
+              <a:ext uri="{FF2B5EF4-FFF2-40B4-BE49-F238E27FC236}">
+                <a16:creationId xmlns:a16="http://schemas.microsoft.com/office/drawing/2014/main" id="{600774A0-3F41-12FD-DAA8-2D14DFE8ABC6}"/>
+              </a:ext>
+            </a:extLst>
+          </p:cNvPr>
+          <p:cNvSpPr>
+            <a:spLocks noGrp="1"/>
+          </p:cNvSpPr>
+          <p:nvPr>
+            <p:ph type="ftr" sz="quarter" idx="11"/>
+          </p:nvPr>
+        </p:nvSpPr>
+        <p:spPr/>
+        <p:txBody>
+          <a:bodyPr/>
+          <a:lstStyle/>
+          <a:p>
+            <a:r>
+              <a:rPr lang="en-IN"/>
+              <a:t>H&amp;D IT Solution</a:t>
+            </a:r>
+            <a:endParaRPr lang="en-IN" dirty="0"/>
+          </a:p>
+        </p:txBody>
+      </p:sp>
+      <p:sp>
+        <p:nvSpPr>
+          <p:cNvPr id="3" name="Slide Number Placeholder 2">
+            <a:extLst>
+              <a:ext uri="{FF2B5EF4-FFF2-40B4-BE49-F238E27FC236}">
+                <a16:creationId xmlns:a16="http://schemas.microsoft.com/office/drawing/2014/main" id="{194E3C9F-8C21-6FA9-D6DC-111DE43555C8}"/>
+              </a:ext>
+            </a:extLst>
+          </p:cNvPr>
+          <p:cNvSpPr>
+            <a:spLocks noGrp="1"/>
+          </p:cNvSpPr>
+          <p:nvPr>
+            <p:ph type="sldNum" sz="quarter" idx="12"/>
+          </p:nvPr>
+        </p:nvSpPr>
+        <p:spPr/>
+        <p:txBody>
+          <a:bodyPr/>
+          <a:lstStyle/>
+          <a:p>
+            <a:fld id="{4A777409-9C5A-4B07-8E32-19F22F7D558C}" type="slidenum">
+              <a:rPr lang="en-IN" smtClean="0"/>
+              <a:t>134</a:t>
+            </a:fld>
+            <a:endParaRPr lang="en-IN" dirty="0"/>
+          </a:p>
+        </p:txBody>
+      </p:sp>
+      <p:sp>
+        <p:nvSpPr>
+          <p:cNvPr id="5" name="TextBox 4">
+            <a:extLst>
+              <a:ext uri="{FF2B5EF4-FFF2-40B4-BE49-F238E27FC236}">
+                <a16:creationId xmlns:a16="http://schemas.microsoft.com/office/drawing/2014/main" id="{F92F8E66-7599-20C8-AACD-D2E7D993EBA7}"/>
+              </a:ext>
+            </a:extLst>
+          </p:cNvPr>
+          <p:cNvSpPr txBox="1"/>
+          <p:nvPr/>
+        </p:nvSpPr>
+        <p:spPr>
+          <a:xfrm>
+            <a:off x="989029" y="597758"/>
+            <a:ext cx="8305800" cy="461665"/>
+          </a:xfrm>
+          <a:prstGeom prst="rect">
+            <a:avLst/>
+          </a:prstGeom>
+          <a:noFill/>
+        </p:spPr>
+        <p:txBody>
+          <a:bodyPr wrap="square">
+            <a:spAutoFit/>
+          </a:bodyPr>
+          <a:lstStyle/>
+          <a:p>
+            <a:r>
+              <a:rPr lang="en-US" sz="2400" b="1" dirty="0"/>
+              <a:t>Passing data from Child Component to Container Component</a:t>
+            </a:r>
+          </a:p>
+        </p:txBody>
+      </p:sp>
+      <p:sp>
+        <p:nvSpPr>
+          <p:cNvPr id="7" name="TextBox 6">
+            <a:extLst>
+              <a:ext uri="{FF2B5EF4-FFF2-40B4-BE49-F238E27FC236}">
+                <a16:creationId xmlns:a16="http://schemas.microsoft.com/office/drawing/2014/main" id="{8ED88843-FC09-D5F4-46BC-D4273CD88028}"/>
+              </a:ext>
+            </a:extLst>
+          </p:cNvPr>
+          <p:cNvSpPr txBox="1"/>
+          <p:nvPr/>
+        </p:nvSpPr>
+        <p:spPr>
+          <a:xfrm>
+            <a:off x="183823" y="1178626"/>
+            <a:ext cx="11477134" cy="3785652"/>
+          </a:xfrm>
+          <a:prstGeom prst="rect">
+            <a:avLst/>
+          </a:prstGeom>
+          <a:noFill/>
+        </p:spPr>
+        <p:txBody>
+          <a:bodyPr wrap="square">
+            <a:spAutoFit/>
+          </a:bodyPr>
+          <a:lstStyle/>
+          <a:p>
+            <a:pPr>
+              <a:buFont typeface="Arial" panose="020B0604020202020204" pitchFamily="34" charset="0"/>
+              <a:buChar char="•"/>
+            </a:pPr>
+            <a:r>
+              <a:rPr lang="en-US" sz="2000" dirty="0">
+                <a:solidFill>
+                  <a:schemeClr val="tx1">
+                    <a:lumMod val="65000"/>
+                    <a:lumOff val="35000"/>
+                  </a:schemeClr>
+                </a:solidFill>
+                <a:effectLst/>
+              </a:rPr>
+              <a:t>If a child component wants to send data to its parent component, then it must create a property with @Output decorator.</a:t>
+            </a:r>
+          </a:p>
+          <a:p>
+            <a:pPr>
+              <a:buFont typeface="Arial" panose="020B0604020202020204" pitchFamily="34" charset="0"/>
+              <a:buChar char="•"/>
+            </a:pPr>
+            <a:endParaRPr lang="en-US" sz="2000" dirty="0">
+              <a:solidFill>
+                <a:schemeClr val="tx1">
+                  <a:lumMod val="65000"/>
+                  <a:lumOff val="35000"/>
+                </a:schemeClr>
+              </a:solidFill>
+              <a:effectLst/>
+            </a:endParaRPr>
+          </a:p>
+          <a:p>
+            <a:pPr>
+              <a:buFont typeface="Arial" panose="020B0604020202020204" pitchFamily="34" charset="0"/>
+              <a:buChar char="•"/>
+            </a:pPr>
+            <a:r>
+              <a:rPr lang="en-US" sz="2000" dirty="0">
+                <a:solidFill>
+                  <a:schemeClr val="tx1">
+                    <a:lumMod val="65000"/>
+                    <a:lumOff val="35000"/>
+                  </a:schemeClr>
+                </a:solidFill>
+                <a:effectLst/>
+              </a:rPr>
+              <a:t>The only method for the child component to pass data to its parent component is through events. The property must be of type </a:t>
+            </a:r>
+            <a:r>
+              <a:rPr lang="en-US" sz="2000" dirty="0" err="1">
+                <a:solidFill>
+                  <a:schemeClr val="tx1">
+                    <a:lumMod val="65000"/>
+                    <a:lumOff val="35000"/>
+                  </a:schemeClr>
+                </a:solidFill>
+                <a:effectLst/>
+              </a:rPr>
+              <a:t>EventEmitter</a:t>
+            </a:r>
+            <a:endParaRPr lang="en-US" sz="2000" dirty="0">
+              <a:solidFill>
+                <a:schemeClr val="tx1">
+                  <a:lumMod val="65000"/>
+                  <a:lumOff val="35000"/>
+                </a:schemeClr>
+              </a:solidFill>
+              <a:effectLst/>
+            </a:endParaRPr>
+          </a:p>
+          <a:p>
+            <a:r>
+              <a:rPr lang="en-US" sz="2000" dirty="0">
+                <a:solidFill>
+                  <a:schemeClr val="tx1">
+                    <a:lumMod val="65000"/>
+                    <a:lumOff val="35000"/>
+                  </a:schemeClr>
+                </a:solidFill>
+                <a:effectLst/>
+              </a:rPr>
+              <a:t> </a:t>
+            </a:r>
+          </a:p>
+          <a:p>
+            <a:r>
+              <a:rPr lang="en-US" sz="2000" b="1" dirty="0">
+                <a:solidFill>
+                  <a:schemeClr val="tx1">
+                    <a:lumMod val="65000"/>
+                    <a:lumOff val="35000"/>
+                  </a:schemeClr>
+                </a:solidFill>
+                <a:effectLst/>
+              </a:rPr>
+              <a:t>Example</a:t>
+            </a:r>
+            <a:r>
+              <a:rPr lang="en-US" sz="2000" dirty="0">
+                <a:solidFill>
+                  <a:schemeClr val="tx1">
+                    <a:lumMod val="65000"/>
+                    <a:lumOff val="35000"/>
+                  </a:schemeClr>
+                </a:solidFill>
+                <a:effectLst/>
+              </a:rPr>
+              <a:t>:</a:t>
+            </a:r>
+          </a:p>
+          <a:p>
+            <a:r>
+              <a:rPr lang="en-US" sz="2000" b="1" dirty="0">
+                <a:solidFill>
+                  <a:schemeClr val="tx1">
+                    <a:lumMod val="65000"/>
+                    <a:lumOff val="35000"/>
+                  </a:schemeClr>
+                </a:solidFill>
+                <a:effectLst/>
+              </a:rPr>
+              <a:t>Problem Statement:</a:t>
+            </a:r>
+            <a:r>
+              <a:rPr lang="en-US" sz="2000" dirty="0">
+                <a:solidFill>
+                  <a:schemeClr val="tx1">
+                    <a:lumMod val="65000"/>
+                    <a:lumOff val="35000"/>
+                  </a:schemeClr>
+                </a:solidFill>
+                <a:effectLst/>
+              </a:rPr>
+              <a:t> Create an </a:t>
+            </a:r>
+            <a:r>
+              <a:rPr lang="en-US" sz="2000" dirty="0" err="1">
+                <a:solidFill>
+                  <a:schemeClr val="tx1">
+                    <a:lumMod val="65000"/>
+                    <a:lumOff val="35000"/>
+                  </a:schemeClr>
+                </a:solidFill>
+                <a:effectLst/>
+              </a:rPr>
+              <a:t>AppComponent</a:t>
+            </a:r>
+            <a:r>
+              <a:rPr lang="en-US" sz="2000" dirty="0">
+                <a:solidFill>
+                  <a:schemeClr val="tx1">
+                    <a:lumMod val="65000"/>
+                    <a:lumOff val="35000"/>
+                  </a:schemeClr>
+                </a:solidFill>
+                <a:effectLst/>
+              </a:rPr>
+              <a:t> that loads another component called </a:t>
+            </a:r>
+            <a:r>
+              <a:rPr lang="en-US" sz="2000" dirty="0" err="1">
+                <a:solidFill>
+                  <a:schemeClr val="tx1">
+                    <a:lumMod val="65000"/>
+                    <a:lumOff val="35000"/>
+                  </a:schemeClr>
+                </a:solidFill>
+                <a:effectLst/>
+              </a:rPr>
+              <a:t>CoursesList</a:t>
+            </a:r>
+            <a:r>
+              <a:rPr lang="en-US" sz="2000" dirty="0">
+                <a:solidFill>
+                  <a:schemeClr val="tx1">
+                    <a:lumMod val="65000"/>
+                    <a:lumOff val="35000"/>
+                  </a:schemeClr>
+                </a:solidFill>
+                <a:effectLst/>
+              </a:rPr>
+              <a:t> component. Create another component called </a:t>
+            </a:r>
+            <a:r>
+              <a:rPr lang="en-US" sz="2000" dirty="0" err="1">
+                <a:solidFill>
+                  <a:schemeClr val="tx1">
+                    <a:lumMod val="65000"/>
+                    <a:lumOff val="35000"/>
+                  </a:schemeClr>
+                </a:solidFill>
+                <a:effectLst/>
+              </a:rPr>
+              <a:t>CoursesListComponent</a:t>
+            </a:r>
+            <a:r>
+              <a:rPr lang="en-US" sz="2000" dirty="0">
+                <a:solidFill>
+                  <a:schemeClr val="tx1">
+                    <a:lumMod val="65000"/>
+                    <a:lumOff val="35000"/>
+                  </a:schemeClr>
+                </a:solidFill>
+                <a:effectLst/>
+              </a:rPr>
+              <a:t> which should display the courses list in a table along with a register button in each row. When a user clicks on the register button, it should send that </a:t>
+            </a:r>
+            <a:r>
+              <a:rPr lang="en-US" sz="2000" dirty="0" err="1">
+                <a:solidFill>
+                  <a:schemeClr val="tx1">
+                    <a:lumMod val="65000"/>
+                    <a:lumOff val="35000"/>
+                  </a:schemeClr>
+                </a:solidFill>
+                <a:effectLst/>
+              </a:rPr>
+              <a:t>courseName</a:t>
+            </a:r>
+            <a:r>
+              <a:rPr lang="en-US" sz="2000" dirty="0">
+                <a:solidFill>
+                  <a:schemeClr val="tx1">
+                    <a:lumMod val="65000"/>
+                    <a:lumOff val="35000"/>
+                  </a:schemeClr>
+                </a:solidFill>
+                <a:effectLst/>
+              </a:rPr>
+              <a:t> value back to </a:t>
+            </a:r>
+            <a:r>
+              <a:rPr lang="en-US" sz="2000" dirty="0" err="1">
+                <a:solidFill>
+                  <a:schemeClr val="tx1">
+                    <a:lumMod val="65000"/>
+                    <a:lumOff val="35000"/>
+                  </a:schemeClr>
+                </a:solidFill>
+                <a:effectLst/>
+              </a:rPr>
+              <a:t>AppComponent</a:t>
+            </a:r>
+            <a:r>
+              <a:rPr lang="en-US" sz="2000" dirty="0">
+                <a:solidFill>
+                  <a:schemeClr val="tx1">
+                    <a:lumMod val="65000"/>
+                    <a:lumOff val="35000"/>
+                  </a:schemeClr>
+                </a:solidFill>
+                <a:effectLst/>
+              </a:rPr>
+              <a:t> where it should display the registration successful message along with </a:t>
+            </a:r>
+            <a:r>
+              <a:rPr lang="en-US" sz="2000" dirty="0" err="1">
+                <a:solidFill>
+                  <a:schemeClr val="tx1">
+                    <a:lumMod val="65000"/>
+                    <a:lumOff val="35000"/>
+                  </a:schemeClr>
+                </a:solidFill>
+                <a:effectLst/>
+              </a:rPr>
+              <a:t>courseName</a:t>
+            </a:r>
+            <a:endParaRPr lang="en-US" sz="2000" dirty="0">
+              <a:solidFill>
+                <a:schemeClr val="tx1">
+                  <a:lumMod val="65000"/>
+                  <a:lumOff val="35000"/>
+                </a:schemeClr>
+              </a:solidFill>
+              <a:effectLst/>
+            </a:endParaRPr>
+          </a:p>
+        </p:txBody>
+      </p:sp>
+    </p:spTree>
+    <p:extLst>
+      <p:ext uri="{BB962C8B-B14F-4D97-AF65-F5344CB8AC3E}">
+        <p14:creationId xmlns:p14="http://schemas.microsoft.com/office/powerpoint/2010/main" val="3167235906"/>
+      </p:ext>
+    </p:extLst>
+  </p:cSld>
+  <p:clrMapOvr>
+    <a:masterClrMapping/>
+  </p:clrMapOvr>
+</p:sld>
+</file>
+
+<file path=ppt/slides/slide135.xml><?xml version="1.0" encoding="utf-8"?>
+<p:sld xmlns:a="http://schemas.openxmlformats.org/drawingml/2006/main" xmlns:r="http://schemas.openxmlformats.org/officeDocument/2006/relationships" xmlns:p="http://schemas.openxmlformats.org/presentationml/2006/main">
+  <p:cSld>
+    <p:spTree>
+      <p:nvGrpSpPr>
+        <p:cNvPr id="1" name=""/>
+        <p:cNvGrpSpPr/>
+        <p:nvPr/>
+      </p:nvGrpSpPr>
+      <p:grpSpPr>
+        <a:xfrm>
+          <a:off x="0" y="0"/>
+          <a:ext cx="0" cy="0"/>
+          <a:chOff x="0" y="0"/>
+          <a:chExt cx="0" cy="0"/>
+        </a:xfrm>
+      </p:grpSpPr>
+      <p:sp>
+        <p:nvSpPr>
+          <p:cNvPr id="2" name="Footer Placeholder 1">
+            <a:extLst>
+              <a:ext uri="{FF2B5EF4-FFF2-40B4-BE49-F238E27FC236}">
+                <a16:creationId xmlns:a16="http://schemas.microsoft.com/office/drawing/2014/main" id="{5E10742F-1E8E-DE2D-6608-75C22D2D61A1}"/>
+              </a:ext>
+            </a:extLst>
+          </p:cNvPr>
+          <p:cNvSpPr>
+            <a:spLocks noGrp="1"/>
+          </p:cNvSpPr>
+          <p:nvPr>
+            <p:ph type="ftr" sz="quarter" idx="11"/>
+          </p:nvPr>
+        </p:nvSpPr>
+        <p:spPr/>
+        <p:txBody>
+          <a:bodyPr/>
+          <a:lstStyle/>
+          <a:p>
+            <a:r>
+              <a:rPr lang="en-IN"/>
+              <a:t>H&amp;D IT Solution</a:t>
+            </a:r>
+            <a:endParaRPr lang="en-IN" dirty="0"/>
+          </a:p>
+        </p:txBody>
+      </p:sp>
+      <p:sp>
+        <p:nvSpPr>
+          <p:cNvPr id="3" name="Slide Number Placeholder 2">
+            <a:extLst>
+              <a:ext uri="{FF2B5EF4-FFF2-40B4-BE49-F238E27FC236}">
+                <a16:creationId xmlns:a16="http://schemas.microsoft.com/office/drawing/2014/main" id="{493ED27A-42B4-5A4C-CE24-B34893E2980E}"/>
+              </a:ext>
+            </a:extLst>
+          </p:cNvPr>
+          <p:cNvSpPr>
+            <a:spLocks noGrp="1"/>
+          </p:cNvSpPr>
+          <p:nvPr>
+            <p:ph type="sldNum" sz="quarter" idx="12"/>
+          </p:nvPr>
+        </p:nvSpPr>
+        <p:spPr/>
+        <p:txBody>
+          <a:bodyPr/>
+          <a:lstStyle/>
+          <a:p>
+            <a:fld id="{4A777409-9C5A-4B07-8E32-19F22F7D558C}" type="slidenum">
+              <a:rPr lang="en-IN" smtClean="0"/>
+              <a:t>135</a:t>
+            </a:fld>
+            <a:endParaRPr lang="en-IN" dirty="0"/>
+          </a:p>
+        </p:txBody>
+      </p:sp>
+      <p:pic>
+        <p:nvPicPr>
+          <p:cNvPr id="5" name="Picture 4">
+            <a:extLst>
+              <a:ext uri="{FF2B5EF4-FFF2-40B4-BE49-F238E27FC236}">
+                <a16:creationId xmlns:a16="http://schemas.microsoft.com/office/drawing/2014/main" id="{2DFCB130-3344-AFCF-4C77-A9B89CA265EF}"/>
+              </a:ext>
+            </a:extLst>
+          </p:cNvPr>
+          <p:cNvPicPr>
+            <a:picLocks noChangeAspect="1"/>
+          </p:cNvPicPr>
+          <p:nvPr/>
+        </p:nvPicPr>
+        <p:blipFill>
+          <a:blip r:embed="rId2">
+            <a:extLst>
+              <a:ext uri="{28A0092B-C50C-407E-A947-70E740481C1C}">
+                <a14:useLocalDpi xmlns:a14="http://schemas.microsoft.com/office/drawing/2010/main" val="0"/>
+              </a:ext>
+            </a:extLst>
+          </a:blip>
+          <a:stretch>
+            <a:fillRect/>
+          </a:stretch>
+        </p:blipFill>
+        <p:spPr>
+          <a:xfrm>
+            <a:off x="1088501" y="742950"/>
+            <a:ext cx="9505950" cy="2686050"/>
+          </a:xfrm>
+          <a:prstGeom prst="rect">
+            <a:avLst/>
+          </a:prstGeom>
+        </p:spPr>
+      </p:pic>
+      <p:sp>
+        <p:nvSpPr>
+          <p:cNvPr id="7" name="TextBox 6">
+            <a:extLst>
+              <a:ext uri="{FF2B5EF4-FFF2-40B4-BE49-F238E27FC236}">
+                <a16:creationId xmlns:a16="http://schemas.microsoft.com/office/drawing/2014/main" id="{EC02E018-A109-79D4-DEC6-6D709E648885}"/>
+              </a:ext>
+            </a:extLst>
+          </p:cNvPr>
+          <p:cNvSpPr txBox="1"/>
+          <p:nvPr/>
+        </p:nvSpPr>
+        <p:spPr>
+          <a:xfrm>
+            <a:off x="419492" y="3765164"/>
+            <a:ext cx="6099142" cy="400110"/>
+          </a:xfrm>
+          <a:prstGeom prst="rect">
+            <a:avLst/>
+          </a:prstGeom>
+          <a:noFill/>
+        </p:spPr>
+        <p:txBody>
+          <a:bodyPr wrap="square">
+            <a:spAutoFit/>
+          </a:bodyPr>
+          <a:lstStyle/>
+          <a:p>
+            <a:r>
+              <a:rPr lang="en-IN" sz="2000" b="1" dirty="0">
+                <a:solidFill>
+                  <a:schemeClr val="tx1">
+                    <a:lumMod val="65000"/>
+                    <a:lumOff val="35000"/>
+                  </a:schemeClr>
+                </a:solidFill>
+              </a:rPr>
+              <a:t>courses-</a:t>
+            </a:r>
+            <a:r>
+              <a:rPr lang="en-IN" sz="2000" b="1" dirty="0" err="1">
+                <a:solidFill>
+                  <a:schemeClr val="tx1">
+                    <a:lumMod val="65000"/>
+                    <a:lumOff val="35000"/>
+                  </a:schemeClr>
+                </a:solidFill>
+              </a:rPr>
+              <a:t>list.component.ts</a:t>
+            </a:r>
+            <a:endParaRPr lang="en-IN" sz="2000" dirty="0">
+              <a:solidFill>
+                <a:schemeClr val="tx1">
+                  <a:lumMod val="65000"/>
+                  <a:lumOff val="35000"/>
+                </a:schemeClr>
+              </a:solidFill>
+            </a:endParaRPr>
+          </a:p>
+        </p:txBody>
+      </p:sp>
+      <p:sp>
+        <p:nvSpPr>
+          <p:cNvPr id="9" name="TextBox 8">
+            <a:extLst>
+              <a:ext uri="{FF2B5EF4-FFF2-40B4-BE49-F238E27FC236}">
+                <a16:creationId xmlns:a16="http://schemas.microsoft.com/office/drawing/2014/main" id="{2ED23EA8-3974-F1EC-4A2E-86EADE1D73BA}"/>
+              </a:ext>
+            </a:extLst>
+          </p:cNvPr>
+          <p:cNvSpPr txBox="1"/>
+          <p:nvPr/>
+        </p:nvSpPr>
+        <p:spPr>
+          <a:xfrm>
+            <a:off x="419492" y="4106650"/>
+            <a:ext cx="8979032" cy="2308324"/>
+          </a:xfrm>
+          <a:prstGeom prst="rect">
+            <a:avLst/>
+          </a:prstGeom>
+          <a:noFill/>
+        </p:spPr>
+        <p:txBody>
+          <a:bodyPr wrap="square">
+            <a:spAutoFit/>
+          </a:bodyPr>
+          <a:lstStyle/>
+          <a:p>
+            <a:r>
+              <a:rPr lang="en-IN" dirty="0"/>
+              <a:t>...</a:t>
+            </a:r>
+          </a:p>
+          <a:p>
+            <a:r>
+              <a:rPr lang="en-IN" dirty="0"/>
+              <a:t>export class </a:t>
+            </a:r>
+            <a:r>
+              <a:rPr lang="en-IN" dirty="0" err="1"/>
+              <a:t>CoursesListComponent</a:t>
+            </a:r>
+            <a:r>
+              <a:rPr lang="en-IN" dirty="0"/>
+              <a:t> {</a:t>
+            </a:r>
+          </a:p>
+          <a:p>
+            <a:r>
+              <a:rPr lang="en-IN" dirty="0"/>
+              <a:t>  @Output() </a:t>
+            </a:r>
+            <a:r>
+              <a:rPr lang="en-IN" dirty="0" err="1"/>
+              <a:t>onRegister</a:t>
+            </a:r>
+            <a:r>
+              <a:rPr lang="en-IN" dirty="0"/>
+              <a:t> = new </a:t>
+            </a:r>
+            <a:r>
+              <a:rPr lang="en-IN" dirty="0" err="1"/>
+              <a:t>EventEmitter</a:t>
+            </a:r>
+            <a:r>
+              <a:rPr lang="en-IN" dirty="0"/>
+              <a:t>&lt;string&gt;();</a:t>
+            </a:r>
+          </a:p>
+          <a:p>
+            <a:r>
+              <a:rPr lang="en-IN" dirty="0"/>
+              <a:t>  ...</a:t>
+            </a:r>
+          </a:p>
+          <a:p>
+            <a:r>
+              <a:rPr lang="en-IN" dirty="0"/>
+              <a:t>  register(</a:t>
+            </a:r>
+            <a:r>
+              <a:rPr lang="en-IN" dirty="0" err="1"/>
+              <a:t>courseName</a:t>
+            </a:r>
+            <a:r>
+              <a:rPr lang="en-IN" dirty="0"/>
+              <a:t>: string) {</a:t>
+            </a:r>
+          </a:p>
+          <a:p>
+            <a:r>
+              <a:rPr lang="en-IN" dirty="0"/>
+              <a:t>    </a:t>
+            </a:r>
+            <a:r>
+              <a:rPr lang="en-IN" dirty="0" err="1"/>
+              <a:t>this.onRegister.emit</a:t>
+            </a:r>
+            <a:r>
+              <a:rPr lang="en-IN" dirty="0"/>
+              <a:t>(</a:t>
+            </a:r>
+            <a:r>
+              <a:rPr lang="en-IN" dirty="0" err="1"/>
+              <a:t>courseName</a:t>
+            </a:r>
+            <a:r>
+              <a:rPr lang="en-IN" dirty="0"/>
+              <a:t>);</a:t>
+            </a:r>
+          </a:p>
+          <a:p>
+            <a:r>
+              <a:rPr lang="en-IN" dirty="0"/>
+              <a:t>  }</a:t>
+            </a:r>
+          </a:p>
+          <a:p>
+            <a:r>
+              <a:rPr lang="en-IN" dirty="0"/>
+              <a:t>}</a:t>
+            </a:r>
+          </a:p>
+        </p:txBody>
+      </p:sp>
+    </p:spTree>
+    <p:extLst>
+      <p:ext uri="{BB962C8B-B14F-4D97-AF65-F5344CB8AC3E}">
+        <p14:creationId xmlns:p14="http://schemas.microsoft.com/office/powerpoint/2010/main" val="4116012208"/>
+      </p:ext>
+    </p:extLst>
+  </p:cSld>
+  <p:clrMapOvr>
+    <a:masterClrMapping/>
+  </p:clrMapOvr>
+</p:sld>
+</file>
+
+<file path=ppt/slides/slide136.xml><?xml version="1.0" encoding="utf-8"?>
+<p:sld xmlns:a="http://schemas.openxmlformats.org/drawingml/2006/main" xmlns:r="http://schemas.openxmlformats.org/officeDocument/2006/relationships" xmlns:p="http://schemas.openxmlformats.org/presentationml/2006/main">
+  <p:cSld>
+    <p:spTree>
+      <p:nvGrpSpPr>
+        <p:cNvPr id="1" name=""/>
+        <p:cNvGrpSpPr/>
+        <p:nvPr/>
+      </p:nvGrpSpPr>
+      <p:grpSpPr>
+        <a:xfrm>
+          <a:off x="0" y="0"/>
+          <a:ext cx="0" cy="0"/>
+          <a:chOff x="0" y="0"/>
+          <a:chExt cx="0" cy="0"/>
+        </a:xfrm>
+      </p:grpSpPr>
+      <p:sp>
+        <p:nvSpPr>
+          <p:cNvPr id="2" name="Footer Placeholder 1">
+            <a:extLst>
+              <a:ext uri="{FF2B5EF4-FFF2-40B4-BE49-F238E27FC236}">
+                <a16:creationId xmlns:a16="http://schemas.microsoft.com/office/drawing/2014/main" id="{EE65F589-373D-9616-C916-6CB924D37F95}"/>
+              </a:ext>
+            </a:extLst>
+          </p:cNvPr>
+          <p:cNvSpPr>
+            <a:spLocks noGrp="1"/>
+          </p:cNvSpPr>
+          <p:nvPr>
+            <p:ph type="ftr" sz="quarter" idx="11"/>
+          </p:nvPr>
+        </p:nvSpPr>
+        <p:spPr/>
+        <p:txBody>
+          <a:bodyPr/>
+          <a:lstStyle/>
+          <a:p>
+            <a:r>
+              <a:rPr lang="en-IN"/>
+              <a:t>H&amp;D IT Solution</a:t>
+            </a:r>
+            <a:endParaRPr lang="en-IN" dirty="0"/>
+          </a:p>
+        </p:txBody>
+      </p:sp>
+      <p:sp>
+        <p:nvSpPr>
+          <p:cNvPr id="3" name="Slide Number Placeholder 2">
+            <a:extLst>
+              <a:ext uri="{FF2B5EF4-FFF2-40B4-BE49-F238E27FC236}">
+                <a16:creationId xmlns:a16="http://schemas.microsoft.com/office/drawing/2014/main" id="{25C8D781-F9F1-A027-F1B5-88E144EBE191}"/>
+              </a:ext>
+            </a:extLst>
+          </p:cNvPr>
+          <p:cNvSpPr>
+            <a:spLocks noGrp="1"/>
+          </p:cNvSpPr>
+          <p:nvPr>
+            <p:ph type="sldNum" sz="quarter" idx="12"/>
+          </p:nvPr>
+        </p:nvSpPr>
+        <p:spPr/>
+        <p:txBody>
+          <a:bodyPr/>
+          <a:lstStyle/>
+          <a:p>
+            <a:fld id="{4A777409-9C5A-4B07-8E32-19F22F7D558C}" type="slidenum">
+              <a:rPr lang="en-IN" smtClean="0"/>
+              <a:t>136</a:t>
+            </a:fld>
+            <a:endParaRPr lang="en-IN" dirty="0"/>
+          </a:p>
+        </p:txBody>
+      </p:sp>
+      <p:sp>
+        <p:nvSpPr>
+          <p:cNvPr id="5" name="TextBox 4">
+            <a:extLst>
+              <a:ext uri="{FF2B5EF4-FFF2-40B4-BE49-F238E27FC236}">
+                <a16:creationId xmlns:a16="http://schemas.microsoft.com/office/drawing/2014/main" id="{987899CF-CF78-91DA-C73D-0EF3B59BCBB0}"/>
+              </a:ext>
+            </a:extLst>
+          </p:cNvPr>
+          <p:cNvSpPr txBox="1"/>
+          <p:nvPr/>
+        </p:nvSpPr>
+        <p:spPr>
+          <a:xfrm>
+            <a:off x="772212" y="671735"/>
+            <a:ext cx="10436257" cy="2246769"/>
+          </a:xfrm>
+          <a:prstGeom prst="rect">
+            <a:avLst/>
+          </a:prstGeom>
+          <a:noFill/>
+        </p:spPr>
+        <p:txBody>
+          <a:bodyPr wrap="square">
+            <a:spAutoFit/>
+          </a:bodyPr>
+          <a:lstStyle/>
+          <a:p>
+            <a:r>
+              <a:rPr lang="en-US" sz="2000" dirty="0">
+                <a:solidFill>
+                  <a:schemeClr val="tx1">
+                    <a:lumMod val="65000"/>
+                    <a:lumOff val="35000"/>
+                  </a:schemeClr>
+                </a:solidFill>
+                <a:effectLst/>
+              </a:rPr>
+              <a:t>Line 3: Create a property called </a:t>
+            </a:r>
+            <a:r>
+              <a:rPr lang="en-US" sz="2000" dirty="0" err="1">
+                <a:solidFill>
+                  <a:schemeClr val="tx1">
+                    <a:lumMod val="65000"/>
+                    <a:lumOff val="35000"/>
+                  </a:schemeClr>
+                </a:solidFill>
+                <a:effectLst/>
+              </a:rPr>
+              <a:t>onRegister</a:t>
+            </a:r>
+            <a:r>
+              <a:rPr lang="en-US" sz="2000" dirty="0">
+                <a:solidFill>
+                  <a:schemeClr val="tx1">
+                    <a:lumMod val="65000"/>
+                    <a:lumOff val="35000"/>
+                  </a:schemeClr>
+                </a:solidFill>
+                <a:effectLst/>
+              </a:rPr>
+              <a:t> of type </a:t>
+            </a:r>
+            <a:r>
+              <a:rPr lang="en-US" sz="2000" dirty="0" err="1">
+                <a:solidFill>
+                  <a:schemeClr val="tx1">
+                    <a:lumMod val="65000"/>
+                    <a:lumOff val="35000"/>
+                  </a:schemeClr>
+                </a:solidFill>
+                <a:effectLst/>
+              </a:rPr>
+              <a:t>EventEmitter</a:t>
+            </a:r>
+            <a:r>
+              <a:rPr lang="en-US" sz="2000" dirty="0">
+                <a:solidFill>
+                  <a:schemeClr val="tx1">
+                    <a:lumMod val="65000"/>
+                    <a:lumOff val="35000"/>
+                  </a:schemeClr>
+                </a:solidFill>
+                <a:effectLst/>
+              </a:rPr>
+              <a:t> and attach @Output decorator which makes the property to send the data from child to parent</a:t>
+            </a:r>
+          </a:p>
+          <a:p>
+            <a:endParaRPr lang="en-US" sz="2000" dirty="0">
+              <a:solidFill>
+                <a:schemeClr val="tx1">
+                  <a:lumMod val="65000"/>
+                  <a:lumOff val="35000"/>
+                </a:schemeClr>
+              </a:solidFill>
+              <a:effectLst/>
+            </a:endParaRPr>
+          </a:p>
+          <a:p>
+            <a:r>
+              <a:rPr lang="en-US" sz="2000" dirty="0">
+                <a:solidFill>
+                  <a:schemeClr val="tx1">
+                    <a:lumMod val="65000"/>
+                    <a:lumOff val="35000"/>
+                  </a:schemeClr>
+                </a:solidFill>
+                <a:effectLst/>
+              </a:rPr>
+              <a:t>Line 7: this line emits the </a:t>
+            </a:r>
+            <a:r>
+              <a:rPr lang="en-US" sz="2000" dirty="0" err="1">
+                <a:solidFill>
+                  <a:schemeClr val="tx1">
+                    <a:lumMod val="65000"/>
+                    <a:lumOff val="35000"/>
+                  </a:schemeClr>
+                </a:solidFill>
+                <a:effectLst/>
+              </a:rPr>
+              <a:t>courseName</a:t>
+            </a:r>
+            <a:r>
+              <a:rPr lang="en-US" sz="2000" dirty="0">
+                <a:solidFill>
+                  <a:schemeClr val="tx1">
+                    <a:lumMod val="65000"/>
+                    <a:lumOff val="35000"/>
+                  </a:schemeClr>
+                </a:solidFill>
+                <a:effectLst/>
+              </a:rPr>
+              <a:t> value </a:t>
+            </a:r>
+            <a:r>
+              <a:rPr lang="en-US" sz="2000" dirty="0" err="1">
+                <a:solidFill>
+                  <a:schemeClr val="tx1">
+                    <a:lumMod val="65000"/>
+                    <a:lumOff val="35000"/>
+                  </a:schemeClr>
+                </a:solidFill>
+                <a:effectLst/>
+              </a:rPr>
+              <a:t>i.e</a:t>
+            </a:r>
+            <a:r>
+              <a:rPr lang="en-US" sz="2000" dirty="0">
+                <a:solidFill>
+                  <a:schemeClr val="tx1">
+                    <a:lumMod val="65000"/>
+                    <a:lumOff val="35000"/>
+                  </a:schemeClr>
+                </a:solidFill>
+                <a:effectLst/>
+              </a:rPr>
+              <a:t>, send the </a:t>
+            </a:r>
+            <a:r>
+              <a:rPr lang="en-US" sz="2000" dirty="0" err="1">
+                <a:solidFill>
+                  <a:schemeClr val="tx1">
+                    <a:lumMod val="65000"/>
+                    <a:lumOff val="35000"/>
+                  </a:schemeClr>
+                </a:solidFill>
+                <a:effectLst/>
+              </a:rPr>
+              <a:t>courseName</a:t>
+            </a:r>
+            <a:r>
+              <a:rPr lang="en-US" sz="2000" dirty="0">
+                <a:solidFill>
+                  <a:schemeClr val="tx1">
+                    <a:lumMod val="65000"/>
+                    <a:lumOff val="35000"/>
+                  </a:schemeClr>
+                </a:solidFill>
+                <a:effectLst/>
+              </a:rPr>
+              <a:t> value back to parent component.</a:t>
+            </a:r>
+          </a:p>
+          <a:p>
+            <a:r>
+              <a:rPr lang="en-US" sz="2000" dirty="0">
+                <a:solidFill>
+                  <a:schemeClr val="tx1">
+                    <a:lumMod val="65000"/>
+                    <a:lumOff val="35000"/>
+                  </a:schemeClr>
+                </a:solidFill>
+                <a:effectLst/>
+              </a:rPr>
+              <a:t> </a:t>
+            </a:r>
+          </a:p>
+          <a:p>
+            <a:r>
+              <a:rPr lang="en-US" sz="2000" b="1" dirty="0">
+                <a:solidFill>
+                  <a:schemeClr val="tx1">
+                    <a:lumMod val="65000"/>
+                    <a:lumOff val="35000"/>
+                  </a:schemeClr>
+                </a:solidFill>
+                <a:effectLst/>
+              </a:rPr>
+              <a:t>courses-list.component.html</a:t>
+            </a:r>
+            <a:endParaRPr lang="en-US" sz="2000" dirty="0">
+              <a:solidFill>
+                <a:schemeClr val="tx1">
+                  <a:lumMod val="65000"/>
+                  <a:lumOff val="35000"/>
+                </a:schemeClr>
+              </a:solidFill>
+              <a:effectLst/>
+            </a:endParaRPr>
+          </a:p>
+        </p:txBody>
+      </p:sp>
+      <p:sp>
+        <p:nvSpPr>
+          <p:cNvPr id="7" name="TextBox 6">
+            <a:extLst>
+              <a:ext uri="{FF2B5EF4-FFF2-40B4-BE49-F238E27FC236}">
+                <a16:creationId xmlns:a16="http://schemas.microsoft.com/office/drawing/2014/main" id="{EC11D972-E063-FCC6-47F2-B9D7D96B3AF1}"/>
+              </a:ext>
+            </a:extLst>
+          </p:cNvPr>
+          <p:cNvSpPr txBox="1"/>
+          <p:nvPr/>
+        </p:nvSpPr>
+        <p:spPr>
+          <a:xfrm>
+            <a:off x="843698" y="3067766"/>
+            <a:ext cx="10289357" cy="2862322"/>
+          </a:xfrm>
+          <a:prstGeom prst="rect">
+            <a:avLst/>
+          </a:prstGeom>
+          <a:noFill/>
+        </p:spPr>
+        <p:txBody>
+          <a:bodyPr wrap="square">
+            <a:spAutoFit/>
+          </a:bodyPr>
+          <a:lstStyle/>
+          <a:p>
+            <a:r>
+              <a:rPr lang="en-IN" dirty="0"/>
+              <a:t>&lt;table border="1"&gt;</a:t>
+            </a:r>
+          </a:p>
+          <a:p>
+            <a:r>
+              <a:rPr lang="en-IN" dirty="0"/>
+              <a:t>...</a:t>
+            </a:r>
+          </a:p>
+          <a:p>
+            <a:r>
+              <a:rPr lang="en-IN" dirty="0"/>
+              <a:t>  &lt;</a:t>
+            </a:r>
+            <a:r>
+              <a:rPr lang="en-IN" dirty="0" err="1"/>
+              <a:t>tbody</a:t>
+            </a:r>
+            <a:r>
+              <a:rPr lang="en-IN" dirty="0"/>
+              <a:t>&gt;</a:t>
+            </a:r>
+          </a:p>
+          <a:p>
+            <a:r>
+              <a:rPr lang="en-IN" dirty="0"/>
+              <a:t>    &lt;tr *</a:t>
+            </a:r>
+            <a:r>
+              <a:rPr lang="en-IN" dirty="0" err="1"/>
+              <a:t>ngFor</a:t>
+            </a:r>
+            <a:r>
+              <a:rPr lang="en-IN" dirty="0"/>
+              <a:t>="let course of courses"&gt;</a:t>
+            </a:r>
+          </a:p>
+          <a:p>
+            <a:r>
+              <a:rPr lang="en-IN" dirty="0"/>
+              <a:t>      &lt;td&gt;{{</a:t>
+            </a:r>
+            <a:r>
+              <a:rPr lang="en-IN" dirty="0" err="1"/>
+              <a:t>course.courseId</a:t>
+            </a:r>
+            <a:r>
+              <a:rPr lang="en-IN" dirty="0"/>
+              <a:t>}}&lt;/td&gt;</a:t>
+            </a:r>
+          </a:p>
+          <a:p>
+            <a:r>
+              <a:rPr lang="en-IN" dirty="0"/>
+              <a:t>      &lt;td&gt;{{</a:t>
+            </a:r>
+            <a:r>
+              <a:rPr lang="en-IN" dirty="0" err="1"/>
+              <a:t>course.courseName</a:t>
+            </a:r>
+            <a:r>
+              <a:rPr lang="en-IN" dirty="0"/>
+              <a:t>}}&lt;/td&gt;</a:t>
+            </a:r>
+          </a:p>
+          <a:p>
+            <a:r>
+              <a:rPr lang="en-IN" dirty="0"/>
+              <a:t>      &lt;td&gt;&lt;button (click)="register(</a:t>
+            </a:r>
+            <a:r>
+              <a:rPr lang="en-IN" dirty="0" err="1"/>
+              <a:t>course.courseName</a:t>
+            </a:r>
+            <a:r>
+              <a:rPr lang="en-IN" dirty="0"/>
+              <a:t>)"&gt;Register&lt;/button&gt;&lt;/td&gt;</a:t>
+            </a:r>
+          </a:p>
+          <a:p>
+            <a:r>
+              <a:rPr lang="en-IN" dirty="0"/>
+              <a:t>    &lt;/tr&gt;</a:t>
+            </a:r>
+          </a:p>
+          <a:p>
+            <a:r>
+              <a:rPr lang="en-IN" dirty="0"/>
+              <a:t>  &lt;/</a:t>
+            </a:r>
+            <a:r>
+              <a:rPr lang="en-IN" dirty="0" err="1"/>
+              <a:t>tbody</a:t>
+            </a:r>
+            <a:r>
+              <a:rPr lang="en-IN" dirty="0"/>
+              <a:t>&gt;</a:t>
+            </a:r>
+          </a:p>
+          <a:p>
+            <a:r>
+              <a:rPr lang="en-IN" dirty="0"/>
+              <a:t>&lt;/table&gt;</a:t>
+            </a:r>
+          </a:p>
+        </p:txBody>
+      </p:sp>
+    </p:spTree>
+    <p:extLst>
+      <p:ext uri="{BB962C8B-B14F-4D97-AF65-F5344CB8AC3E}">
+        <p14:creationId xmlns:p14="http://schemas.microsoft.com/office/powerpoint/2010/main" val="1208729270"/>
+      </p:ext>
+    </p:extLst>
+  </p:cSld>
+  <p:clrMapOvr>
+    <a:masterClrMapping/>
+  </p:clrMapOvr>
+</p:sld>
+</file>
+
+<file path=ppt/slides/slide137.xml><?xml version="1.0" encoding="utf-8"?>
+<p:sld xmlns:a="http://schemas.openxmlformats.org/drawingml/2006/main" xmlns:r="http://schemas.openxmlformats.org/officeDocument/2006/relationships" xmlns:p="http://schemas.openxmlformats.org/presentationml/2006/main">
+  <p:cSld>
+    <p:spTree>
+      <p:nvGrpSpPr>
+        <p:cNvPr id="1" name=""/>
+        <p:cNvGrpSpPr/>
+        <p:nvPr/>
+      </p:nvGrpSpPr>
+      <p:grpSpPr>
+        <a:xfrm>
+          <a:off x="0" y="0"/>
+          <a:ext cx="0" cy="0"/>
+          <a:chOff x="0" y="0"/>
+          <a:chExt cx="0" cy="0"/>
+        </a:xfrm>
+      </p:grpSpPr>
+      <p:sp>
+        <p:nvSpPr>
+          <p:cNvPr id="2" name="Footer Placeholder 1">
+            <a:extLst>
+              <a:ext uri="{FF2B5EF4-FFF2-40B4-BE49-F238E27FC236}">
+                <a16:creationId xmlns:a16="http://schemas.microsoft.com/office/drawing/2014/main" id="{4FB63E01-C91E-C74C-9971-1C851D36F026}"/>
+              </a:ext>
+            </a:extLst>
+          </p:cNvPr>
+          <p:cNvSpPr>
+            <a:spLocks noGrp="1"/>
+          </p:cNvSpPr>
+          <p:nvPr>
+            <p:ph type="ftr" sz="quarter" idx="11"/>
+          </p:nvPr>
+        </p:nvSpPr>
+        <p:spPr/>
+        <p:txBody>
+          <a:bodyPr/>
+          <a:lstStyle/>
+          <a:p>
+            <a:r>
+              <a:rPr lang="en-IN"/>
+              <a:t>H&amp;D IT Solution</a:t>
+            </a:r>
+            <a:endParaRPr lang="en-IN" dirty="0"/>
+          </a:p>
+        </p:txBody>
+      </p:sp>
+      <p:sp>
+        <p:nvSpPr>
+          <p:cNvPr id="3" name="Slide Number Placeholder 2">
+            <a:extLst>
+              <a:ext uri="{FF2B5EF4-FFF2-40B4-BE49-F238E27FC236}">
+                <a16:creationId xmlns:a16="http://schemas.microsoft.com/office/drawing/2014/main" id="{F41B0F32-40F8-DBD5-CF62-D7BD3EC83D88}"/>
+              </a:ext>
+            </a:extLst>
+          </p:cNvPr>
+          <p:cNvSpPr>
+            <a:spLocks noGrp="1"/>
+          </p:cNvSpPr>
+          <p:nvPr>
+            <p:ph type="sldNum" sz="quarter" idx="12"/>
+          </p:nvPr>
+        </p:nvSpPr>
+        <p:spPr/>
+        <p:txBody>
+          <a:bodyPr/>
+          <a:lstStyle/>
+          <a:p>
+            <a:fld id="{4A777409-9C5A-4B07-8E32-19F22F7D558C}" type="slidenum">
+              <a:rPr lang="en-IN" smtClean="0"/>
+              <a:t>137</a:t>
+            </a:fld>
+            <a:endParaRPr lang="en-IN" dirty="0"/>
+          </a:p>
+        </p:txBody>
+      </p:sp>
+      <p:sp>
+        <p:nvSpPr>
+          <p:cNvPr id="5" name="TextBox 4">
+            <a:extLst>
+              <a:ext uri="{FF2B5EF4-FFF2-40B4-BE49-F238E27FC236}">
+                <a16:creationId xmlns:a16="http://schemas.microsoft.com/office/drawing/2014/main" id="{2C11D6A0-9BA1-BF49-79DC-015C98416D6F}"/>
+              </a:ext>
+            </a:extLst>
+          </p:cNvPr>
+          <p:cNvSpPr txBox="1"/>
+          <p:nvPr/>
+        </p:nvSpPr>
+        <p:spPr>
+          <a:xfrm>
+            <a:off x="989028" y="644174"/>
+            <a:ext cx="10364771" cy="1323439"/>
+          </a:xfrm>
+          <a:prstGeom prst="rect">
+            <a:avLst/>
+          </a:prstGeom>
+          <a:noFill/>
+        </p:spPr>
+        <p:txBody>
+          <a:bodyPr wrap="square">
+            <a:spAutoFit/>
+          </a:bodyPr>
+          <a:lstStyle/>
+          <a:p>
+            <a:r>
+              <a:rPr lang="en-US" sz="2000" dirty="0">
+                <a:solidFill>
+                  <a:schemeClr val="tx1">
+                    <a:lumMod val="65000"/>
+                    <a:lumOff val="35000"/>
+                  </a:schemeClr>
+                </a:solidFill>
+                <a:effectLst/>
+              </a:rPr>
+              <a:t>Line 7: When the user clicks this button, it invokes the register method by passing </a:t>
+            </a:r>
+            <a:r>
+              <a:rPr lang="en-US" sz="2000" dirty="0" err="1">
+                <a:solidFill>
+                  <a:schemeClr val="tx1">
+                    <a:lumMod val="65000"/>
+                    <a:lumOff val="35000"/>
+                  </a:schemeClr>
+                </a:solidFill>
+                <a:effectLst/>
+              </a:rPr>
+              <a:t>courseName</a:t>
+            </a:r>
+            <a:r>
+              <a:rPr lang="en-US" sz="2000" dirty="0">
+                <a:solidFill>
+                  <a:schemeClr val="tx1">
+                    <a:lumMod val="65000"/>
+                    <a:lumOff val="35000"/>
+                  </a:schemeClr>
+                </a:solidFill>
+                <a:effectLst/>
+              </a:rPr>
+              <a:t> value.</a:t>
+            </a:r>
+          </a:p>
+          <a:p>
+            <a:r>
+              <a:rPr lang="en-US" sz="2000" dirty="0">
+                <a:solidFill>
+                  <a:schemeClr val="tx1">
+                    <a:lumMod val="65000"/>
+                    <a:lumOff val="35000"/>
+                  </a:schemeClr>
+                </a:solidFill>
+                <a:effectLst/>
+              </a:rPr>
+              <a:t> </a:t>
+            </a:r>
+          </a:p>
+          <a:p>
+            <a:r>
+              <a:rPr lang="en-US" sz="2000" b="1" dirty="0">
+                <a:solidFill>
+                  <a:schemeClr val="tx1">
+                    <a:lumMod val="65000"/>
+                    <a:lumOff val="35000"/>
+                  </a:schemeClr>
+                </a:solidFill>
+                <a:effectLst/>
+              </a:rPr>
+              <a:t>app.component.html</a:t>
+            </a:r>
+            <a:endParaRPr lang="en-US" sz="2000" dirty="0">
+              <a:solidFill>
+                <a:schemeClr val="tx1">
+                  <a:lumMod val="65000"/>
+                  <a:lumOff val="35000"/>
+                </a:schemeClr>
+              </a:solidFill>
+              <a:effectLst/>
+            </a:endParaRPr>
+          </a:p>
+        </p:txBody>
+      </p:sp>
+      <p:sp>
+        <p:nvSpPr>
+          <p:cNvPr id="7" name="TextBox 6">
+            <a:extLst>
+              <a:ext uri="{FF2B5EF4-FFF2-40B4-BE49-F238E27FC236}">
+                <a16:creationId xmlns:a16="http://schemas.microsoft.com/office/drawing/2014/main" id="{560EACAB-526E-F558-3FA1-142814D6F9AB}"/>
+              </a:ext>
+            </a:extLst>
+          </p:cNvPr>
+          <p:cNvSpPr txBox="1"/>
+          <p:nvPr/>
+        </p:nvSpPr>
+        <p:spPr>
+          <a:xfrm>
+            <a:off x="989029" y="2073426"/>
+            <a:ext cx="10364770" cy="1477328"/>
+          </a:xfrm>
+          <a:prstGeom prst="rect">
+            <a:avLst/>
+          </a:prstGeom>
+          <a:noFill/>
+        </p:spPr>
+        <p:txBody>
+          <a:bodyPr wrap="square">
+            <a:spAutoFit/>
+          </a:bodyPr>
+          <a:lstStyle/>
+          <a:p>
+            <a:r>
+              <a:rPr lang="en-IN" dirty="0"/>
+              <a:t>&lt;h2&gt; Courses List &lt;/h2&gt;</a:t>
+            </a:r>
+          </a:p>
+          <a:p>
+            <a:r>
+              <a:rPr lang="en-IN" dirty="0"/>
+              <a:t>&lt;app-courses-list (</a:t>
+            </a:r>
+            <a:r>
+              <a:rPr lang="en-IN" dirty="0" err="1"/>
+              <a:t>onRegister</a:t>
+            </a:r>
+            <a:r>
+              <a:rPr lang="en-IN" dirty="0"/>
+              <a:t>)="</a:t>
+            </a:r>
+            <a:r>
+              <a:rPr lang="en-IN" dirty="0" err="1"/>
+              <a:t>courseReg</a:t>
+            </a:r>
+            <a:r>
+              <a:rPr lang="en-IN" dirty="0"/>
+              <a:t>($event)"&gt;&lt;/app-courses-list&gt;</a:t>
+            </a:r>
+          </a:p>
+          <a:p>
+            <a:r>
+              <a:rPr lang="en-IN" dirty="0"/>
+              <a:t>&lt;</a:t>
+            </a:r>
+            <a:r>
+              <a:rPr lang="en-IN" dirty="0" err="1"/>
+              <a:t>br</a:t>
+            </a:r>
+            <a:r>
+              <a:rPr lang="en-IN" dirty="0"/>
+              <a:t>/&gt;&lt;</a:t>
+            </a:r>
+            <a:r>
+              <a:rPr lang="en-IN" dirty="0" err="1"/>
+              <a:t>br</a:t>
+            </a:r>
+            <a:r>
+              <a:rPr lang="en-IN" dirty="0"/>
+              <a:t>/&gt;</a:t>
+            </a:r>
+          </a:p>
+          <a:p>
+            <a:r>
+              <a:rPr lang="en-IN" dirty="0"/>
+              <a:t>&lt;div *</a:t>
+            </a:r>
+            <a:r>
+              <a:rPr lang="en-IN" dirty="0" err="1"/>
+              <a:t>ngIf</a:t>
+            </a:r>
+            <a:r>
+              <a:rPr lang="en-IN" dirty="0"/>
+              <a:t>="message"&gt;{{message}}&lt;/div&gt;</a:t>
+            </a:r>
+          </a:p>
+          <a:p>
+            <a:r>
+              <a:rPr lang="en-IN" dirty="0"/>
+              <a:t> </a:t>
+            </a:r>
+          </a:p>
+        </p:txBody>
+      </p:sp>
+      <p:sp>
+        <p:nvSpPr>
+          <p:cNvPr id="9" name="TextBox 8">
+            <a:extLst>
+              <a:ext uri="{FF2B5EF4-FFF2-40B4-BE49-F238E27FC236}">
+                <a16:creationId xmlns:a16="http://schemas.microsoft.com/office/drawing/2014/main" id="{522748B3-4295-113D-80E8-6E60E45C8C00}"/>
+              </a:ext>
+            </a:extLst>
+          </p:cNvPr>
+          <p:cNvSpPr txBox="1"/>
+          <p:nvPr/>
+        </p:nvSpPr>
+        <p:spPr>
+          <a:xfrm>
+            <a:off x="325224" y="3597726"/>
+            <a:ext cx="11675098" cy="2246769"/>
+          </a:xfrm>
+          <a:prstGeom prst="rect">
+            <a:avLst/>
+          </a:prstGeom>
+          <a:noFill/>
+        </p:spPr>
+        <p:txBody>
+          <a:bodyPr wrap="square">
+            <a:spAutoFit/>
+          </a:bodyPr>
+          <a:lstStyle/>
+          <a:p>
+            <a:r>
+              <a:rPr lang="en-US" sz="2000" dirty="0">
+                <a:solidFill>
+                  <a:schemeClr val="tx1">
+                    <a:lumMod val="65000"/>
+                    <a:lumOff val="35000"/>
+                  </a:schemeClr>
+                </a:solidFill>
+                <a:effectLst/>
+              </a:rPr>
+              <a:t>Line 3: Binds </a:t>
+            </a:r>
+            <a:r>
+              <a:rPr lang="en-US" sz="2000" dirty="0" err="1">
+                <a:solidFill>
+                  <a:schemeClr val="tx1">
+                    <a:lumMod val="65000"/>
+                    <a:lumOff val="35000"/>
+                  </a:schemeClr>
+                </a:solidFill>
+                <a:effectLst/>
+              </a:rPr>
+              <a:t>onRegister</a:t>
+            </a:r>
+            <a:r>
+              <a:rPr lang="en-US" sz="2000" dirty="0">
+                <a:solidFill>
+                  <a:schemeClr val="tx1">
+                    <a:lumMod val="65000"/>
+                    <a:lumOff val="35000"/>
+                  </a:schemeClr>
+                </a:solidFill>
+                <a:effectLst/>
+              </a:rPr>
+              <a:t> event with </a:t>
+            </a:r>
+            <a:r>
+              <a:rPr lang="en-US" sz="2000" dirty="0" err="1">
+                <a:solidFill>
+                  <a:schemeClr val="tx1">
+                    <a:lumMod val="65000"/>
+                    <a:lumOff val="35000"/>
+                  </a:schemeClr>
+                </a:solidFill>
+                <a:effectLst/>
+              </a:rPr>
+              <a:t>courseReg</a:t>
+            </a:r>
+            <a:r>
+              <a:rPr lang="en-US" sz="2000" dirty="0">
+                <a:solidFill>
+                  <a:schemeClr val="tx1">
+                    <a:lumMod val="65000"/>
+                    <a:lumOff val="35000"/>
+                  </a:schemeClr>
+                </a:solidFill>
+                <a:effectLst/>
+              </a:rPr>
+              <a:t> method of the parent component. When </a:t>
+            </a:r>
+            <a:r>
+              <a:rPr lang="en-US" sz="2000" dirty="0" err="1">
+                <a:solidFill>
+                  <a:schemeClr val="tx1">
+                    <a:lumMod val="65000"/>
+                    <a:lumOff val="35000"/>
+                  </a:schemeClr>
+                </a:solidFill>
+                <a:effectLst/>
+              </a:rPr>
+              <a:t>CoursesListComponent</a:t>
+            </a:r>
+            <a:r>
+              <a:rPr lang="en-US" sz="2000" dirty="0">
+                <a:solidFill>
+                  <a:schemeClr val="tx1">
+                    <a:lumMod val="65000"/>
+                    <a:lumOff val="35000"/>
+                  </a:schemeClr>
+                </a:solidFill>
+                <a:effectLst/>
+              </a:rPr>
+              <a:t> emits the value, </a:t>
+            </a:r>
+            <a:r>
+              <a:rPr lang="en-US" sz="2000" dirty="0" err="1">
+                <a:solidFill>
+                  <a:schemeClr val="tx1">
+                    <a:lumMod val="65000"/>
+                    <a:lumOff val="35000"/>
+                  </a:schemeClr>
+                </a:solidFill>
+                <a:effectLst/>
+              </a:rPr>
+              <a:t>onRegister</a:t>
+            </a:r>
+            <a:r>
+              <a:rPr lang="en-US" sz="2000" dirty="0">
+                <a:solidFill>
+                  <a:schemeClr val="tx1">
+                    <a:lumMod val="65000"/>
+                    <a:lumOff val="35000"/>
+                  </a:schemeClr>
+                </a:solidFill>
+                <a:effectLst/>
+              </a:rPr>
+              <a:t> event is triggered and it invokes </a:t>
+            </a:r>
+            <a:r>
+              <a:rPr lang="en-US" sz="2000" dirty="0" err="1">
+                <a:solidFill>
+                  <a:schemeClr val="tx1">
+                    <a:lumMod val="65000"/>
+                    <a:lumOff val="35000"/>
+                  </a:schemeClr>
+                </a:solidFill>
+                <a:effectLst/>
+              </a:rPr>
+              <a:t>courseReg</a:t>
+            </a:r>
+            <a:r>
+              <a:rPr lang="en-US" sz="2000" dirty="0">
+                <a:solidFill>
+                  <a:schemeClr val="tx1">
+                    <a:lumMod val="65000"/>
+                    <a:lumOff val="35000"/>
+                  </a:schemeClr>
+                </a:solidFill>
+                <a:effectLst/>
+              </a:rPr>
+              <a:t> method. $event holds the value emitted by </a:t>
+            </a:r>
+            <a:r>
+              <a:rPr lang="en-US" sz="2000" dirty="0" err="1">
+                <a:solidFill>
+                  <a:schemeClr val="tx1">
+                    <a:lumMod val="65000"/>
+                    <a:lumOff val="35000"/>
+                  </a:schemeClr>
+                </a:solidFill>
+                <a:effectLst/>
+              </a:rPr>
+              <a:t>CoursesListComponent</a:t>
+            </a:r>
+            <a:endParaRPr lang="en-US" sz="2000" dirty="0">
+              <a:solidFill>
+                <a:schemeClr val="tx1">
+                  <a:lumMod val="65000"/>
+                  <a:lumOff val="35000"/>
+                </a:schemeClr>
+              </a:solidFill>
+              <a:effectLst/>
+            </a:endParaRPr>
+          </a:p>
+          <a:p>
+            <a:endParaRPr lang="en-US" sz="2000" dirty="0">
+              <a:solidFill>
+                <a:schemeClr val="tx1">
+                  <a:lumMod val="65000"/>
+                  <a:lumOff val="35000"/>
+                </a:schemeClr>
+              </a:solidFill>
+            </a:endParaRPr>
+          </a:p>
+          <a:p>
+            <a:r>
+              <a:rPr lang="en-US" sz="2000" dirty="0">
+                <a:solidFill>
+                  <a:schemeClr val="tx1">
+                    <a:lumMod val="65000"/>
+                    <a:lumOff val="35000"/>
+                  </a:schemeClr>
+                </a:solidFill>
+                <a:effectLst/>
+              </a:rPr>
+              <a:t>Line 6: This renders the message property value which holds the value emitted</a:t>
+            </a:r>
+          </a:p>
+          <a:p>
+            <a:r>
+              <a:rPr lang="en-US" sz="2000" dirty="0">
+                <a:solidFill>
+                  <a:schemeClr val="tx1">
+                    <a:lumMod val="65000"/>
+                    <a:lumOff val="35000"/>
+                  </a:schemeClr>
+                </a:solidFill>
+                <a:effectLst/>
+              </a:rPr>
+              <a:t> </a:t>
+            </a:r>
+          </a:p>
+          <a:p>
+            <a:r>
+              <a:rPr lang="en-US" sz="2000" b="1" dirty="0" err="1">
+                <a:solidFill>
+                  <a:schemeClr val="tx1">
+                    <a:lumMod val="65000"/>
+                    <a:lumOff val="35000"/>
+                  </a:schemeClr>
+                </a:solidFill>
+                <a:effectLst/>
+              </a:rPr>
+              <a:t>app.component.ts</a:t>
+            </a:r>
+            <a:endParaRPr lang="en-US" sz="2000" dirty="0">
+              <a:solidFill>
+                <a:schemeClr val="tx1">
+                  <a:lumMod val="65000"/>
+                  <a:lumOff val="35000"/>
+                </a:schemeClr>
+              </a:solidFill>
+              <a:effectLst/>
+            </a:endParaRPr>
+          </a:p>
+        </p:txBody>
+      </p:sp>
+    </p:spTree>
+    <p:extLst>
+      <p:ext uri="{BB962C8B-B14F-4D97-AF65-F5344CB8AC3E}">
+        <p14:creationId xmlns:p14="http://schemas.microsoft.com/office/powerpoint/2010/main" val="3795526987"/>
+      </p:ext>
+    </p:extLst>
+  </p:cSld>
+  <p:clrMapOvr>
+    <a:masterClrMapping/>
+  </p:clrMapOvr>
+</p:sld>
+</file>
+
+<file path=ppt/slides/slide138.xml><?xml version="1.0" encoding="utf-8"?>
+<p:sld xmlns:a="http://schemas.openxmlformats.org/drawingml/2006/main" xmlns:r="http://schemas.openxmlformats.org/officeDocument/2006/relationships" xmlns:p="http://schemas.openxmlformats.org/presentationml/2006/main">
+  <p:cSld>
+    <p:spTree>
+      <p:nvGrpSpPr>
+        <p:cNvPr id="1" name=""/>
+        <p:cNvGrpSpPr/>
+        <p:nvPr/>
+      </p:nvGrpSpPr>
+      <p:grpSpPr>
+        <a:xfrm>
+          <a:off x="0" y="0"/>
+          <a:ext cx="0" cy="0"/>
+          <a:chOff x="0" y="0"/>
+          <a:chExt cx="0" cy="0"/>
+        </a:xfrm>
+      </p:grpSpPr>
+      <p:sp>
+        <p:nvSpPr>
+          <p:cNvPr id="2" name="Footer Placeholder 1">
+            <a:extLst>
+              <a:ext uri="{FF2B5EF4-FFF2-40B4-BE49-F238E27FC236}">
+                <a16:creationId xmlns:a16="http://schemas.microsoft.com/office/drawing/2014/main" id="{E1316403-5650-80D4-3D70-BF193493435C}"/>
+              </a:ext>
+            </a:extLst>
+          </p:cNvPr>
+          <p:cNvSpPr>
+            <a:spLocks noGrp="1"/>
+          </p:cNvSpPr>
+          <p:nvPr>
+            <p:ph type="ftr" sz="quarter" idx="11"/>
+          </p:nvPr>
+        </p:nvSpPr>
+        <p:spPr/>
+        <p:txBody>
+          <a:bodyPr/>
+          <a:lstStyle/>
+          <a:p>
+            <a:r>
+              <a:rPr lang="en-IN"/>
+              <a:t>H&amp;D IT Solution</a:t>
+            </a:r>
+            <a:endParaRPr lang="en-IN" dirty="0"/>
+          </a:p>
+        </p:txBody>
+      </p:sp>
+      <p:sp>
+        <p:nvSpPr>
+          <p:cNvPr id="3" name="Slide Number Placeholder 2">
+            <a:extLst>
+              <a:ext uri="{FF2B5EF4-FFF2-40B4-BE49-F238E27FC236}">
+                <a16:creationId xmlns:a16="http://schemas.microsoft.com/office/drawing/2014/main" id="{1507E85E-90FA-DA2E-0048-D6EB3E715C7D}"/>
+              </a:ext>
+            </a:extLst>
+          </p:cNvPr>
+          <p:cNvSpPr>
+            <a:spLocks noGrp="1"/>
+          </p:cNvSpPr>
+          <p:nvPr>
+            <p:ph type="sldNum" sz="quarter" idx="12"/>
+          </p:nvPr>
+        </p:nvSpPr>
+        <p:spPr/>
+        <p:txBody>
+          <a:bodyPr/>
+          <a:lstStyle/>
+          <a:p>
+            <a:fld id="{4A777409-9C5A-4B07-8E32-19F22F7D558C}" type="slidenum">
+              <a:rPr lang="en-IN" smtClean="0"/>
+              <a:t>138</a:t>
+            </a:fld>
+            <a:endParaRPr lang="en-IN" dirty="0"/>
+          </a:p>
+        </p:txBody>
+      </p:sp>
+      <p:sp>
+        <p:nvSpPr>
+          <p:cNvPr id="5" name="TextBox 4">
+            <a:extLst>
+              <a:ext uri="{FF2B5EF4-FFF2-40B4-BE49-F238E27FC236}">
+                <a16:creationId xmlns:a16="http://schemas.microsoft.com/office/drawing/2014/main" id="{456459F2-0F5F-3F1B-B642-515B3583381A}"/>
+              </a:ext>
+            </a:extLst>
+          </p:cNvPr>
+          <p:cNvSpPr txBox="1"/>
+          <p:nvPr/>
+        </p:nvSpPr>
+        <p:spPr>
+          <a:xfrm>
+            <a:off x="1145356" y="655784"/>
+            <a:ext cx="8884763" cy="2031325"/>
+          </a:xfrm>
+          <a:prstGeom prst="rect">
+            <a:avLst/>
+          </a:prstGeom>
+          <a:noFill/>
+        </p:spPr>
+        <p:txBody>
+          <a:bodyPr wrap="square">
+            <a:spAutoFit/>
+          </a:bodyPr>
+          <a:lstStyle/>
+          <a:p>
+            <a:r>
+              <a:rPr lang="en-IN" dirty="0"/>
+              <a:t>...</a:t>
+            </a:r>
+          </a:p>
+          <a:p>
+            <a:r>
+              <a:rPr lang="en-IN" dirty="0"/>
+              <a:t>export class </a:t>
+            </a:r>
+            <a:r>
+              <a:rPr lang="en-IN" dirty="0" err="1"/>
+              <a:t>AppComponent</a:t>
+            </a:r>
+            <a:r>
+              <a:rPr lang="en-IN" dirty="0"/>
+              <a:t> {</a:t>
+            </a:r>
+          </a:p>
+          <a:p>
+            <a:r>
+              <a:rPr lang="en-IN" dirty="0"/>
+              <a:t>  message!: string;</a:t>
+            </a:r>
+          </a:p>
+          <a:p>
+            <a:r>
+              <a:rPr lang="en-IN" dirty="0"/>
+              <a:t>  </a:t>
+            </a:r>
+            <a:r>
+              <a:rPr lang="en-IN" dirty="0" err="1"/>
+              <a:t>courseReg</a:t>
+            </a:r>
+            <a:r>
+              <a:rPr lang="en-IN" dirty="0"/>
+              <a:t>(</a:t>
+            </a:r>
+            <a:r>
+              <a:rPr lang="en-IN" dirty="0" err="1"/>
+              <a:t>courseName</a:t>
+            </a:r>
+            <a:r>
+              <a:rPr lang="en-IN"/>
+              <a:t>: any) </a:t>
+            </a:r>
+            <a:r>
+              <a:rPr lang="en-IN" dirty="0"/>
+              <a:t>{</a:t>
+            </a:r>
+          </a:p>
+          <a:p>
+            <a:r>
+              <a:rPr lang="en-IN" dirty="0"/>
+              <a:t>    </a:t>
+            </a:r>
+            <a:r>
+              <a:rPr lang="en-IN" dirty="0" err="1"/>
+              <a:t>this.message</a:t>
+            </a:r>
+            <a:r>
+              <a:rPr lang="en-IN" dirty="0"/>
+              <a:t> = `Your registration for ${</a:t>
+            </a:r>
+            <a:r>
+              <a:rPr lang="en-IN" dirty="0" err="1"/>
+              <a:t>courseName</a:t>
+            </a:r>
+            <a:r>
+              <a:rPr lang="en-IN" dirty="0"/>
+              <a:t>} is successful`;</a:t>
+            </a:r>
+          </a:p>
+          <a:p>
+            <a:r>
+              <a:rPr lang="en-IN" dirty="0"/>
+              <a:t>  }</a:t>
+            </a:r>
+          </a:p>
+          <a:p>
+            <a:r>
+              <a:rPr lang="en-IN" dirty="0"/>
+              <a:t>}</a:t>
+            </a:r>
+          </a:p>
+        </p:txBody>
+      </p:sp>
+      <p:sp>
+        <p:nvSpPr>
+          <p:cNvPr id="9" name="TextBox 8">
+            <a:extLst>
+              <a:ext uri="{FF2B5EF4-FFF2-40B4-BE49-F238E27FC236}">
+                <a16:creationId xmlns:a16="http://schemas.microsoft.com/office/drawing/2014/main" id="{BEE1A46B-C2D8-71C8-9AFB-C0112D08D0E2}"/>
+              </a:ext>
+            </a:extLst>
+          </p:cNvPr>
+          <p:cNvSpPr txBox="1"/>
+          <p:nvPr/>
+        </p:nvSpPr>
+        <p:spPr>
+          <a:xfrm>
+            <a:off x="287518" y="3155229"/>
+            <a:ext cx="11194330" cy="1015663"/>
+          </a:xfrm>
+          <a:prstGeom prst="rect">
+            <a:avLst/>
+          </a:prstGeom>
+          <a:noFill/>
+        </p:spPr>
+        <p:txBody>
+          <a:bodyPr wrap="square">
+            <a:spAutoFit/>
+          </a:bodyPr>
+          <a:lstStyle/>
+          <a:p>
+            <a:r>
+              <a:rPr lang="en-US" sz="2000" dirty="0">
+                <a:solidFill>
+                  <a:schemeClr val="tx1">
+                    <a:lumMod val="65000"/>
+                    <a:lumOff val="35000"/>
+                  </a:schemeClr>
+                </a:solidFill>
+                <a:effectLst/>
+              </a:rPr>
+              <a:t>Line 6: </a:t>
+            </a:r>
+            <a:r>
+              <a:rPr lang="en-US" sz="2000" dirty="0" err="1">
+                <a:solidFill>
+                  <a:schemeClr val="tx1">
+                    <a:lumMod val="65000"/>
+                    <a:lumOff val="35000"/>
+                  </a:schemeClr>
+                </a:solidFill>
+                <a:effectLst/>
+              </a:rPr>
+              <a:t>courseReg</a:t>
+            </a:r>
+            <a:r>
+              <a:rPr lang="en-US" sz="2000" dirty="0">
+                <a:solidFill>
+                  <a:schemeClr val="tx1">
+                    <a:lumMod val="65000"/>
+                    <a:lumOff val="35000"/>
+                  </a:schemeClr>
+                </a:solidFill>
+                <a:effectLst/>
+              </a:rPr>
+              <a:t> method is invoked when </a:t>
+            </a:r>
+            <a:r>
+              <a:rPr lang="en-US" sz="2000" dirty="0" err="1">
+                <a:solidFill>
+                  <a:schemeClr val="tx1">
+                    <a:lumMod val="65000"/>
+                    <a:lumOff val="35000"/>
+                  </a:schemeClr>
+                </a:solidFill>
+                <a:effectLst/>
+              </a:rPr>
+              <a:t>onRegister</a:t>
+            </a:r>
+            <a:r>
+              <a:rPr lang="en-US" sz="2000" dirty="0">
+                <a:solidFill>
+                  <a:schemeClr val="tx1">
+                    <a:lumMod val="65000"/>
+                    <a:lumOff val="35000"/>
+                  </a:schemeClr>
+                </a:solidFill>
+                <a:effectLst/>
+              </a:rPr>
+              <a:t> event emits</a:t>
+            </a:r>
+          </a:p>
+          <a:p>
+            <a:endParaRPr lang="en-US" sz="2000" dirty="0">
+              <a:solidFill>
+                <a:schemeClr val="tx1">
+                  <a:lumMod val="65000"/>
+                  <a:lumOff val="35000"/>
+                </a:schemeClr>
+              </a:solidFill>
+            </a:endParaRPr>
+          </a:p>
+          <a:p>
+            <a:r>
+              <a:rPr lang="en-US" sz="2000" dirty="0">
+                <a:solidFill>
+                  <a:schemeClr val="tx1">
+                    <a:lumMod val="65000"/>
+                    <a:lumOff val="35000"/>
+                  </a:schemeClr>
+                </a:solidFill>
+                <a:effectLst/>
+              </a:rPr>
+              <a:t>Line 7: Assigns the string to message property which will be rendered in the template</a:t>
+            </a:r>
+          </a:p>
+        </p:txBody>
+      </p:sp>
+    </p:spTree>
+    <p:extLst>
+      <p:ext uri="{BB962C8B-B14F-4D97-AF65-F5344CB8AC3E}">
+        <p14:creationId xmlns:p14="http://schemas.microsoft.com/office/powerpoint/2010/main" val="954366838"/>
+      </p:ext>
+    </p:extLst>
+  </p:cSld>
+  <p:clrMapOvr>
+    <a:masterClrMapping/>
+  </p:clrMapOvr>
+</p:sld>
+</file>
+
+<file path=ppt/slides/slide139.xml><?xml version="1.0" encoding="utf-8"?>
+<p:sld xmlns:a="http://schemas.openxmlformats.org/drawingml/2006/main" xmlns:r="http://schemas.openxmlformats.org/officeDocument/2006/relationships" xmlns:p="http://schemas.openxmlformats.org/presentationml/2006/main">
+  <p:cSld>
+    <p:spTree>
+      <p:nvGrpSpPr>
+        <p:cNvPr id="1" name=""/>
+        <p:cNvGrpSpPr/>
+        <p:nvPr/>
+      </p:nvGrpSpPr>
+      <p:grpSpPr>
+        <a:xfrm>
+          <a:off x="0" y="0"/>
+          <a:ext cx="0" cy="0"/>
+          <a:chOff x="0" y="0"/>
+          <a:chExt cx="0" cy="0"/>
+        </a:xfrm>
+      </p:grpSpPr>
+      <p:sp>
+        <p:nvSpPr>
+          <p:cNvPr id="2" name="Footer Placeholder 1">
+            <a:extLst>
+              <a:ext uri="{FF2B5EF4-FFF2-40B4-BE49-F238E27FC236}">
+                <a16:creationId xmlns:a16="http://schemas.microsoft.com/office/drawing/2014/main" id="{1ACAA3B6-521C-9E88-BDB8-A9D48FAF8ADC}"/>
+              </a:ext>
+            </a:extLst>
+          </p:cNvPr>
+          <p:cNvSpPr>
+            <a:spLocks noGrp="1"/>
+          </p:cNvSpPr>
+          <p:nvPr>
+            <p:ph type="ftr" sz="quarter" idx="11"/>
+          </p:nvPr>
+        </p:nvSpPr>
+        <p:spPr/>
+        <p:txBody>
+          <a:bodyPr/>
+          <a:lstStyle/>
+          <a:p>
+            <a:r>
+              <a:rPr lang="en-IN"/>
+              <a:t>H&amp;D IT Solution</a:t>
+            </a:r>
+            <a:endParaRPr lang="en-IN" dirty="0"/>
+          </a:p>
+        </p:txBody>
+      </p:sp>
+      <p:sp>
+        <p:nvSpPr>
+          <p:cNvPr id="3" name="Slide Number Placeholder 2">
+            <a:extLst>
+              <a:ext uri="{FF2B5EF4-FFF2-40B4-BE49-F238E27FC236}">
+                <a16:creationId xmlns:a16="http://schemas.microsoft.com/office/drawing/2014/main" id="{CFE2E740-D463-63F0-DC1D-5B78B47532A8}"/>
+              </a:ext>
+            </a:extLst>
+          </p:cNvPr>
+          <p:cNvSpPr>
+            <a:spLocks noGrp="1"/>
+          </p:cNvSpPr>
+          <p:nvPr>
+            <p:ph type="sldNum" sz="quarter" idx="12"/>
+          </p:nvPr>
+        </p:nvSpPr>
+        <p:spPr/>
+        <p:txBody>
+          <a:bodyPr/>
+          <a:lstStyle/>
+          <a:p>
+            <a:fld id="{4A777409-9C5A-4B07-8E32-19F22F7D558C}" type="slidenum">
+              <a:rPr lang="en-IN" smtClean="0"/>
+              <a:t>139</a:t>
+            </a:fld>
+            <a:endParaRPr lang="en-IN" dirty="0"/>
+          </a:p>
+        </p:txBody>
+      </p:sp>
+      <p:sp>
+        <p:nvSpPr>
+          <p:cNvPr id="5" name="TextBox 4">
+            <a:extLst>
+              <a:ext uri="{FF2B5EF4-FFF2-40B4-BE49-F238E27FC236}">
+                <a16:creationId xmlns:a16="http://schemas.microsoft.com/office/drawing/2014/main" id="{80308345-D7D7-B0D1-ECEF-83145F260CA7}"/>
+              </a:ext>
+            </a:extLst>
+          </p:cNvPr>
+          <p:cNvSpPr txBox="1"/>
+          <p:nvPr/>
+        </p:nvSpPr>
+        <p:spPr>
+          <a:xfrm>
+            <a:off x="989029" y="601183"/>
+            <a:ext cx="6099142" cy="461665"/>
+          </a:xfrm>
+          <a:prstGeom prst="rect">
+            <a:avLst/>
+          </a:prstGeom>
+          <a:noFill/>
+        </p:spPr>
+        <p:txBody>
+          <a:bodyPr wrap="square">
+            <a:spAutoFit/>
+          </a:bodyPr>
+          <a:lstStyle/>
+          <a:p>
+            <a:r>
+              <a:rPr lang="en-IN" sz="2400" b="1" dirty="0"/>
+              <a:t>Component Styling</a:t>
+            </a:r>
+          </a:p>
+        </p:txBody>
+      </p:sp>
+      <p:sp>
+        <p:nvSpPr>
+          <p:cNvPr id="6" name="TextBox 5">
+            <a:extLst>
+              <a:ext uri="{FF2B5EF4-FFF2-40B4-BE49-F238E27FC236}">
+                <a16:creationId xmlns:a16="http://schemas.microsoft.com/office/drawing/2014/main" id="{44B9108F-0342-2CDC-13F0-AEB77F8F3956}"/>
+              </a:ext>
+            </a:extLst>
+          </p:cNvPr>
+          <p:cNvSpPr txBox="1"/>
+          <p:nvPr/>
+        </p:nvSpPr>
+        <p:spPr>
+          <a:xfrm>
+            <a:off x="181535" y="1319243"/>
+            <a:ext cx="11311218" cy="4062651"/>
+          </a:xfrm>
+          <a:prstGeom prst="rect">
+            <a:avLst/>
+          </a:prstGeom>
+          <a:noFill/>
+        </p:spPr>
+        <p:txBody>
+          <a:bodyPr wrap="square">
+            <a:spAutoFit/>
+          </a:bodyPr>
+          <a:lstStyle/>
+          <a:p>
+            <a:r>
+              <a:rPr lang="en-US" sz="2000" dirty="0">
+                <a:solidFill>
+                  <a:schemeClr val="tx1">
+                    <a:lumMod val="65000"/>
+                    <a:lumOff val="35000"/>
+                  </a:schemeClr>
+                </a:solidFill>
+                <a:effectLst/>
+              </a:rPr>
+              <a:t>Angular provides a mechanism for specifying component-specific styles which do not leak out into the rest of the page.</a:t>
+            </a:r>
+          </a:p>
+          <a:p>
+            <a:r>
+              <a:rPr lang="en-US" sz="2000" dirty="0">
+                <a:solidFill>
+                  <a:schemeClr val="tx1">
+                    <a:lumMod val="65000"/>
+                    <a:lumOff val="35000"/>
+                  </a:schemeClr>
+                </a:solidFill>
+                <a:effectLst/>
+              </a:rPr>
+              <a:t>The following are the different ways to add styles to a component:</a:t>
+            </a:r>
+          </a:p>
+          <a:p>
+            <a:pPr>
+              <a:buFont typeface="Arial" panose="020B0604020202020204" pitchFamily="34" charset="0"/>
+              <a:buChar char="•"/>
+            </a:pPr>
+            <a:r>
+              <a:rPr lang="en-US" sz="2000" dirty="0">
+                <a:solidFill>
+                  <a:schemeClr val="tx1">
+                    <a:lumMod val="65000"/>
+                    <a:lumOff val="35000"/>
+                  </a:schemeClr>
+                </a:solidFill>
+                <a:effectLst/>
+              </a:rPr>
+              <a:t>By using </a:t>
+            </a:r>
+            <a:r>
+              <a:rPr lang="en-US" sz="2000" dirty="0" err="1">
+                <a:solidFill>
+                  <a:schemeClr val="tx1">
+                    <a:lumMod val="65000"/>
+                    <a:lumOff val="35000"/>
+                  </a:schemeClr>
+                </a:solidFill>
+                <a:effectLst/>
+              </a:rPr>
+              <a:t>styleUrls</a:t>
+            </a:r>
+            <a:r>
+              <a:rPr lang="en-US" sz="2000" dirty="0">
+                <a:solidFill>
+                  <a:schemeClr val="tx1">
+                    <a:lumMod val="65000"/>
+                    <a:lumOff val="35000"/>
+                  </a:schemeClr>
+                </a:solidFill>
+                <a:effectLst/>
+              </a:rPr>
+              <a:t> metadata</a:t>
+            </a:r>
+          </a:p>
+          <a:p>
+            <a:pPr>
+              <a:buFont typeface="Arial" panose="020B0604020202020204" pitchFamily="34" charset="0"/>
+              <a:buChar char="•"/>
+            </a:pPr>
+            <a:r>
+              <a:rPr lang="en-US" sz="2000" dirty="0">
+                <a:solidFill>
+                  <a:schemeClr val="tx1">
+                    <a:lumMod val="65000"/>
+                    <a:lumOff val="35000"/>
+                  </a:schemeClr>
+                </a:solidFill>
+                <a:effectLst/>
+              </a:rPr>
+              <a:t>By using styles metadata</a:t>
+            </a:r>
+          </a:p>
+          <a:p>
+            <a:pPr>
+              <a:buFont typeface="Arial" panose="020B0604020202020204" pitchFamily="34" charset="0"/>
+              <a:buChar char="•"/>
+            </a:pPr>
+            <a:r>
+              <a:rPr lang="en-US" sz="2000" dirty="0">
+                <a:solidFill>
+                  <a:schemeClr val="tx1">
+                    <a:lumMod val="65000"/>
+                    <a:lumOff val="35000"/>
+                  </a:schemeClr>
+                </a:solidFill>
+                <a:effectLst/>
+              </a:rPr>
+              <a:t>Inline into the template</a:t>
+            </a:r>
+          </a:p>
+          <a:p>
+            <a:r>
+              <a:rPr lang="en-US" sz="2000" dirty="0">
+                <a:solidFill>
+                  <a:schemeClr val="tx1">
+                    <a:lumMod val="65000"/>
+                    <a:lumOff val="35000"/>
+                  </a:schemeClr>
+                </a:solidFill>
+                <a:effectLst/>
+              </a:rPr>
+              <a:t> </a:t>
+            </a:r>
+          </a:p>
+          <a:p>
+            <a:r>
+              <a:rPr lang="en-US" sz="2000" b="1" dirty="0">
+                <a:solidFill>
+                  <a:schemeClr val="tx1">
+                    <a:lumMod val="65000"/>
+                    <a:lumOff val="35000"/>
+                  </a:schemeClr>
+                </a:solidFill>
+                <a:effectLst/>
+              </a:rPr>
+              <a:t>Using </a:t>
+            </a:r>
+            <a:r>
+              <a:rPr lang="en-US" sz="2000" b="1" dirty="0" err="1">
+                <a:solidFill>
+                  <a:schemeClr val="tx1">
+                    <a:lumMod val="65000"/>
+                    <a:lumOff val="35000"/>
+                  </a:schemeClr>
+                </a:solidFill>
+                <a:effectLst/>
+              </a:rPr>
+              <a:t>styleUrls</a:t>
+            </a:r>
+            <a:r>
+              <a:rPr lang="en-US" sz="2000" b="1" dirty="0">
+                <a:solidFill>
+                  <a:schemeClr val="tx1">
+                    <a:lumMod val="65000"/>
+                    <a:lumOff val="35000"/>
+                  </a:schemeClr>
+                </a:solidFill>
+                <a:effectLst/>
+              </a:rPr>
+              <a:t>  property</a:t>
+            </a:r>
+            <a:endParaRPr lang="en-US" sz="2000" dirty="0">
+              <a:solidFill>
+                <a:schemeClr val="tx1">
+                  <a:lumMod val="65000"/>
+                  <a:lumOff val="35000"/>
+                </a:schemeClr>
+              </a:solidFill>
+              <a:effectLst/>
+            </a:endParaRPr>
+          </a:p>
+          <a:p>
+            <a:pPr>
+              <a:buFont typeface="Arial" panose="020B0604020202020204" pitchFamily="34" charset="0"/>
+              <a:buChar char="•"/>
+            </a:pPr>
+            <a:r>
+              <a:rPr lang="en-US" sz="2000" dirty="0">
+                <a:solidFill>
+                  <a:schemeClr val="tx1">
+                    <a:lumMod val="65000"/>
+                    <a:lumOff val="35000"/>
+                  </a:schemeClr>
+                </a:solidFill>
+                <a:effectLst/>
+              </a:rPr>
+              <a:t>The CSS styles declared in external files can be loaded into a component by using the </a:t>
+            </a:r>
+            <a:r>
+              <a:rPr lang="en-US" sz="2000" dirty="0" err="1">
+                <a:solidFill>
+                  <a:schemeClr val="tx1">
+                    <a:lumMod val="65000"/>
+                    <a:lumOff val="35000"/>
+                  </a:schemeClr>
+                </a:solidFill>
+                <a:effectLst/>
+              </a:rPr>
+              <a:t>stylesUrls</a:t>
+            </a:r>
+            <a:r>
+              <a:rPr lang="en-US" sz="2000" dirty="0">
+                <a:solidFill>
+                  <a:schemeClr val="tx1">
+                    <a:lumMod val="65000"/>
+                    <a:lumOff val="35000"/>
+                  </a:schemeClr>
+                </a:solidFill>
+                <a:effectLst/>
+              </a:rPr>
+              <a:t> property.</a:t>
+            </a:r>
+          </a:p>
+          <a:p>
+            <a:pPr>
+              <a:buFont typeface="Arial" panose="020B0604020202020204" pitchFamily="34" charset="0"/>
+              <a:buChar char="•"/>
+            </a:pPr>
+            <a:r>
+              <a:rPr lang="en-US" sz="2000" dirty="0" err="1">
+                <a:solidFill>
+                  <a:schemeClr val="tx1">
+                    <a:lumMod val="65000"/>
+                    <a:lumOff val="35000"/>
+                  </a:schemeClr>
+                </a:solidFill>
+                <a:effectLst/>
+              </a:rPr>
+              <a:t>styleUrls</a:t>
+            </a:r>
+            <a:r>
+              <a:rPr lang="en-US" sz="2000" dirty="0">
+                <a:solidFill>
+                  <a:schemeClr val="tx1">
+                    <a:lumMod val="65000"/>
+                    <a:lumOff val="35000"/>
+                  </a:schemeClr>
+                </a:solidFill>
+                <a:effectLst/>
+              </a:rPr>
+              <a:t> is an array property where multiple CSS files can be loaded into a component.</a:t>
+            </a:r>
+          </a:p>
+          <a:p>
+            <a:r>
+              <a:rPr lang="en-US" sz="2000" dirty="0">
+                <a:solidFill>
+                  <a:schemeClr val="tx1">
+                    <a:lumMod val="65000"/>
+                    <a:lumOff val="35000"/>
+                  </a:schemeClr>
+                </a:solidFill>
+              </a:rPr>
+              <a:t> </a:t>
+            </a:r>
+          </a:p>
+          <a:p>
+            <a:r>
+              <a:rPr lang="en-US" sz="2000" b="1" dirty="0">
+                <a:solidFill>
+                  <a:schemeClr val="tx1">
+                    <a:lumMod val="65000"/>
+                    <a:lumOff val="35000"/>
+                  </a:schemeClr>
+                </a:solidFill>
+                <a:effectLst/>
+              </a:rPr>
+              <a:t>Example</a:t>
+            </a:r>
+            <a:r>
+              <a:rPr lang="en-US" sz="2000" dirty="0">
+                <a:solidFill>
+                  <a:schemeClr val="tx1">
+                    <a:lumMod val="65000"/>
+                    <a:lumOff val="35000"/>
+                  </a:schemeClr>
+                </a:solidFill>
+                <a:effectLst/>
+              </a:rPr>
+              <a:t>:</a:t>
+            </a:r>
+          </a:p>
+          <a:p>
+            <a:r>
+              <a:rPr lang="en-US" sz="2000" b="1" dirty="0">
+                <a:solidFill>
+                  <a:schemeClr val="tx1">
+                    <a:lumMod val="65000"/>
+                    <a:lumOff val="35000"/>
+                  </a:schemeClr>
+                </a:solidFill>
+                <a:effectLst/>
+              </a:rPr>
+              <a:t>app.component.html</a:t>
+            </a:r>
+            <a:endParaRPr lang="en-US" sz="2000" dirty="0">
+              <a:solidFill>
+                <a:schemeClr val="tx1">
+                  <a:lumMod val="65000"/>
+                  <a:lumOff val="35000"/>
+                </a:schemeClr>
+              </a:solidFill>
+              <a:effectLst/>
+            </a:endParaRPr>
+          </a:p>
+        </p:txBody>
+      </p:sp>
+    </p:spTree>
+    <p:extLst>
+      <p:ext uri="{BB962C8B-B14F-4D97-AF65-F5344CB8AC3E}">
+        <p14:creationId xmlns:p14="http://schemas.microsoft.com/office/powerpoint/2010/main" val="4055519105"/>
       </p:ext>
     </p:extLst>
   </p:cSld>
@@ -19162,6 +21785,3585 @@
 </p:sld>
 </file>
 
+<file path=ppt/slides/slide140.xml><?xml version="1.0" encoding="utf-8"?>
+<p:sld xmlns:a="http://schemas.openxmlformats.org/drawingml/2006/main" xmlns:r="http://schemas.openxmlformats.org/officeDocument/2006/relationships" xmlns:p="http://schemas.openxmlformats.org/presentationml/2006/main">
+  <p:cSld>
+    <p:spTree>
+      <p:nvGrpSpPr>
+        <p:cNvPr id="1" name=""/>
+        <p:cNvGrpSpPr/>
+        <p:nvPr/>
+      </p:nvGrpSpPr>
+      <p:grpSpPr>
+        <a:xfrm>
+          <a:off x="0" y="0"/>
+          <a:ext cx="0" cy="0"/>
+          <a:chOff x="0" y="0"/>
+          <a:chExt cx="0" cy="0"/>
+        </a:xfrm>
+      </p:grpSpPr>
+      <p:sp>
+        <p:nvSpPr>
+          <p:cNvPr id="2" name="Footer Placeholder 1">
+            <a:extLst>
+              <a:ext uri="{FF2B5EF4-FFF2-40B4-BE49-F238E27FC236}">
+                <a16:creationId xmlns:a16="http://schemas.microsoft.com/office/drawing/2014/main" id="{561FCE8E-630E-AD9D-4682-385FBE410EA0}"/>
+              </a:ext>
+            </a:extLst>
+          </p:cNvPr>
+          <p:cNvSpPr>
+            <a:spLocks noGrp="1"/>
+          </p:cNvSpPr>
+          <p:nvPr>
+            <p:ph type="ftr" sz="quarter" idx="11"/>
+          </p:nvPr>
+        </p:nvSpPr>
+        <p:spPr/>
+        <p:txBody>
+          <a:bodyPr/>
+          <a:lstStyle/>
+          <a:p>
+            <a:r>
+              <a:rPr lang="en-IN"/>
+              <a:t>H&amp;D IT Solution</a:t>
+            </a:r>
+            <a:endParaRPr lang="en-IN" dirty="0"/>
+          </a:p>
+        </p:txBody>
+      </p:sp>
+      <p:sp>
+        <p:nvSpPr>
+          <p:cNvPr id="3" name="Slide Number Placeholder 2">
+            <a:extLst>
+              <a:ext uri="{FF2B5EF4-FFF2-40B4-BE49-F238E27FC236}">
+                <a16:creationId xmlns:a16="http://schemas.microsoft.com/office/drawing/2014/main" id="{78B35B1B-834C-95AD-BEC3-943B0F57A949}"/>
+              </a:ext>
+            </a:extLst>
+          </p:cNvPr>
+          <p:cNvSpPr>
+            <a:spLocks noGrp="1"/>
+          </p:cNvSpPr>
+          <p:nvPr>
+            <p:ph type="sldNum" sz="quarter" idx="12"/>
+          </p:nvPr>
+        </p:nvSpPr>
+        <p:spPr/>
+        <p:txBody>
+          <a:bodyPr/>
+          <a:lstStyle/>
+          <a:p>
+            <a:fld id="{4A777409-9C5A-4B07-8E32-19F22F7D558C}" type="slidenum">
+              <a:rPr lang="en-IN" smtClean="0"/>
+              <a:t>140</a:t>
+            </a:fld>
+            <a:endParaRPr lang="en-IN" dirty="0"/>
+          </a:p>
+        </p:txBody>
+      </p:sp>
+      <p:sp>
+        <p:nvSpPr>
+          <p:cNvPr id="5" name="TextBox 4">
+            <a:extLst>
+              <a:ext uri="{FF2B5EF4-FFF2-40B4-BE49-F238E27FC236}">
+                <a16:creationId xmlns:a16="http://schemas.microsoft.com/office/drawing/2014/main" id="{08A73B12-C000-0DC1-D737-3BE2B11604CB}"/>
+              </a:ext>
+            </a:extLst>
+          </p:cNvPr>
+          <p:cNvSpPr txBox="1"/>
+          <p:nvPr/>
+        </p:nvSpPr>
+        <p:spPr>
+          <a:xfrm>
+            <a:off x="907676" y="560766"/>
+            <a:ext cx="7447430" cy="1200329"/>
+          </a:xfrm>
+          <a:prstGeom prst="rect">
+            <a:avLst/>
+          </a:prstGeom>
+          <a:noFill/>
+        </p:spPr>
+        <p:txBody>
+          <a:bodyPr wrap="square">
+            <a:spAutoFit/>
+          </a:bodyPr>
+          <a:lstStyle/>
+          <a:p>
+            <a:r>
+              <a:rPr lang="en-IN" dirty="0"/>
+              <a:t>&lt;div class="highlight"&gt;</a:t>
+            </a:r>
+          </a:p>
+          <a:p>
+            <a:r>
+              <a:rPr lang="en-IN" dirty="0"/>
+              <a:t>  Container Component</a:t>
+            </a:r>
+          </a:p>
+          <a:p>
+            <a:r>
+              <a:rPr lang="en-IN" dirty="0"/>
+              <a:t>&lt;/div&gt;</a:t>
+            </a:r>
+          </a:p>
+          <a:p>
+            <a:r>
+              <a:rPr lang="en-IN" dirty="0"/>
+              <a:t>&lt;app-child&gt;&lt;/app-child&gt;</a:t>
+            </a:r>
+          </a:p>
+        </p:txBody>
+      </p:sp>
+      <p:sp>
+        <p:nvSpPr>
+          <p:cNvPr id="7" name="TextBox 6">
+            <a:extLst>
+              <a:ext uri="{FF2B5EF4-FFF2-40B4-BE49-F238E27FC236}">
+                <a16:creationId xmlns:a16="http://schemas.microsoft.com/office/drawing/2014/main" id="{2B621DF0-5FB8-0129-1FE3-5D8F6976DF11}"/>
+              </a:ext>
+            </a:extLst>
+          </p:cNvPr>
+          <p:cNvSpPr txBox="1"/>
+          <p:nvPr/>
+        </p:nvSpPr>
+        <p:spPr>
+          <a:xfrm>
+            <a:off x="907676" y="1899628"/>
+            <a:ext cx="6100482" cy="400110"/>
+          </a:xfrm>
+          <a:prstGeom prst="rect">
+            <a:avLst/>
+          </a:prstGeom>
+          <a:noFill/>
+        </p:spPr>
+        <p:txBody>
+          <a:bodyPr wrap="square">
+            <a:spAutoFit/>
+          </a:bodyPr>
+          <a:lstStyle/>
+          <a:p>
+            <a:r>
+              <a:rPr lang="en-IN" sz="2000" b="1" dirty="0">
+                <a:solidFill>
+                  <a:schemeClr val="tx1">
+                    <a:lumMod val="65000"/>
+                    <a:lumOff val="35000"/>
+                  </a:schemeClr>
+                </a:solidFill>
+              </a:rPr>
+              <a:t>app.component.css</a:t>
+            </a:r>
+            <a:endParaRPr lang="en-IN" sz="2000" dirty="0">
+              <a:solidFill>
+                <a:schemeClr val="tx1">
+                  <a:lumMod val="65000"/>
+                  <a:lumOff val="35000"/>
+                </a:schemeClr>
+              </a:solidFill>
+            </a:endParaRPr>
+          </a:p>
+        </p:txBody>
+      </p:sp>
+      <p:sp>
+        <p:nvSpPr>
+          <p:cNvPr id="9" name="TextBox 8">
+            <a:extLst>
+              <a:ext uri="{FF2B5EF4-FFF2-40B4-BE49-F238E27FC236}">
+                <a16:creationId xmlns:a16="http://schemas.microsoft.com/office/drawing/2014/main" id="{1E7511A5-E14D-C0A2-E25F-15672FF8CF2F}"/>
+              </a:ext>
+            </a:extLst>
+          </p:cNvPr>
+          <p:cNvSpPr txBox="1"/>
+          <p:nvPr/>
+        </p:nvSpPr>
+        <p:spPr>
+          <a:xfrm>
+            <a:off x="907676" y="2438271"/>
+            <a:ext cx="6100482" cy="1754326"/>
+          </a:xfrm>
+          <a:prstGeom prst="rect">
+            <a:avLst/>
+          </a:prstGeom>
+          <a:noFill/>
+        </p:spPr>
+        <p:txBody>
+          <a:bodyPr wrap="square">
+            <a:spAutoFit/>
+          </a:bodyPr>
+          <a:lstStyle/>
+          <a:p>
+            <a:r>
+              <a:rPr lang="en-IN" dirty="0"/>
+              <a:t>.highlight {</a:t>
+            </a:r>
+          </a:p>
+          <a:p>
+            <a:r>
+              <a:rPr lang="en-IN" dirty="0"/>
+              <a:t>  border: 2px solid coral;</a:t>
+            </a:r>
+          </a:p>
+          <a:p>
+            <a:r>
+              <a:rPr lang="en-IN" dirty="0"/>
+              <a:t>  background-</a:t>
+            </a:r>
+            <a:r>
+              <a:rPr lang="en-IN" dirty="0" err="1"/>
+              <a:t>color</a:t>
+            </a:r>
+            <a:r>
+              <a:rPr lang="en-IN" dirty="0"/>
+              <a:t>: </a:t>
+            </a:r>
+            <a:r>
+              <a:rPr lang="en-IN" dirty="0" err="1"/>
+              <a:t>aliceblue</a:t>
+            </a:r>
+            <a:r>
+              <a:rPr lang="en-IN" dirty="0"/>
+              <a:t>;</a:t>
+            </a:r>
+          </a:p>
+          <a:p>
+            <a:r>
+              <a:rPr lang="en-IN" dirty="0"/>
+              <a:t>  text-align: </a:t>
+            </a:r>
+            <a:r>
+              <a:rPr lang="en-IN" dirty="0" err="1"/>
+              <a:t>center</a:t>
+            </a:r>
+            <a:r>
+              <a:rPr lang="en-IN" dirty="0"/>
+              <a:t>;</a:t>
+            </a:r>
+          </a:p>
+          <a:p>
+            <a:r>
+              <a:rPr lang="en-IN" dirty="0"/>
+              <a:t>  margin-bottom: 20px;</a:t>
+            </a:r>
+          </a:p>
+          <a:p>
+            <a:r>
+              <a:rPr lang="en-IN" dirty="0"/>
+              <a:t>}</a:t>
+            </a:r>
+          </a:p>
+        </p:txBody>
+      </p:sp>
+      <p:sp>
+        <p:nvSpPr>
+          <p:cNvPr id="11" name="TextBox 10">
+            <a:extLst>
+              <a:ext uri="{FF2B5EF4-FFF2-40B4-BE49-F238E27FC236}">
+                <a16:creationId xmlns:a16="http://schemas.microsoft.com/office/drawing/2014/main" id="{F901D76F-596C-F7DA-39CB-89B83D925C6B}"/>
+              </a:ext>
+            </a:extLst>
+          </p:cNvPr>
+          <p:cNvSpPr txBox="1"/>
+          <p:nvPr/>
+        </p:nvSpPr>
+        <p:spPr>
+          <a:xfrm>
+            <a:off x="907676" y="4127989"/>
+            <a:ext cx="6100482" cy="400110"/>
+          </a:xfrm>
+          <a:prstGeom prst="rect">
+            <a:avLst/>
+          </a:prstGeom>
+          <a:noFill/>
+        </p:spPr>
+        <p:txBody>
+          <a:bodyPr wrap="square">
+            <a:spAutoFit/>
+          </a:bodyPr>
+          <a:lstStyle/>
+          <a:p>
+            <a:r>
+              <a:rPr lang="en-IN" sz="2000" b="1" dirty="0" err="1">
+                <a:solidFill>
+                  <a:schemeClr val="tx1">
+                    <a:lumMod val="65000"/>
+                    <a:lumOff val="35000"/>
+                  </a:schemeClr>
+                </a:solidFill>
+              </a:rPr>
+              <a:t>app.component.ts</a:t>
+            </a:r>
+            <a:endParaRPr lang="en-IN" sz="2000" dirty="0">
+              <a:solidFill>
+                <a:schemeClr val="tx1">
+                  <a:lumMod val="65000"/>
+                  <a:lumOff val="35000"/>
+                </a:schemeClr>
+              </a:solidFill>
+            </a:endParaRPr>
+          </a:p>
+        </p:txBody>
+      </p:sp>
+      <p:sp>
+        <p:nvSpPr>
+          <p:cNvPr id="13" name="TextBox 12">
+            <a:extLst>
+              <a:ext uri="{FF2B5EF4-FFF2-40B4-BE49-F238E27FC236}">
+                <a16:creationId xmlns:a16="http://schemas.microsoft.com/office/drawing/2014/main" id="{D9998F97-32AB-ADB5-FDCC-736112AD6577}"/>
+              </a:ext>
+            </a:extLst>
+          </p:cNvPr>
+          <p:cNvSpPr txBox="1"/>
+          <p:nvPr/>
+        </p:nvSpPr>
+        <p:spPr>
+          <a:xfrm>
+            <a:off x="907676" y="4549676"/>
+            <a:ext cx="8030136" cy="2308324"/>
+          </a:xfrm>
+          <a:prstGeom prst="rect">
+            <a:avLst/>
+          </a:prstGeom>
+          <a:noFill/>
+        </p:spPr>
+        <p:txBody>
+          <a:bodyPr wrap="square">
+            <a:spAutoFit/>
+          </a:bodyPr>
+          <a:lstStyle/>
+          <a:p>
+            <a:r>
+              <a:rPr lang="en-IN" dirty="0"/>
+              <a:t>import { Component } from '@angular/core';</a:t>
+            </a:r>
+          </a:p>
+          <a:p>
+            <a:r>
+              <a:rPr lang="en-IN" dirty="0"/>
+              <a:t>@Component({</a:t>
+            </a:r>
+          </a:p>
+          <a:p>
+            <a:r>
+              <a:rPr lang="en-IN" dirty="0"/>
+              <a:t>  selector: 'app-root',</a:t>
+            </a:r>
+          </a:p>
+          <a:p>
+            <a:r>
+              <a:rPr lang="en-IN" dirty="0"/>
+              <a:t>  </a:t>
+            </a:r>
+            <a:r>
+              <a:rPr lang="en-IN" dirty="0" err="1"/>
+              <a:t>templateUrl</a:t>
+            </a:r>
+            <a:r>
+              <a:rPr lang="en-IN" dirty="0"/>
+              <a:t>: './app.component.html',</a:t>
+            </a:r>
+          </a:p>
+          <a:p>
+            <a:r>
+              <a:rPr lang="en-IN" dirty="0"/>
+              <a:t>  </a:t>
+            </a:r>
+            <a:r>
+              <a:rPr lang="en-IN" dirty="0" err="1"/>
+              <a:t>styleUrls</a:t>
+            </a:r>
+            <a:r>
+              <a:rPr lang="en-IN" dirty="0"/>
+              <a:t>: ['./app.component.css']</a:t>
+            </a:r>
+          </a:p>
+          <a:p>
+            <a:r>
+              <a:rPr lang="en-IN" dirty="0"/>
+              <a:t>})</a:t>
+            </a:r>
+          </a:p>
+          <a:p>
+            <a:r>
+              <a:rPr lang="en-IN" dirty="0"/>
+              <a:t>export class </a:t>
+            </a:r>
+            <a:r>
+              <a:rPr lang="en-IN" dirty="0" err="1"/>
+              <a:t>AppComponent</a:t>
+            </a:r>
+            <a:r>
+              <a:rPr lang="en-IN" dirty="0"/>
+              <a:t> {</a:t>
+            </a:r>
+          </a:p>
+          <a:p>
+            <a:r>
+              <a:rPr lang="en-IN" dirty="0"/>
+              <a:t>}</a:t>
+            </a:r>
+          </a:p>
+        </p:txBody>
+      </p:sp>
+    </p:spTree>
+    <p:extLst>
+      <p:ext uri="{BB962C8B-B14F-4D97-AF65-F5344CB8AC3E}">
+        <p14:creationId xmlns:p14="http://schemas.microsoft.com/office/powerpoint/2010/main" val="1636534175"/>
+      </p:ext>
+    </p:extLst>
+  </p:cSld>
+  <p:clrMapOvr>
+    <a:masterClrMapping/>
+  </p:clrMapOvr>
+</p:sld>
+</file>
+
+<file path=ppt/slides/slide141.xml><?xml version="1.0" encoding="utf-8"?>
+<p:sld xmlns:a="http://schemas.openxmlformats.org/drawingml/2006/main" xmlns:r="http://schemas.openxmlformats.org/officeDocument/2006/relationships" xmlns:p="http://schemas.openxmlformats.org/presentationml/2006/main">
+  <p:cSld>
+    <p:spTree>
+      <p:nvGrpSpPr>
+        <p:cNvPr id="1" name=""/>
+        <p:cNvGrpSpPr/>
+        <p:nvPr/>
+      </p:nvGrpSpPr>
+      <p:grpSpPr>
+        <a:xfrm>
+          <a:off x="0" y="0"/>
+          <a:ext cx="0" cy="0"/>
+          <a:chOff x="0" y="0"/>
+          <a:chExt cx="0" cy="0"/>
+        </a:xfrm>
+      </p:grpSpPr>
+      <p:sp>
+        <p:nvSpPr>
+          <p:cNvPr id="2" name="Footer Placeholder 1">
+            <a:extLst>
+              <a:ext uri="{FF2B5EF4-FFF2-40B4-BE49-F238E27FC236}">
+                <a16:creationId xmlns:a16="http://schemas.microsoft.com/office/drawing/2014/main" id="{13248294-CC4B-EBA0-886B-5BEEC815645C}"/>
+              </a:ext>
+            </a:extLst>
+          </p:cNvPr>
+          <p:cNvSpPr>
+            <a:spLocks noGrp="1"/>
+          </p:cNvSpPr>
+          <p:nvPr>
+            <p:ph type="ftr" sz="quarter" idx="11"/>
+          </p:nvPr>
+        </p:nvSpPr>
+        <p:spPr/>
+        <p:txBody>
+          <a:bodyPr/>
+          <a:lstStyle/>
+          <a:p>
+            <a:r>
+              <a:rPr lang="en-IN"/>
+              <a:t>H&amp;D IT Solution</a:t>
+            </a:r>
+            <a:endParaRPr lang="en-IN" dirty="0"/>
+          </a:p>
+        </p:txBody>
+      </p:sp>
+      <p:sp>
+        <p:nvSpPr>
+          <p:cNvPr id="3" name="Slide Number Placeholder 2">
+            <a:extLst>
+              <a:ext uri="{FF2B5EF4-FFF2-40B4-BE49-F238E27FC236}">
+                <a16:creationId xmlns:a16="http://schemas.microsoft.com/office/drawing/2014/main" id="{196CF87B-F1B0-38BB-266A-032216C84FA5}"/>
+              </a:ext>
+            </a:extLst>
+          </p:cNvPr>
+          <p:cNvSpPr>
+            <a:spLocks noGrp="1"/>
+          </p:cNvSpPr>
+          <p:nvPr>
+            <p:ph type="sldNum" sz="quarter" idx="12"/>
+          </p:nvPr>
+        </p:nvSpPr>
+        <p:spPr/>
+        <p:txBody>
+          <a:bodyPr/>
+          <a:lstStyle/>
+          <a:p>
+            <a:fld id="{4A777409-9C5A-4B07-8E32-19F22F7D558C}" type="slidenum">
+              <a:rPr lang="en-IN" smtClean="0"/>
+              <a:t>141</a:t>
+            </a:fld>
+            <a:endParaRPr lang="en-IN" dirty="0"/>
+          </a:p>
+        </p:txBody>
+      </p:sp>
+      <p:sp>
+        <p:nvSpPr>
+          <p:cNvPr id="5" name="TextBox 4">
+            <a:extLst>
+              <a:ext uri="{FF2B5EF4-FFF2-40B4-BE49-F238E27FC236}">
+                <a16:creationId xmlns:a16="http://schemas.microsoft.com/office/drawing/2014/main" id="{62858E2A-94FC-DBDB-C188-365B33A4C1CD}"/>
+              </a:ext>
+            </a:extLst>
+          </p:cNvPr>
+          <p:cNvSpPr txBox="1"/>
+          <p:nvPr/>
+        </p:nvSpPr>
+        <p:spPr>
+          <a:xfrm>
+            <a:off x="925604" y="556736"/>
+            <a:ext cx="10428195" cy="1323439"/>
+          </a:xfrm>
+          <a:prstGeom prst="rect">
+            <a:avLst/>
+          </a:prstGeom>
+          <a:noFill/>
+        </p:spPr>
+        <p:txBody>
+          <a:bodyPr wrap="square">
+            <a:spAutoFit/>
+          </a:bodyPr>
+          <a:lstStyle/>
+          <a:p>
+            <a:r>
+              <a:rPr lang="en-US" sz="2000" dirty="0">
+                <a:solidFill>
+                  <a:schemeClr val="tx1">
+                    <a:lumMod val="65000"/>
+                    <a:lumOff val="35000"/>
+                  </a:schemeClr>
+                </a:solidFill>
+                <a:effectLst/>
+              </a:rPr>
+              <a:t>Line 6: Specify the CSS styles in an external stylesheet and bind it to the component using </a:t>
+            </a:r>
+            <a:r>
+              <a:rPr lang="en-US" sz="2000" dirty="0" err="1">
+                <a:solidFill>
+                  <a:schemeClr val="tx1">
+                    <a:lumMod val="65000"/>
+                    <a:lumOff val="35000"/>
+                  </a:schemeClr>
+                </a:solidFill>
+                <a:effectLst/>
+              </a:rPr>
+              <a:t>styleUrls</a:t>
+            </a:r>
+            <a:r>
+              <a:rPr lang="en-US" sz="2000" dirty="0">
+                <a:solidFill>
+                  <a:schemeClr val="tx1">
+                    <a:lumMod val="65000"/>
+                    <a:lumOff val="35000"/>
+                  </a:schemeClr>
+                </a:solidFill>
+                <a:effectLst/>
+              </a:rPr>
+              <a:t> property</a:t>
+            </a:r>
+          </a:p>
+          <a:p>
+            <a:r>
+              <a:rPr lang="en-US" sz="2000" dirty="0">
+                <a:solidFill>
+                  <a:schemeClr val="tx1">
+                    <a:lumMod val="65000"/>
+                    <a:lumOff val="35000"/>
+                  </a:schemeClr>
+                </a:solidFill>
+                <a:effectLst/>
+              </a:rPr>
+              <a:t> </a:t>
+            </a:r>
+          </a:p>
+          <a:p>
+            <a:r>
+              <a:rPr lang="en-US" sz="2000" dirty="0">
+                <a:solidFill>
+                  <a:schemeClr val="tx1">
+                    <a:lumMod val="65000"/>
+                    <a:lumOff val="35000"/>
+                  </a:schemeClr>
+                </a:solidFill>
+                <a:effectLst/>
+              </a:rPr>
+              <a:t>Create another component called </a:t>
+            </a:r>
+            <a:r>
+              <a:rPr lang="en-US" sz="2000" b="1" dirty="0" err="1">
+                <a:solidFill>
+                  <a:schemeClr val="tx1">
+                    <a:lumMod val="65000"/>
+                    <a:lumOff val="35000"/>
+                  </a:schemeClr>
+                </a:solidFill>
+                <a:effectLst/>
+              </a:rPr>
+              <a:t>ChildComponent</a:t>
+            </a:r>
+            <a:r>
+              <a:rPr lang="en-US" sz="2000" dirty="0">
+                <a:solidFill>
+                  <a:schemeClr val="tx1">
+                    <a:lumMod val="65000"/>
+                    <a:lumOff val="35000"/>
+                  </a:schemeClr>
+                </a:solidFill>
+                <a:effectLst/>
+              </a:rPr>
+              <a:t> using the following CLI command</a:t>
+            </a:r>
+          </a:p>
+        </p:txBody>
+      </p:sp>
+      <p:sp>
+        <p:nvSpPr>
+          <p:cNvPr id="7" name="TextBox 6">
+            <a:extLst>
+              <a:ext uri="{FF2B5EF4-FFF2-40B4-BE49-F238E27FC236}">
+                <a16:creationId xmlns:a16="http://schemas.microsoft.com/office/drawing/2014/main" id="{7C4A0C45-BB93-BE80-861B-96D48809E22C}"/>
+              </a:ext>
+            </a:extLst>
+          </p:cNvPr>
+          <p:cNvSpPr txBox="1"/>
+          <p:nvPr/>
+        </p:nvSpPr>
+        <p:spPr>
+          <a:xfrm>
+            <a:off x="925604" y="2016169"/>
+            <a:ext cx="6100482" cy="369332"/>
+          </a:xfrm>
+          <a:prstGeom prst="rect">
+            <a:avLst/>
+          </a:prstGeom>
+          <a:noFill/>
+        </p:spPr>
+        <p:txBody>
+          <a:bodyPr wrap="square">
+            <a:spAutoFit/>
+          </a:bodyPr>
+          <a:lstStyle/>
+          <a:p>
+            <a:r>
+              <a:rPr lang="en-IN" dirty="0"/>
+              <a:t>D:\MyApp&gt;ng generate component Child</a:t>
+            </a:r>
+          </a:p>
+        </p:txBody>
+      </p:sp>
+      <p:sp>
+        <p:nvSpPr>
+          <p:cNvPr id="9" name="TextBox 8">
+            <a:extLst>
+              <a:ext uri="{FF2B5EF4-FFF2-40B4-BE49-F238E27FC236}">
+                <a16:creationId xmlns:a16="http://schemas.microsoft.com/office/drawing/2014/main" id="{984BCE18-EEA5-BF65-A693-456931F899B8}"/>
+              </a:ext>
+            </a:extLst>
+          </p:cNvPr>
+          <p:cNvSpPr txBox="1"/>
+          <p:nvPr/>
+        </p:nvSpPr>
+        <p:spPr>
+          <a:xfrm>
+            <a:off x="925604" y="2521495"/>
+            <a:ext cx="6100482" cy="400110"/>
+          </a:xfrm>
+          <a:prstGeom prst="rect">
+            <a:avLst/>
+          </a:prstGeom>
+          <a:noFill/>
+        </p:spPr>
+        <p:txBody>
+          <a:bodyPr wrap="square">
+            <a:spAutoFit/>
+          </a:bodyPr>
+          <a:lstStyle/>
+          <a:p>
+            <a:r>
+              <a:rPr lang="en-IN" sz="2000" b="1" dirty="0" err="1">
+                <a:solidFill>
+                  <a:schemeClr val="tx1">
+                    <a:lumMod val="65000"/>
+                    <a:lumOff val="35000"/>
+                  </a:schemeClr>
+                </a:solidFill>
+              </a:rPr>
+              <a:t>child.component.ts</a:t>
+            </a:r>
+            <a:endParaRPr lang="en-IN" sz="2000" dirty="0">
+              <a:solidFill>
+                <a:schemeClr val="tx1">
+                  <a:lumMod val="65000"/>
+                  <a:lumOff val="35000"/>
+                </a:schemeClr>
+              </a:solidFill>
+            </a:endParaRPr>
+          </a:p>
+        </p:txBody>
+      </p:sp>
+      <p:sp>
+        <p:nvSpPr>
+          <p:cNvPr id="11" name="TextBox 10">
+            <a:extLst>
+              <a:ext uri="{FF2B5EF4-FFF2-40B4-BE49-F238E27FC236}">
+                <a16:creationId xmlns:a16="http://schemas.microsoft.com/office/drawing/2014/main" id="{BE4B8C92-1E05-FEC0-D9EF-47B0FC5F94AE}"/>
+              </a:ext>
+            </a:extLst>
+          </p:cNvPr>
+          <p:cNvSpPr txBox="1"/>
+          <p:nvPr/>
+        </p:nvSpPr>
+        <p:spPr>
+          <a:xfrm>
+            <a:off x="925604" y="3057599"/>
+            <a:ext cx="8845925" cy="2585323"/>
+          </a:xfrm>
+          <a:prstGeom prst="rect">
+            <a:avLst/>
+          </a:prstGeom>
+          <a:noFill/>
+        </p:spPr>
+        <p:txBody>
+          <a:bodyPr wrap="square">
+            <a:spAutoFit/>
+          </a:bodyPr>
+          <a:lstStyle/>
+          <a:p>
+            <a:r>
+              <a:rPr lang="en-IN" dirty="0"/>
+              <a:t>import { Component } from '@angular/core';</a:t>
+            </a:r>
+          </a:p>
+          <a:p>
+            <a:r>
+              <a:rPr lang="en-IN" dirty="0"/>
+              <a:t>@Component({</a:t>
+            </a:r>
+          </a:p>
+          <a:p>
+            <a:r>
+              <a:rPr lang="en-IN" dirty="0"/>
+              <a:t>  selector: 'app-child',</a:t>
+            </a:r>
+          </a:p>
+          <a:p>
+            <a:r>
+              <a:rPr lang="en-IN" dirty="0"/>
+              <a:t>  </a:t>
+            </a:r>
+            <a:r>
+              <a:rPr lang="en-IN" dirty="0" err="1"/>
+              <a:t>templateUrl</a:t>
+            </a:r>
+            <a:r>
+              <a:rPr lang="en-IN" dirty="0"/>
+              <a:t>: './child.component.html',</a:t>
+            </a:r>
+          </a:p>
+          <a:p>
+            <a:r>
+              <a:rPr lang="en-IN" dirty="0"/>
+              <a:t>  </a:t>
+            </a:r>
+            <a:r>
+              <a:rPr lang="en-IN" dirty="0" err="1"/>
+              <a:t>styleUrls</a:t>
+            </a:r>
+            <a:r>
+              <a:rPr lang="en-IN" dirty="0"/>
+              <a:t>: ['./child.component.css'],</a:t>
+            </a:r>
+          </a:p>
+          <a:p>
+            <a:r>
+              <a:rPr lang="en-IN" dirty="0"/>
+              <a:t>})</a:t>
+            </a:r>
+          </a:p>
+          <a:p>
+            <a:r>
+              <a:rPr lang="en-IN" dirty="0"/>
+              <a:t>export class </a:t>
+            </a:r>
+            <a:r>
+              <a:rPr lang="en-IN" dirty="0" err="1"/>
+              <a:t>ChildComponent</a:t>
+            </a:r>
+            <a:r>
+              <a:rPr lang="en-IN" dirty="0"/>
+              <a:t> {</a:t>
+            </a:r>
+          </a:p>
+          <a:p>
+            <a:r>
+              <a:rPr lang="en-IN" dirty="0"/>
+              <a:t> </a:t>
+            </a:r>
+          </a:p>
+          <a:p>
+            <a:r>
+              <a:rPr lang="en-IN" dirty="0"/>
+              <a:t>}</a:t>
+            </a:r>
+          </a:p>
+        </p:txBody>
+      </p:sp>
+      <p:sp>
+        <p:nvSpPr>
+          <p:cNvPr id="13" name="TextBox 12">
+            <a:extLst>
+              <a:ext uri="{FF2B5EF4-FFF2-40B4-BE49-F238E27FC236}">
+                <a16:creationId xmlns:a16="http://schemas.microsoft.com/office/drawing/2014/main" id="{46568ECF-192C-F8C6-7BB5-909A5259501E}"/>
+              </a:ext>
+            </a:extLst>
+          </p:cNvPr>
+          <p:cNvSpPr txBox="1"/>
+          <p:nvPr/>
+        </p:nvSpPr>
+        <p:spPr>
+          <a:xfrm>
+            <a:off x="925604" y="5676470"/>
+            <a:ext cx="10737478" cy="707886"/>
+          </a:xfrm>
+          <a:prstGeom prst="rect">
+            <a:avLst/>
+          </a:prstGeom>
+          <a:noFill/>
+        </p:spPr>
+        <p:txBody>
+          <a:bodyPr wrap="square">
+            <a:spAutoFit/>
+          </a:bodyPr>
+          <a:lstStyle/>
+          <a:p>
+            <a:r>
+              <a:rPr lang="en-US" sz="2000" dirty="0">
+                <a:solidFill>
+                  <a:schemeClr val="tx1">
+                    <a:lumMod val="65000"/>
+                    <a:lumOff val="35000"/>
+                  </a:schemeClr>
+                </a:solidFill>
+              </a:rPr>
+              <a:t>Line 6: External stylesheet called child.component.css is bound with the component using </a:t>
+            </a:r>
+            <a:r>
+              <a:rPr lang="en-US" sz="2000" dirty="0" err="1">
+                <a:solidFill>
+                  <a:schemeClr val="tx1">
+                    <a:lumMod val="65000"/>
+                    <a:lumOff val="35000"/>
+                  </a:schemeClr>
+                </a:solidFill>
+              </a:rPr>
+              <a:t>styleUrls</a:t>
+            </a:r>
+            <a:r>
+              <a:rPr lang="en-US" sz="2000" dirty="0">
+                <a:solidFill>
+                  <a:schemeClr val="tx1">
+                    <a:lumMod val="65000"/>
+                    <a:lumOff val="35000"/>
+                  </a:schemeClr>
+                </a:solidFill>
+              </a:rPr>
+              <a:t> property</a:t>
+            </a:r>
+            <a:endParaRPr lang="en-IN" sz="2000" dirty="0">
+              <a:solidFill>
+                <a:schemeClr val="tx1">
+                  <a:lumMod val="65000"/>
+                  <a:lumOff val="35000"/>
+                </a:schemeClr>
+              </a:solidFill>
+            </a:endParaRPr>
+          </a:p>
+        </p:txBody>
+      </p:sp>
+    </p:spTree>
+    <p:extLst>
+      <p:ext uri="{BB962C8B-B14F-4D97-AF65-F5344CB8AC3E}">
+        <p14:creationId xmlns:p14="http://schemas.microsoft.com/office/powerpoint/2010/main" val="1706063445"/>
+      </p:ext>
+    </p:extLst>
+  </p:cSld>
+  <p:clrMapOvr>
+    <a:masterClrMapping/>
+  </p:clrMapOvr>
+</p:sld>
+</file>
+
+<file path=ppt/slides/slide142.xml><?xml version="1.0" encoding="utf-8"?>
+<p:sld xmlns:a="http://schemas.openxmlformats.org/drawingml/2006/main" xmlns:r="http://schemas.openxmlformats.org/officeDocument/2006/relationships" xmlns:p="http://schemas.openxmlformats.org/presentationml/2006/main">
+  <p:cSld>
+    <p:spTree>
+      <p:nvGrpSpPr>
+        <p:cNvPr id="1" name=""/>
+        <p:cNvGrpSpPr/>
+        <p:nvPr/>
+      </p:nvGrpSpPr>
+      <p:grpSpPr>
+        <a:xfrm>
+          <a:off x="0" y="0"/>
+          <a:ext cx="0" cy="0"/>
+          <a:chOff x="0" y="0"/>
+          <a:chExt cx="0" cy="0"/>
+        </a:xfrm>
+      </p:grpSpPr>
+      <p:sp>
+        <p:nvSpPr>
+          <p:cNvPr id="2" name="Footer Placeholder 1">
+            <a:extLst>
+              <a:ext uri="{FF2B5EF4-FFF2-40B4-BE49-F238E27FC236}">
+                <a16:creationId xmlns:a16="http://schemas.microsoft.com/office/drawing/2014/main" id="{FD058D77-2372-8907-CCD0-9DE87BC5B184}"/>
+              </a:ext>
+            </a:extLst>
+          </p:cNvPr>
+          <p:cNvSpPr>
+            <a:spLocks noGrp="1"/>
+          </p:cNvSpPr>
+          <p:nvPr>
+            <p:ph type="ftr" sz="quarter" idx="11"/>
+          </p:nvPr>
+        </p:nvSpPr>
+        <p:spPr/>
+        <p:txBody>
+          <a:bodyPr/>
+          <a:lstStyle/>
+          <a:p>
+            <a:r>
+              <a:rPr lang="en-IN"/>
+              <a:t>H&amp;D IT Solution</a:t>
+            </a:r>
+            <a:endParaRPr lang="en-IN" dirty="0"/>
+          </a:p>
+        </p:txBody>
+      </p:sp>
+      <p:sp>
+        <p:nvSpPr>
+          <p:cNvPr id="3" name="Slide Number Placeholder 2">
+            <a:extLst>
+              <a:ext uri="{FF2B5EF4-FFF2-40B4-BE49-F238E27FC236}">
+                <a16:creationId xmlns:a16="http://schemas.microsoft.com/office/drawing/2014/main" id="{D5BBA089-135B-C106-E641-8C236117AE02}"/>
+              </a:ext>
+            </a:extLst>
+          </p:cNvPr>
+          <p:cNvSpPr>
+            <a:spLocks noGrp="1"/>
+          </p:cNvSpPr>
+          <p:nvPr>
+            <p:ph type="sldNum" sz="quarter" idx="12"/>
+          </p:nvPr>
+        </p:nvSpPr>
+        <p:spPr/>
+        <p:txBody>
+          <a:bodyPr/>
+          <a:lstStyle/>
+          <a:p>
+            <a:fld id="{4A777409-9C5A-4B07-8E32-19F22F7D558C}" type="slidenum">
+              <a:rPr lang="en-IN" smtClean="0"/>
+              <a:t>142</a:t>
+            </a:fld>
+            <a:endParaRPr lang="en-IN" dirty="0"/>
+          </a:p>
+        </p:txBody>
+      </p:sp>
+      <p:sp>
+        <p:nvSpPr>
+          <p:cNvPr id="5" name="TextBox 4">
+            <a:extLst>
+              <a:ext uri="{FF2B5EF4-FFF2-40B4-BE49-F238E27FC236}">
+                <a16:creationId xmlns:a16="http://schemas.microsoft.com/office/drawing/2014/main" id="{483809B0-1625-F000-A78F-D2936B7D0234}"/>
+              </a:ext>
+            </a:extLst>
+          </p:cNvPr>
+          <p:cNvSpPr txBox="1"/>
+          <p:nvPr/>
+        </p:nvSpPr>
+        <p:spPr>
+          <a:xfrm>
+            <a:off x="988359" y="554922"/>
+            <a:ext cx="6100482" cy="400110"/>
+          </a:xfrm>
+          <a:prstGeom prst="rect">
+            <a:avLst/>
+          </a:prstGeom>
+          <a:noFill/>
+        </p:spPr>
+        <p:txBody>
+          <a:bodyPr wrap="square">
+            <a:spAutoFit/>
+          </a:bodyPr>
+          <a:lstStyle/>
+          <a:p>
+            <a:r>
+              <a:rPr lang="en-IN" sz="2000" b="1" dirty="0">
+                <a:solidFill>
+                  <a:schemeClr val="tx1">
+                    <a:lumMod val="65000"/>
+                    <a:lumOff val="35000"/>
+                  </a:schemeClr>
+                </a:solidFill>
+              </a:rPr>
+              <a:t>child.component.css</a:t>
+            </a:r>
+            <a:endParaRPr lang="en-IN" sz="2000" dirty="0">
+              <a:solidFill>
+                <a:schemeClr val="tx1">
+                  <a:lumMod val="65000"/>
+                  <a:lumOff val="35000"/>
+                </a:schemeClr>
+              </a:solidFill>
+            </a:endParaRPr>
+          </a:p>
+        </p:txBody>
+      </p:sp>
+      <p:sp>
+        <p:nvSpPr>
+          <p:cNvPr id="7" name="TextBox 6">
+            <a:extLst>
+              <a:ext uri="{FF2B5EF4-FFF2-40B4-BE49-F238E27FC236}">
+                <a16:creationId xmlns:a16="http://schemas.microsoft.com/office/drawing/2014/main" id="{52050C6A-3E98-C7B4-452A-5331382B7DE6}"/>
+              </a:ext>
+            </a:extLst>
+          </p:cNvPr>
+          <p:cNvSpPr txBox="1"/>
+          <p:nvPr/>
+        </p:nvSpPr>
+        <p:spPr>
+          <a:xfrm>
+            <a:off x="988359" y="1024202"/>
+            <a:ext cx="6100482" cy="1754326"/>
+          </a:xfrm>
+          <a:prstGeom prst="rect">
+            <a:avLst/>
+          </a:prstGeom>
+          <a:noFill/>
+        </p:spPr>
+        <p:txBody>
+          <a:bodyPr wrap="square">
+            <a:spAutoFit/>
+          </a:bodyPr>
+          <a:lstStyle/>
+          <a:p>
+            <a:r>
+              <a:rPr lang="en-IN" dirty="0"/>
+              <a:t>.highlight {</a:t>
+            </a:r>
+          </a:p>
+          <a:p>
+            <a:r>
+              <a:rPr lang="en-IN" dirty="0"/>
+              <a:t>  border: 2px solid violet;</a:t>
+            </a:r>
+          </a:p>
+          <a:p>
+            <a:r>
+              <a:rPr lang="en-IN" dirty="0"/>
+              <a:t>  background-</a:t>
+            </a:r>
+            <a:r>
+              <a:rPr lang="en-IN" dirty="0" err="1"/>
+              <a:t>color</a:t>
+            </a:r>
+            <a:r>
+              <a:rPr lang="en-IN" dirty="0"/>
+              <a:t>: cornsilk;</a:t>
+            </a:r>
+          </a:p>
+          <a:p>
+            <a:r>
+              <a:rPr lang="en-IN" dirty="0"/>
+              <a:t>  text-align: </a:t>
+            </a:r>
+            <a:r>
+              <a:rPr lang="en-IN" dirty="0" err="1"/>
+              <a:t>center</a:t>
+            </a:r>
+            <a:r>
+              <a:rPr lang="en-IN" dirty="0"/>
+              <a:t>;</a:t>
+            </a:r>
+          </a:p>
+          <a:p>
+            <a:r>
+              <a:rPr lang="en-IN" dirty="0"/>
+              <a:t>  margin-bottom: 20px;</a:t>
+            </a:r>
+          </a:p>
+          <a:p>
+            <a:r>
+              <a:rPr lang="en-IN" dirty="0"/>
+              <a:t>}</a:t>
+            </a:r>
+          </a:p>
+        </p:txBody>
+      </p:sp>
+      <p:sp>
+        <p:nvSpPr>
+          <p:cNvPr id="9" name="TextBox 8">
+            <a:extLst>
+              <a:ext uri="{FF2B5EF4-FFF2-40B4-BE49-F238E27FC236}">
+                <a16:creationId xmlns:a16="http://schemas.microsoft.com/office/drawing/2014/main" id="{B0E0F0AE-EF93-BEDC-9941-33B75DB3B17B}"/>
+              </a:ext>
+            </a:extLst>
+          </p:cNvPr>
+          <p:cNvSpPr txBox="1"/>
+          <p:nvPr/>
+        </p:nvSpPr>
+        <p:spPr>
+          <a:xfrm>
+            <a:off x="988359" y="2939534"/>
+            <a:ext cx="6100482" cy="400110"/>
+          </a:xfrm>
+          <a:prstGeom prst="rect">
+            <a:avLst/>
+          </a:prstGeom>
+          <a:noFill/>
+        </p:spPr>
+        <p:txBody>
+          <a:bodyPr wrap="square">
+            <a:spAutoFit/>
+          </a:bodyPr>
+          <a:lstStyle/>
+          <a:p>
+            <a:r>
+              <a:rPr lang="en-IN" sz="2000" b="1" dirty="0">
+                <a:solidFill>
+                  <a:schemeClr val="tx1">
+                    <a:lumMod val="65000"/>
+                    <a:lumOff val="35000"/>
+                  </a:schemeClr>
+                </a:solidFill>
+              </a:rPr>
+              <a:t>child.component.html</a:t>
+            </a:r>
+            <a:endParaRPr lang="en-IN" sz="2000" dirty="0">
+              <a:solidFill>
+                <a:schemeClr val="tx1">
+                  <a:lumMod val="65000"/>
+                  <a:lumOff val="35000"/>
+                </a:schemeClr>
+              </a:solidFill>
+            </a:endParaRPr>
+          </a:p>
+        </p:txBody>
+      </p:sp>
+      <p:sp>
+        <p:nvSpPr>
+          <p:cNvPr id="11" name="TextBox 10">
+            <a:extLst>
+              <a:ext uri="{FF2B5EF4-FFF2-40B4-BE49-F238E27FC236}">
+                <a16:creationId xmlns:a16="http://schemas.microsoft.com/office/drawing/2014/main" id="{F06413C6-2A0B-12D2-9FAA-540C5E8379FE}"/>
+              </a:ext>
+            </a:extLst>
+          </p:cNvPr>
+          <p:cNvSpPr txBox="1"/>
+          <p:nvPr/>
+        </p:nvSpPr>
+        <p:spPr>
+          <a:xfrm>
+            <a:off x="988359" y="3518357"/>
+            <a:ext cx="6100482" cy="923330"/>
+          </a:xfrm>
+          <a:prstGeom prst="rect">
+            <a:avLst/>
+          </a:prstGeom>
+          <a:noFill/>
+        </p:spPr>
+        <p:txBody>
+          <a:bodyPr wrap="square">
+            <a:spAutoFit/>
+          </a:bodyPr>
+          <a:lstStyle/>
+          <a:p>
+            <a:r>
+              <a:rPr lang="en-IN" dirty="0"/>
+              <a:t>&lt;div class="highlight"&gt;</a:t>
+            </a:r>
+          </a:p>
+          <a:p>
+            <a:r>
+              <a:rPr lang="en-IN" dirty="0"/>
+              <a:t>  Child Component</a:t>
+            </a:r>
+          </a:p>
+          <a:p>
+            <a:r>
+              <a:rPr lang="en-IN" dirty="0"/>
+              <a:t>&lt;/div&gt;</a:t>
+            </a:r>
+          </a:p>
+        </p:txBody>
+      </p:sp>
+      <p:sp>
+        <p:nvSpPr>
+          <p:cNvPr id="13" name="TextBox 12">
+            <a:extLst>
+              <a:ext uri="{FF2B5EF4-FFF2-40B4-BE49-F238E27FC236}">
+                <a16:creationId xmlns:a16="http://schemas.microsoft.com/office/drawing/2014/main" id="{3365E3C5-9937-233C-D31E-C96C459E57B7}"/>
+              </a:ext>
+            </a:extLst>
+          </p:cNvPr>
+          <p:cNvSpPr txBox="1"/>
+          <p:nvPr/>
+        </p:nvSpPr>
+        <p:spPr>
+          <a:xfrm>
+            <a:off x="988359" y="4620400"/>
+            <a:ext cx="6100482" cy="400110"/>
+          </a:xfrm>
+          <a:prstGeom prst="rect">
+            <a:avLst/>
+          </a:prstGeom>
+          <a:noFill/>
+        </p:spPr>
+        <p:txBody>
+          <a:bodyPr wrap="square">
+            <a:spAutoFit/>
+          </a:bodyPr>
+          <a:lstStyle/>
+          <a:p>
+            <a:r>
+              <a:rPr lang="en-IN" sz="2000" b="1" dirty="0">
+                <a:solidFill>
+                  <a:schemeClr val="tx1">
+                    <a:lumMod val="65000"/>
+                    <a:lumOff val="35000"/>
+                  </a:schemeClr>
+                </a:solidFill>
+              </a:rPr>
+              <a:t>Output</a:t>
+            </a:r>
+            <a:r>
+              <a:rPr lang="en-IN" sz="2000" dirty="0">
+                <a:solidFill>
+                  <a:schemeClr val="tx1">
+                    <a:lumMod val="65000"/>
+                    <a:lumOff val="35000"/>
+                  </a:schemeClr>
+                </a:solidFill>
+              </a:rPr>
+              <a:t>:</a:t>
+            </a:r>
+          </a:p>
+        </p:txBody>
+      </p:sp>
+      <p:pic>
+        <p:nvPicPr>
+          <p:cNvPr id="15" name="Picture 14">
+            <a:extLst>
+              <a:ext uri="{FF2B5EF4-FFF2-40B4-BE49-F238E27FC236}">
+                <a16:creationId xmlns:a16="http://schemas.microsoft.com/office/drawing/2014/main" id="{54CACFBE-BE1C-6CC1-3687-ED13069AD6CF}"/>
+              </a:ext>
+            </a:extLst>
+          </p:cNvPr>
+          <p:cNvPicPr>
+            <a:picLocks noChangeAspect="1"/>
+          </p:cNvPicPr>
+          <p:nvPr/>
+        </p:nvPicPr>
+        <p:blipFill>
+          <a:blip r:embed="rId2">
+            <a:extLst>
+              <a:ext uri="{28A0092B-C50C-407E-A947-70E740481C1C}">
+                <a14:useLocalDpi xmlns:a14="http://schemas.microsoft.com/office/drawing/2010/main" val="0"/>
+              </a:ext>
+            </a:extLst>
+          </a:blip>
+          <a:stretch>
+            <a:fillRect/>
+          </a:stretch>
+        </p:blipFill>
+        <p:spPr>
+          <a:xfrm>
+            <a:off x="3007769" y="4859638"/>
+            <a:ext cx="2429214" cy="828791"/>
+          </a:xfrm>
+          <a:prstGeom prst="rect">
+            <a:avLst/>
+          </a:prstGeom>
+        </p:spPr>
+      </p:pic>
+    </p:spTree>
+    <p:extLst>
+      <p:ext uri="{BB962C8B-B14F-4D97-AF65-F5344CB8AC3E}">
+        <p14:creationId xmlns:p14="http://schemas.microsoft.com/office/powerpoint/2010/main" val="910059517"/>
+      </p:ext>
+    </p:extLst>
+  </p:cSld>
+  <p:clrMapOvr>
+    <a:masterClrMapping/>
+  </p:clrMapOvr>
+</p:sld>
+</file>
+
+<file path=ppt/slides/slide143.xml><?xml version="1.0" encoding="utf-8"?>
+<p:sld xmlns:a="http://schemas.openxmlformats.org/drawingml/2006/main" xmlns:r="http://schemas.openxmlformats.org/officeDocument/2006/relationships" xmlns:p="http://schemas.openxmlformats.org/presentationml/2006/main">
+  <p:cSld>
+    <p:spTree>
+      <p:nvGrpSpPr>
+        <p:cNvPr id="1" name=""/>
+        <p:cNvGrpSpPr/>
+        <p:nvPr/>
+      </p:nvGrpSpPr>
+      <p:grpSpPr>
+        <a:xfrm>
+          <a:off x="0" y="0"/>
+          <a:ext cx="0" cy="0"/>
+          <a:chOff x="0" y="0"/>
+          <a:chExt cx="0" cy="0"/>
+        </a:xfrm>
+      </p:grpSpPr>
+      <p:sp>
+        <p:nvSpPr>
+          <p:cNvPr id="2" name="Footer Placeholder 1">
+            <a:extLst>
+              <a:ext uri="{FF2B5EF4-FFF2-40B4-BE49-F238E27FC236}">
+                <a16:creationId xmlns:a16="http://schemas.microsoft.com/office/drawing/2014/main" id="{5722DB8F-7B61-7580-6FC0-ACF963CD5F93}"/>
+              </a:ext>
+            </a:extLst>
+          </p:cNvPr>
+          <p:cNvSpPr>
+            <a:spLocks noGrp="1"/>
+          </p:cNvSpPr>
+          <p:nvPr>
+            <p:ph type="ftr" sz="quarter" idx="11"/>
+          </p:nvPr>
+        </p:nvSpPr>
+        <p:spPr/>
+        <p:txBody>
+          <a:bodyPr/>
+          <a:lstStyle/>
+          <a:p>
+            <a:r>
+              <a:rPr lang="en-IN"/>
+              <a:t>H&amp;D IT Solution</a:t>
+            </a:r>
+            <a:endParaRPr lang="en-IN" dirty="0"/>
+          </a:p>
+        </p:txBody>
+      </p:sp>
+      <p:sp>
+        <p:nvSpPr>
+          <p:cNvPr id="3" name="Slide Number Placeholder 2">
+            <a:extLst>
+              <a:ext uri="{FF2B5EF4-FFF2-40B4-BE49-F238E27FC236}">
+                <a16:creationId xmlns:a16="http://schemas.microsoft.com/office/drawing/2014/main" id="{0A6D9C24-B255-B6A2-B8EE-01553DB47AF3}"/>
+              </a:ext>
+            </a:extLst>
+          </p:cNvPr>
+          <p:cNvSpPr>
+            <a:spLocks noGrp="1"/>
+          </p:cNvSpPr>
+          <p:nvPr>
+            <p:ph type="sldNum" sz="quarter" idx="12"/>
+          </p:nvPr>
+        </p:nvSpPr>
+        <p:spPr/>
+        <p:txBody>
+          <a:bodyPr/>
+          <a:lstStyle/>
+          <a:p>
+            <a:fld id="{4A777409-9C5A-4B07-8E32-19F22F7D558C}" type="slidenum">
+              <a:rPr lang="en-IN" smtClean="0"/>
+              <a:t>143</a:t>
+            </a:fld>
+            <a:endParaRPr lang="en-IN" dirty="0"/>
+          </a:p>
+        </p:txBody>
+      </p:sp>
+      <p:sp>
+        <p:nvSpPr>
+          <p:cNvPr id="5" name="TextBox 4">
+            <a:extLst>
+              <a:ext uri="{FF2B5EF4-FFF2-40B4-BE49-F238E27FC236}">
+                <a16:creationId xmlns:a16="http://schemas.microsoft.com/office/drawing/2014/main" id="{BC5CD569-AEED-4F15-701D-1D905C109908}"/>
+              </a:ext>
+            </a:extLst>
+          </p:cNvPr>
+          <p:cNvSpPr txBox="1"/>
+          <p:nvPr/>
+        </p:nvSpPr>
+        <p:spPr>
+          <a:xfrm>
+            <a:off x="916641" y="590781"/>
+            <a:ext cx="6100482" cy="400110"/>
+          </a:xfrm>
+          <a:prstGeom prst="rect">
+            <a:avLst/>
+          </a:prstGeom>
+          <a:noFill/>
+        </p:spPr>
+        <p:txBody>
+          <a:bodyPr wrap="square">
+            <a:spAutoFit/>
+          </a:bodyPr>
+          <a:lstStyle/>
+          <a:p>
+            <a:r>
+              <a:rPr lang="en-US" sz="2000" b="1" dirty="0">
+                <a:solidFill>
+                  <a:schemeClr val="tx1">
+                    <a:lumMod val="65000"/>
+                    <a:lumOff val="35000"/>
+                  </a:schemeClr>
+                </a:solidFill>
+              </a:rPr>
+              <a:t>Browser Console(Press F12 inside the browser)</a:t>
+            </a:r>
+            <a:r>
+              <a:rPr lang="en-US" sz="2000" dirty="0">
+                <a:solidFill>
+                  <a:schemeClr val="tx1">
+                    <a:lumMod val="65000"/>
+                    <a:lumOff val="35000"/>
+                  </a:schemeClr>
+                </a:solidFill>
+              </a:rPr>
+              <a:t>:</a:t>
+            </a:r>
+            <a:endParaRPr lang="en-IN" sz="2000" dirty="0">
+              <a:solidFill>
+                <a:schemeClr val="tx1">
+                  <a:lumMod val="65000"/>
+                  <a:lumOff val="35000"/>
+                </a:schemeClr>
+              </a:solidFill>
+            </a:endParaRPr>
+          </a:p>
+        </p:txBody>
+      </p:sp>
+      <p:pic>
+        <p:nvPicPr>
+          <p:cNvPr id="7" name="Picture 6">
+            <a:extLst>
+              <a:ext uri="{FF2B5EF4-FFF2-40B4-BE49-F238E27FC236}">
+                <a16:creationId xmlns:a16="http://schemas.microsoft.com/office/drawing/2014/main" id="{92DAE556-9777-C7B3-B81C-901AC830753A}"/>
+              </a:ext>
+            </a:extLst>
+          </p:cNvPr>
+          <p:cNvPicPr>
+            <a:picLocks noChangeAspect="1"/>
+          </p:cNvPicPr>
+          <p:nvPr/>
+        </p:nvPicPr>
+        <p:blipFill>
+          <a:blip r:embed="rId2">
+            <a:extLst>
+              <a:ext uri="{28A0092B-C50C-407E-A947-70E740481C1C}">
+                <a14:useLocalDpi xmlns:a14="http://schemas.microsoft.com/office/drawing/2010/main" val="0"/>
+              </a:ext>
+            </a:extLst>
+          </a:blip>
+          <a:stretch>
+            <a:fillRect/>
+          </a:stretch>
+        </p:blipFill>
+        <p:spPr>
+          <a:xfrm>
+            <a:off x="1452191" y="986625"/>
+            <a:ext cx="5325218" cy="5734850"/>
+          </a:xfrm>
+          <a:prstGeom prst="rect">
+            <a:avLst/>
+          </a:prstGeom>
+        </p:spPr>
+      </p:pic>
+    </p:spTree>
+    <p:extLst>
+      <p:ext uri="{BB962C8B-B14F-4D97-AF65-F5344CB8AC3E}">
+        <p14:creationId xmlns:p14="http://schemas.microsoft.com/office/powerpoint/2010/main" val="1759834262"/>
+      </p:ext>
+    </p:extLst>
+  </p:cSld>
+  <p:clrMapOvr>
+    <a:masterClrMapping/>
+  </p:clrMapOvr>
+</p:sld>
+</file>
+
+<file path=ppt/slides/slide144.xml><?xml version="1.0" encoding="utf-8"?>
+<p:sld xmlns:a="http://schemas.openxmlformats.org/drawingml/2006/main" xmlns:r="http://schemas.openxmlformats.org/officeDocument/2006/relationships" xmlns:p="http://schemas.openxmlformats.org/presentationml/2006/main">
+  <p:cSld>
+    <p:spTree>
+      <p:nvGrpSpPr>
+        <p:cNvPr id="1" name=""/>
+        <p:cNvGrpSpPr/>
+        <p:nvPr/>
+      </p:nvGrpSpPr>
+      <p:grpSpPr>
+        <a:xfrm>
+          <a:off x="0" y="0"/>
+          <a:ext cx="0" cy="0"/>
+          <a:chOff x="0" y="0"/>
+          <a:chExt cx="0" cy="0"/>
+        </a:xfrm>
+      </p:grpSpPr>
+      <p:sp>
+        <p:nvSpPr>
+          <p:cNvPr id="2" name="Footer Placeholder 1">
+            <a:extLst>
+              <a:ext uri="{FF2B5EF4-FFF2-40B4-BE49-F238E27FC236}">
+                <a16:creationId xmlns:a16="http://schemas.microsoft.com/office/drawing/2014/main" id="{594B626E-75E9-7AC8-2E45-013AFDA9E8BB}"/>
+              </a:ext>
+            </a:extLst>
+          </p:cNvPr>
+          <p:cNvSpPr>
+            <a:spLocks noGrp="1"/>
+          </p:cNvSpPr>
+          <p:nvPr>
+            <p:ph type="ftr" sz="quarter" idx="11"/>
+          </p:nvPr>
+        </p:nvSpPr>
+        <p:spPr/>
+        <p:txBody>
+          <a:bodyPr/>
+          <a:lstStyle/>
+          <a:p>
+            <a:r>
+              <a:rPr lang="en-IN"/>
+              <a:t>H&amp;D IT Solution</a:t>
+            </a:r>
+            <a:endParaRPr lang="en-IN" dirty="0"/>
+          </a:p>
+        </p:txBody>
+      </p:sp>
+      <p:sp>
+        <p:nvSpPr>
+          <p:cNvPr id="3" name="Slide Number Placeholder 2">
+            <a:extLst>
+              <a:ext uri="{FF2B5EF4-FFF2-40B4-BE49-F238E27FC236}">
+                <a16:creationId xmlns:a16="http://schemas.microsoft.com/office/drawing/2014/main" id="{95840B62-5F55-AD5E-E2C9-C6D90AC4318B}"/>
+              </a:ext>
+            </a:extLst>
+          </p:cNvPr>
+          <p:cNvSpPr>
+            <a:spLocks noGrp="1"/>
+          </p:cNvSpPr>
+          <p:nvPr>
+            <p:ph type="sldNum" sz="quarter" idx="12"/>
+          </p:nvPr>
+        </p:nvSpPr>
+        <p:spPr/>
+        <p:txBody>
+          <a:bodyPr/>
+          <a:lstStyle/>
+          <a:p>
+            <a:fld id="{4A777409-9C5A-4B07-8E32-19F22F7D558C}" type="slidenum">
+              <a:rPr lang="en-IN" smtClean="0"/>
+              <a:t>144</a:t>
+            </a:fld>
+            <a:endParaRPr lang="en-IN" dirty="0"/>
+          </a:p>
+        </p:txBody>
+      </p:sp>
+      <p:sp>
+        <p:nvSpPr>
+          <p:cNvPr id="5" name="TextBox 4">
+            <a:extLst>
+              <a:ext uri="{FF2B5EF4-FFF2-40B4-BE49-F238E27FC236}">
+                <a16:creationId xmlns:a16="http://schemas.microsoft.com/office/drawing/2014/main" id="{9C9A68D7-AEEF-A47B-C131-413372B148CA}"/>
+              </a:ext>
+            </a:extLst>
+          </p:cNvPr>
+          <p:cNvSpPr txBox="1"/>
+          <p:nvPr/>
+        </p:nvSpPr>
+        <p:spPr>
+          <a:xfrm>
+            <a:off x="988358" y="611432"/>
+            <a:ext cx="10365441" cy="1631216"/>
+          </a:xfrm>
+          <a:prstGeom prst="rect">
+            <a:avLst/>
+          </a:prstGeom>
+          <a:noFill/>
+        </p:spPr>
+        <p:txBody>
+          <a:bodyPr wrap="square">
+            <a:spAutoFit/>
+          </a:bodyPr>
+          <a:lstStyle/>
+          <a:p>
+            <a:r>
+              <a:rPr lang="en-US" sz="2000" dirty="0">
+                <a:solidFill>
+                  <a:schemeClr val="tx1">
+                    <a:lumMod val="65000"/>
+                    <a:lumOff val="35000"/>
+                  </a:schemeClr>
+                </a:solidFill>
+                <a:effectLst/>
+              </a:rPr>
+              <a:t>CSS styles can be added to a component by adding styles property to the component metadata. Styles is an array property where multiple CSS classes for a component can be defined.</a:t>
+            </a:r>
+          </a:p>
+          <a:p>
+            <a:r>
+              <a:rPr lang="en-US" sz="2000" dirty="0">
+                <a:solidFill>
+                  <a:schemeClr val="tx1">
+                    <a:lumMod val="65000"/>
+                    <a:lumOff val="35000"/>
+                  </a:schemeClr>
+                </a:solidFill>
+              </a:rPr>
+              <a:t> </a:t>
+            </a:r>
+          </a:p>
+          <a:p>
+            <a:r>
+              <a:rPr lang="en-US" sz="2000" b="1" dirty="0">
+                <a:solidFill>
+                  <a:schemeClr val="tx1">
+                    <a:lumMod val="65000"/>
+                    <a:lumOff val="35000"/>
+                  </a:schemeClr>
+                </a:solidFill>
+                <a:effectLst/>
+              </a:rPr>
+              <a:t>Example</a:t>
+            </a:r>
+            <a:r>
+              <a:rPr lang="en-US" sz="2000" dirty="0">
+                <a:solidFill>
+                  <a:schemeClr val="tx1">
+                    <a:lumMod val="65000"/>
+                    <a:lumOff val="35000"/>
+                  </a:schemeClr>
+                </a:solidFill>
+                <a:effectLst/>
+              </a:rPr>
+              <a:t>:</a:t>
+            </a:r>
+          </a:p>
+          <a:p>
+            <a:r>
+              <a:rPr lang="en-US" sz="2000" b="1" dirty="0" err="1">
+                <a:solidFill>
+                  <a:schemeClr val="tx1">
+                    <a:lumMod val="65000"/>
+                    <a:lumOff val="35000"/>
+                  </a:schemeClr>
+                </a:solidFill>
+                <a:effectLst/>
+              </a:rPr>
+              <a:t>app.component.ts</a:t>
+            </a:r>
+            <a:endParaRPr lang="en-US" sz="2000" dirty="0">
+              <a:solidFill>
+                <a:schemeClr val="tx1">
+                  <a:lumMod val="65000"/>
+                  <a:lumOff val="35000"/>
+                </a:schemeClr>
+              </a:solidFill>
+              <a:effectLst/>
+            </a:endParaRPr>
+          </a:p>
+        </p:txBody>
+      </p:sp>
+      <p:sp>
+        <p:nvSpPr>
+          <p:cNvPr id="7" name="TextBox 6">
+            <a:extLst>
+              <a:ext uri="{FF2B5EF4-FFF2-40B4-BE49-F238E27FC236}">
+                <a16:creationId xmlns:a16="http://schemas.microsoft.com/office/drawing/2014/main" id="{622267B4-16A2-D9C5-D52A-34155AAFF213}"/>
+              </a:ext>
+            </a:extLst>
+          </p:cNvPr>
+          <p:cNvSpPr txBox="1"/>
+          <p:nvPr/>
+        </p:nvSpPr>
+        <p:spPr>
+          <a:xfrm>
+            <a:off x="916641" y="2372142"/>
+            <a:ext cx="8594912" cy="4247317"/>
+          </a:xfrm>
+          <a:prstGeom prst="rect">
+            <a:avLst/>
+          </a:prstGeom>
+          <a:noFill/>
+        </p:spPr>
+        <p:txBody>
+          <a:bodyPr wrap="square">
+            <a:spAutoFit/>
+          </a:bodyPr>
+          <a:lstStyle/>
+          <a:p>
+            <a:r>
+              <a:rPr lang="en-IN" dirty="0"/>
+              <a:t>import { Component } from '@angular/core';</a:t>
+            </a:r>
+          </a:p>
+          <a:p>
+            <a:r>
+              <a:rPr lang="en-IN" dirty="0"/>
+              <a:t>@Component({</a:t>
+            </a:r>
+          </a:p>
+          <a:p>
+            <a:r>
+              <a:rPr lang="en-IN" dirty="0"/>
+              <a:t>  selector: 'app-root',</a:t>
+            </a:r>
+          </a:p>
+          <a:p>
+            <a:r>
+              <a:rPr lang="en-IN" dirty="0"/>
+              <a:t>  </a:t>
+            </a:r>
+            <a:r>
+              <a:rPr lang="en-IN" dirty="0" err="1"/>
+              <a:t>templateUrl</a:t>
+            </a:r>
+            <a:r>
+              <a:rPr lang="en-IN" dirty="0"/>
+              <a:t>: './app.component.html',</a:t>
+            </a:r>
+          </a:p>
+          <a:p>
+            <a:r>
+              <a:rPr lang="en-IN" dirty="0"/>
+              <a:t>  styles: [`</a:t>
+            </a:r>
+          </a:p>
+          <a:p>
+            <a:r>
+              <a:rPr lang="en-IN" dirty="0"/>
+              <a:t>  .highlight {</a:t>
+            </a:r>
+          </a:p>
+          <a:p>
+            <a:r>
+              <a:rPr lang="en-IN" dirty="0"/>
+              <a:t>      border: 2px solid red;</a:t>
+            </a:r>
+          </a:p>
+          <a:p>
+            <a:r>
+              <a:rPr lang="en-IN" dirty="0"/>
+              <a:t>      </a:t>
+            </a:r>
+            <a:r>
+              <a:rPr lang="en-IN" dirty="0" err="1"/>
+              <a:t>background-color:AliceBlue</a:t>
+            </a:r>
+            <a:r>
+              <a:rPr lang="en-IN" dirty="0"/>
+              <a:t>;</a:t>
+            </a:r>
+          </a:p>
+          <a:p>
+            <a:r>
+              <a:rPr lang="en-IN" dirty="0"/>
+              <a:t>      text-align: </a:t>
+            </a:r>
+            <a:r>
+              <a:rPr lang="en-IN" dirty="0" err="1"/>
+              <a:t>center</a:t>
+            </a:r>
+            <a:r>
+              <a:rPr lang="en-IN" dirty="0"/>
+              <a:t>;</a:t>
+            </a:r>
+          </a:p>
+          <a:p>
+            <a:r>
+              <a:rPr lang="en-IN" dirty="0"/>
+              <a:t>      margin-bottom: 20px;</a:t>
+            </a:r>
+          </a:p>
+          <a:p>
+            <a:r>
+              <a:rPr lang="en-IN" dirty="0"/>
+              <a:t>  }</a:t>
+            </a:r>
+          </a:p>
+          <a:p>
+            <a:r>
+              <a:rPr lang="en-IN" dirty="0"/>
+              <a:t>`],</a:t>
+            </a:r>
+          </a:p>
+          <a:p>
+            <a:r>
+              <a:rPr lang="en-IN" dirty="0"/>
+              <a:t>})</a:t>
+            </a:r>
+          </a:p>
+          <a:p>
+            <a:r>
+              <a:rPr lang="en-IN" dirty="0"/>
+              <a:t>export class </a:t>
+            </a:r>
+            <a:r>
+              <a:rPr lang="en-IN" dirty="0" err="1"/>
+              <a:t>AppComponent</a:t>
+            </a:r>
+            <a:r>
+              <a:rPr lang="en-IN" dirty="0"/>
+              <a:t> {</a:t>
+            </a:r>
+          </a:p>
+          <a:p>
+            <a:r>
+              <a:rPr lang="en-IN" dirty="0"/>
+              <a:t>}</a:t>
+            </a:r>
+          </a:p>
+        </p:txBody>
+      </p:sp>
+    </p:spTree>
+    <p:extLst>
+      <p:ext uri="{BB962C8B-B14F-4D97-AF65-F5344CB8AC3E}">
+        <p14:creationId xmlns:p14="http://schemas.microsoft.com/office/powerpoint/2010/main" val="3969645193"/>
+      </p:ext>
+    </p:extLst>
+  </p:cSld>
+  <p:clrMapOvr>
+    <a:masterClrMapping/>
+  </p:clrMapOvr>
+</p:sld>
+</file>
+
+<file path=ppt/slides/slide145.xml><?xml version="1.0" encoding="utf-8"?>
+<p:sld xmlns:a="http://schemas.openxmlformats.org/drawingml/2006/main" xmlns:r="http://schemas.openxmlformats.org/officeDocument/2006/relationships" xmlns:p="http://schemas.openxmlformats.org/presentationml/2006/main">
+  <p:cSld>
+    <p:spTree>
+      <p:nvGrpSpPr>
+        <p:cNvPr id="1" name=""/>
+        <p:cNvGrpSpPr/>
+        <p:nvPr/>
+      </p:nvGrpSpPr>
+      <p:grpSpPr>
+        <a:xfrm>
+          <a:off x="0" y="0"/>
+          <a:ext cx="0" cy="0"/>
+          <a:chOff x="0" y="0"/>
+          <a:chExt cx="0" cy="0"/>
+        </a:xfrm>
+      </p:grpSpPr>
+      <p:sp>
+        <p:nvSpPr>
+          <p:cNvPr id="2" name="Footer Placeholder 1">
+            <a:extLst>
+              <a:ext uri="{FF2B5EF4-FFF2-40B4-BE49-F238E27FC236}">
+                <a16:creationId xmlns:a16="http://schemas.microsoft.com/office/drawing/2014/main" id="{BA59F412-A6D7-A64B-CB10-236F9234F17D}"/>
+              </a:ext>
+            </a:extLst>
+          </p:cNvPr>
+          <p:cNvSpPr>
+            <a:spLocks noGrp="1"/>
+          </p:cNvSpPr>
+          <p:nvPr>
+            <p:ph type="ftr" sz="quarter" idx="11"/>
+          </p:nvPr>
+        </p:nvSpPr>
+        <p:spPr/>
+        <p:txBody>
+          <a:bodyPr/>
+          <a:lstStyle/>
+          <a:p>
+            <a:r>
+              <a:rPr lang="en-IN"/>
+              <a:t>H&amp;D IT Solution</a:t>
+            </a:r>
+            <a:endParaRPr lang="en-IN" dirty="0"/>
+          </a:p>
+        </p:txBody>
+      </p:sp>
+      <p:sp>
+        <p:nvSpPr>
+          <p:cNvPr id="3" name="Slide Number Placeholder 2">
+            <a:extLst>
+              <a:ext uri="{FF2B5EF4-FFF2-40B4-BE49-F238E27FC236}">
+                <a16:creationId xmlns:a16="http://schemas.microsoft.com/office/drawing/2014/main" id="{550CFB64-AE62-D666-4818-9EFCD96D9E1A}"/>
+              </a:ext>
+            </a:extLst>
+          </p:cNvPr>
+          <p:cNvSpPr>
+            <a:spLocks noGrp="1"/>
+          </p:cNvSpPr>
+          <p:nvPr>
+            <p:ph type="sldNum" sz="quarter" idx="12"/>
+          </p:nvPr>
+        </p:nvSpPr>
+        <p:spPr/>
+        <p:txBody>
+          <a:bodyPr/>
+          <a:lstStyle/>
+          <a:p>
+            <a:fld id="{4A777409-9C5A-4B07-8E32-19F22F7D558C}" type="slidenum">
+              <a:rPr lang="en-IN" smtClean="0"/>
+              <a:t>145</a:t>
+            </a:fld>
+            <a:endParaRPr lang="en-IN" dirty="0"/>
+          </a:p>
+        </p:txBody>
+      </p:sp>
+      <p:sp>
+        <p:nvSpPr>
+          <p:cNvPr id="5" name="TextBox 4">
+            <a:extLst>
+              <a:ext uri="{FF2B5EF4-FFF2-40B4-BE49-F238E27FC236}">
+                <a16:creationId xmlns:a16="http://schemas.microsoft.com/office/drawing/2014/main" id="{67CE6C0F-6A64-AB77-5917-A3AC15DC90F6}"/>
+              </a:ext>
+            </a:extLst>
+          </p:cNvPr>
+          <p:cNvSpPr txBox="1"/>
+          <p:nvPr/>
+        </p:nvSpPr>
+        <p:spPr>
+          <a:xfrm>
+            <a:off x="880782" y="578694"/>
+            <a:ext cx="8469406" cy="1015663"/>
+          </a:xfrm>
+          <a:prstGeom prst="rect">
+            <a:avLst/>
+          </a:prstGeom>
+          <a:noFill/>
+        </p:spPr>
+        <p:txBody>
+          <a:bodyPr wrap="square">
+            <a:spAutoFit/>
+          </a:bodyPr>
+          <a:lstStyle/>
+          <a:p>
+            <a:r>
+              <a:rPr lang="en-US" sz="2000" dirty="0">
+                <a:solidFill>
+                  <a:schemeClr val="tx1">
+                    <a:lumMod val="65000"/>
+                    <a:lumOff val="35000"/>
+                  </a:schemeClr>
+                </a:solidFill>
+                <a:effectLst/>
+              </a:rPr>
+              <a:t>Line 6-13: Add CSS styles specific to this component in the styles property.</a:t>
+            </a:r>
+          </a:p>
+          <a:p>
+            <a:r>
+              <a:rPr lang="en-US" sz="2000" dirty="0">
+                <a:solidFill>
+                  <a:schemeClr val="tx1">
+                    <a:lumMod val="65000"/>
+                    <a:lumOff val="35000"/>
+                  </a:schemeClr>
+                </a:solidFill>
+                <a:effectLst/>
+              </a:rPr>
+              <a:t> </a:t>
+            </a:r>
+          </a:p>
+          <a:p>
+            <a:r>
+              <a:rPr lang="en-US" sz="2000" b="1" dirty="0">
+                <a:solidFill>
+                  <a:schemeClr val="tx1">
+                    <a:lumMod val="65000"/>
+                    <a:lumOff val="35000"/>
+                  </a:schemeClr>
+                </a:solidFill>
+                <a:effectLst/>
+              </a:rPr>
+              <a:t>app.component.html</a:t>
+            </a:r>
+            <a:endParaRPr lang="en-US" sz="2000" dirty="0">
+              <a:solidFill>
+                <a:schemeClr val="tx1">
+                  <a:lumMod val="65000"/>
+                  <a:lumOff val="35000"/>
+                </a:schemeClr>
+              </a:solidFill>
+              <a:effectLst/>
+            </a:endParaRPr>
+          </a:p>
+        </p:txBody>
+      </p:sp>
+      <p:sp>
+        <p:nvSpPr>
+          <p:cNvPr id="7" name="TextBox 6">
+            <a:extLst>
+              <a:ext uri="{FF2B5EF4-FFF2-40B4-BE49-F238E27FC236}">
+                <a16:creationId xmlns:a16="http://schemas.microsoft.com/office/drawing/2014/main" id="{8212CDCF-B44F-4A87-27CA-AE65785A8D35}"/>
+              </a:ext>
+            </a:extLst>
+          </p:cNvPr>
+          <p:cNvSpPr txBox="1"/>
+          <p:nvPr/>
+        </p:nvSpPr>
+        <p:spPr>
+          <a:xfrm>
+            <a:off x="880782" y="1699284"/>
+            <a:ext cx="8209430" cy="1200329"/>
+          </a:xfrm>
+          <a:prstGeom prst="rect">
+            <a:avLst/>
+          </a:prstGeom>
+          <a:noFill/>
+        </p:spPr>
+        <p:txBody>
+          <a:bodyPr wrap="square">
+            <a:spAutoFit/>
+          </a:bodyPr>
+          <a:lstStyle/>
+          <a:p>
+            <a:r>
+              <a:rPr lang="en-IN" dirty="0"/>
+              <a:t>&lt;div class="highlight"&gt;</a:t>
+            </a:r>
+          </a:p>
+          <a:p>
+            <a:r>
+              <a:rPr lang="en-IN" dirty="0"/>
+              <a:t>  Container Component</a:t>
+            </a:r>
+          </a:p>
+          <a:p>
+            <a:r>
+              <a:rPr lang="en-IN" dirty="0"/>
+              <a:t>&lt;/div&gt;</a:t>
+            </a:r>
+          </a:p>
+          <a:p>
+            <a:r>
+              <a:rPr lang="en-IN" dirty="0"/>
+              <a:t>&lt;app-child&gt;&lt;/app-child&gt;</a:t>
+            </a:r>
+          </a:p>
+        </p:txBody>
+      </p:sp>
+      <p:sp>
+        <p:nvSpPr>
+          <p:cNvPr id="9" name="TextBox 8">
+            <a:extLst>
+              <a:ext uri="{FF2B5EF4-FFF2-40B4-BE49-F238E27FC236}">
+                <a16:creationId xmlns:a16="http://schemas.microsoft.com/office/drawing/2014/main" id="{ABEFC698-F77A-9859-4E4D-B3C30A59A1C3}"/>
+              </a:ext>
+            </a:extLst>
+          </p:cNvPr>
+          <p:cNvSpPr txBox="1"/>
+          <p:nvPr/>
+        </p:nvSpPr>
+        <p:spPr>
+          <a:xfrm>
+            <a:off x="880781" y="3035058"/>
+            <a:ext cx="7823947" cy="1015663"/>
+          </a:xfrm>
+          <a:prstGeom prst="rect">
+            <a:avLst/>
+          </a:prstGeom>
+          <a:noFill/>
+        </p:spPr>
+        <p:txBody>
+          <a:bodyPr wrap="square">
+            <a:spAutoFit/>
+          </a:bodyPr>
+          <a:lstStyle/>
+          <a:p>
+            <a:r>
+              <a:rPr lang="en-US" sz="2000" dirty="0">
+                <a:solidFill>
+                  <a:schemeClr val="tx1">
+                    <a:lumMod val="65000"/>
+                    <a:lumOff val="35000"/>
+                  </a:schemeClr>
+                </a:solidFill>
+                <a:effectLst/>
+              </a:rPr>
+              <a:t>Line 1: CSS class i.e., the highlight is applied to the div tag</a:t>
+            </a:r>
+          </a:p>
+          <a:p>
+            <a:r>
+              <a:rPr lang="en-US" sz="2000" dirty="0">
+                <a:solidFill>
+                  <a:schemeClr val="tx1">
+                    <a:lumMod val="65000"/>
+                    <a:lumOff val="35000"/>
+                  </a:schemeClr>
+                </a:solidFill>
+                <a:effectLst/>
+              </a:rPr>
+              <a:t> </a:t>
+            </a:r>
+          </a:p>
+          <a:p>
+            <a:r>
+              <a:rPr lang="en-US" sz="2000" b="1" dirty="0" err="1">
+                <a:solidFill>
+                  <a:schemeClr val="tx1">
+                    <a:lumMod val="65000"/>
+                    <a:lumOff val="35000"/>
+                  </a:schemeClr>
+                </a:solidFill>
+                <a:effectLst/>
+              </a:rPr>
+              <a:t>child.component.ts</a:t>
+            </a:r>
+            <a:endParaRPr lang="en-US" sz="2000" dirty="0">
+              <a:solidFill>
+                <a:schemeClr val="tx1">
+                  <a:lumMod val="65000"/>
+                  <a:lumOff val="35000"/>
+                </a:schemeClr>
+              </a:solidFill>
+              <a:effectLst/>
+            </a:endParaRPr>
+          </a:p>
+        </p:txBody>
+      </p:sp>
+      <p:sp>
+        <p:nvSpPr>
+          <p:cNvPr id="11" name="TextBox 10">
+            <a:extLst>
+              <a:ext uri="{FF2B5EF4-FFF2-40B4-BE49-F238E27FC236}">
+                <a16:creationId xmlns:a16="http://schemas.microsoft.com/office/drawing/2014/main" id="{538572A9-9947-FBD1-C632-5B6B2418396B}"/>
+              </a:ext>
+            </a:extLst>
+          </p:cNvPr>
+          <p:cNvSpPr txBox="1"/>
+          <p:nvPr/>
+        </p:nvSpPr>
+        <p:spPr>
+          <a:xfrm>
+            <a:off x="880781" y="4043819"/>
+            <a:ext cx="8550090" cy="3139321"/>
+          </a:xfrm>
+          <a:prstGeom prst="rect">
+            <a:avLst/>
+          </a:prstGeom>
+          <a:noFill/>
+        </p:spPr>
+        <p:txBody>
+          <a:bodyPr wrap="square">
+            <a:spAutoFit/>
+          </a:bodyPr>
+          <a:lstStyle/>
+          <a:p>
+            <a:r>
+              <a:rPr lang="en-IN" dirty="0"/>
+              <a:t>import { Component, </a:t>
+            </a:r>
+            <a:r>
+              <a:rPr lang="en-IN" dirty="0" err="1"/>
+              <a:t>OnInit</a:t>
+            </a:r>
+            <a:r>
+              <a:rPr lang="en-IN" dirty="0"/>
+              <a:t> } from '@angular/core';</a:t>
+            </a:r>
+          </a:p>
+          <a:p>
+            <a:r>
+              <a:rPr lang="en-IN" dirty="0"/>
+              <a:t>@Component({</a:t>
+            </a:r>
+          </a:p>
+          <a:p>
+            <a:r>
+              <a:rPr lang="en-IN" dirty="0"/>
+              <a:t>  selector: 'app-child',</a:t>
+            </a:r>
+          </a:p>
+          <a:p>
+            <a:r>
+              <a:rPr lang="en-IN" dirty="0"/>
+              <a:t>  </a:t>
+            </a:r>
+            <a:r>
+              <a:rPr lang="en-IN" dirty="0" err="1"/>
+              <a:t>templateUrl</a:t>
+            </a:r>
+            <a:r>
+              <a:rPr lang="en-IN" dirty="0"/>
+              <a:t>: './child.component.html',</a:t>
+            </a:r>
+          </a:p>
+          <a:p>
+            <a:r>
+              <a:rPr lang="en-IN" dirty="0"/>
+              <a:t>  styles: [</a:t>
+            </a:r>
+          </a:p>
+          <a:p>
+            <a:r>
+              <a:rPr lang="en-IN" dirty="0"/>
+              <a:t>    `</a:t>
+            </a:r>
+          </a:p>
+          <a:p>
+            <a:r>
+              <a:rPr lang="en-IN" dirty="0"/>
+              <a:t>      .highlight {</a:t>
+            </a:r>
+          </a:p>
+          <a:p>
+            <a:r>
+              <a:rPr lang="en-IN" dirty="0"/>
+              <a:t>        border: 2px solid yellow;</a:t>
+            </a:r>
+          </a:p>
+          <a:p>
+            <a:r>
+              <a:rPr lang="en-IN" dirty="0"/>
+              <a:t>        background-</a:t>
+            </a:r>
+            <a:r>
+              <a:rPr lang="en-IN" dirty="0" err="1"/>
+              <a:t>color</a:t>
+            </a:r>
+            <a:r>
+              <a:rPr lang="en-IN" dirty="0"/>
+              <a:t>: cornsilk;</a:t>
+            </a:r>
+          </a:p>
+          <a:p>
+            <a:r>
+              <a:rPr lang="en-IN" dirty="0"/>
+              <a:t>        text-align: </a:t>
+            </a:r>
+            <a:r>
+              <a:rPr lang="en-IN" dirty="0" err="1"/>
+              <a:t>center</a:t>
+            </a:r>
+            <a:r>
+              <a:rPr lang="en-IN" dirty="0"/>
+              <a:t>;</a:t>
+            </a:r>
+          </a:p>
+          <a:p>
+            <a:r>
+              <a:rPr lang="en-IN" dirty="0"/>
+              <a:t>        </a:t>
+            </a:r>
+          </a:p>
+        </p:txBody>
+      </p:sp>
+    </p:spTree>
+    <p:extLst>
+      <p:ext uri="{BB962C8B-B14F-4D97-AF65-F5344CB8AC3E}">
+        <p14:creationId xmlns:p14="http://schemas.microsoft.com/office/powerpoint/2010/main" val="2838062101"/>
+      </p:ext>
+    </p:extLst>
+  </p:cSld>
+  <p:clrMapOvr>
+    <a:masterClrMapping/>
+  </p:clrMapOvr>
+</p:sld>
+</file>
+
+<file path=ppt/slides/slide146.xml><?xml version="1.0" encoding="utf-8"?>
+<p:sld xmlns:a="http://schemas.openxmlformats.org/drawingml/2006/main" xmlns:r="http://schemas.openxmlformats.org/officeDocument/2006/relationships" xmlns:p="http://schemas.openxmlformats.org/presentationml/2006/main">
+  <p:cSld>
+    <p:spTree>
+      <p:nvGrpSpPr>
+        <p:cNvPr id="1" name=""/>
+        <p:cNvGrpSpPr/>
+        <p:nvPr/>
+      </p:nvGrpSpPr>
+      <p:grpSpPr>
+        <a:xfrm>
+          <a:off x="0" y="0"/>
+          <a:ext cx="0" cy="0"/>
+          <a:chOff x="0" y="0"/>
+          <a:chExt cx="0" cy="0"/>
+        </a:xfrm>
+      </p:grpSpPr>
+      <p:sp>
+        <p:nvSpPr>
+          <p:cNvPr id="2" name="Footer Placeholder 1">
+            <a:extLst>
+              <a:ext uri="{FF2B5EF4-FFF2-40B4-BE49-F238E27FC236}">
+                <a16:creationId xmlns:a16="http://schemas.microsoft.com/office/drawing/2014/main" id="{8E5CF441-1F4C-5FC5-DA3B-4D425AFA6F15}"/>
+              </a:ext>
+            </a:extLst>
+          </p:cNvPr>
+          <p:cNvSpPr>
+            <a:spLocks noGrp="1"/>
+          </p:cNvSpPr>
+          <p:nvPr>
+            <p:ph type="ftr" sz="quarter" idx="11"/>
+          </p:nvPr>
+        </p:nvSpPr>
+        <p:spPr/>
+        <p:txBody>
+          <a:bodyPr/>
+          <a:lstStyle/>
+          <a:p>
+            <a:r>
+              <a:rPr lang="en-IN"/>
+              <a:t>H&amp;D IT Solution</a:t>
+            </a:r>
+            <a:endParaRPr lang="en-IN" dirty="0"/>
+          </a:p>
+        </p:txBody>
+      </p:sp>
+      <p:sp>
+        <p:nvSpPr>
+          <p:cNvPr id="3" name="Slide Number Placeholder 2">
+            <a:extLst>
+              <a:ext uri="{FF2B5EF4-FFF2-40B4-BE49-F238E27FC236}">
+                <a16:creationId xmlns:a16="http://schemas.microsoft.com/office/drawing/2014/main" id="{1767EAB7-F153-6156-57B4-3B9D6D558ED6}"/>
+              </a:ext>
+            </a:extLst>
+          </p:cNvPr>
+          <p:cNvSpPr>
+            <a:spLocks noGrp="1"/>
+          </p:cNvSpPr>
+          <p:nvPr>
+            <p:ph type="sldNum" sz="quarter" idx="12"/>
+          </p:nvPr>
+        </p:nvSpPr>
+        <p:spPr/>
+        <p:txBody>
+          <a:bodyPr/>
+          <a:lstStyle/>
+          <a:p>
+            <a:fld id="{4A777409-9C5A-4B07-8E32-19F22F7D558C}" type="slidenum">
+              <a:rPr lang="en-IN" smtClean="0"/>
+              <a:t>146</a:t>
+            </a:fld>
+            <a:endParaRPr lang="en-IN" dirty="0"/>
+          </a:p>
+        </p:txBody>
+      </p:sp>
+      <p:sp>
+        <p:nvSpPr>
+          <p:cNvPr id="5" name="TextBox 4">
+            <a:extLst>
+              <a:ext uri="{FF2B5EF4-FFF2-40B4-BE49-F238E27FC236}">
+                <a16:creationId xmlns:a16="http://schemas.microsoft.com/office/drawing/2014/main" id="{05C90269-9361-D9F6-36D5-9348AB468A84}"/>
+              </a:ext>
+            </a:extLst>
+          </p:cNvPr>
+          <p:cNvSpPr txBox="1"/>
+          <p:nvPr/>
+        </p:nvSpPr>
+        <p:spPr>
+          <a:xfrm>
+            <a:off x="1086970" y="648198"/>
+            <a:ext cx="8281148" cy="2585323"/>
+          </a:xfrm>
+          <a:prstGeom prst="rect">
+            <a:avLst/>
+          </a:prstGeom>
+          <a:noFill/>
+        </p:spPr>
+        <p:txBody>
+          <a:bodyPr wrap="square">
+            <a:spAutoFit/>
+          </a:bodyPr>
+          <a:lstStyle/>
+          <a:p>
+            <a:r>
+              <a:rPr lang="en-IN" dirty="0"/>
+              <a:t>margin-bottom: 20px;</a:t>
+            </a:r>
+          </a:p>
+          <a:p>
+            <a:r>
+              <a:rPr lang="en-IN" dirty="0"/>
+              <a:t>      }</a:t>
+            </a:r>
+          </a:p>
+          <a:p>
+            <a:r>
+              <a:rPr lang="en-IN" dirty="0"/>
+              <a:t>    `,</a:t>
+            </a:r>
+          </a:p>
+          <a:p>
+            <a:r>
+              <a:rPr lang="en-IN" dirty="0"/>
+              <a:t>  ],</a:t>
+            </a:r>
+          </a:p>
+          <a:p>
+            <a:r>
+              <a:rPr lang="en-IN" dirty="0"/>
+              <a:t>})</a:t>
+            </a:r>
+          </a:p>
+          <a:p>
+            <a:r>
+              <a:rPr lang="en-IN" dirty="0"/>
+              <a:t>export class </a:t>
+            </a:r>
+            <a:r>
+              <a:rPr lang="en-IN" dirty="0" err="1"/>
+              <a:t>ChildComponent</a:t>
+            </a:r>
+            <a:r>
+              <a:rPr lang="en-IN" dirty="0"/>
+              <a:t> {</a:t>
+            </a:r>
+          </a:p>
+          <a:p>
+            <a:r>
+              <a:rPr lang="en-IN" dirty="0"/>
+              <a:t>  constructor() { }</a:t>
+            </a:r>
+          </a:p>
+          <a:p>
+            <a:r>
+              <a:rPr lang="en-IN" dirty="0"/>
+              <a:t>}</a:t>
+            </a:r>
+          </a:p>
+          <a:p>
+            <a:r>
+              <a:rPr lang="en-IN" dirty="0"/>
+              <a:t> </a:t>
+            </a:r>
+          </a:p>
+        </p:txBody>
+      </p:sp>
+      <p:sp>
+        <p:nvSpPr>
+          <p:cNvPr id="7" name="TextBox 6">
+            <a:extLst>
+              <a:ext uri="{FF2B5EF4-FFF2-40B4-BE49-F238E27FC236}">
+                <a16:creationId xmlns:a16="http://schemas.microsoft.com/office/drawing/2014/main" id="{512580D5-15F2-1040-B58A-FFF3C5A084B3}"/>
+              </a:ext>
+            </a:extLst>
+          </p:cNvPr>
+          <p:cNvSpPr txBox="1"/>
+          <p:nvPr/>
+        </p:nvSpPr>
+        <p:spPr>
+          <a:xfrm>
+            <a:off x="405652" y="3233521"/>
+            <a:ext cx="10948147" cy="1015663"/>
+          </a:xfrm>
+          <a:prstGeom prst="rect">
+            <a:avLst/>
+          </a:prstGeom>
+          <a:noFill/>
+        </p:spPr>
+        <p:txBody>
+          <a:bodyPr wrap="square">
+            <a:spAutoFit/>
+          </a:bodyPr>
+          <a:lstStyle/>
+          <a:p>
+            <a:r>
+              <a:rPr lang="en-US" sz="2000" dirty="0">
+                <a:solidFill>
+                  <a:schemeClr val="tx1">
+                    <a:lumMod val="65000"/>
+                    <a:lumOff val="35000"/>
+                  </a:schemeClr>
+                </a:solidFill>
+                <a:effectLst/>
+              </a:rPr>
+              <a:t>Line 6-13: Add CSS styles specific to this component in the styles property.</a:t>
+            </a:r>
+          </a:p>
+          <a:p>
+            <a:r>
+              <a:rPr lang="en-US" sz="2000" dirty="0">
+                <a:solidFill>
+                  <a:schemeClr val="tx1">
+                    <a:lumMod val="65000"/>
+                    <a:lumOff val="35000"/>
+                  </a:schemeClr>
+                </a:solidFill>
+                <a:effectLst/>
+              </a:rPr>
+              <a:t> </a:t>
+            </a:r>
+          </a:p>
+          <a:p>
+            <a:r>
+              <a:rPr lang="en-US" sz="2000" b="1" dirty="0">
+                <a:solidFill>
+                  <a:schemeClr val="tx1">
+                    <a:lumMod val="65000"/>
+                    <a:lumOff val="35000"/>
+                  </a:schemeClr>
+                </a:solidFill>
+                <a:effectLst/>
+              </a:rPr>
+              <a:t>child.component.html</a:t>
+            </a:r>
+            <a:endParaRPr lang="en-US" sz="2000" dirty="0">
+              <a:solidFill>
+                <a:schemeClr val="tx1">
+                  <a:lumMod val="65000"/>
+                  <a:lumOff val="35000"/>
+                </a:schemeClr>
+              </a:solidFill>
+              <a:effectLst/>
+            </a:endParaRPr>
+          </a:p>
+        </p:txBody>
+      </p:sp>
+      <p:sp>
+        <p:nvSpPr>
+          <p:cNvPr id="9" name="TextBox 8">
+            <a:extLst>
+              <a:ext uri="{FF2B5EF4-FFF2-40B4-BE49-F238E27FC236}">
+                <a16:creationId xmlns:a16="http://schemas.microsoft.com/office/drawing/2014/main" id="{952DDD2B-1930-DA81-3D2C-67DBA944A229}"/>
+              </a:ext>
+            </a:extLst>
+          </p:cNvPr>
+          <p:cNvSpPr txBox="1"/>
+          <p:nvPr/>
+        </p:nvSpPr>
+        <p:spPr>
+          <a:xfrm>
+            <a:off x="405652" y="4482370"/>
+            <a:ext cx="6100482" cy="923330"/>
+          </a:xfrm>
+          <a:prstGeom prst="rect">
+            <a:avLst/>
+          </a:prstGeom>
+          <a:noFill/>
+        </p:spPr>
+        <p:txBody>
+          <a:bodyPr wrap="square">
+            <a:spAutoFit/>
+          </a:bodyPr>
+          <a:lstStyle/>
+          <a:p>
+            <a:r>
+              <a:rPr lang="en-IN" dirty="0"/>
+              <a:t>&lt;div class="highlight"&gt;</a:t>
+            </a:r>
+          </a:p>
+          <a:p>
+            <a:r>
+              <a:rPr lang="en-IN" dirty="0"/>
+              <a:t>  Child Component</a:t>
+            </a:r>
+          </a:p>
+          <a:p>
+            <a:r>
+              <a:rPr lang="en-IN" dirty="0"/>
+              <a:t>&lt;/div&gt;</a:t>
+            </a:r>
+          </a:p>
+        </p:txBody>
+      </p:sp>
+    </p:spTree>
+    <p:extLst>
+      <p:ext uri="{BB962C8B-B14F-4D97-AF65-F5344CB8AC3E}">
+        <p14:creationId xmlns:p14="http://schemas.microsoft.com/office/powerpoint/2010/main" val="3452267248"/>
+      </p:ext>
+    </p:extLst>
+  </p:cSld>
+  <p:clrMapOvr>
+    <a:masterClrMapping/>
+  </p:clrMapOvr>
+</p:sld>
+</file>
+
+<file path=ppt/slides/slide147.xml><?xml version="1.0" encoding="utf-8"?>
+<p:sld xmlns:a="http://schemas.openxmlformats.org/drawingml/2006/main" xmlns:r="http://schemas.openxmlformats.org/officeDocument/2006/relationships" xmlns:p="http://schemas.openxmlformats.org/presentationml/2006/main">
+  <p:cSld>
+    <p:spTree>
+      <p:nvGrpSpPr>
+        <p:cNvPr id="1" name=""/>
+        <p:cNvGrpSpPr/>
+        <p:nvPr/>
+      </p:nvGrpSpPr>
+      <p:grpSpPr>
+        <a:xfrm>
+          <a:off x="0" y="0"/>
+          <a:ext cx="0" cy="0"/>
+          <a:chOff x="0" y="0"/>
+          <a:chExt cx="0" cy="0"/>
+        </a:xfrm>
+      </p:grpSpPr>
+      <p:sp>
+        <p:nvSpPr>
+          <p:cNvPr id="2" name="Footer Placeholder 1">
+            <a:extLst>
+              <a:ext uri="{FF2B5EF4-FFF2-40B4-BE49-F238E27FC236}">
+                <a16:creationId xmlns:a16="http://schemas.microsoft.com/office/drawing/2014/main" id="{5CBA4126-EA97-EF9B-3039-3B7F3D106315}"/>
+              </a:ext>
+            </a:extLst>
+          </p:cNvPr>
+          <p:cNvSpPr>
+            <a:spLocks noGrp="1"/>
+          </p:cNvSpPr>
+          <p:nvPr>
+            <p:ph type="ftr" sz="quarter" idx="11"/>
+          </p:nvPr>
+        </p:nvSpPr>
+        <p:spPr/>
+        <p:txBody>
+          <a:bodyPr/>
+          <a:lstStyle/>
+          <a:p>
+            <a:r>
+              <a:rPr lang="en-IN"/>
+              <a:t>H&amp;D IT Solution</a:t>
+            </a:r>
+            <a:endParaRPr lang="en-IN" dirty="0"/>
+          </a:p>
+        </p:txBody>
+      </p:sp>
+      <p:sp>
+        <p:nvSpPr>
+          <p:cNvPr id="3" name="Slide Number Placeholder 2">
+            <a:extLst>
+              <a:ext uri="{FF2B5EF4-FFF2-40B4-BE49-F238E27FC236}">
+                <a16:creationId xmlns:a16="http://schemas.microsoft.com/office/drawing/2014/main" id="{B8861A1A-8C80-E68C-9D2C-269C47E87192}"/>
+              </a:ext>
+            </a:extLst>
+          </p:cNvPr>
+          <p:cNvSpPr>
+            <a:spLocks noGrp="1"/>
+          </p:cNvSpPr>
+          <p:nvPr>
+            <p:ph type="sldNum" sz="quarter" idx="12"/>
+          </p:nvPr>
+        </p:nvSpPr>
+        <p:spPr/>
+        <p:txBody>
+          <a:bodyPr/>
+          <a:lstStyle/>
+          <a:p>
+            <a:fld id="{4A777409-9C5A-4B07-8E32-19F22F7D558C}" type="slidenum">
+              <a:rPr lang="en-IN" smtClean="0"/>
+              <a:t>147</a:t>
+            </a:fld>
+            <a:endParaRPr lang="en-IN" dirty="0"/>
+          </a:p>
+        </p:txBody>
+      </p:sp>
+      <p:sp>
+        <p:nvSpPr>
+          <p:cNvPr id="5" name="TextBox 4">
+            <a:extLst>
+              <a:ext uri="{FF2B5EF4-FFF2-40B4-BE49-F238E27FC236}">
+                <a16:creationId xmlns:a16="http://schemas.microsoft.com/office/drawing/2014/main" id="{B85F7105-91A1-D22F-60D1-F88081F40C7C}"/>
+              </a:ext>
+            </a:extLst>
+          </p:cNvPr>
+          <p:cNvSpPr txBox="1"/>
+          <p:nvPr/>
+        </p:nvSpPr>
+        <p:spPr>
+          <a:xfrm>
+            <a:off x="988359" y="608710"/>
+            <a:ext cx="6100482" cy="400110"/>
+          </a:xfrm>
+          <a:prstGeom prst="rect">
+            <a:avLst/>
+          </a:prstGeom>
+          <a:noFill/>
+        </p:spPr>
+        <p:txBody>
+          <a:bodyPr wrap="square">
+            <a:spAutoFit/>
+          </a:bodyPr>
+          <a:lstStyle/>
+          <a:p>
+            <a:r>
+              <a:rPr lang="en-IN" sz="2000" b="1" dirty="0">
+                <a:solidFill>
+                  <a:schemeClr val="tx1">
+                    <a:lumMod val="65000"/>
+                    <a:lumOff val="35000"/>
+                  </a:schemeClr>
+                </a:solidFill>
+              </a:rPr>
+              <a:t>Output</a:t>
+            </a:r>
+            <a:r>
+              <a:rPr lang="en-IN" sz="2000" dirty="0">
+                <a:solidFill>
+                  <a:schemeClr val="tx1">
+                    <a:lumMod val="65000"/>
+                    <a:lumOff val="35000"/>
+                  </a:schemeClr>
+                </a:solidFill>
+              </a:rPr>
+              <a:t>:</a:t>
+            </a:r>
+          </a:p>
+        </p:txBody>
+      </p:sp>
+      <p:pic>
+        <p:nvPicPr>
+          <p:cNvPr id="7" name="Picture 6">
+            <a:extLst>
+              <a:ext uri="{FF2B5EF4-FFF2-40B4-BE49-F238E27FC236}">
+                <a16:creationId xmlns:a16="http://schemas.microsoft.com/office/drawing/2014/main" id="{0B0AC17A-B4A3-A8F2-1BBD-FC9D9C06768E}"/>
+              </a:ext>
+            </a:extLst>
+          </p:cNvPr>
+          <p:cNvPicPr>
+            <a:picLocks noChangeAspect="1"/>
+          </p:cNvPicPr>
+          <p:nvPr/>
+        </p:nvPicPr>
+        <p:blipFill>
+          <a:blip r:embed="rId2">
+            <a:extLst>
+              <a:ext uri="{28A0092B-C50C-407E-A947-70E740481C1C}">
+                <a14:useLocalDpi xmlns:a14="http://schemas.microsoft.com/office/drawing/2010/main" val="0"/>
+              </a:ext>
+            </a:extLst>
+          </a:blip>
+          <a:stretch>
+            <a:fillRect/>
+          </a:stretch>
+        </p:blipFill>
+        <p:spPr>
+          <a:xfrm>
+            <a:off x="1111574" y="1207374"/>
+            <a:ext cx="4715533" cy="857370"/>
+          </a:xfrm>
+          <a:prstGeom prst="rect">
+            <a:avLst/>
+          </a:prstGeom>
+        </p:spPr>
+      </p:pic>
+      <p:sp>
+        <p:nvSpPr>
+          <p:cNvPr id="9" name="TextBox 8">
+            <a:extLst>
+              <a:ext uri="{FF2B5EF4-FFF2-40B4-BE49-F238E27FC236}">
+                <a16:creationId xmlns:a16="http://schemas.microsoft.com/office/drawing/2014/main" id="{C5A08157-F253-2280-F423-9B2EAD88474B}"/>
+              </a:ext>
+            </a:extLst>
+          </p:cNvPr>
+          <p:cNvSpPr txBox="1"/>
+          <p:nvPr/>
+        </p:nvSpPr>
+        <p:spPr>
+          <a:xfrm>
+            <a:off x="253252" y="2410616"/>
+            <a:ext cx="6100482" cy="400110"/>
+          </a:xfrm>
+          <a:prstGeom prst="rect">
+            <a:avLst/>
+          </a:prstGeom>
+          <a:noFill/>
+        </p:spPr>
+        <p:txBody>
+          <a:bodyPr wrap="square">
+            <a:spAutoFit/>
+          </a:bodyPr>
+          <a:lstStyle/>
+          <a:p>
+            <a:r>
+              <a:rPr lang="en-US" sz="2000" b="1" dirty="0">
+                <a:solidFill>
+                  <a:schemeClr val="tx1">
+                    <a:lumMod val="65000"/>
+                    <a:lumOff val="35000"/>
+                  </a:schemeClr>
+                </a:solidFill>
+              </a:rPr>
+              <a:t>Browser Console(Press F12 inside the browser)</a:t>
+            </a:r>
+            <a:r>
+              <a:rPr lang="en-US" sz="2000" dirty="0">
+                <a:solidFill>
+                  <a:schemeClr val="tx1">
+                    <a:lumMod val="65000"/>
+                    <a:lumOff val="35000"/>
+                  </a:schemeClr>
+                </a:solidFill>
+              </a:rPr>
+              <a:t>:</a:t>
+            </a:r>
+            <a:endParaRPr lang="en-IN" sz="2000" dirty="0">
+              <a:solidFill>
+                <a:schemeClr val="tx1">
+                  <a:lumMod val="65000"/>
+                  <a:lumOff val="35000"/>
+                </a:schemeClr>
+              </a:solidFill>
+            </a:endParaRPr>
+          </a:p>
+        </p:txBody>
+      </p:sp>
+      <p:pic>
+        <p:nvPicPr>
+          <p:cNvPr id="11" name="Picture 10">
+            <a:extLst>
+              <a:ext uri="{FF2B5EF4-FFF2-40B4-BE49-F238E27FC236}">
+                <a16:creationId xmlns:a16="http://schemas.microsoft.com/office/drawing/2014/main" id="{44549656-D497-CB7B-4D82-E8A7AF3EAD02}"/>
+              </a:ext>
+            </a:extLst>
+          </p:cNvPr>
+          <p:cNvPicPr>
+            <a:picLocks noChangeAspect="1"/>
+          </p:cNvPicPr>
+          <p:nvPr/>
+        </p:nvPicPr>
+        <p:blipFill>
+          <a:blip r:embed="rId3">
+            <a:extLst>
+              <a:ext uri="{28A0092B-C50C-407E-A947-70E740481C1C}">
+                <a14:useLocalDpi xmlns:a14="http://schemas.microsoft.com/office/drawing/2010/main" val="0"/>
+              </a:ext>
+            </a:extLst>
+          </a:blip>
+          <a:stretch>
+            <a:fillRect/>
+          </a:stretch>
+        </p:blipFill>
+        <p:spPr>
+          <a:xfrm>
+            <a:off x="6243545" y="2151529"/>
+            <a:ext cx="5334744" cy="4706471"/>
+          </a:xfrm>
+          <a:prstGeom prst="rect">
+            <a:avLst/>
+          </a:prstGeom>
+        </p:spPr>
+      </p:pic>
+    </p:spTree>
+    <p:extLst>
+      <p:ext uri="{BB962C8B-B14F-4D97-AF65-F5344CB8AC3E}">
+        <p14:creationId xmlns:p14="http://schemas.microsoft.com/office/powerpoint/2010/main" val="711249302"/>
+      </p:ext>
+    </p:extLst>
+  </p:cSld>
+  <p:clrMapOvr>
+    <a:masterClrMapping/>
+  </p:clrMapOvr>
+</p:sld>
+</file>
+
+<file path=ppt/slides/slide148.xml><?xml version="1.0" encoding="utf-8"?>
+<p:sld xmlns:a="http://schemas.openxmlformats.org/drawingml/2006/main" xmlns:r="http://schemas.openxmlformats.org/officeDocument/2006/relationships" xmlns:p="http://schemas.openxmlformats.org/presentationml/2006/main">
+  <p:cSld>
+    <p:spTree>
+      <p:nvGrpSpPr>
+        <p:cNvPr id="1" name=""/>
+        <p:cNvGrpSpPr/>
+        <p:nvPr/>
+      </p:nvGrpSpPr>
+      <p:grpSpPr>
+        <a:xfrm>
+          <a:off x="0" y="0"/>
+          <a:ext cx="0" cy="0"/>
+          <a:chOff x="0" y="0"/>
+          <a:chExt cx="0" cy="0"/>
+        </a:xfrm>
+      </p:grpSpPr>
+      <p:sp>
+        <p:nvSpPr>
+          <p:cNvPr id="2" name="Footer Placeholder 1">
+            <a:extLst>
+              <a:ext uri="{FF2B5EF4-FFF2-40B4-BE49-F238E27FC236}">
+                <a16:creationId xmlns:a16="http://schemas.microsoft.com/office/drawing/2014/main" id="{3C308B0B-76A6-7413-49BC-DFF09774AD78}"/>
+              </a:ext>
+            </a:extLst>
+          </p:cNvPr>
+          <p:cNvSpPr>
+            <a:spLocks noGrp="1"/>
+          </p:cNvSpPr>
+          <p:nvPr>
+            <p:ph type="ftr" sz="quarter" idx="11"/>
+          </p:nvPr>
+        </p:nvSpPr>
+        <p:spPr/>
+        <p:txBody>
+          <a:bodyPr/>
+          <a:lstStyle/>
+          <a:p>
+            <a:r>
+              <a:rPr lang="en-IN"/>
+              <a:t>H&amp;D IT Solution</a:t>
+            </a:r>
+            <a:endParaRPr lang="en-IN" dirty="0"/>
+          </a:p>
+        </p:txBody>
+      </p:sp>
+      <p:sp>
+        <p:nvSpPr>
+          <p:cNvPr id="3" name="Slide Number Placeholder 2">
+            <a:extLst>
+              <a:ext uri="{FF2B5EF4-FFF2-40B4-BE49-F238E27FC236}">
+                <a16:creationId xmlns:a16="http://schemas.microsoft.com/office/drawing/2014/main" id="{B656301D-B2D0-E5BC-3421-63D1C1E3DA1C}"/>
+              </a:ext>
+            </a:extLst>
+          </p:cNvPr>
+          <p:cNvSpPr>
+            <a:spLocks noGrp="1"/>
+          </p:cNvSpPr>
+          <p:nvPr>
+            <p:ph type="sldNum" sz="quarter" idx="12"/>
+          </p:nvPr>
+        </p:nvSpPr>
+        <p:spPr/>
+        <p:txBody>
+          <a:bodyPr/>
+          <a:lstStyle/>
+          <a:p>
+            <a:fld id="{4A777409-9C5A-4B07-8E32-19F22F7D558C}" type="slidenum">
+              <a:rPr lang="en-IN" smtClean="0"/>
+              <a:t>148</a:t>
+            </a:fld>
+            <a:endParaRPr lang="en-IN" dirty="0"/>
+          </a:p>
+        </p:txBody>
+      </p:sp>
+      <p:sp>
+        <p:nvSpPr>
+          <p:cNvPr id="5" name="TextBox 4">
+            <a:extLst>
+              <a:ext uri="{FF2B5EF4-FFF2-40B4-BE49-F238E27FC236}">
+                <a16:creationId xmlns:a16="http://schemas.microsoft.com/office/drawing/2014/main" id="{E0B2A6AF-4CDB-B10F-7987-060FF76760F1}"/>
+              </a:ext>
+            </a:extLst>
+          </p:cNvPr>
+          <p:cNvSpPr txBox="1"/>
+          <p:nvPr/>
+        </p:nvSpPr>
+        <p:spPr>
+          <a:xfrm>
+            <a:off x="813547" y="607403"/>
+            <a:ext cx="10540253" cy="1938992"/>
+          </a:xfrm>
+          <a:prstGeom prst="rect">
+            <a:avLst/>
+          </a:prstGeom>
+          <a:noFill/>
+        </p:spPr>
+        <p:txBody>
+          <a:bodyPr wrap="square">
+            <a:spAutoFit/>
+          </a:bodyPr>
+          <a:lstStyle/>
+          <a:p>
+            <a:r>
+              <a:rPr lang="en-US" sz="2000" dirty="0">
+                <a:solidFill>
+                  <a:schemeClr val="tx1">
+                    <a:lumMod val="65000"/>
+                    <a:lumOff val="35000"/>
+                  </a:schemeClr>
+                </a:solidFill>
+                <a:effectLst/>
+              </a:rPr>
+              <a:t>Another option to add CSS styles to the component is by using inline-style. The styles can be directly embedded in the HTML template using &lt;style&gt; tag.</a:t>
+            </a:r>
+          </a:p>
+          <a:p>
+            <a:r>
+              <a:rPr lang="en-US" sz="2000" dirty="0">
+                <a:solidFill>
+                  <a:schemeClr val="tx1">
+                    <a:lumMod val="65000"/>
+                    <a:lumOff val="35000"/>
+                  </a:schemeClr>
+                </a:solidFill>
+                <a:effectLst/>
+              </a:rPr>
+              <a:t> </a:t>
+            </a:r>
+          </a:p>
+          <a:p>
+            <a:r>
+              <a:rPr lang="en-US" sz="2000" b="1" dirty="0">
+                <a:solidFill>
+                  <a:schemeClr val="tx1">
+                    <a:lumMod val="65000"/>
+                    <a:lumOff val="35000"/>
+                  </a:schemeClr>
+                </a:solidFill>
+                <a:effectLst/>
+              </a:rPr>
+              <a:t>Example</a:t>
+            </a:r>
+            <a:r>
+              <a:rPr lang="en-US" sz="2000" dirty="0">
+                <a:solidFill>
+                  <a:schemeClr val="tx1">
+                    <a:lumMod val="65000"/>
+                    <a:lumOff val="35000"/>
+                  </a:schemeClr>
+                </a:solidFill>
+                <a:effectLst/>
+              </a:rPr>
+              <a:t>:</a:t>
+            </a:r>
+          </a:p>
+          <a:p>
+            <a:r>
+              <a:rPr lang="en-US" sz="2000" dirty="0">
+                <a:solidFill>
+                  <a:schemeClr val="tx1">
+                    <a:lumMod val="65000"/>
+                    <a:lumOff val="35000"/>
+                  </a:schemeClr>
+                </a:solidFill>
+                <a:effectLst/>
+              </a:rPr>
+              <a:t>Remove the highlight CSS class from the styles property in the </a:t>
+            </a:r>
+            <a:r>
+              <a:rPr lang="en-US" sz="2000" dirty="0" err="1">
+                <a:solidFill>
+                  <a:schemeClr val="tx1">
+                    <a:lumMod val="65000"/>
+                    <a:lumOff val="35000"/>
+                  </a:schemeClr>
+                </a:solidFill>
+                <a:effectLst/>
+              </a:rPr>
+              <a:t>app.component.ts</a:t>
+            </a:r>
+            <a:r>
+              <a:rPr lang="en-US" sz="2000" dirty="0">
+                <a:solidFill>
+                  <a:schemeClr val="tx1">
+                    <a:lumMod val="65000"/>
+                    <a:lumOff val="35000"/>
+                  </a:schemeClr>
+                </a:solidFill>
+                <a:effectLst/>
+              </a:rPr>
+              <a:t> file and add it to the </a:t>
+            </a:r>
+            <a:r>
+              <a:rPr lang="en-US" sz="2000" b="1" dirty="0">
+                <a:solidFill>
+                  <a:schemeClr val="tx1">
+                    <a:lumMod val="65000"/>
+                    <a:lumOff val="35000"/>
+                  </a:schemeClr>
+                </a:solidFill>
+                <a:effectLst/>
+              </a:rPr>
+              <a:t>app.component.html</a:t>
+            </a:r>
+            <a:r>
+              <a:rPr lang="en-US" sz="2000" dirty="0">
+                <a:solidFill>
+                  <a:schemeClr val="tx1">
+                    <a:lumMod val="65000"/>
+                    <a:lumOff val="35000"/>
+                  </a:schemeClr>
+                </a:solidFill>
+                <a:effectLst/>
+              </a:rPr>
+              <a:t> file as shown below:</a:t>
+            </a:r>
+          </a:p>
+        </p:txBody>
+      </p:sp>
+      <p:sp>
+        <p:nvSpPr>
+          <p:cNvPr id="7" name="TextBox 6">
+            <a:extLst>
+              <a:ext uri="{FF2B5EF4-FFF2-40B4-BE49-F238E27FC236}">
+                <a16:creationId xmlns:a16="http://schemas.microsoft.com/office/drawing/2014/main" id="{D77EF3FE-1C92-99E8-EA0F-34060A0D2DEE}"/>
+              </a:ext>
+            </a:extLst>
+          </p:cNvPr>
+          <p:cNvSpPr txBox="1"/>
+          <p:nvPr/>
+        </p:nvSpPr>
+        <p:spPr>
+          <a:xfrm>
+            <a:off x="813547" y="2880445"/>
+            <a:ext cx="7707407" cy="2862322"/>
+          </a:xfrm>
+          <a:prstGeom prst="rect">
+            <a:avLst/>
+          </a:prstGeom>
+          <a:noFill/>
+        </p:spPr>
+        <p:txBody>
+          <a:bodyPr wrap="square">
+            <a:spAutoFit/>
+          </a:bodyPr>
+          <a:lstStyle/>
+          <a:p>
+            <a:r>
+              <a:rPr lang="en-IN" dirty="0"/>
+              <a:t>&lt;style&gt;</a:t>
+            </a:r>
+          </a:p>
+          <a:p>
+            <a:r>
+              <a:rPr lang="en-IN" dirty="0"/>
+              <a:t>  .highlight {</a:t>
+            </a:r>
+          </a:p>
+          <a:p>
+            <a:r>
+              <a:rPr lang="en-IN" dirty="0"/>
+              <a:t>    border: 2px solid green;</a:t>
+            </a:r>
+          </a:p>
+          <a:p>
+            <a:r>
+              <a:rPr lang="en-IN" dirty="0"/>
+              <a:t>    background-</a:t>
+            </a:r>
+            <a:r>
+              <a:rPr lang="en-IN" dirty="0" err="1"/>
+              <a:t>color</a:t>
+            </a:r>
+            <a:r>
+              <a:rPr lang="en-IN" dirty="0"/>
+              <a:t>: </a:t>
+            </a:r>
+            <a:r>
+              <a:rPr lang="en-IN" dirty="0" err="1"/>
+              <a:t>aliceblue</a:t>
+            </a:r>
+            <a:r>
+              <a:rPr lang="en-IN" dirty="0"/>
+              <a:t>;</a:t>
+            </a:r>
+          </a:p>
+          <a:p>
+            <a:r>
+              <a:rPr lang="en-IN" dirty="0"/>
+              <a:t>    text-align: </a:t>
+            </a:r>
+            <a:r>
+              <a:rPr lang="en-IN" dirty="0" err="1"/>
+              <a:t>center</a:t>
+            </a:r>
+            <a:r>
+              <a:rPr lang="en-IN" dirty="0"/>
+              <a:t>;</a:t>
+            </a:r>
+          </a:p>
+          <a:p>
+            <a:r>
+              <a:rPr lang="en-IN" dirty="0"/>
+              <a:t>    margin-bottom: 20px;</a:t>
+            </a:r>
+          </a:p>
+          <a:p>
+            <a:r>
+              <a:rPr lang="en-IN" dirty="0"/>
+              <a:t>  }</a:t>
+            </a:r>
+          </a:p>
+          <a:p>
+            <a:r>
+              <a:rPr lang="en-IN" dirty="0"/>
+              <a:t>&lt;/style&gt;</a:t>
+            </a:r>
+          </a:p>
+          <a:p>
+            <a:r>
+              <a:rPr lang="en-IN" dirty="0"/>
+              <a:t>&lt;div class="highlight"&gt;Container Component&lt;/div&gt;</a:t>
+            </a:r>
+          </a:p>
+          <a:p>
+            <a:r>
+              <a:rPr lang="en-IN" dirty="0"/>
+              <a:t>&lt;app-child&gt;&lt;/app-child&gt;</a:t>
+            </a:r>
+          </a:p>
+        </p:txBody>
+      </p:sp>
+    </p:spTree>
+    <p:extLst>
+      <p:ext uri="{BB962C8B-B14F-4D97-AF65-F5344CB8AC3E}">
+        <p14:creationId xmlns:p14="http://schemas.microsoft.com/office/powerpoint/2010/main" val="271409533"/>
+      </p:ext>
+    </p:extLst>
+  </p:cSld>
+  <p:clrMapOvr>
+    <a:masterClrMapping/>
+  </p:clrMapOvr>
+</p:sld>
+</file>
+
+<file path=ppt/slides/slide149.xml><?xml version="1.0" encoding="utf-8"?>
+<p:sld xmlns:a="http://schemas.openxmlformats.org/drawingml/2006/main" xmlns:r="http://schemas.openxmlformats.org/officeDocument/2006/relationships" xmlns:p="http://schemas.openxmlformats.org/presentationml/2006/main">
+  <p:cSld>
+    <p:spTree>
+      <p:nvGrpSpPr>
+        <p:cNvPr id="1" name=""/>
+        <p:cNvGrpSpPr/>
+        <p:nvPr/>
+      </p:nvGrpSpPr>
+      <p:grpSpPr>
+        <a:xfrm>
+          <a:off x="0" y="0"/>
+          <a:ext cx="0" cy="0"/>
+          <a:chOff x="0" y="0"/>
+          <a:chExt cx="0" cy="0"/>
+        </a:xfrm>
+      </p:grpSpPr>
+      <p:sp>
+        <p:nvSpPr>
+          <p:cNvPr id="2" name="Footer Placeholder 1">
+            <a:extLst>
+              <a:ext uri="{FF2B5EF4-FFF2-40B4-BE49-F238E27FC236}">
+                <a16:creationId xmlns:a16="http://schemas.microsoft.com/office/drawing/2014/main" id="{13248294-CC4B-EBA0-886B-5BEEC815645C}"/>
+              </a:ext>
+            </a:extLst>
+          </p:cNvPr>
+          <p:cNvSpPr>
+            <a:spLocks noGrp="1"/>
+          </p:cNvSpPr>
+          <p:nvPr>
+            <p:ph type="ftr" sz="quarter" idx="11"/>
+          </p:nvPr>
+        </p:nvSpPr>
+        <p:spPr/>
+        <p:txBody>
+          <a:bodyPr/>
+          <a:lstStyle/>
+          <a:p>
+            <a:r>
+              <a:rPr lang="en-IN"/>
+              <a:t>H&amp;D IT Solution</a:t>
+            </a:r>
+            <a:endParaRPr lang="en-IN" dirty="0"/>
+          </a:p>
+        </p:txBody>
+      </p:sp>
+      <p:sp>
+        <p:nvSpPr>
+          <p:cNvPr id="3" name="Slide Number Placeholder 2">
+            <a:extLst>
+              <a:ext uri="{FF2B5EF4-FFF2-40B4-BE49-F238E27FC236}">
+                <a16:creationId xmlns:a16="http://schemas.microsoft.com/office/drawing/2014/main" id="{196CF87B-F1B0-38BB-266A-032216C84FA5}"/>
+              </a:ext>
+            </a:extLst>
+          </p:cNvPr>
+          <p:cNvSpPr>
+            <a:spLocks noGrp="1"/>
+          </p:cNvSpPr>
+          <p:nvPr>
+            <p:ph type="sldNum" sz="quarter" idx="12"/>
+          </p:nvPr>
+        </p:nvSpPr>
+        <p:spPr/>
+        <p:txBody>
+          <a:bodyPr/>
+          <a:lstStyle/>
+          <a:p>
+            <a:fld id="{4A777409-9C5A-4B07-8E32-19F22F7D558C}" type="slidenum">
+              <a:rPr lang="en-IN" smtClean="0"/>
+              <a:t>149</a:t>
+            </a:fld>
+            <a:endParaRPr lang="en-IN" dirty="0"/>
+          </a:p>
+        </p:txBody>
+      </p:sp>
+      <p:sp>
+        <p:nvSpPr>
+          <p:cNvPr id="5" name="TextBox 4">
+            <a:extLst>
+              <a:ext uri="{FF2B5EF4-FFF2-40B4-BE49-F238E27FC236}">
+                <a16:creationId xmlns:a16="http://schemas.microsoft.com/office/drawing/2014/main" id="{8A1B616E-8CDD-D8D1-F660-EAC64890C925}"/>
+              </a:ext>
+            </a:extLst>
+          </p:cNvPr>
+          <p:cNvSpPr txBox="1"/>
+          <p:nvPr/>
+        </p:nvSpPr>
+        <p:spPr>
+          <a:xfrm>
+            <a:off x="925606" y="642355"/>
+            <a:ext cx="10428194" cy="1631216"/>
+          </a:xfrm>
+          <a:prstGeom prst="rect">
+            <a:avLst/>
+          </a:prstGeom>
+          <a:noFill/>
+        </p:spPr>
+        <p:txBody>
+          <a:bodyPr wrap="square">
+            <a:spAutoFit/>
+          </a:bodyPr>
+          <a:lstStyle/>
+          <a:p>
+            <a:r>
+              <a:rPr lang="en-US" sz="2000" dirty="0">
+                <a:solidFill>
+                  <a:schemeClr val="tx1">
+                    <a:lumMod val="65000"/>
+                    <a:lumOff val="35000"/>
+                  </a:schemeClr>
+                </a:solidFill>
+                <a:effectLst/>
+              </a:rPr>
+              <a:t>Line 1-8: Add CSS styles inside the template using the style tag. These styles will be specific to this component</a:t>
+            </a:r>
+          </a:p>
+          <a:p>
+            <a:r>
+              <a:rPr lang="en-US" sz="2000" dirty="0">
+                <a:solidFill>
+                  <a:schemeClr val="tx1">
+                    <a:lumMod val="65000"/>
+                    <a:lumOff val="35000"/>
+                  </a:schemeClr>
+                </a:solidFill>
+                <a:effectLst/>
+              </a:rPr>
+              <a:t> </a:t>
+            </a:r>
+          </a:p>
+          <a:p>
+            <a:r>
+              <a:rPr lang="en-US" sz="2000" dirty="0">
+                <a:solidFill>
+                  <a:schemeClr val="tx1">
+                    <a:lumMod val="65000"/>
+                    <a:lumOff val="35000"/>
+                  </a:schemeClr>
+                </a:solidFill>
+                <a:effectLst/>
+              </a:rPr>
+              <a:t>Similarly, remove CSS highlight class from styles property of </a:t>
+            </a:r>
+            <a:r>
+              <a:rPr lang="en-US" sz="2000" dirty="0" err="1">
+                <a:solidFill>
+                  <a:schemeClr val="tx1">
+                    <a:lumMod val="65000"/>
+                    <a:lumOff val="35000"/>
+                  </a:schemeClr>
+                </a:solidFill>
+                <a:effectLst/>
+              </a:rPr>
+              <a:t>child.component.ts</a:t>
+            </a:r>
+            <a:r>
+              <a:rPr lang="en-US" sz="2000" dirty="0">
+                <a:solidFill>
+                  <a:schemeClr val="tx1">
+                    <a:lumMod val="65000"/>
+                    <a:lumOff val="35000"/>
+                  </a:schemeClr>
+                </a:solidFill>
+                <a:effectLst/>
+              </a:rPr>
+              <a:t> file and add it to </a:t>
+            </a:r>
+            <a:r>
+              <a:rPr lang="en-US" sz="2000" b="1" dirty="0">
+                <a:solidFill>
+                  <a:schemeClr val="tx1">
+                    <a:lumMod val="65000"/>
+                    <a:lumOff val="35000"/>
+                  </a:schemeClr>
+                </a:solidFill>
+                <a:effectLst/>
+              </a:rPr>
+              <a:t>child.component.html</a:t>
+            </a:r>
+            <a:r>
+              <a:rPr lang="en-US" sz="2000" dirty="0">
+                <a:solidFill>
+                  <a:schemeClr val="tx1">
+                    <a:lumMod val="65000"/>
+                    <a:lumOff val="35000"/>
+                  </a:schemeClr>
+                </a:solidFill>
+                <a:effectLst/>
+              </a:rPr>
+              <a:t> file as shown below</a:t>
+            </a:r>
+          </a:p>
+        </p:txBody>
+      </p:sp>
+      <p:sp>
+        <p:nvSpPr>
+          <p:cNvPr id="7" name="TextBox 6">
+            <a:extLst>
+              <a:ext uri="{FF2B5EF4-FFF2-40B4-BE49-F238E27FC236}">
+                <a16:creationId xmlns:a16="http://schemas.microsoft.com/office/drawing/2014/main" id="{9982FAB7-1C9C-ED29-5FB3-399DE6BF54D1}"/>
+              </a:ext>
+            </a:extLst>
+          </p:cNvPr>
+          <p:cNvSpPr txBox="1"/>
+          <p:nvPr/>
+        </p:nvSpPr>
+        <p:spPr>
+          <a:xfrm>
+            <a:off x="925606" y="2342527"/>
+            <a:ext cx="8406653" cy="2585323"/>
+          </a:xfrm>
+          <a:prstGeom prst="rect">
+            <a:avLst/>
+          </a:prstGeom>
+          <a:noFill/>
+        </p:spPr>
+        <p:txBody>
+          <a:bodyPr wrap="square">
+            <a:spAutoFit/>
+          </a:bodyPr>
+          <a:lstStyle/>
+          <a:p>
+            <a:r>
+              <a:rPr lang="en-IN" dirty="0"/>
+              <a:t>&lt;style&gt;</a:t>
+            </a:r>
+          </a:p>
+          <a:p>
+            <a:r>
+              <a:rPr lang="en-IN" dirty="0"/>
+              <a:t>  .highlight {</a:t>
+            </a:r>
+          </a:p>
+          <a:p>
+            <a:r>
+              <a:rPr lang="en-IN" dirty="0"/>
+              <a:t>    border: 2px solid blue;</a:t>
+            </a:r>
+          </a:p>
+          <a:p>
+            <a:r>
+              <a:rPr lang="en-IN" dirty="0"/>
+              <a:t>    background-</a:t>
+            </a:r>
+            <a:r>
+              <a:rPr lang="en-IN" dirty="0" err="1"/>
+              <a:t>color</a:t>
+            </a:r>
+            <a:r>
+              <a:rPr lang="en-IN" dirty="0"/>
+              <a:t>: cornsilk;</a:t>
+            </a:r>
+          </a:p>
+          <a:p>
+            <a:r>
+              <a:rPr lang="en-IN" dirty="0"/>
+              <a:t>    text-align: </a:t>
+            </a:r>
+            <a:r>
+              <a:rPr lang="en-IN" dirty="0" err="1"/>
+              <a:t>center</a:t>
+            </a:r>
+            <a:r>
+              <a:rPr lang="en-IN" dirty="0"/>
+              <a:t>;</a:t>
+            </a:r>
+          </a:p>
+          <a:p>
+            <a:r>
+              <a:rPr lang="en-IN" dirty="0"/>
+              <a:t>    margin-bottom: 20px;</a:t>
+            </a:r>
+          </a:p>
+          <a:p>
+            <a:r>
+              <a:rPr lang="en-IN" dirty="0"/>
+              <a:t>  }</a:t>
+            </a:r>
+          </a:p>
+          <a:p>
+            <a:r>
+              <a:rPr lang="en-IN" dirty="0"/>
+              <a:t>&lt;/style&gt;</a:t>
+            </a:r>
+          </a:p>
+          <a:p>
+            <a:r>
+              <a:rPr lang="en-IN" dirty="0"/>
+              <a:t>&lt;div class="highlight"&gt;Child Component&lt;/div&gt;</a:t>
+            </a:r>
+          </a:p>
+        </p:txBody>
+      </p:sp>
+      <p:sp>
+        <p:nvSpPr>
+          <p:cNvPr id="9" name="TextBox 8">
+            <a:extLst>
+              <a:ext uri="{FF2B5EF4-FFF2-40B4-BE49-F238E27FC236}">
+                <a16:creationId xmlns:a16="http://schemas.microsoft.com/office/drawing/2014/main" id="{A26D5FF7-153C-AA77-34C4-4BD576FC2F05}"/>
+              </a:ext>
+            </a:extLst>
+          </p:cNvPr>
+          <p:cNvSpPr txBox="1"/>
+          <p:nvPr/>
+        </p:nvSpPr>
+        <p:spPr>
+          <a:xfrm>
+            <a:off x="988359" y="5015316"/>
+            <a:ext cx="10683688" cy="1323439"/>
+          </a:xfrm>
+          <a:prstGeom prst="rect">
+            <a:avLst/>
+          </a:prstGeom>
+          <a:noFill/>
+        </p:spPr>
+        <p:txBody>
+          <a:bodyPr wrap="square">
+            <a:spAutoFit/>
+          </a:bodyPr>
+          <a:lstStyle/>
+          <a:p>
+            <a:r>
+              <a:rPr lang="en-US" sz="2000" dirty="0">
+                <a:solidFill>
+                  <a:schemeClr val="tx1">
+                    <a:lumMod val="65000"/>
+                    <a:lumOff val="35000"/>
+                  </a:schemeClr>
+                </a:solidFill>
+                <a:effectLst/>
+              </a:rPr>
+              <a:t>Line 1-8: Add CSS styles inside the template using a style tag. These styles will be specific to this component</a:t>
+            </a:r>
+          </a:p>
+          <a:p>
+            <a:r>
+              <a:rPr lang="en-US" sz="2000" dirty="0">
+                <a:solidFill>
+                  <a:schemeClr val="tx1">
+                    <a:lumMod val="65000"/>
+                    <a:lumOff val="35000"/>
+                  </a:schemeClr>
+                </a:solidFill>
+                <a:effectLst/>
+              </a:rPr>
+              <a:t> </a:t>
+            </a:r>
+          </a:p>
+          <a:p>
+            <a:r>
+              <a:rPr lang="en-US" sz="2000" b="1" dirty="0">
+                <a:solidFill>
+                  <a:schemeClr val="tx1">
+                    <a:lumMod val="65000"/>
+                    <a:lumOff val="35000"/>
+                  </a:schemeClr>
+                </a:solidFill>
+                <a:effectLst/>
+              </a:rPr>
+              <a:t>Output</a:t>
+            </a:r>
+            <a:r>
+              <a:rPr lang="en-US" sz="2000" dirty="0">
+                <a:solidFill>
+                  <a:schemeClr val="tx1">
+                    <a:lumMod val="65000"/>
+                    <a:lumOff val="35000"/>
+                  </a:schemeClr>
+                </a:solidFill>
+                <a:effectLst/>
+              </a:rPr>
+              <a:t>:</a:t>
+            </a:r>
+          </a:p>
+        </p:txBody>
+      </p:sp>
+    </p:spTree>
+    <p:extLst>
+      <p:ext uri="{BB962C8B-B14F-4D97-AF65-F5344CB8AC3E}">
+        <p14:creationId xmlns:p14="http://schemas.microsoft.com/office/powerpoint/2010/main" val="799430389"/>
+      </p:ext>
+    </p:extLst>
+  </p:cSld>
+  <p:clrMapOvr>
+    <a:masterClrMapping/>
+  </p:clrMapOvr>
+</p:sld>
+</file>
+
 <file path=ppt/slides/slide15.xml><?xml version="1.0" encoding="utf-8"?>
 <p:sld xmlns:a="http://schemas.openxmlformats.org/drawingml/2006/main" xmlns:r="http://schemas.openxmlformats.org/officeDocument/2006/relationships" xmlns:p="http://schemas.openxmlformats.org/presentationml/2006/main">
   <p:cSld>
@@ -19441,6 +25643,2026 @@
     <p:extLst>
       <p:ext uri="{BB962C8B-B14F-4D97-AF65-F5344CB8AC3E}">
         <p14:creationId xmlns:p14="http://schemas.microsoft.com/office/powerpoint/2010/main" val="3015660897"/>
+      </p:ext>
+    </p:extLst>
+  </p:cSld>
+  <p:clrMapOvr>
+    <a:masterClrMapping/>
+  </p:clrMapOvr>
+</p:sld>
+</file>
+
+<file path=ppt/slides/slide150.xml><?xml version="1.0" encoding="utf-8"?>
+<p:sld xmlns:a="http://schemas.openxmlformats.org/drawingml/2006/main" xmlns:r="http://schemas.openxmlformats.org/officeDocument/2006/relationships" xmlns:p="http://schemas.openxmlformats.org/presentationml/2006/main">
+  <p:cSld>
+    <p:spTree>
+      <p:nvGrpSpPr>
+        <p:cNvPr id="1" name=""/>
+        <p:cNvGrpSpPr/>
+        <p:nvPr/>
+      </p:nvGrpSpPr>
+      <p:grpSpPr>
+        <a:xfrm>
+          <a:off x="0" y="0"/>
+          <a:ext cx="0" cy="0"/>
+          <a:chOff x="0" y="0"/>
+          <a:chExt cx="0" cy="0"/>
+        </a:xfrm>
+      </p:grpSpPr>
+      <p:sp>
+        <p:nvSpPr>
+          <p:cNvPr id="2" name="Footer Placeholder 1">
+            <a:extLst>
+              <a:ext uri="{FF2B5EF4-FFF2-40B4-BE49-F238E27FC236}">
+                <a16:creationId xmlns:a16="http://schemas.microsoft.com/office/drawing/2014/main" id="{BD0F5835-CECB-73D3-FEEA-D6A6852457C1}"/>
+              </a:ext>
+            </a:extLst>
+          </p:cNvPr>
+          <p:cNvSpPr>
+            <a:spLocks noGrp="1"/>
+          </p:cNvSpPr>
+          <p:nvPr>
+            <p:ph type="ftr" sz="quarter" idx="11"/>
+          </p:nvPr>
+        </p:nvSpPr>
+        <p:spPr/>
+        <p:txBody>
+          <a:bodyPr/>
+          <a:lstStyle/>
+          <a:p>
+            <a:r>
+              <a:rPr lang="en-IN"/>
+              <a:t>H&amp;D IT Solution</a:t>
+            </a:r>
+            <a:endParaRPr lang="en-IN" dirty="0"/>
+          </a:p>
+        </p:txBody>
+      </p:sp>
+      <p:sp>
+        <p:nvSpPr>
+          <p:cNvPr id="3" name="Slide Number Placeholder 2">
+            <a:extLst>
+              <a:ext uri="{FF2B5EF4-FFF2-40B4-BE49-F238E27FC236}">
+                <a16:creationId xmlns:a16="http://schemas.microsoft.com/office/drawing/2014/main" id="{391DE90E-8E50-2723-086A-C79222BEE248}"/>
+              </a:ext>
+            </a:extLst>
+          </p:cNvPr>
+          <p:cNvSpPr>
+            <a:spLocks noGrp="1"/>
+          </p:cNvSpPr>
+          <p:nvPr>
+            <p:ph type="sldNum" sz="quarter" idx="12"/>
+          </p:nvPr>
+        </p:nvSpPr>
+        <p:spPr/>
+        <p:txBody>
+          <a:bodyPr/>
+          <a:lstStyle/>
+          <a:p>
+            <a:fld id="{4A777409-9C5A-4B07-8E32-19F22F7D558C}" type="slidenum">
+              <a:rPr lang="en-IN" smtClean="0"/>
+              <a:t>150</a:t>
+            </a:fld>
+            <a:endParaRPr lang="en-IN" dirty="0"/>
+          </a:p>
+        </p:txBody>
+      </p:sp>
+      <p:pic>
+        <p:nvPicPr>
+          <p:cNvPr id="5" name="Picture 4">
+            <a:extLst>
+              <a:ext uri="{FF2B5EF4-FFF2-40B4-BE49-F238E27FC236}">
+                <a16:creationId xmlns:a16="http://schemas.microsoft.com/office/drawing/2014/main" id="{F7CF2041-28C8-2331-4902-86C70FEEF4FA}"/>
+              </a:ext>
+            </a:extLst>
+          </p:cNvPr>
+          <p:cNvPicPr>
+            <a:picLocks noChangeAspect="1"/>
+          </p:cNvPicPr>
+          <p:nvPr/>
+        </p:nvPicPr>
+        <p:blipFill>
+          <a:blip r:embed="rId2">
+            <a:extLst>
+              <a:ext uri="{28A0092B-C50C-407E-A947-70E740481C1C}">
+                <a14:useLocalDpi xmlns:a14="http://schemas.microsoft.com/office/drawing/2010/main" val="0"/>
+              </a:ext>
+            </a:extLst>
+          </a:blip>
+          <a:stretch>
+            <a:fillRect/>
+          </a:stretch>
+        </p:blipFill>
+        <p:spPr>
+          <a:xfrm>
+            <a:off x="4586119" y="904259"/>
+            <a:ext cx="2410161" cy="800212"/>
+          </a:xfrm>
+          <a:prstGeom prst="rect">
+            <a:avLst/>
+          </a:prstGeom>
+        </p:spPr>
+      </p:pic>
+      <p:sp>
+        <p:nvSpPr>
+          <p:cNvPr id="7" name="TextBox 6">
+            <a:extLst>
+              <a:ext uri="{FF2B5EF4-FFF2-40B4-BE49-F238E27FC236}">
+                <a16:creationId xmlns:a16="http://schemas.microsoft.com/office/drawing/2014/main" id="{822AAF8E-D392-5065-CC9B-8858E77492B7}"/>
+              </a:ext>
+            </a:extLst>
+          </p:cNvPr>
+          <p:cNvSpPr txBox="1"/>
+          <p:nvPr/>
+        </p:nvSpPr>
+        <p:spPr>
+          <a:xfrm>
+            <a:off x="324971" y="2030070"/>
+            <a:ext cx="6100482" cy="707886"/>
+          </a:xfrm>
+          <a:prstGeom prst="rect">
+            <a:avLst/>
+          </a:prstGeom>
+          <a:noFill/>
+        </p:spPr>
+        <p:txBody>
+          <a:bodyPr wrap="square">
+            <a:spAutoFit/>
+          </a:bodyPr>
+          <a:lstStyle/>
+          <a:p>
+            <a:r>
+              <a:rPr lang="en-US" sz="2000" b="1" dirty="0">
+                <a:solidFill>
+                  <a:schemeClr val="tx1">
+                    <a:lumMod val="65000"/>
+                    <a:lumOff val="35000"/>
+                  </a:schemeClr>
+                </a:solidFill>
+                <a:effectLst/>
+              </a:rPr>
+              <a:t>Browser Console(Press F12 inside the browser)</a:t>
+            </a:r>
+            <a:r>
+              <a:rPr lang="en-US" sz="2000" dirty="0">
+                <a:solidFill>
+                  <a:schemeClr val="tx1">
+                    <a:lumMod val="65000"/>
+                    <a:lumOff val="35000"/>
+                  </a:schemeClr>
+                </a:solidFill>
+                <a:effectLst/>
+              </a:rPr>
+              <a:t>:</a:t>
+            </a:r>
+          </a:p>
+          <a:p>
+            <a:r>
+              <a:rPr lang="en-US" sz="2000" dirty="0">
+                <a:solidFill>
+                  <a:schemeClr val="tx1">
+                    <a:lumMod val="65000"/>
+                    <a:lumOff val="35000"/>
+                  </a:schemeClr>
+                </a:solidFill>
+                <a:effectLst/>
+              </a:rPr>
+              <a:t> </a:t>
+            </a:r>
+          </a:p>
+        </p:txBody>
+      </p:sp>
+      <p:pic>
+        <p:nvPicPr>
+          <p:cNvPr id="9" name="Picture 8">
+            <a:extLst>
+              <a:ext uri="{FF2B5EF4-FFF2-40B4-BE49-F238E27FC236}">
+                <a16:creationId xmlns:a16="http://schemas.microsoft.com/office/drawing/2014/main" id="{9CCC8932-B638-8D23-E91D-A2D0950C89FA}"/>
+              </a:ext>
+            </a:extLst>
+          </p:cNvPr>
+          <p:cNvPicPr>
+            <a:picLocks noChangeAspect="1"/>
+          </p:cNvPicPr>
+          <p:nvPr/>
+        </p:nvPicPr>
+        <p:blipFill>
+          <a:blip r:embed="rId3">
+            <a:extLst>
+              <a:ext uri="{28A0092B-C50C-407E-A947-70E740481C1C}">
+                <a14:useLocalDpi xmlns:a14="http://schemas.microsoft.com/office/drawing/2010/main" val="0"/>
+              </a:ext>
+            </a:extLst>
+          </a:blip>
+          <a:stretch>
+            <a:fillRect/>
+          </a:stretch>
+        </p:blipFill>
+        <p:spPr>
+          <a:xfrm>
+            <a:off x="2409352" y="2563906"/>
+            <a:ext cx="9173855" cy="4348219"/>
+          </a:xfrm>
+          <a:prstGeom prst="rect">
+            <a:avLst/>
+          </a:prstGeom>
+        </p:spPr>
+      </p:pic>
+    </p:spTree>
+    <p:extLst>
+      <p:ext uri="{BB962C8B-B14F-4D97-AF65-F5344CB8AC3E}">
+        <p14:creationId xmlns:p14="http://schemas.microsoft.com/office/powerpoint/2010/main" val="122318002"/>
+      </p:ext>
+    </p:extLst>
+  </p:cSld>
+  <p:clrMapOvr>
+    <a:masterClrMapping/>
+  </p:clrMapOvr>
+</p:sld>
+</file>
+
+<file path=ppt/slides/slide151.xml><?xml version="1.0" encoding="utf-8"?>
+<p:sld xmlns:a="http://schemas.openxmlformats.org/drawingml/2006/main" xmlns:r="http://schemas.openxmlformats.org/officeDocument/2006/relationships" xmlns:p="http://schemas.openxmlformats.org/presentationml/2006/main">
+  <p:cSld>
+    <p:spTree>
+      <p:nvGrpSpPr>
+        <p:cNvPr id="1" name=""/>
+        <p:cNvGrpSpPr/>
+        <p:nvPr/>
+      </p:nvGrpSpPr>
+      <p:grpSpPr>
+        <a:xfrm>
+          <a:off x="0" y="0"/>
+          <a:ext cx="0" cy="0"/>
+          <a:chOff x="0" y="0"/>
+          <a:chExt cx="0" cy="0"/>
+        </a:xfrm>
+      </p:grpSpPr>
+      <p:sp>
+        <p:nvSpPr>
+          <p:cNvPr id="2" name="Footer Placeholder 1">
+            <a:extLst>
+              <a:ext uri="{FF2B5EF4-FFF2-40B4-BE49-F238E27FC236}">
+                <a16:creationId xmlns:a16="http://schemas.microsoft.com/office/drawing/2014/main" id="{13248294-CC4B-EBA0-886B-5BEEC815645C}"/>
+              </a:ext>
+            </a:extLst>
+          </p:cNvPr>
+          <p:cNvSpPr>
+            <a:spLocks noGrp="1"/>
+          </p:cNvSpPr>
+          <p:nvPr>
+            <p:ph type="ftr" sz="quarter" idx="11"/>
+          </p:nvPr>
+        </p:nvSpPr>
+        <p:spPr/>
+        <p:txBody>
+          <a:bodyPr/>
+          <a:lstStyle/>
+          <a:p>
+            <a:r>
+              <a:rPr lang="en-IN"/>
+              <a:t>H&amp;D IT Solution</a:t>
+            </a:r>
+            <a:endParaRPr lang="en-IN" dirty="0"/>
+          </a:p>
+        </p:txBody>
+      </p:sp>
+      <p:sp>
+        <p:nvSpPr>
+          <p:cNvPr id="3" name="Slide Number Placeholder 2">
+            <a:extLst>
+              <a:ext uri="{FF2B5EF4-FFF2-40B4-BE49-F238E27FC236}">
+                <a16:creationId xmlns:a16="http://schemas.microsoft.com/office/drawing/2014/main" id="{196CF87B-F1B0-38BB-266A-032216C84FA5}"/>
+              </a:ext>
+            </a:extLst>
+          </p:cNvPr>
+          <p:cNvSpPr>
+            <a:spLocks noGrp="1"/>
+          </p:cNvSpPr>
+          <p:nvPr>
+            <p:ph type="sldNum" sz="quarter" idx="12"/>
+          </p:nvPr>
+        </p:nvSpPr>
+        <p:spPr/>
+        <p:txBody>
+          <a:bodyPr/>
+          <a:lstStyle/>
+          <a:p>
+            <a:fld id="{4A777409-9C5A-4B07-8E32-19F22F7D558C}" type="slidenum">
+              <a:rPr lang="en-IN" smtClean="0"/>
+              <a:t>151</a:t>
+            </a:fld>
+            <a:endParaRPr lang="en-IN" dirty="0"/>
+          </a:p>
+        </p:txBody>
+      </p:sp>
+      <p:sp>
+        <p:nvSpPr>
+          <p:cNvPr id="5" name="TextBox 4">
+            <a:extLst>
+              <a:ext uri="{FF2B5EF4-FFF2-40B4-BE49-F238E27FC236}">
+                <a16:creationId xmlns:a16="http://schemas.microsoft.com/office/drawing/2014/main" id="{F3051C63-E792-5047-D65D-E55399885C58}"/>
+              </a:ext>
+            </a:extLst>
+          </p:cNvPr>
+          <p:cNvSpPr txBox="1"/>
+          <p:nvPr/>
+        </p:nvSpPr>
+        <p:spPr>
+          <a:xfrm>
+            <a:off x="916641" y="563887"/>
+            <a:ext cx="6100482" cy="400110"/>
+          </a:xfrm>
+          <a:prstGeom prst="rect">
+            <a:avLst/>
+          </a:prstGeom>
+          <a:noFill/>
+        </p:spPr>
+        <p:txBody>
+          <a:bodyPr wrap="square">
+            <a:spAutoFit/>
+          </a:bodyPr>
+          <a:lstStyle/>
+          <a:p>
+            <a:r>
+              <a:rPr lang="en-IN" sz="2000" b="1" dirty="0">
+                <a:solidFill>
+                  <a:schemeClr val="tx1">
+                    <a:lumMod val="65000"/>
+                    <a:lumOff val="35000"/>
+                  </a:schemeClr>
+                </a:solidFill>
+              </a:rPr>
+              <a:t>Demo : Component Styling</a:t>
+            </a:r>
+          </a:p>
+        </p:txBody>
+      </p:sp>
+      <p:sp>
+        <p:nvSpPr>
+          <p:cNvPr id="7" name="TextBox 6">
+            <a:extLst>
+              <a:ext uri="{FF2B5EF4-FFF2-40B4-BE49-F238E27FC236}">
+                <a16:creationId xmlns:a16="http://schemas.microsoft.com/office/drawing/2014/main" id="{31D9BA61-C917-B3AD-4DE3-1FBB215B0099}"/>
+              </a:ext>
+            </a:extLst>
+          </p:cNvPr>
+          <p:cNvSpPr txBox="1"/>
+          <p:nvPr/>
+        </p:nvSpPr>
+        <p:spPr>
+          <a:xfrm>
+            <a:off x="916641" y="1063696"/>
+            <a:ext cx="10871947" cy="2246769"/>
+          </a:xfrm>
+          <a:prstGeom prst="rect">
+            <a:avLst/>
+          </a:prstGeom>
+          <a:noFill/>
+        </p:spPr>
+        <p:txBody>
+          <a:bodyPr wrap="square">
+            <a:spAutoFit/>
+          </a:bodyPr>
+          <a:lstStyle/>
+          <a:p>
+            <a:r>
+              <a:rPr lang="en-US" sz="2000" b="1" dirty="0">
+                <a:solidFill>
+                  <a:schemeClr val="tx1">
+                    <a:lumMod val="65000"/>
+                    <a:lumOff val="35000"/>
+                  </a:schemeClr>
+                </a:solidFill>
+                <a:effectLst/>
+              </a:rPr>
+              <a:t>Highlights:</a:t>
+            </a:r>
+            <a:endParaRPr lang="en-US" sz="2000" dirty="0">
+              <a:solidFill>
+                <a:schemeClr val="tx1">
+                  <a:lumMod val="65000"/>
+                  <a:lumOff val="35000"/>
+                </a:schemeClr>
+              </a:solidFill>
+              <a:effectLst/>
+            </a:endParaRPr>
+          </a:p>
+          <a:p>
+            <a:pPr>
+              <a:buFont typeface="Arial" panose="020B0604020202020204" pitchFamily="34" charset="0"/>
+              <a:buChar char="•"/>
+            </a:pPr>
+            <a:r>
+              <a:rPr lang="en-US" sz="2000" dirty="0">
+                <a:solidFill>
+                  <a:schemeClr val="tx1">
+                    <a:lumMod val="65000"/>
+                    <a:lumOff val="35000"/>
+                  </a:schemeClr>
+                </a:solidFill>
+                <a:effectLst/>
+              </a:rPr>
+              <a:t>Adding CSS styles to components</a:t>
+            </a:r>
+          </a:p>
+          <a:p>
+            <a:pPr>
+              <a:buFont typeface="Arial" panose="020B0604020202020204" pitchFamily="34" charset="0"/>
+              <a:buChar char="•"/>
+            </a:pPr>
+            <a:r>
+              <a:rPr lang="en-US" sz="2000" dirty="0">
+                <a:solidFill>
+                  <a:schemeClr val="tx1">
+                    <a:lumMod val="65000"/>
+                    <a:lumOff val="35000"/>
+                  </a:schemeClr>
+                </a:solidFill>
+                <a:effectLst/>
+              </a:rPr>
+              <a:t>Understanding the usage of </a:t>
+            </a:r>
+            <a:r>
+              <a:rPr lang="en-US" sz="2000" dirty="0" err="1">
+                <a:solidFill>
+                  <a:schemeClr val="tx1">
+                    <a:lumMod val="65000"/>
+                    <a:lumOff val="35000"/>
+                  </a:schemeClr>
+                </a:solidFill>
+                <a:effectLst/>
+              </a:rPr>
+              <a:t>styleUrls</a:t>
+            </a:r>
+            <a:r>
+              <a:rPr lang="en-US" sz="2000" dirty="0">
+                <a:solidFill>
+                  <a:schemeClr val="tx1">
+                    <a:lumMod val="65000"/>
+                    <a:lumOff val="35000"/>
+                  </a:schemeClr>
+                </a:solidFill>
+                <a:effectLst/>
+              </a:rPr>
+              <a:t> in applying a style</a:t>
+            </a:r>
+          </a:p>
+          <a:p>
+            <a:pPr>
+              <a:buFont typeface="Arial" panose="020B0604020202020204" pitchFamily="34" charset="0"/>
+              <a:buChar char="•"/>
+            </a:pPr>
+            <a:endParaRPr lang="en-US" sz="2000" dirty="0">
+              <a:solidFill>
+                <a:schemeClr val="tx1">
+                  <a:lumMod val="65000"/>
+                  <a:lumOff val="35000"/>
+                </a:schemeClr>
+              </a:solidFill>
+              <a:effectLst/>
+            </a:endParaRPr>
+          </a:p>
+          <a:p>
+            <a:r>
+              <a:rPr lang="en-US" sz="2000" b="1" dirty="0" err="1">
+                <a:solidFill>
+                  <a:schemeClr val="tx1">
+                    <a:lumMod val="65000"/>
+                    <a:lumOff val="35000"/>
+                  </a:schemeClr>
+                </a:solidFill>
+                <a:effectLst/>
+              </a:rPr>
+              <a:t>Demosteps</a:t>
+            </a:r>
+            <a:r>
+              <a:rPr lang="en-US" sz="2000" b="1" dirty="0">
+                <a:solidFill>
+                  <a:schemeClr val="tx1">
+                    <a:lumMod val="65000"/>
+                    <a:lumOff val="35000"/>
+                  </a:schemeClr>
+                </a:solidFill>
+                <a:effectLst/>
+              </a:rPr>
+              <a:t>:</a:t>
+            </a:r>
+            <a:endParaRPr lang="en-US" sz="2000" dirty="0">
+              <a:solidFill>
+                <a:schemeClr val="tx1">
+                  <a:lumMod val="65000"/>
+                  <a:lumOff val="35000"/>
+                </a:schemeClr>
+              </a:solidFill>
+              <a:effectLst/>
+            </a:endParaRPr>
+          </a:p>
+          <a:p>
+            <a:r>
+              <a:rPr lang="en-US" sz="2000" b="1" dirty="0">
+                <a:solidFill>
+                  <a:schemeClr val="tx1">
+                    <a:lumMod val="65000"/>
+                    <a:lumOff val="35000"/>
+                  </a:schemeClr>
+                </a:solidFill>
+                <a:effectLst/>
+              </a:rPr>
+              <a:t>Problem Statement: </a:t>
+            </a:r>
+            <a:r>
+              <a:rPr lang="en-US" sz="2000" dirty="0">
+                <a:solidFill>
+                  <a:schemeClr val="tx1">
+                    <a:lumMod val="65000"/>
+                    <a:lumOff val="35000"/>
+                  </a:schemeClr>
+                </a:solidFill>
+                <a:effectLst/>
+              </a:rPr>
+              <a:t>Applying CSS styles to components using </a:t>
+            </a:r>
+            <a:r>
+              <a:rPr lang="en-US" sz="2000" dirty="0" err="1">
+                <a:solidFill>
+                  <a:schemeClr val="tx1">
+                    <a:lumMod val="65000"/>
+                    <a:lumOff val="35000"/>
+                  </a:schemeClr>
+                </a:solidFill>
+                <a:effectLst/>
+              </a:rPr>
+              <a:t>styleUrls</a:t>
+            </a:r>
+            <a:r>
+              <a:rPr lang="en-US" sz="2000" dirty="0">
+                <a:solidFill>
+                  <a:schemeClr val="tx1">
+                    <a:lumMod val="65000"/>
+                    <a:lumOff val="35000"/>
+                  </a:schemeClr>
+                </a:solidFill>
+                <a:effectLst/>
+              </a:rPr>
+              <a:t> property. The output is as shown below:</a:t>
+            </a:r>
+          </a:p>
+        </p:txBody>
+      </p:sp>
+      <p:pic>
+        <p:nvPicPr>
+          <p:cNvPr id="9" name="Picture 8">
+            <a:extLst>
+              <a:ext uri="{FF2B5EF4-FFF2-40B4-BE49-F238E27FC236}">
+                <a16:creationId xmlns:a16="http://schemas.microsoft.com/office/drawing/2014/main" id="{571AF0EB-B769-5928-986F-36016305B4E6}"/>
+              </a:ext>
+            </a:extLst>
+          </p:cNvPr>
+          <p:cNvPicPr>
+            <a:picLocks noChangeAspect="1"/>
+          </p:cNvPicPr>
+          <p:nvPr/>
+        </p:nvPicPr>
+        <p:blipFill>
+          <a:blip r:embed="rId2">
+            <a:extLst>
+              <a:ext uri="{28A0092B-C50C-407E-A947-70E740481C1C}">
+                <a14:useLocalDpi xmlns:a14="http://schemas.microsoft.com/office/drawing/2010/main" val="0"/>
+              </a:ext>
+            </a:extLst>
+          </a:blip>
+          <a:stretch>
+            <a:fillRect/>
+          </a:stretch>
+        </p:blipFill>
+        <p:spPr>
+          <a:xfrm>
+            <a:off x="2950509" y="3622862"/>
+            <a:ext cx="6057900" cy="2247900"/>
+          </a:xfrm>
+          <a:prstGeom prst="rect">
+            <a:avLst/>
+          </a:prstGeom>
+        </p:spPr>
+      </p:pic>
+    </p:spTree>
+    <p:extLst>
+      <p:ext uri="{BB962C8B-B14F-4D97-AF65-F5344CB8AC3E}">
+        <p14:creationId xmlns:p14="http://schemas.microsoft.com/office/powerpoint/2010/main" val="3373278264"/>
+      </p:ext>
+    </p:extLst>
+  </p:cSld>
+  <p:clrMapOvr>
+    <a:masterClrMapping/>
+  </p:clrMapOvr>
+</p:sld>
+</file>
+
+<file path=ppt/slides/slide152.xml><?xml version="1.0" encoding="utf-8"?>
+<p:sld xmlns:a="http://schemas.openxmlformats.org/drawingml/2006/main" xmlns:r="http://schemas.openxmlformats.org/officeDocument/2006/relationships" xmlns:p="http://schemas.openxmlformats.org/presentationml/2006/main">
+  <p:cSld>
+    <p:spTree>
+      <p:nvGrpSpPr>
+        <p:cNvPr id="1" name=""/>
+        <p:cNvGrpSpPr/>
+        <p:nvPr/>
+      </p:nvGrpSpPr>
+      <p:grpSpPr>
+        <a:xfrm>
+          <a:off x="0" y="0"/>
+          <a:ext cx="0" cy="0"/>
+          <a:chOff x="0" y="0"/>
+          <a:chExt cx="0" cy="0"/>
+        </a:xfrm>
+      </p:grpSpPr>
+      <p:sp>
+        <p:nvSpPr>
+          <p:cNvPr id="2" name="Footer Placeholder 1">
+            <a:extLst>
+              <a:ext uri="{FF2B5EF4-FFF2-40B4-BE49-F238E27FC236}">
+                <a16:creationId xmlns:a16="http://schemas.microsoft.com/office/drawing/2014/main" id="{0EBB6669-32E3-AB2C-B2A4-CD77696809B7}"/>
+              </a:ext>
+            </a:extLst>
+          </p:cNvPr>
+          <p:cNvSpPr>
+            <a:spLocks noGrp="1"/>
+          </p:cNvSpPr>
+          <p:nvPr>
+            <p:ph type="ftr" sz="quarter" idx="11"/>
+          </p:nvPr>
+        </p:nvSpPr>
+        <p:spPr/>
+        <p:txBody>
+          <a:bodyPr/>
+          <a:lstStyle/>
+          <a:p>
+            <a:r>
+              <a:rPr lang="en-IN"/>
+              <a:t>H&amp;D IT Solution</a:t>
+            </a:r>
+            <a:endParaRPr lang="en-IN" dirty="0"/>
+          </a:p>
+        </p:txBody>
+      </p:sp>
+      <p:sp>
+        <p:nvSpPr>
+          <p:cNvPr id="3" name="Slide Number Placeholder 2">
+            <a:extLst>
+              <a:ext uri="{FF2B5EF4-FFF2-40B4-BE49-F238E27FC236}">
+                <a16:creationId xmlns:a16="http://schemas.microsoft.com/office/drawing/2014/main" id="{706CFB54-258F-FB04-48E5-B98514BF9532}"/>
+              </a:ext>
+            </a:extLst>
+          </p:cNvPr>
+          <p:cNvSpPr>
+            <a:spLocks noGrp="1"/>
+          </p:cNvSpPr>
+          <p:nvPr>
+            <p:ph type="sldNum" sz="quarter" idx="12"/>
+          </p:nvPr>
+        </p:nvSpPr>
+        <p:spPr/>
+        <p:txBody>
+          <a:bodyPr/>
+          <a:lstStyle/>
+          <a:p>
+            <a:fld id="{4A777409-9C5A-4B07-8E32-19F22F7D558C}" type="slidenum">
+              <a:rPr lang="en-IN" smtClean="0"/>
+              <a:t>152</a:t>
+            </a:fld>
+            <a:endParaRPr lang="en-IN" dirty="0"/>
+          </a:p>
+        </p:txBody>
+      </p:sp>
+      <p:sp>
+        <p:nvSpPr>
+          <p:cNvPr id="5" name="TextBox 4">
+            <a:extLst>
+              <a:ext uri="{FF2B5EF4-FFF2-40B4-BE49-F238E27FC236}">
+                <a16:creationId xmlns:a16="http://schemas.microsoft.com/office/drawing/2014/main" id="{E555BF01-D60D-DB48-D240-C5CF6C7F6717}"/>
+              </a:ext>
+            </a:extLst>
+          </p:cNvPr>
+          <p:cNvSpPr txBox="1"/>
+          <p:nvPr/>
+        </p:nvSpPr>
+        <p:spPr>
+          <a:xfrm>
+            <a:off x="988359" y="608710"/>
+            <a:ext cx="6100482" cy="400110"/>
+          </a:xfrm>
+          <a:prstGeom prst="rect">
+            <a:avLst/>
+          </a:prstGeom>
+          <a:noFill/>
+        </p:spPr>
+        <p:txBody>
+          <a:bodyPr wrap="square">
+            <a:spAutoFit/>
+          </a:bodyPr>
+          <a:lstStyle/>
+          <a:p>
+            <a:r>
+              <a:rPr lang="en-US" sz="2000" dirty="0">
+                <a:solidFill>
+                  <a:schemeClr val="tx1">
+                    <a:lumMod val="65000"/>
+                    <a:lumOff val="35000"/>
+                  </a:schemeClr>
+                </a:solidFill>
+              </a:rPr>
+              <a:t>1. Write the below-given code in </a:t>
+            </a:r>
+            <a:r>
+              <a:rPr lang="en-US" sz="2000" b="1" dirty="0" err="1">
+                <a:solidFill>
+                  <a:schemeClr val="tx1">
+                    <a:lumMod val="65000"/>
+                    <a:lumOff val="35000"/>
+                  </a:schemeClr>
+                </a:solidFill>
+              </a:rPr>
+              <a:t>app.component.ts</a:t>
+            </a:r>
+            <a:endParaRPr lang="en-IN" sz="2000" dirty="0">
+              <a:solidFill>
+                <a:schemeClr val="tx1">
+                  <a:lumMod val="65000"/>
+                  <a:lumOff val="35000"/>
+                </a:schemeClr>
+              </a:solidFill>
+            </a:endParaRPr>
+          </a:p>
+        </p:txBody>
+      </p:sp>
+      <p:sp>
+        <p:nvSpPr>
+          <p:cNvPr id="7" name="TextBox 6">
+            <a:extLst>
+              <a:ext uri="{FF2B5EF4-FFF2-40B4-BE49-F238E27FC236}">
+                <a16:creationId xmlns:a16="http://schemas.microsoft.com/office/drawing/2014/main" id="{D379E5D2-A686-9402-ECD7-3B4580AAE98F}"/>
+              </a:ext>
+            </a:extLst>
+          </p:cNvPr>
+          <p:cNvSpPr txBox="1"/>
+          <p:nvPr/>
+        </p:nvSpPr>
+        <p:spPr>
+          <a:xfrm>
+            <a:off x="988358" y="1120676"/>
+            <a:ext cx="9123829" cy="2308324"/>
+          </a:xfrm>
+          <a:prstGeom prst="rect">
+            <a:avLst/>
+          </a:prstGeom>
+          <a:noFill/>
+        </p:spPr>
+        <p:txBody>
+          <a:bodyPr wrap="square">
+            <a:spAutoFit/>
+          </a:bodyPr>
+          <a:lstStyle/>
+          <a:p>
+            <a:r>
+              <a:rPr lang="en-IN" dirty="0"/>
+              <a:t>import { Component } from '@angular/core';</a:t>
+            </a:r>
+          </a:p>
+          <a:p>
+            <a:r>
+              <a:rPr lang="en-IN" dirty="0"/>
+              <a:t>@Component({</a:t>
+            </a:r>
+          </a:p>
+          <a:p>
+            <a:r>
+              <a:rPr lang="en-IN" dirty="0"/>
+              <a:t>  selector: 'app-root',</a:t>
+            </a:r>
+          </a:p>
+          <a:p>
+            <a:r>
+              <a:rPr lang="en-IN" dirty="0"/>
+              <a:t>  </a:t>
+            </a:r>
+            <a:r>
+              <a:rPr lang="en-IN" dirty="0" err="1"/>
+              <a:t>templateUrl</a:t>
+            </a:r>
+            <a:r>
+              <a:rPr lang="en-IN" dirty="0"/>
+              <a:t>: './app.component.html',</a:t>
+            </a:r>
+          </a:p>
+          <a:p>
+            <a:r>
+              <a:rPr lang="en-IN" dirty="0"/>
+              <a:t>  </a:t>
+            </a:r>
+            <a:r>
+              <a:rPr lang="en-IN" dirty="0" err="1"/>
+              <a:t>styleUrls</a:t>
+            </a:r>
+            <a:r>
+              <a:rPr lang="en-IN" dirty="0"/>
+              <a:t>: ['./app.component.css']</a:t>
+            </a:r>
+          </a:p>
+          <a:p>
+            <a:r>
+              <a:rPr lang="en-IN" dirty="0"/>
+              <a:t>})</a:t>
+            </a:r>
+          </a:p>
+          <a:p>
+            <a:r>
+              <a:rPr lang="en-IN" dirty="0"/>
+              <a:t>export class </a:t>
+            </a:r>
+            <a:r>
+              <a:rPr lang="en-IN" dirty="0" err="1"/>
+              <a:t>AppComponent</a:t>
+            </a:r>
+            <a:r>
+              <a:rPr lang="en-IN" dirty="0"/>
+              <a:t> {</a:t>
+            </a:r>
+          </a:p>
+          <a:p>
+            <a:r>
+              <a:rPr lang="en-IN" dirty="0"/>
+              <a:t>}</a:t>
+            </a:r>
+          </a:p>
+        </p:txBody>
+      </p:sp>
+      <p:sp>
+        <p:nvSpPr>
+          <p:cNvPr id="9" name="TextBox 8">
+            <a:extLst>
+              <a:ext uri="{FF2B5EF4-FFF2-40B4-BE49-F238E27FC236}">
+                <a16:creationId xmlns:a16="http://schemas.microsoft.com/office/drawing/2014/main" id="{51C08227-1B89-0AD7-66A7-D5537D586E99}"/>
+              </a:ext>
+            </a:extLst>
+          </p:cNvPr>
+          <p:cNvSpPr txBox="1"/>
+          <p:nvPr/>
+        </p:nvSpPr>
+        <p:spPr>
+          <a:xfrm>
+            <a:off x="988358" y="3566838"/>
+            <a:ext cx="6100482" cy="400110"/>
+          </a:xfrm>
+          <a:prstGeom prst="rect">
+            <a:avLst/>
+          </a:prstGeom>
+          <a:noFill/>
+        </p:spPr>
+        <p:txBody>
+          <a:bodyPr wrap="square">
+            <a:spAutoFit/>
+          </a:bodyPr>
+          <a:lstStyle/>
+          <a:p>
+            <a:r>
+              <a:rPr lang="en-US" sz="2000" dirty="0">
+                <a:solidFill>
+                  <a:schemeClr val="tx1">
+                    <a:lumMod val="65000"/>
+                    <a:lumOff val="35000"/>
+                  </a:schemeClr>
+                </a:solidFill>
+              </a:rPr>
+              <a:t>2. Write the below-given code in </a:t>
+            </a:r>
+            <a:r>
+              <a:rPr lang="en-US" sz="2000" b="1" dirty="0">
+                <a:solidFill>
+                  <a:schemeClr val="tx1">
+                    <a:lumMod val="65000"/>
+                    <a:lumOff val="35000"/>
+                  </a:schemeClr>
+                </a:solidFill>
+              </a:rPr>
+              <a:t>app.component.css</a:t>
+            </a:r>
+            <a:endParaRPr lang="en-IN" sz="2000" dirty="0">
+              <a:solidFill>
+                <a:schemeClr val="tx1">
+                  <a:lumMod val="65000"/>
+                  <a:lumOff val="35000"/>
+                </a:schemeClr>
+              </a:solidFill>
+            </a:endParaRPr>
+          </a:p>
+        </p:txBody>
+      </p:sp>
+      <p:sp>
+        <p:nvSpPr>
+          <p:cNvPr id="11" name="TextBox 10">
+            <a:extLst>
+              <a:ext uri="{FF2B5EF4-FFF2-40B4-BE49-F238E27FC236}">
+                <a16:creationId xmlns:a16="http://schemas.microsoft.com/office/drawing/2014/main" id="{8A681387-97BF-14B0-F20E-DC6FCEA36CCE}"/>
+              </a:ext>
+            </a:extLst>
+          </p:cNvPr>
+          <p:cNvSpPr txBox="1"/>
+          <p:nvPr/>
+        </p:nvSpPr>
+        <p:spPr>
+          <a:xfrm>
+            <a:off x="988358" y="4284486"/>
+            <a:ext cx="6100482" cy="1754326"/>
+          </a:xfrm>
+          <a:prstGeom prst="rect">
+            <a:avLst/>
+          </a:prstGeom>
+          <a:noFill/>
+        </p:spPr>
+        <p:txBody>
+          <a:bodyPr wrap="square">
+            <a:spAutoFit/>
+          </a:bodyPr>
+          <a:lstStyle/>
+          <a:p>
+            <a:r>
+              <a:rPr lang="en-IN" dirty="0"/>
+              <a:t>.highlight {</a:t>
+            </a:r>
+          </a:p>
+          <a:p>
+            <a:r>
+              <a:rPr lang="en-IN" dirty="0"/>
+              <a:t>  border: 2px solid coral;</a:t>
+            </a:r>
+          </a:p>
+          <a:p>
+            <a:r>
+              <a:rPr lang="en-IN" dirty="0"/>
+              <a:t>  background-</a:t>
+            </a:r>
+            <a:r>
+              <a:rPr lang="en-IN" dirty="0" err="1"/>
+              <a:t>color</a:t>
+            </a:r>
+            <a:r>
+              <a:rPr lang="en-IN" dirty="0"/>
+              <a:t>: </a:t>
+            </a:r>
+            <a:r>
+              <a:rPr lang="en-IN" dirty="0" err="1"/>
+              <a:t>aliceblue</a:t>
+            </a:r>
+            <a:r>
+              <a:rPr lang="en-IN" dirty="0"/>
+              <a:t>;</a:t>
+            </a:r>
+          </a:p>
+          <a:p>
+            <a:r>
+              <a:rPr lang="en-IN" dirty="0"/>
+              <a:t>  text-align: </a:t>
+            </a:r>
+            <a:r>
+              <a:rPr lang="en-IN" dirty="0" err="1"/>
+              <a:t>center</a:t>
+            </a:r>
+            <a:r>
+              <a:rPr lang="en-IN" dirty="0"/>
+              <a:t>;</a:t>
+            </a:r>
+          </a:p>
+          <a:p>
+            <a:r>
+              <a:rPr lang="en-IN" dirty="0"/>
+              <a:t>  margin-bottom: 20px;</a:t>
+            </a:r>
+          </a:p>
+          <a:p>
+            <a:r>
+              <a:rPr lang="en-IN" dirty="0"/>
+              <a:t>}</a:t>
+            </a:r>
+          </a:p>
+        </p:txBody>
+      </p:sp>
+    </p:spTree>
+    <p:extLst>
+      <p:ext uri="{BB962C8B-B14F-4D97-AF65-F5344CB8AC3E}">
+        <p14:creationId xmlns:p14="http://schemas.microsoft.com/office/powerpoint/2010/main" val="969843659"/>
+      </p:ext>
+    </p:extLst>
+  </p:cSld>
+  <p:clrMapOvr>
+    <a:masterClrMapping/>
+  </p:clrMapOvr>
+</p:sld>
+</file>
+
+<file path=ppt/slides/slide153.xml><?xml version="1.0" encoding="utf-8"?>
+<p:sld xmlns:a="http://schemas.openxmlformats.org/drawingml/2006/main" xmlns:r="http://schemas.openxmlformats.org/officeDocument/2006/relationships" xmlns:p="http://schemas.openxmlformats.org/presentationml/2006/main">
+  <p:cSld>
+    <p:spTree>
+      <p:nvGrpSpPr>
+        <p:cNvPr id="1" name=""/>
+        <p:cNvGrpSpPr/>
+        <p:nvPr/>
+      </p:nvGrpSpPr>
+      <p:grpSpPr>
+        <a:xfrm>
+          <a:off x="0" y="0"/>
+          <a:ext cx="0" cy="0"/>
+          <a:chOff x="0" y="0"/>
+          <a:chExt cx="0" cy="0"/>
+        </a:xfrm>
+      </p:grpSpPr>
+      <p:sp>
+        <p:nvSpPr>
+          <p:cNvPr id="2" name="Footer Placeholder 1">
+            <a:extLst>
+              <a:ext uri="{FF2B5EF4-FFF2-40B4-BE49-F238E27FC236}">
+                <a16:creationId xmlns:a16="http://schemas.microsoft.com/office/drawing/2014/main" id="{0B683E02-0FF5-4E17-2F0A-0848DD8FCF0A}"/>
+              </a:ext>
+            </a:extLst>
+          </p:cNvPr>
+          <p:cNvSpPr>
+            <a:spLocks noGrp="1"/>
+          </p:cNvSpPr>
+          <p:nvPr>
+            <p:ph type="ftr" sz="quarter" idx="11"/>
+          </p:nvPr>
+        </p:nvSpPr>
+        <p:spPr/>
+        <p:txBody>
+          <a:bodyPr/>
+          <a:lstStyle/>
+          <a:p>
+            <a:r>
+              <a:rPr lang="en-IN"/>
+              <a:t>H&amp;D IT Solution</a:t>
+            </a:r>
+            <a:endParaRPr lang="en-IN" dirty="0"/>
+          </a:p>
+        </p:txBody>
+      </p:sp>
+      <p:sp>
+        <p:nvSpPr>
+          <p:cNvPr id="3" name="Slide Number Placeholder 2">
+            <a:extLst>
+              <a:ext uri="{FF2B5EF4-FFF2-40B4-BE49-F238E27FC236}">
+                <a16:creationId xmlns:a16="http://schemas.microsoft.com/office/drawing/2014/main" id="{D6BF1810-6FC8-8257-EEEF-B6B3256D5E30}"/>
+              </a:ext>
+            </a:extLst>
+          </p:cNvPr>
+          <p:cNvSpPr>
+            <a:spLocks noGrp="1"/>
+          </p:cNvSpPr>
+          <p:nvPr>
+            <p:ph type="sldNum" sz="quarter" idx="12"/>
+          </p:nvPr>
+        </p:nvSpPr>
+        <p:spPr/>
+        <p:txBody>
+          <a:bodyPr/>
+          <a:lstStyle/>
+          <a:p>
+            <a:fld id="{4A777409-9C5A-4B07-8E32-19F22F7D558C}" type="slidenum">
+              <a:rPr lang="en-IN" smtClean="0"/>
+              <a:t>153</a:t>
+            </a:fld>
+            <a:endParaRPr lang="en-IN" dirty="0"/>
+          </a:p>
+        </p:txBody>
+      </p:sp>
+      <p:sp>
+        <p:nvSpPr>
+          <p:cNvPr id="5" name="TextBox 4">
+            <a:extLst>
+              <a:ext uri="{FF2B5EF4-FFF2-40B4-BE49-F238E27FC236}">
+                <a16:creationId xmlns:a16="http://schemas.microsoft.com/office/drawing/2014/main" id="{DA9166B1-96EF-8311-C6F2-9EC266AFCF04}"/>
+              </a:ext>
+            </a:extLst>
+          </p:cNvPr>
+          <p:cNvSpPr txBox="1"/>
+          <p:nvPr/>
+        </p:nvSpPr>
+        <p:spPr>
+          <a:xfrm>
+            <a:off x="988359" y="572851"/>
+            <a:ext cx="6100482" cy="400110"/>
+          </a:xfrm>
+          <a:prstGeom prst="rect">
+            <a:avLst/>
+          </a:prstGeom>
+          <a:noFill/>
+        </p:spPr>
+        <p:txBody>
+          <a:bodyPr wrap="square">
+            <a:spAutoFit/>
+          </a:bodyPr>
+          <a:lstStyle/>
+          <a:p>
+            <a:r>
+              <a:rPr lang="en-US" sz="2000" dirty="0">
+                <a:solidFill>
+                  <a:schemeClr val="tx1">
+                    <a:lumMod val="65000"/>
+                    <a:lumOff val="35000"/>
+                  </a:schemeClr>
+                </a:solidFill>
+              </a:rPr>
+              <a:t>3. Write the below-given code in </a:t>
+            </a:r>
+            <a:r>
+              <a:rPr lang="en-US" sz="2000" b="1" dirty="0">
+                <a:solidFill>
+                  <a:schemeClr val="tx1">
+                    <a:lumMod val="65000"/>
+                    <a:lumOff val="35000"/>
+                  </a:schemeClr>
+                </a:solidFill>
+              </a:rPr>
+              <a:t>app.component.html</a:t>
+            </a:r>
+            <a:endParaRPr lang="en-IN" sz="2000" dirty="0">
+              <a:solidFill>
+                <a:schemeClr val="tx1">
+                  <a:lumMod val="65000"/>
+                  <a:lumOff val="35000"/>
+                </a:schemeClr>
+              </a:solidFill>
+            </a:endParaRPr>
+          </a:p>
+        </p:txBody>
+      </p:sp>
+      <p:sp>
+        <p:nvSpPr>
+          <p:cNvPr id="7" name="TextBox 6">
+            <a:extLst>
+              <a:ext uri="{FF2B5EF4-FFF2-40B4-BE49-F238E27FC236}">
+                <a16:creationId xmlns:a16="http://schemas.microsoft.com/office/drawing/2014/main" id="{2A6C3FEF-CCC6-83AD-7DDE-FE7C6639D777}"/>
+              </a:ext>
+            </a:extLst>
+          </p:cNvPr>
+          <p:cNvSpPr txBox="1"/>
+          <p:nvPr/>
+        </p:nvSpPr>
+        <p:spPr>
+          <a:xfrm>
+            <a:off x="988359" y="1071753"/>
+            <a:ext cx="6100482" cy="1200329"/>
+          </a:xfrm>
+          <a:prstGeom prst="rect">
+            <a:avLst/>
+          </a:prstGeom>
+          <a:noFill/>
+        </p:spPr>
+        <p:txBody>
+          <a:bodyPr wrap="square">
+            <a:spAutoFit/>
+          </a:bodyPr>
+          <a:lstStyle/>
+          <a:p>
+            <a:r>
+              <a:rPr lang="en-IN" dirty="0"/>
+              <a:t>&lt;div class="highlight"&gt;</a:t>
+            </a:r>
+          </a:p>
+          <a:p>
+            <a:r>
+              <a:rPr lang="en-IN" dirty="0"/>
+              <a:t>  Container Component</a:t>
+            </a:r>
+          </a:p>
+          <a:p>
+            <a:r>
+              <a:rPr lang="en-IN" dirty="0"/>
+              <a:t>&lt;/div&gt;</a:t>
+            </a:r>
+          </a:p>
+          <a:p>
+            <a:r>
+              <a:rPr lang="en-IN" dirty="0"/>
+              <a:t>&lt;app-child&gt;&lt;/app-child&gt;</a:t>
+            </a:r>
+          </a:p>
+        </p:txBody>
+      </p:sp>
+      <p:sp>
+        <p:nvSpPr>
+          <p:cNvPr id="9" name="TextBox 8">
+            <a:extLst>
+              <a:ext uri="{FF2B5EF4-FFF2-40B4-BE49-F238E27FC236}">
+                <a16:creationId xmlns:a16="http://schemas.microsoft.com/office/drawing/2014/main" id="{658768D3-6175-FBEB-B75A-7BE214FD5F4D}"/>
+              </a:ext>
+            </a:extLst>
+          </p:cNvPr>
+          <p:cNvSpPr txBox="1"/>
+          <p:nvPr/>
+        </p:nvSpPr>
+        <p:spPr>
+          <a:xfrm>
+            <a:off x="988358" y="2523129"/>
+            <a:ext cx="10952629" cy="400110"/>
+          </a:xfrm>
+          <a:prstGeom prst="rect">
+            <a:avLst/>
+          </a:prstGeom>
+          <a:noFill/>
+        </p:spPr>
+        <p:txBody>
+          <a:bodyPr wrap="square">
+            <a:spAutoFit/>
+          </a:bodyPr>
+          <a:lstStyle/>
+          <a:p>
+            <a:r>
+              <a:rPr lang="en-US" sz="2000" dirty="0">
+                <a:solidFill>
+                  <a:schemeClr val="tx1">
+                    <a:lumMod val="65000"/>
+                    <a:lumOff val="35000"/>
+                  </a:schemeClr>
+                </a:solidFill>
+              </a:rPr>
+              <a:t>4. Create another component called </a:t>
+            </a:r>
+            <a:r>
+              <a:rPr lang="en-US" sz="2000" b="1" dirty="0" err="1">
+                <a:solidFill>
+                  <a:schemeClr val="tx1">
+                    <a:lumMod val="65000"/>
+                    <a:lumOff val="35000"/>
+                  </a:schemeClr>
+                </a:solidFill>
+              </a:rPr>
+              <a:t>ChildComponent</a:t>
+            </a:r>
+            <a:r>
+              <a:rPr lang="en-US" sz="2000" dirty="0">
+                <a:solidFill>
+                  <a:schemeClr val="tx1">
+                    <a:lumMod val="65000"/>
+                    <a:lumOff val="35000"/>
+                  </a:schemeClr>
+                </a:solidFill>
+              </a:rPr>
+              <a:t> using the following CLI command</a:t>
+            </a:r>
+            <a:endParaRPr lang="en-IN" sz="2000" dirty="0">
+              <a:solidFill>
+                <a:schemeClr val="tx1">
+                  <a:lumMod val="65000"/>
+                  <a:lumOff val="35000"/>
+                </a:schemeClr>
+              </a:solidFill>
+            </a:endParaRPr>
+          </a:p>
+        </p:txBody>
+      </p:sp>
+      <p:sp>
+        <p:nvSpPr>
+          <p:cNvPr id="11" name="TextBox 10">
+            <a:extLst>
+              <a:ext uri="{FF2B5EF4-FFF2-40B4-BE49-F238E27FC236}">
+                <a16:creationId xmlns:a16="http://schemas.microsoft.com/office/drawing/2014/main" id="{57048AEA-DCC9-F55E-FF8C-6989FAB2663B}"/>
+              </a:ext>
+            </a:extLst>
+          </p:cNvPr>
+          <p:cNvSpPr txBox="1"/>
+          <p:nvPr/>
+        </p:nvSpPr>
+        <p:spPr>
+          <a:xfrm>
+            <a:off x="988358" y="2989620"/>
+            <a:ext cx="6100482" cy="369332"/>
+          </a:xfrm>
+          <a:prstGeom prst="rect">
+            <a:avLst/>
+          </a:prstGeom>
+          <a:noFill/>
+        </p:spPr>
+        <p:txBody>
+          <a:bodyPr wrap="square">
+            <a:spAutoFit/>
+          </a:bodyPr>
+          <a:lstStyle/>
+          <a:p>
+            <a:r>
+              <a:rPr lang="en-IN" dirty="0"/>
+              <a:t>D:\MyApp&gt;ng generate component Child</a:t>
+            </a:r>
+          </a:p>
+        </p:txBody>
+      </p:sp>
+      <p:sp>
+        <p:nvSpPr>
+          <p:cNvPr id="13" name="TextBox 12">
+            <a:extLst>
+              <a:ext uri="{FF2B5EF4-FFF2-40B4-BE49-F238E27FC236}">
+                <a16:creationId xmlns:a16="http://schemas.microsoft.com/office/drawing/2014/main" id="{C5E5F78E-5AD3-DDA7-927F-C02BE7676448}"/>
+              </a:ext>
+            </a:extLst>
+          </p:cNvPr>
+          <p:cNvSpPr txBox="1"/>
+          <p:nvPr/>
+        </p:nvSpPr>
+        <p:spPr>
+          <a:xfrm>
+            <a:off x="988358" y="3452918"/>
+            <a:ext cx="6100482" cy="400110"/>
+          </a:xfrm>
+          <a:prstGeom prst="rect">
+            <a:avLst/>
+          </a:prstGeom>
+          <a:noFill/>
+        </p:spPr>
+        <p:txBody>
+          <a:bodyPr wrap="square">
+            <a:spAutoFit/>
+          </a:bodyPr>
+          <a:lstStyle/>
+          <a:p>
+            <a:r>
+              <a:rPr lang="en-US" sz="2000" dirty="0">
+                <a:solidFill>
+                  <a:schemeClr val="tx1">
+                    <a:lumMod val="65000"/>
+                    <a:lumOff val="35000"/>
+                  </a:schemeClr>
+                </a:solidFill>
+              </a:rPr>
+              <a:t>5. Write the below-given code in </a:t>
+            </a:r>
+            <a:r>
+              <a:rPr lang="en-US" sz="2000" b="1" dirty="0" err="1">
+                <a:solidFill>
+                  <a:schemeClr val="tx1">
+                    <a:lumMod val="65000"/>
+                    <a:lumOff val="35000"/>
+                  </a:schemeClr>
+                </a:solidFill>
+              </a:rPr>
+              <a:t>child.component.ts</a:t>
+            </a:r>
+            <a:endParaRPr lang="en-IN" sz="2000" dirty="0">
+              <a:solidFill>
+                <a:schemeClr val="tx1">
+                  <a:lumMod val="65000"/>
+                  <a:lumOff val="35000"/>
+                </a:schemeClr>
+              </a:solidFill>
+            </a:endParaRPr>
+          </a:p>
+        </p:txBody>
+      </p:sp>
+      <p:sp>
+        <p:nvSpPr>
+          <p:cNvPr id="15" name="TextBox 14">
+            <a:extLst>
+              <a:ext uri="{FF2B5EF4-FFF2-40B4-BE49-F238E27FC236}">
+                <a16:creationId xmlns:a16="http://schemas.microsoft.com/office/drawing/2014/main" id="{8E0DA71F-A371-159F-B114-2215BDA41F30}"/>
+              </a:ext>
+            </a:extLst>
+          </p:cNvPr>
+          <p:cNvSpPr txBox="1"/>
+          <p:nvPr/>
+        </p:nvSpPr>
+        <p:spPr>
+          <a:xfrm>
+            <a:off x="988358" y="4048026"/>
+            <a:ext cx="6100482" cy="2308324"/>
+          </a:xfrm>
+          <a:prstGeom prst="rect">
+            <a:avLst/>
+          </a:prstGeom>
+          <a:noFill/>
+        </p:spPr>
+        <p:txBody>
+          <a:bodyPr wrap="square">
+            <a:spAutoFit/>
+          </a:bodyPr>
+          <a:lstStyle/>
+          <a:p>
+            <a:r>
+              <a:rPr lang="en-IN" dirty="0"/>
+              <a:t>import { Component } from '@angular/core';</a:t>
+            </a:r>
+          </a:p>
+          <a:p>
+            <a:r>
+              <a:rPr lang="en-IN" dirty="0"/>
+              <a:t>@Component({</a:t>
+            </a:r>
+          </a:p>
+          <a:p>
+            <a:r>
+              <a:rPr lang="en-IN" dirty="0"/>
+              <a:t>  selector: 'app-child',</a:t>
+            </a:r>
+          </a:p>
+          <a:p>
+            <a:r>
+              <a:rPr lang="en-IN" dirty="0"/>
+              <a:t>  </a:t>
+            </a:r>
+            <a:r>
+              <a:rPr lang="en-IN" dirty="0" err="1"/>
+              <a:t>templateUrl</a:t>
+            </a:r>
+            <a:r>
+              <a:rPr lang="en-IN" dirty="0"/>
+              <a:t>: './child.component.html',</a:t>
+            </a:r>
+          </a:p>
+          <a:p>
+            <a:r>
+              <a:rPr lang="en-IN" dirty="0"/>
+              <a:t>  </a:t>
+            </a:r>
+            <a:r>
+              <a:rPr lang="en-IN" dirty="0" err="1"/>
+              <a:t>styleUrls</a:t>
+            </a:r>
+            <a:r>
+              <a:rPr lang="en-IN" dirty="0"/>
+              <a:t>: ['./child.component.css'],</a:t>
+            </a:r>
+          </a:p>
+          <a:p>
+            <a:r>
+              <a:rPr lang="en-IN" dirty="0"/>
+              <a:t>})</a:t>
+            </a:r>
+          </a:p>
+          <a:p>
+            <a:r>
+              <a:rPr lang="en-IN" dirty="0"/>
+              <a:t>export class </a:t>
+            </a:r>
+            <a:r>
+              <a:rPr lang="en-IN" dirty="0" err="1"/>
+              <a:t>ChildComponent</a:t>
+            </a:r>
+            <a:r>
+              <a:rPr lang="en-IN" dirty="0"/>
+              <a:t> {</a:t>
+            </a:r>
+          </a:p>
+          <a:p>
+            <a:r>
+              <a:rPr lang="en-IN" dirty="0"/>
+              <a:t>}</a:t>
+            </a:r>
+          </a:p>
+        </p:txBody>
+      </p:sp>
+    </p:spTree>
+    <p:extLst>
+      <p:ext uri="{BB962C8B-B14F-4D97-AF65-F5344CB8AC3E}">
+        <p14:creationId xmlns:p14="http://schemas.microsoft.com/office/powerpoint/2010/main" val="1666762759"/>
+      </p:ext>
+    </p:extLst>
+  </p:cSld>
+  <p:clrMapOvr>
+    <a:masterClrMapping/>
+  </p:clrMapOvr>
+</p:sld>
+</file>
+
+<file path=ppt/slides/slide154.xml><?xml version="1.0" encoding="utf-8"?>
+<p:sld xmlns:a="http://schemas.openxmlformats.org/drawingml/2006/main" xmlns:r="http://schemas.openxmlformats.org/officeDocument/2006/relationships" xmlns:p="http://schemas.openxmlformats.org/presentationml/2006/main">
+  <p:cSld>
+    <p:spTree>
+      <p:nvGrpSpPr>
+        <p:cNvPr id="1" name=""/>
+        <p:cNvGrpSpPr/>
+        <p:nvPr/>
+      </p:nvGrpSpPr>
+      <p:grpSpPr>
+        <a:xfrm>
+          <a:off x="0" y="0"/>
+          <a:ext cx="0" cy="0"/>
+          <a:chOff x="0" y="0"/>
+          <a:chExt cx="0" cy="0"/>
+        </a:xfrm>
+      </p:grpSpPr>
+      <p:sp>
+        <p:nvSpPr>
+          <p:cNvPr id="2" name="Footer Placeholder 1">
+            <a:extLst>
+              <a:ext uri="{FF2B5EF4-FFF2-40B4-BE49-F238E27FC236}">
+                <a16:creationId xmlns:a16="http://schemas.microsoft.com/office/drawing/2014/main" id="{975432B2-688B-5177-844F-331EAC39E68A}"/>
+              </a:ext>
+            </a:extLst>
+          </p:cNvPr>
+          <p:cNvSpPr>
+            <a:spLocks noGrp="1"/>
+          </p:cNvSpPr>
+          <p:nvPr>
+            <p:ph type="ftr" sz="quarter" idx="11"/>
+          </p:nvPr>
+        </p:nvSpPr>
+        <p:spPr/>
+        <p:txBody>
+          <a:bodyPr/>
+          <a:lstStyle/>
+          <a:p>
+            <a:r>
+              <a:rPr lang="en-IN"/>
+              <a:t>H&amp;D IT Solution</a:t>
+            </a:r>
+            <a:endParaRPr lang="en-IN" dirty="0"/>
+          </a:p>
+        </p:txBody>
+      </p:sp>
+      <p:sp>
+        <p:nvSpPr>
+          <p:cNvPr id="3" name="Slide Number Placeholder 2">
+            <a:extLst>
+              <a:ext uri="{FF2B5EF4-FFF2-40B4-BE49-F238E27FC236}">
+                <a16:creationId xmlns:a16="http://schemas.microsoft.com/office/drawing/2014/main" id="{14B6560E-7EC8-20CE-7676-52DD09E76994}"/>
+              </a:ext>
+            </a:extLst>
+          </p:cNvPr>
+          <p:cNvSpPr>
+            <a:spLocks noGrp="1"/>
+          </p:cNvSpPr>
+          <p:nvPr>
+            <p:ph type="sldNum" sz="quarter" idx="12"/>
+          </p:nvPr>
+        </p:nvSpPr>
+        <p:spPr/>
+        <p:txBody>
+          <a:bodyPr/>
+          <a:lstStyle/>
+          <a:p>
+            <a:fld id="{4A777409-9C5A-4B07-8E32-19F22F7D558C}" type="slidenum">
+              <a:rPr lang="en-IN" smtClean="0"/>
+              <a:t>154</a:t>
+            </a:fld>
+            <a:endParaRPr lang="en-IN" dirty="0"/>
+          </a:p>
+        </p:txBody>
+      </p:sp>
+      <p:sp>
+        <p:nvSpPr>
+          <p:cNvPr id="5" name="TextBox 4">
+            <a:extLst>
+              <a:ext uri="{FF2B5EF4-FFF2-40B4-BE49-F238E27FC236}">
+                <a16:creationId xmlns:a16="http://schemas.microsoft.com/office/drawing/2014/main" id="{E6FE1831-9D3D-9013-8D60-58DE16B29895}"/>
+              </a:ext>
+            </a:extLst>
+          </p:cNvPr>
+          <p:cNvSpPr txBox="1"/>
+          <p:nvPr/>
+        </p:nvSpPr>
+        <p:spPr>
+          <a:xfrm>
+            <a:off x="988359" y="554922"/>
+            <a:ext cx="6100482" cy="400110"/>
+          </a:xfrm>
+          <a:prstGeom prst="rect">
+            <a:avLst/>
+          </a:prstGeom>
+          <a:noFill/>
+        </p:spPr>
+        <p:txBody>
+          <a:bodyPr wrap="square">
+            <a:spAutoFit/>
+          </a:bodyPr>
+          <a:lstStyle/>
+          <a:p>
+            <a:r>
+              <a:rPr lang="en-US" sz="2000">
+                <a:solidFill>
+                  <a:schemeClr val="tx1">
+                    <a:lumMod val="65000"/>
+                    <a:lumOff val="35000"/>
+                  </a:schemeClr>
+                </a:solidFill>
+              </a:rPr>
+              <a:t>6. Write the below-given code in </a:t>
+            </a:r>
+            <a:r>
+              <a:rPr lang="en-US" sz="2000" b="1">
+                <a:solidFill>
+                  <a:schemeClr val="tx1">
+                    <a:lumMod val="65000"/>
+                    <a:lumOff val="35000"/>
+                  </a:schemeClr>
+                </a:solidFill>
+              </a:rPr>
+              <a:t>child.component.css</a:t>
+            </a:r>
+            <a:endParaRPr lang="en-IN" sz="2000" dirty="0">
+              <a:solidFill>
+                <a:schemeClr val="tx1">
+                  <a:lumMod val="65000"/>
+                  <a:lumOff val="35000"/>
+                </a:schemeClr>
+              </a:solidFill>
+            </a:endParaRPr>
+          </a:p>
+        </p:txBody>
+      </p:sp>
+      <p:sp>
+        <p:nvSpPr>
+          <p:cNvPr id="6" name="TextBox 5">
+            <a:extLst>
+              <a:ext uri="{FF2B5EF4-FFF2-40B4-BE49-F238E27FC236}">
+                <a16:creationId xmlns:a16="http://schemas.microsoft.com/office/drawing/2014/main" id="{C227D270-0EF2-298E-14E6-DC86F1D0B9D0}"/>
+              </a:ext>
+            </a:extLst>
+          </p:cNvPr>
+          <p:cNvSpPr txBox="1"/>
+          <p:nvPr/>
+        </p:nvSpPr>
+        <p:spPr>
+          <a:xfrm>
+            <a:off x="925606" y="1146593"/>
+            <a:ext cx="6100482" cy="1938992"/>
+          </a:xfrm>
+          <a:prstGeom prst="rect">
+            <a:avLst/>
+          </a:prstGeom>
+          <a:noFill/>
+        </p:spPr>
+        <p:txBody>
+          <a:bodyPr wrap="square">
+            <a:spAutoFit/>
+          </a:bodyPr>
+          <a:lstStyle/>
+          <a:p>
+            <a:r>
+              <a:rPr lang="en-US" sz="2000"/>
+              <a:t>.highlight {</a:t>
+            </a:r>
+          </a:p>
+          <a:p>
+            <a:r>
+              <a:rPr lang="en-US" sz="2000"/>
+              <a:t>  border: 2px solid violet;</a:t>
+            </a:r>
+          </a:p>
+          <a:p>
+            <a:r>
+              <a:rPr lang="en-US" sz="2000"/>
+              <a:t>  background-color: cornsilk;</a:t>
+            </a:r>
+          </a:p>
+          <a:p>
+            <a:r>
+              <a:rPr lang="en-US" sz="2000"/>
+              <a:t>  text-align: center;</a:t>
+            </a:r>
+          </a:p>
+          <a:p>
+            <a:r>
+              <a:rPr lang="en-US" sz="2000"/>
+              <a:t>  margin-bottom: 20px;</a:t>
+            </a:r>
+          </a:p>
+          <a:p>
+            <a:r>
+              <a:rPr lang="en-US" sz="2000"/>
+              <a:t>}</a:t>
+            </a:r>
+            <a:endParaRPr lang="en-US" sz="2000" dirty="0"/>
+          </a:p>
+        </p:txBody>
+      </p:sp>
+      <p:sp>
+        <p:nvSpPr>
+          <p:cNvPr id="8" name="TextBox 7">
+            <a:extLst>
+              <a:ext uri="{FF2B5EF4-FFF2-40B4-BE49-F238E27FC236}">
+                <a16:creationId xmlns:a16="http://schemas.microsoft.com/office/drawing/2014/main" id="{4AE81EDE-348E-0940-F001-6C32FEA178BD}"/>
+              </a:ext>
+            </a:extLst>
+          </p:cNvPr>
+          <p:cNvSpPr txBox="1"/>
+          <p:nvPr/>
+        </p:nvSpPr>
+        <p:spPr>
+          <a:xfrm>
+            <a:off x="988359" y="3172616"/>
+            <a:ext cx="6100482" cy="400110"/>
+          </a:xfrm>
+          <a:prstGeom prst="rect">
+            <a:avLst/>
+          </a:prstGeom>
+          <a:noFill/>
+        </p:spPr>
+        <p:txBody>
+          <a:bodyPr wrap="square">
+            <a:spAutoFit/>
+          </a:bodyPr>
+          <a:lstStyle/>
+          <a:p>
+            <a:r>
+              <a:rPr lang="en-US" sz="2000" dirty="0">
+                <a:solidFill>
+                  <a:schemeClr val="tx1">
+                    <a:lumMod val="65000"/>
+                    <a:lumOff val="35000"/>
+                  </a:schemeClr>
+                </a:solidFill>
+              </a:rPr>
+              <a:t>7. Write the below-given code in </a:t>
+            </a:r>
+            <a:r>
+              <a:rPr lang="en-US" sz="2000" b="1" dirty="0">
+                <a:solidFill>
+                  <a:schemeClr val="tx1">
+                    <a:lumMod val="65000"/>
+                    <a:lumOff val="35000"/>
+                  </a:schemeClr>
+                </a:solidFill>
+              </a:rPr>
+              <a:t>child.component.html</a:t>
+            </a:r>
+            <a:endParaRPr lang="en-IN" sz="2000" dirty="0">
+              <a:solidFill>
+                <a:schemeClr val="tx1">
+                  <a:lumMod val="65000"/>
+                  <a:lumOff val="35000"/>
+                </a:schemeClr>
+              </a:solidFill>
+            </a:endParaRPr>
+          </a:p>
+        </p:txBody>
+      </p:sp>
+      <p:sp>
+        <p:nvSpPr>
+          <p:cNvPr id="10" name="TextBox 9">
+            <a:extLst>
+              <a:ext uri="{FF2B5EF4-FFF2-40B4-BE49-F238E27FC236}">
+                <a16:creationId xmlns:a16="http://schemas.microsoft.com/office/drawing/2014/main" id="{EA93BF46-5057-CC50-1718-E5D73F41EE4B}"/>
+              </a:ext>
+            </a:extLst>
+          </p:cNvPr>
+          <p:cNvSpPr txBox="1"/>
+          <p:nvPr/>
+        </p:nvSpPr>
+        <p:spPr>
+          <a:xfrm>
+            <a:off x="925606" y="3818982"/>
+            <a:ext cx="6100482" cy="923330"/>
+          </a:xfrm>
+          <a:prstGeom prst="rect">
+            <a:avLst/>
+          </a:prstGeom>
+          <a:noFill/>
+        </p:spPr>
+        <p:txBody>
+          <a:bodyPr wrap="square">
+            <a:spAutoFit/>
+          </a:bodyPr>
+          <a:lstStyle/>
+          <a:p>
+            <a:r>
+              <a:rPr lang="en-IN" dirty="0"/>
+              <a:t>&lt;div class="highlight"&gt;</a:t>
+            </a:r>
+          </a:p>
+          <a:p>
+            <a:r>
+              <a:rPr lang="en-IN" dirty="0"/>
+              <a:t>  Child Component</a:t>
+            </a:r>
+          </a:p>
+          <a:p>
+            <a:r>
+              <a:rPr lang="en-IN" dirty="0"/>
+              <a:t>&lt;/div&gt;</a:t>
+            </a:r>
+          </a:p>
+        </p:txBody>
+      </p:sp>
+      <p:sp>
+        <p:nvSpPr>
+          <p:cNvPr id="12" name="TextBox 11">
+            <a:extLst>
+              <a:ext uri="{FF2B5EF4-FFF2-40B4-BE49-F238E27FC236}">
+                <a16:creationId xmlns:a16="http://schemas.microsoft.com/office/drawing/2014/main" id="{570E4C04-6CB1-777A-18FA-126ECF83E395}"/>
+              </a:ext>
+            </a:extLst>
+          </p:cNvPr>
+          <p:cNvSpPr txBox="1"/>
+          <p:nvPr/>
+        </p:nvSpPr>
+        <p:spPr>
+          <a:xfrm>
+            <a:off x="925606" y="4949166"/>
+            <a:ext cx="10916770" cy="1015663"/>
+          </a:xfrm>
+          <a:prstGeom prst="rect">
+            <a:avLst/>
+          </a:prstGeom>
+          <a:noFill/>
+        </p:spPr>
+        <p:txBody>
+          <a:bodyPr wrap="square">
+            <a:spAutoFit/>
+          </a:bodyPr>
+          <a:lstStyle/>
+          <a:p>
+            <a:r>
+              <a:rPr lang="en-US" sz="2000" dirty="0">
+                <a:solidFill>
+                  <a:schemeClr val="tx1">
+                    <a:lumMod val="65000"/>
+                    <a:lumOff val="35000"/>
+                  </a:schemeClr>
+                </a:solidFill>
+                <a:effectLst/>
+              </a:rPr>
+              <a:t>8. Save the files and check the output in the browser</a:t>
+            </a:r>
+          </a:p>
+          <a:p>
+            <a:r>
+              <a:rPr lang="en-US" sz="2000" dirty="0">
+                <a:solidFill>
+                  <a:schemeClr val="tx1">
+                    <a:lumMod val="65000"/>
+                    <a:lumOff val="35000"/>
+                  </a:schemeClr>
+                </a:solidFill>
+                <a:effectLst/>
+              </a:rPr>
+              <a:t> </a:t>
+            </a:r>
+          </a:p>
+          <a:p>
+            <a:r>
+              <a:rPr lang="en-US" sz="2000" dirty="0">
+                <a:solidFill>
+                  <a:schemeClr val="tx1">
+                    <a:lumMod val="65000"/>
+                    <a:lumOff val="35000"/>
+                  </a:schemeClr>
+                </a:solidFill>
+                <a:effectLst/>
+              </a:rPr>
+              <a:t>9. Open developer tools in your chrome browser and go to the </a:t>
+            </a:r>
+            <a:r>
+              <a:rPr lang="en-US" sz="2000" b="1" dirty="0">
+                <a:solidFill>
+                  <a:schemeClr val="tx1">
+                    <a:lumMod val="65000"/>
+                    <a:lumOff val="35000"/>
+                  </a:schemeClr>
+                </a:solidFill>
+                <a:effectLst/>
+              </a:rPr>
+              <a:t>Elements</a:t>
+            </a:r>
+            <a:r>
+              <a:rPr lang="en-US" sz="2000" dirty="0">
+                <a:solidFill>
+                  <a:schemeClr val="tx1">
+                    <a:lumMod val="65000"/>
+                    <a:lumOff val="35000"/>
+                  </a:schemeClr>
+                </a:solidFill>
+                <a:effectLst/>
+              </a:rPr>
+              <a:t> tab</a:t>
+            </a:r>
+          </a:p>
+        </p:txBody>
+      </p:sp>
+    </p:spTree>
+    <p:extLst>
+      <p:ext uri="{BB962C8B-B14F-4D97-AF65-F5344CB8AC3E}">
+        <p14:creationId xmlns:p14="http://schemas.microsoft.com/office/powerpoint/2010/main" val="1459240522"/>
+      </p:ext>
+    </p:extLst>
+  </p:cSld>
+  <p:clrMapOvr>
+    <a:masterClrMapping/>
+  </p:clrMapOvr>
+</p:sld>
+</file>
+
+<file path=ppt/slides/slide155.xml><?xml version="1.0" encoding="utf-8"?>
+<p:sld xmlns:a="http://schemas.openxmlformats.org/drawingml/2006/main" xmlns:r="http://schemas.openxmlformats.org/officeDocument/2006/relationships" xmlns:p="http://schemas.openxmlformats.org/presentationml/2006/main">
+  <p:cSld>
+    <p:spTree>
+      <p:nvGrpSpPr>
+        <p:cNvPr id="1" name=""/>
+        <p:cNvGrpSpPr/>
+        <p:nvPr/>
+      </p:nvGrpSpPr>
+      <p:grpSpPr>
+        <a:xfrm>
+          <a:off x="0" y="0"/>
+          <a:ext cx="0" cy="0"/>
+          <a:chOff x="0" y="0"/>
+          <a:chExt cx="0" cy="0"/>
+        </a:xfrm>
+      </p:grpSpPr>
+      <p:sp>
+        <p:nvSpPr>
+          <p:cNvPr id="2" name="Footer Placeholder 1">
+            <a:extLst>
+              <a:ext uri="{FF2B5EF4-FFF2-40B4-BE49-F238E27FC236}">
+                <a16:creationId xmlns:a16="http://schemas.microsoft.com/office/drawing/2014/main" id="{0E3E7BAB-D443-BCD0-B75E-184499B78B38}"/>
+              </a:ext>
+            </a:extLst>
+          </p:cNvPr>
+          <p:cNvSpPr>
+            <a:spLocks noGrp="1"/>
+          </p:cNvSpPr>
+          <p:nvPr>
+            <p:ph type="ftr" sz="quarter" idx="11"/>
+          </p:nvPr>
+        </p:nvSpPr>
+        <p:spPr/>
+        <p:txBody>
+          <a:bodyPr/>
+          <a:lstStyle/>
+          <a:p>
+            <a:r>
+              <a:rPr lang="en-IN"/>
+              <a:t>H&amp;D IT Solution</a:t>
+            </a:r>
+            <a:endParaRPr lang="en-IN" dirty="0"/>
+          </a:p>
+        </p:txBody>
+      </p:sp>
+      <p:sp>
+        <p:nvSpPr>
+          <p:cNvPr id="3" name="Slide Number Placeholder 2">
+            <a:extLst>
+              <a:ext uri="{FF2B5EF4-FFF2-40B4-BE49-F238E27FC236}">
+                <a16:creationId xmlns:a16="http://schemas.microsoft.com/office/drawing/2014/main" id="{A4A85031-E64C-A31F-4155-FD8C77797CD5}"/>
+              </a:ext>
+            </a:extLst>
+          </p:cNvPr>
+          <p:cNvSpPr>
+            <a:spLocks noGrp="1"/>
+          </p:cNvSpPr>
+          <p:nvPr>
+            <p:ph type="sldNum" sz="quarter" idx="12"/>
+          </p:nvPr>
+        </p:nvSpPr>
+        <p:spPr/>
+        <p:txBody>
+          <a:bodyPr/>
+          <a:lstStyle/>
+          <a:p>
+            <a:fld id="{4A777409-9C5A-4B07-8E32-19F22F7D558C}" type="slidenum">
+              <a:rPr lang="en-IN" smtClean="0"/>
+              <a:t>155</a:t>
+            </a:fld>
+            <a:endParaRPr lang="en-IN" dirty="0"/>
+          </a:p>
+        </p:txBody>
+      </p:sp>
+      <p:pic>
+        <p:nvPicPr>
+          <p:cNvPr id="5" name="Picture 4">
+            <a:extLst>
+              <a:ext uri="{FF2B5EF4-FFF2-40B4-BE49-F238E27FC236}">
+                <a16:creationId xmlns:a16="http://schemas.microsoft.com/office/drawing/2014/main" id="{16CF3B9A-9890-5EAB-9C10-C7FB4B8831C0}"/>
+              </a:ext>
+            </a:extLst>
+          </p:cNvPr>
+          <p:cNvPicPr>
+            <a:picLocks noChangeAspect="1"/>
+          </p:cNvPicPr>
+          <p:nvPr/>
+        </p:nvPicPr>
+        <p:blipFill>
+          <a:blip r:embed="rId2">
+            <a:extLst>
+              <a:ext uri="{28A0092B-C50C-407E-A947-70E740481C1C}">
+                <a14:useLocalDpi xmlns:a14="http://schemas.microsoft.com/office/drawing/2010/main" val="0"/>
+              </a:ext>
+            </a:extLst>
+          </a:blip>
+          <a:stretch>
+            <a:fillRect/>
+          </a:stretch>
+        </p:blipFill>
+        <p:spPr>
+          <a:xfrm>
+            <a:off x="2093882" y="486577"/>
+            <a:ext cx="8004235" cy="5869773"/>
+          </a:xfrm>
+          <a:prstGeom prst="rect">
+            <a:avLst/>
+          </a:prstGeom>
+        </p:spPr>
+      </p:pic>
+    </p:spTree>
+    <p:extLst>
+      <p:ext uri="{BB962C8B-B14F-4D97-AF65-F5344CB8AC3E}">
+        <p14:creationId xmlns:p14="http://schemas.microsoft.com/office/powerpoint/2010/main" val="484846643"/>
       </p:ext>
     </p:extLst>
   </p:cSld>
